--- a/Modeling Recruitment in Stock Synthesis.pptx
+++ b/Modeling Recruitment in Stock Synthesis.pptx
@@ -5,30 +5,40 @@
     <p:sldMasterId id="2147483648" r:id="rId1"/>
   </p:sldMasterIdLst>
   <p:notesMasterIdLst>
-    <p:notesMasterId r:id="rId23"/>
+    <p:notesMasterId r:id="rId33"/>
   </p:notesMasterIdLst>
   <p:sldIdLst>
     <p:sldId id="256" r:id="rId2"/>
     <p:sldId id="257" r:id="rId3"/>
     <p:sldId id="278" r:id="rId4"/>
-    <p:sldId id="279" r:id="rId5"/>
+    <p:sldId id="291" r:id="rId5"/>
     <p:sldId id="280" r:id="rId6"/>
     <p:sldId id="281" r:id="rId7"/>
     <p:sldId id="260" r:id="rId8"/>
-    <p:sldId id="259" r:id="rId9"/>
-    <p:sldId id="262" r:id="rId10"/>
-    <p:sldId id="261" r:id="rId11"/>
-    <p:sldId id="263" r:id="rId12"/>
-    <p:sldId id="264" r:id="rId13"/>
-    <p:sldId id="274" r:id="rId14"/>
-    <p:sldId id="265" r:id="rId15"/>
-    <p:sldId id="266" r:id="rId16"/>
-    <p:sldId id="267" r:id="rId17"/>
-    <p:sldId id="268" r:id="rId18"/>
-    <p:sldId id="269" r:id="rId19"/>
-    <p:sldId id="271" r:id="rId20"/>
-    <p:sldId id="270" r:id="rId21"/>
-    <p:sldId id="272" r:id="rId22"/>
+    <p:sldId id="262" r:id="rId9"/>
+    <p:sldId id="259" r:id="rId10"/>
+    <p:sldId id="285" r:id="rId11"/>
+    <p:sldId id="261" r:id="rId12"/>
+    <p:sldId id="263" r:id="rId13"/>
+    <p:sldId id="264" r:id="rId14"/>
+    <p:sldId id="283" r:id="rId15"/>
+    <p:sldId id="287" r:id="rId16"/>
+    <p:sldId id="282" r:id="rId17"/>
+    <p:sldId id="286" r:id="rId18"/>
+    <p:sldId id="292" r:id="rId19"/>
+    <p:sldId id="274" r:id="rId20"/>
+    <p:sldId id="289" r:id="rId21"/>
+    <p:sldId id="284" r:id="rId22"/>
+    <p:sldId id="290" r:id="rId23"/>
+    <p:sldId id="265" r:id="rId24"/>
+    <p:sldId id="293" r:id="rId25"/>
+    <p:sldId id="266" r:id="rId26"/>
+    <p:sldId id="267" r:id="rId27"/>
+    <p:sldId id="268" r:id="rId28"/>
+    <p:sldId id="269" r:id="rId29"/>
+    <p:sldId id="271" r:id="rId30"/>
+    <p:sldId id="270" r:id="rId31"/>
+    <p:sldId id="272" r:id="rId32"/>
   </p:sldIdLst>
   <p:sldSz cx="12192000" cy="6858000"/>
   <p:notesSz cx="6858000" cy="9144000"/>
@@ -135,7 +145,7 @@
             <a:srgbClr val="A4A3A4"/>
           </p15:clr>
         </p15:guide>
-        <p15:guide id="2" pos="3840" userDrawn="1">
+        <p15:guide id="2" pos="3816" userDrawn="1">
           <p15:clr>
             <a:srgbClr val="A4A3A4"/>
           </p15:clr>
@@ -228,7 +238,7 @@
           <a:p>
             <a:fld id="{17C81D3E-7308-406E-85F4-E6A6A2D60342}" type="datetimeFigureOut">
               <a:rPr lang="en-US" smtClean="0"/>
-              <a:t>10/27/2017</a:t>
+              <a:t>10/29/2017</a:t>
             </a:fld>
             <a:endParaRPr lang="en-US"/>
           </a:p>
@@ -3394,9 +3404,9 @@
           <p:nvPr/>
         </p:nvSpPr>
         <p:spPr>
-          <a:xfrm rot="19775532">
-            <a:off x="6096000" y="4003608"/>
-            <a:ext cx="6409062" cy="1323439"/>
+          <a:xfrm>
+            <a:off x="2698146" y="5257800"/>
+            <a:ext cx="6795707" cy="707886"/>
           </a:xfrm>
           <a:prstGeom prst="rect">
             <a:avLst/>
@@ -3415,22 +3425,7 @@
                   <a:srgbClr val="C00000"/>
                 </a:solidFill>
               </a:rPr>
-              <a:t>DRAFT presentation uploaded</a:t>
-            </a:r>
-            <a:br>
-              <a:rPr lang="en-US" sz="4000" dirty="0" smtClean="0">
-                <a:solidFill>
-                  <a:srgbClr val="C00000"/>
-                </a:solidFill>
-              </a:rPr>
-            </a:br>
-            <a:r>
-              <a:rPr lang="en-US" sz="4000" dirty="0" smtClean="0">
-                <a:solidFill>
-                  <a:srgbClr val="C00000"/>
-                </a:solidFill>
-              </a:rPr>
-              <a:t>for backup purposes only</a:t>
+              <a:t>Incomplete DRAFT presentation</a:t>
             </a:r>
             <a:endParaRPr lang="en-US" sz="4000" dirty="0">
               <a:solidFill>
@@ -3479,7 +3474,103 @@
       </p:grpSpPr>
       <p:sp>
         <p:nvSpPr>
-          <p:cNvPr id="2" name="Title 1"/>
+          <p:cNvPr id="2" name="Rectangle 1"/>
+          <p:cNvSpPr/>
+          <p:nvPr/>
+        </p:nvSpPr>
+        <p:spPr>
+          <a:xfrm>
+            <a:off x="632716" y="4271749"/>
+            <a:ext cx="10558448" cy="382138"/>
+          </a:xfrm>
+          <a:prstGeom prst="rect">
+            <a:avLst/>
+          </a:prstGeom>
+          <a:solidFill>
+            <a:srgbClr val="FFE699">
+              <a:alpha val="50196"/>
+            </a:srgbClr>
+          </a:solidFill>
+          <a:ln>
+            <a:noFill/>
+          </a:ln>
+        </p:spPr>
+        <p:style>
+          <a:lnRef idx="2">
+            <a:schemeClr val="accent1">
+              <a:shade val="50000"/>
+            </a:schemeClr>
+          </a:lnRef>
+          <a:fillRef idx="1">
+            <a:schemeClr val="accent1"/>
+          </a:fillRef>
+          <a:effectRef idx="0">
+            <a:schemeClr val="accent1"/>
+          </a:effectRef>
+          <a:fontRef idx="minor">
+            <a:schemeClr val="lt1"/>
+          </a:fontRef>
+        </p:style>
+        <p:txBody>
+          <a:bodyPr rtlCol="0" anchor="ctr"/>
+          <a:lstStyle/>
+          <a:p>
+            <a:pPr algn="ctr"/>
+            <a:endParaRPr lang="en-US"/>
+          </a:p>
+        </p:txBody>
+      </p:sp>
+      <p:sp>
+        <p:nvSpPr>
+          <p:cNvPr id="8" name="Rectangle 7"/>
+          <p:cNvSpPr/>
+          <p:nvPr/>
+        </p:nvSpPr>
+        <p:spPr>
+          <a:xfrm>
+            <a:off x="632716" y="1445709"/>
+            <a:ext cx="8741022" cy="816769"/>
+          </a:xfrm>
+          <a:prstGeom prst="rect">
+            <a:avLst/>
+          </a:prstGeom>
+          <a:solidFill>
+            <a:srgbClr val="FFE699">
+              <a:alpha val="50196"/>
+            </a:srgbClr>
+          </a:solidFill>
+          <a:ln>
+            <a:noFill/>
+          </a:ln>
+        </p:spPr>
+        <p:style>
+          <a:lnRef idx="2">
+            <a:schemeClr val="accent1">
+              <a:shade val="50000"/>
+            </a:schemeClr>
+          </a:lnRef>
+          <a:fillRef idx="1">
+            <a:schemeClr val="accent1"/>
+          </a:fillRef>
+          <a:effectRef idx="0">
+            <a:schemeClr val="accent1"/>
+          </a:effectRef>
+          <a:fontRef idx="minor">
+            <a:schemeClr val="lt1"/>
+          </a:fontRef>
+        </p:style>
+        <p:txBody>
+          <a:bodyPr rtlCol="0" anchor="ctr"/>
+          <a:lstStyle/>
+          <a:p>
+            <a:pPr algn="ctr"/>
+            <a:endParaRPr lang="en-US"/>
+          </a:p>
+        </p:txBody>
+      </p:sp>
+      <p:sp>
+        <p:nvSpPr>
+          <p:cNvPr id="6" name="Title 5"/>
           <p:cNvSpPr>
             <a:spLocks noGrp="1"/>
           </p:cNvSpPr>
@@ -3494,7 +3585,7 @@
           <a:p>
             <a:r>
               <a:rPr lang="en-US" dirty="0" smtClean="0"/>
-              <a:t>Shepherd</a:t>
+              <a:t>Control file setup for stock-recruit function</a:t>
             </a:r>
             <a:endParaRPr lang="en-US" dirty="0"/>
           </a:p>
@@ -3502,67 +3593,407 @@
       </p:sp>
       <p:sp>
         <p:nvSpPr>
-          <p:cNvPr id="3" name="Content Placeholder 2"/>
-          <p:cNvSpPr>
-            <a:spLocks noGrp="1"/>
-          </p:cNvSpPr>
-          <p:nvPr>
-            <p:ph sz="half" idx="1"/>
-          </p:nvPr>
-        </p:nvSpPr>
-        <p:spPr/>
+          <p:cNvPr id="7" name="Content Placeholder 6"/>
+          <p:cNvSpPr>
+            <a:spLocks noGrp="1"/>
+          </p:cNvSpPr>
+          <p:nvPr>
+            <p:ph idx="1"/>
+          </p:nvPr>
+        </p:nvSpPr>
+        <p:spPr>
+          <a:xfrm>
+            <a:off x="632716" y="1069975"/>
+            <a:ext cx="11819562" cy="5483225"/>
+          </a:xfrm>
+        </p:spPr>
         <p:txBody>
           <a:bodyPr>
             <a:normAutofit/>
           </a:bodyPr>
           <a:lstStyle/>
           <a:p>
-            <a:endParaRPr lang="en-US" dirty="0" smtClean="0"/>
-          </a:p>
-          <a:p>
-            <a:endParaRPr lang="en-US" dirty="0"/>
-          </a:p>
-          <a:p>
-            <a:endParaRPr lang="en-US" dirty="0" smtClean="0"/>
-          </a:p>
-          <a:p>
-            <a:endParaRPr lang="en-US" dirty="0"/>
-          </a:p>
-          <a:p>
-            <a:endParaRPr lang="en-US" dirty="0" smtClean="0"/>
-          </a:p>
-          <a:p>
-            <a:endParaRPr lang="en-US" dirty="0"/>
-          </a:p>
-          <a:p>
-            <a:endParaRPr lang="en-US" dirty="0" smtClean="0"/>
-          </a:p>
-          <a:p>
-            <a:endParaRPr lang="en-US" dirty="0"/>
-          </a:p>
-          <a:p>
-            <a:endParaRPr lang="en-US" dirty="0" smtClean="0"/>
-          </a:p>
-        </p:txBody>
-      </p:sp>
-      <p:sp>
-        <p:nvSpPr>
-          <p:cNvPr id="4" name="Content Placeholder 3"/>
-          <p:cNvSpPr>
-            <a:spLocks noGrp="1"/>
-          </p:cNvSpPr>
-          <p:nvPr>
-            <p:ph sz="half" idx="2"/>
-          </p:nvPr>
-        </p:nvSpPr>
-        <p:spPr/>
-        <p:txBody>
-          <a:bodyPr>
-            <a:normAutofit/>
-          </a:bodyPr>
-          <a:lstStyle/>
-          <a:p>
-            <a:endParaRPr lang="en-US"/>
+            <a:pPr marL="0" indent="0">
+              <a:buNone/>
+            </a:pPr>
+            <a:r>
+              <a:rPr lang="pt-BR" sz="2000" b="1" dirty="0">
+                <a:solidFill>
+                  <a:srgbClr val="C00000"/>
+                </a:solidFill>
+                <a:latin typeface="Courier New" panose="02070309020205020404" pitchFamily="49" charset="0"/>
+                <a:cs typeface="Courier New" panose="02070309020205020404" pitchFamily="49" charset="0"/>
+              </a:rPr>
+              <a:t>#_</a:t>
+            </a:r>
+            <a:r>
+              <a:rPr lang="pt-BR" sz="2000" b="1" dirty="0" smtClean="0">
+                <a:solidFill>
+                  <a:srgbClr val="C00000"/>
+                </a:solidFill>
+                <a:latin typeface="Courier New" panose="02070309020205020404" pitchFamily="49" charset="0"/>
+                <a:cs typeface="Courier New" panose="02070309020205020404" pitchFamily="49" charset="0"/>
+              </a:rPr>
+              <a:t>Spawner-Recruitment</a:t>
+            </a:r>
+          </a:p>
+          <a:p>
+            <a:pPr marL="0" indent="0">
+              <a:buNone/>
+            </a:pPr>
+            <a:r>
+              <a:rPr lang="pt-BR" sz="2000" b="1" dirty="0">
+                <a:latin typeface="Courier New" panose="02070309020205020404" pitchFamily="49" charset="0"/>
+                <a:cs typeface="Courier New" panose="02070309020205020404" pitchFamily="49" charset="0"/>
+              </a:rPr>
+              <a:t>8</a:t>
+            </a:r>
+            <a:r>
+              <a:rPr lang="pt-BR" sz="2000" b="1" dirty="0" smtClean="0">
+                <a:latin typeface="Courier New" panose="02070309020205020404" pitchFamily="49" charset="0"/>
+                <a:cs typeface="Courier New" panose="02070309020205020404" pitchFamily="49" charset="0"/>
+              </a:rPr>
+              <a:t> </a:t>
+            </a:r>
+            <a:r>
+              <a:rPr lang="pt-BR" sz="2000" b="1" dirty="0" smtClean="0">
+                <a:solidFill>
+                  <a:srgbClr val="C00000"/>
+                </a:solidFill>
+                <a:latin typeface="Courier New" panose="02070309020205020404" pitchFamily="49" charset="0"/>
+                <a:cs typeface="Courier New" panose="02070309020205020404" pitchFamily="49" charset="0"/>
+              </a:rPr>
+              <a:t>#_SR_function: 2=Ricker; 3=std_B-H; 4=SCAA; 5=Hockey; </a:t>
+            </a:r>
+          </a:p>
+          <a:p>
+            <a:pPr marL="0" indent="0">
+              <a:buNone/>
+            </a:pPr>
+            <a:r>
+              <a:rPr lang="pt-BR" sz="2000" b="1" dirty="0">
+                <a:solidFill>
+                  <a:srgbClr val="C00000"/>
+                </a:solidFill>
+                <a:latin typeface="Courier New" panose="02070309020205020404" pitchFamily="49" charset="0"/>
+                <a:cs typeface="Courier New" panose="02070309020205020404" pitchFamily="49" charset="0"/>
+              </a:rPr>
+              <a:t> </a:t>
+            </a:r>
+            <a:r>
+              <a:rPr lang="pt-BR" sz="2000" b="1" dirty="0" smtClean="0">
+                <a:solidFill>
+                  <a:srgbClr val="C00000"/>
+                </a:solidFill>
+                <a:latin typeface="Courier New" panose="02070309020205020404" pitchFamily="49" charset="0"/>
+                <a:cs typeface="Courier New" panose="02070309020205020404" pitchFamily="49" charset="0"/>
+              </a:rPr>
+              <a:t> # 6=B-H_flattop; 7=survival_3Parm; 8=Shepard_3Parm</a:t>
+            </a:r>
+          </a:p>
+          <a:p>
+            <a:pPr marL="0" indent="0">
+              <a:buNone/>
+            </a:pPr>
+            <a:r>
+              <a:rPr lang="pt-BR" sz="2000" b="1" dirty="0" smtClean="0">
+                <a:latin typeface="Courier New" panose="02070309020205020404" pitchFamily="49" charset="0"/>
+                <a:cs typeface="Courier New" panose="02070309020205020404" pitchFamily="49" charset="0"/>
+              </a:rPr>
+              <a:t>0 </a:t>
+            </a:r>
+            <a:r>
+              <a:rPr lang="pt-BR" sz="2000" b="1" dirty="0">
+                <a:solidFill>
+                  <a:srgbClr val="C00000"/>
+                </a:solidFill>
+                <a:latin typeface="Courier New" panose="02070309020205020404" pitchFamily="49" charset="0"/>
+                <a:cs typeface="Courier New" panose="02070309020205020404" pitchFamily="49" charset="0"/>
+              </a:rPr>
+              <a:t># 0/1 to use steepness in initial equ recruitment calculation</a:t>
+            </a:r>
+          </a:p>
+          <a:p>
+            <a:pPr marL="0" indent="0">
+              <a:buNone/>
+            </a:pPr>
+            <a:r>
+              <a:rPr lang="pt-BR" sz="2000" b="1" dirty="0">
+                <a:latin typeface="Courier New" panose="02070309020205020404" pitchFamily="49" charset="0"/>
+                <a:cs typeface="Courier New" panose="02070309020205020404" pitchFamily="49" charset="0"/>
+              </a:rPr>
+              <a:t>0 </a:t>
+            </a:r>
+            <a:r>
+              <a:rPr lang="pt-BR" sz="2000" b="1" dirty="0">
+                <a:solidFill>
+                  <a:srgbClr val="C00000"/>
+                </a:solidFill>
+                <a:latin typeface="Courier New" panose="02070309020205020404" pitchFamily="49" charset="0"/>
+                <a:cs typeface="Courier New" panose="02070309020205020404" pitchFamily="49" charset="0"/>
+              </a:rPr>
+              <a:t>#  future feature: </a:t>
+            </a:r>
+            <a:r>
+              <a:rPr lang="pt-BR" sz="2000" b="1" dirty="0" smtClean="0">
+                <a:solidFill>
+                  <a:srgbClr val="C00000"/>
+                </a:solidFill>
+                <a:latin typeface="Courier New" panose="02070309020205020404" pitchFamily="49" charset="0"/>
+                <a:cs typeface="Courier New" panose="02070309020205020404" pitchFamily="49" charset="0"/>
+              </a:rPr>
+              <a:t>0/1 </a:t>
+            </a:r>
+            <a:r>
+              <a:rPr lang="pt-BR" sz="2000" b="1" dirty="0">
+                <a:solidFill>
+                  <a:srgbClr val="C00000"/>
+                </a:solidFill>
+                <a:latin typeface="Courier New" panose="02070309020205020404" pitchFamily="49" charset="0"/>
+                <a:cs typeface="Courier New" panose="02070309020205020404" pitchFamily="49" charset="0"/>
+              </a:rPr>
+              <a:t>to make realized sigmaR a function of SR curvature </a:t>
+            </a:r>
+            <a:endParaRPr lang="pt-BR" sz="2000" b="1" dirty="0" smtClean="0">
+              <a:solidFill>
+                <a:srgbClr val="C00000"/>
+              </a:solidFill>
+              <a:latin typeface="Courier New" panose="02070309020205020404" pitchFamily="49" charset="0"/>
+              <a:cs typeface="Courier New" panose="02070309020205020404" pitchFamily="49" charset="0"/>
+            </a:endParaRPr>
+          </a:p>
+          <a:p>
+            <a:pPr marL="0" indent="0">
+              <a:buNone/>
+            </a:pPr>
+            <a:r>
+              <a:rPr lang="pt-BR" sz="2000" b="1" dirty="0" smtClean="0">
+                <a:solidFill>
+                  <a:srgbClr val="C00000"/>
+                </a:solidFill>
+                <a:latin typeface="Courier New" panose="02070309020205020404" pitchFamily="49" charset="0"/>
+                <a:cs typeface="Courier New" panose="02070309020205020404" pitchFamily="49" charset="0"/>
+              </a:rPr>
+              <a:t>#_</a:t>
+            </a:r>
+            <a:r>
+              <a:rPr lang="pt-BR" sz="2000" b="1" dirty="0" smtClean="0">
+                <a:solidFill>
+                  <a:srgbClr val="C00000"/>
+                </a:solidFill>
+                <a:latin typeface="Courier New" panose="02070309020205020404" pitchFamily="49" charset="0"/>
+                <a:cs typeface="Courier New" panose="02070309020205020404" pitchFamily="49" charset="0"/>
+              </a:rPr>
+              <a:t>LO  HI   INIT  PRIOR  PR_SD   PR_type PHASE   ... # parm_name</a:t>
+            </a:r>
+          </a:p>
+          <a:p>
+            <a:pPr marL="0" indent="0">
+              <a:buNone/>
+            </a:pPr>
+            <a:r>
+              <a:rPr lang="pt-BR" sz="2000" b="1" dirty="0" smtClean="0">
+                <a:latin typeface="Courier New" panose="02070309020205020404" pitchFamily="49" charset="0"/>
+                <a:cs typeface="Courier New" panose="02070309020205020404" pitchFamily="49" charset="0"/>
+              </a:rPr>
+              <a:t>5     20   10.6  10     5       0       1       ... </a:t>
+            </a:r>
+            <a:r>
+              <a:rPr lang="pt-BR" sz="2000" b="1" dirty="0" smtClean="0">
+                <a:solidFill>
+                  <a:srgbClr val="C00000"/>
+                </a:solidFill>
+                <a:latin typeface="Courier New" panose="02070309020205020404" pitchFamily="49" charset="0"/>
+                <a:cs typeface="Courier New" panose="02070309020205020404" pitchFamily="49" charset="0"/>
+              </a:rPr>
+              <a:t># SR_LN(R0)</a:t>
+            </a:r>
+          </a:p>
+          <a:p>
+            <a:pPr marL="0" indent="0">
+              <a:buNone/>
+            </a:pPr>
+            <a:r>
+              <a:rPr lang="pt-BR" sz="2000" b="1" dirty="0" smtClean="0">
+                <a:latin typeface="Courier New" panose="02070309020205020404" pitchFamily="49" charset="0"/>
+                <a:cs typeface="Courier New" panose="02070309020205020404" pitchFamily="49" charset="0"/>
+              </a:rPr>
+              <a:t>0.2   1    0.6   0.718  0.158   0       3       ... </a:t>
+            </a:r>
+            <a:r>
+              <a:rPr lang="pt-BR" sz="2000" b="1" dirty="0" smtClean="0">
+                <a:solidFill>
+                  <a:srgbClr val="C00000"/>
+                </a:solidFill>
+                <a:latin typeface="Courier New" panose="02070309020205020404" pitchFamily="49" charset="0"/>
+                <a:cs typeface="Courier New" panose="02070309020205020404" pitchFamily="49" charset="0"/>
+              </a:rPr>
+              <a:t># </a:t>
+            </a:r>
+            <a:r>
+              <a:rPr lang="pt-BR" sz="2000" b="1" dirty="0">
+                <a:solidFill>
+                  <a:srgbClr val="C00000"/>
+                </a:solidFill>
+                <a:latin typeface="Courier New" panose="02070309020205020404" pitchFamily="49" charset="0"/>
+                <a:cs typeface="Courier New" panose="02070309020205020404" pitchFamily="49" charset="0"/>
+              </a:rPr>
+              <a:t>SR_steepness</a:t>
+            </a:r>
+            <a:endParaRPr lang="pt-BR" sz="2000" b="1" dirty="0" smtClean="0">
+              <a:solidFill>
+                <a:srgbClr val="C00000"/>
+              </a:solidFill>
+              <a:latin typeface="Courier New" panose="02070309020205020404" pitchFamily="49" charset="0"/>
+              <a:cs typeface="Courier New" panose="02070309020205020404" pitchFamily="49" charset="0"/>
+            </a:endParaRPr>
+          </a:p>
+          <a:p>
+            <a:pPr marL="0" indent="0">
+              <a:buNone/>
+            </a:pPr>
+            <a:r>
+              <a:rPr lang="pt-BR" sz="2000" b="1" dirty="0" smtClean="0">
+                <a:latin typeface="Courier New" panose="02070309020205020404" pitchFamily="49" charset="0"/>
+                <a:cs typeface="Courier New" panose="02070309020205020404" pitchFamily="49" charset="0"/>
+              </a:rPr>
+              <a:t>0.2   5    1.0   1.0    99      </a:t>
+            </a:r>
+            <a:r>
+              <a:rPr lang="pt-BR" sz="2000" b="1" dirty="0">
+                <a:latin typeface="Courier New" panose="02070309020205020404" pitchFamily="49" charset="0"/>
+                <a:cs typeface="Courier New" panose="02070309020205020404" pitchFamily="49" charset="0"/>
+              </a:rPr>
+              <a:t>0      </a:t>
+            </a:r>
+            <a:r>
+              <a:rPr lang="pt-BR" sz="2000" b="1" dirty="0" smtClean="0">
+                <a:latin typeface="Courier New" panose="02070309020205020404" pitchFamily="49" charset="0"/>
+                <a:cs typeface="Courier New" panose="02070309020205020404" pitchFamily="49" charset="0"/>
+              </a:rPr>
+              <a:t> -4      </a:t>
+            </a:r>
+            <a:r>
+              <a:rPr lang="pt-BR" sz="2000" b="1" dirty="0">
+                <a:latin typeface="Courier New" panose="02070309020205020404" pitchFamily="49" charset="0"/>
+                <a:cs typeface="Courier New" panose="02070309020205020404" pitchFamily="49" charset="0"/>
+              </a:rPr>
+              <a:t>... </a:t>
+            </a:r>
+            <a:r>
+              <a:rPr lang="pt-BR" sz="2000" b="1" dirty="0">
+                <a:solidFill>
+                  <a:srgbClr val="C00000"/>
+                </a:solidFill>
+                <a:latin typeface="Courier New" panose="02070309020205020404" pitchFamily="49" charset="0"/>
+                <a:cs typeface="Courier New" panose="02070309020205020404" pitchFamily="49" charset="0"/>
+              </a:rPr>
+              <a:t># </a:t>
+            </a:r>
+            <a:r>
+              <a:rPr lang="pt-BR" sz="2000" b="1" dirty="0" smtClean="0">
+                <a:solidFill>
+                  <a:srgbClr val="C00000"/>
+                </a:solidFill>
+                <a:latin typeface="Courier New" panose="02070309020205020404" pitchFamily="49" charset="0"/>
+                <a:cs typeface="Courier New" panose="02070309020205020404" pitchFamily="49" charset="0"/>
+              </a:rPr>
+              <a:t>SR_Shepard_c</a:t>
+            </a:r>
+            <a:endParaRPr lang="pt-BR" sz="2000" b="1" dirty="0" smtClean="0">
+              <a:solidFill>
+                <a:srgbClr val="C00000"/>
+              </a:solidFill>
+              <a:latin typeface="Courier New" panose="02070309020205020404" pitchFamily="49" charset="0"/>
+              <a:cs typeface="Courier New" panose="02070309020205020404" pitchFamily="49" charset="0"/>
+            </a:endParaRPr>
+          </a:p>
+          <a:p>
+            <a:pPr marL="0" indent="0">
+              <a:buNone/>
+            </a:pPr>
+            <a:r>
+              <a:rPr lang="pt-BR" sz="2000" b="1" dirty="0" smtClean="0">
+                <a:latin typeface="Courier New" panose="02070309020205020404" pitchFamily="49" charset="0"/>
+                <a:cs typeface="Courier New" panose="02070309020205020404" pitchFamily="49" charset="0"/>
+              </a:rPr>
+              <a:t>0.5   </a:t>
+            </a:r>
+            <a:r>
+              <a:rPr lang="pt-BR" sz="2000" b="1" dirty="0" smtClean="0">
+                <a:latin typeface="Courier New" panose="02070309020205020404" pitchFamily="49" charset="0"/>
+                <a:cs typeface="Courier New" panose="02070309020205020404" pitchFamily="49" charset="0"/>
+              </a:rPr>
+              <a:t>1.2  0.5   0.67   </a:t>
+            </a:r>
+            <a:r>
+              <a:rPr lang="pt-BR" sz="2000" b="1" dirty="0" smtClean="0">
+                <a:latin typeface="Courier New" panose="02070309020205020404" pitchFamily="49" charset="0"/>
+                <a:cs typeface="Courier New" panose="02070309020205020404" pitchFamily="49" charset="0"/>
+              </a:rPr>
+              <a:t>99      0       -6      ... </a:t>
+            </a:r>
+            <a:r>
+              <a:rPr lang="pt-BR" sz="2000" b="1" dirty="0" smtClean="0">
+                <a:solidFill>
+                  <a:srgbClr val="C00000"/>
+                </a:solidFill>
+                <a:latin typeface="Courier New" panose="02070309020205020404" pitchFamily="49" charset="0"/>
+                <a:cs typeface="Courier New" panose="02070309020205020404" pitchFamily="49" charset="0"/>
+              </a:rPr>
+              <a:t># SR_sigmaR</a:t>
+            </a:r>
+          </a:p>
+          <a:p>
+            <a:pPr marL="0" indent="0">
+              <a:buNone/>
+            </a:pPr>
+            <a:r>
+              <a:rPr lang="pt-BR" sz="2000" b="1" dirty="0" smtClean="0">
+                <a:latin typeface="Courier New" panose="02070309020205020404" pitchFamily="49" charset="0"/>
+                <a:cs typeface="Courier New" panose="02070309020205020404" pitchFamily="49" charset="0"/>
+              </a:rPr>
+              <a:t>-5    5    0     0      99      0       -50     ... </a:t>
+            </a:r>
+            <a:r>
+              <a:rPr lang="pt-BR" sz="2000" b="1" dirty="0" smtClean="0">
+                <a:solidFill>
+                  <a:srgbClr val="C00000"/>
+                </a:solidFill>
+                <a:latin typeface="Courier New" panose="02070309020205020404" pitchFamily="49" charset="0"/>
+                <a:cs typeface="Courier New" panose="02070309020205020404" pitchFamily="49" charset="0"/>
+              </a:rPr>
+              <a:t># SR_regime</a:t>
+            </a:r>
+          </a:p>
+          <a:p>
+            <a:pPr marL="0" indent="0">
+              <a:buNone/>
+            </a:pPr>
+            <a:r>
+              <a:rPr lang="pt-BR" sz="2000" b="1" dirty="0" smtClean="0">
+                <a:latin typeface="Courier New" panose="02070309020205020404" pitchFamily="49" charset="0"/>
+                <a:cs typeface="Courier New" panose="02070309020205020404" pitchFamily="49" charset="0"/>
+              </a:rPr>
+              <a:t>0     2    0     1      99      0       -50     ... </a:t>
+            </a:r>
+            <a:r>
+              <a:rPr lang="pt-BR" sz="2000" b="1" dirty="0" smtClean="0">
+                <a:solidFill>
+                  <a:srgbClr val="C00000"/>
+                </a:solidFill>
+                <a:latin typeface="Courier New" panose="02070309020205020404" pitchFamily="49" charset="0"/>
+                <a:cs typeface="Courier New" panose="02070309020205020404" pitchFamily="49" charset="0"/>
+              </a:rPr>
+              <a:t># SR_autocorr</a:t>
+            </a:r>
+            <a:endParaRPr lang="en-US" sz="2000" b="1" dirty="0">
+              <a:solidFill>
+                <a:srgbClr val="C00000"/>
+              </a:solidFill>
+              <a:latin typeface="Courier New" panose="02070309020205020404" pitchFamily="49" charset="0"/>
+              <a:cs typeface="Courier New" panose="02070309020205020404" pitchFamily="49" charset="0"/>
+            </a:endParaRPr>
           </a:p>
         </p:txBody>
       </p:sp>
@@ -3589,66 +4020,10 @@
           </a:p>
         </p:txBody>
       </p:sp>
-      <p:pic>
-        <p:nvPicPr>
-          <p:cNvPr id="6" name="Picture 5"/>
-          <p:cNvPicPr>
-            <a:picLocks noChangeAspect="1"/>
-          </p:cNvPicPr>
-          <p:nvPr/>
-        </p:nvPicPr>
-        <p:blipFill>
-          <a:blip r:embed="rId2"/>
-          <a:stretch>
-            <a:fillRect/>
-          </a:stretch>
-        </p:blipFill>
-        <p:spPr>
-          <a:xfrm>
-            <a:off x="1652588" y="650118"/>
-            <a:ext cx="9701212" cy="2778882"/>
-          </a:xfrm>
-          <a:prstGeom prst="rect">
-            <a:avLst/>
-          </a:prstGeom>
-        </p:spPr>
-      </p:pic>
-      <p:sp>
-        <p:nvSpPr>
-          <p:cNvPr id="7" name="TextBox 6"/>
-          <p:cNvSpPr txBox="1"/>
-          <p:nvPr/>
-        </p:nvSpPr>
-        <p:spPr>
-          <a:xfrm>
-            <a:off x="838200" y="5774333"/>
-            <a:ext cx="10287000" cy="923330"/>
-          </a:xfrm>
-          <a:prstGeom prst="rect">
-            <a:avLst/>
-          </a:prstGeom>
-          <a:noFill/>
-        </p:spPr>
-        <p:txBody>
-          <a:bodyPr wrap="square" rtlCol="0">
-            <a:spAutoFit/>
-          </a:bodyPr>
-          <a:lstStyle/>
-          <a:p>
-            <a:r>
-              <a:rPr lang="en-US" dirty="0" smtClean="0"/>
-              <a:t>Shepherd, G. 1982. A versatile new stock-recruitment relationship for fisheries, and the construction of sustainable yield curves. ICES J. Mar. Sci. 40: 67-75.</a:t>
-            </a:r>
-          </a:p>
-          <a:p>
-            <a:endParaRPr lang="en-US" dirty="0"/>
-          </a:p>
-        </p:txBody>
-      </p:sp>
     </p:spTree>
     <p:extLst>
       <p:ext uri="{BB962C8B-B14F-4D97-AF65-F5344CB8AC3E}">
-        <p14:creationId xmlns:p14="http://schemas.microsoft.com/office/powerpoint/2010/main" val="4249394014"/>
+        <p14:creationId xmlns:p14="http://schemas.microsoft.com/office/powerpoint/2010/main" val="282053750"/>
       </p:ext>
     </p:extLst>
   </p:cSld>
@@ -3682,6 +4057,594 @@
           <a:chExt cx="0" cy="0"/>
         </a:xfrm>
       </p:grpSpPr>
+      <p:pic>
+        <p:nvPicPr>
+          <p:cNvPr id="6" name="Picture 5"/>
+          <p:cNvPicPr>
+            <a:picLocks noChangeAspect="1"/>
+          </p:cNvPicPr>
+          <p:nvPr/>
+        </p:nvPicPr>
+        <p:blipFill>
+          <a:blip r:embed="rId2"/>
+          <a:stretch>
+            <a:fillRect/>
+          </a:stretch>
+        </p:blipFill>
+        <p:spPr>
+          <a:xfrm>
+            <a:off x="204783" y="565484"/>
+            <a:ext cx="9321354" cy="2670073"/>
+          </a:xfrm>
+          <a:prstGeom prst="rect">
+            <a:avLst/>
+          </a:prstGeom>
+        </p:spPr>
+      </p:pic>
+      <p:sp>
+        <p:nvSpPr>
+          <p:cNvPr id="2" name="Title 1"/>
+          <p:cNvSpPr>
+            <a:spLocks noGrp="1"/>
+          </p:cNvSpPr>
+          <p:nvPr>
+            <p:ph type="title"/>
+          </p:nvPr>
+        </p:nvSpPr>
+        <p:spPr/>
+        <p:txBody>
+          <a:bodyPr/>
+          <a:lstStyle/>
+          <a:p>
+            <a:r>
+              <a:rPr lang="en-US" dirty="0" smtClean="0"/>
+              <a:t>Shepherd</a:t>
+            </a:r>
+            <a:endParaRPr lang="en-US" dirty="0"/>
+          </a:p>
+        </p:txBody>
+      </p:sp>
+      <p:sp>
+        <p:nvSpPr>
+          <p:cNvPr id="3" name="Content Placeholder 2"/>
+          <p:cNvSpPr>
+            <a:spLocks noGrp="1"/>
+          </p:cNvSpPr>
+          <p:nvPr>
+            <p:ph sz="half" idx="1"/>
+          </p:nvPr>
+        </p:nvSpPr>
+        <p:spPr/>
+        <p:txBody>
+          <a:bodyPr>
+            <a:normAutofit/>
+          </a:bodyPr>
+          <a:lstStyle/>
+          <a:p>
+            <a:endParaRPr lang="en-US" dirty="0" smtClean="0"/>
+          </a:p>
+          <a:p>
+            <a:endParaRPr lang="en-US" dirty="0"/>
+          </a:p>
+          <a:p>
+            <a:endParaRPr lang="en-US" dirty="0" smtClean="0"/>
+          </a:p>
+          <a:p>
+            <a:endParaRPr lang="en-US" dirty="0"/>
+          </a:p>
+          <a:p>
+            <a:endParaRPr lang="en-US" dirty="0" smtClean="0"/>
+          </a:p>
+          <a:p>
+            <a:endParaRPr lang="en-US" dirty="0"/>
+          </a:p>
+          <a:p>
+            <a:endParaRPr lang="en-US" dirty="0" smtClean="0"/>
+          </a:p>
+          <a:p>
+            <a:endParaRPr lang="en-US" dirty="0"/>
+          </a:p>
+          <a:p>
+            <a:endParaRPr lang="en-US" dirty="0" smtClean="0"/>
+          </a:p>
+        </p:txBody>
+      </p:sp>
+      <p:sp>
+        <p:nvSpPr>
+          <p:cNvPr id="5" name="Slide Number Placeholder 4"/>
+          <p:cNvSpPr>
+            <a:spLocks noGrp="1"/>
+          </p:cNvSpPr>
+          <p:nvPr>
+            <p:ph type="sldNum" sz="quarter" idx="12"/>
+          </p:nvPr>
+        </p:nvSpPr>
+        <p:spPr/>
+        <p:txBody>
+          <a:bodyPr/>
+          <a:lstStyle/>
+          <a:p>
+            <a:fld id="{8CA0417E-8047-41CE-9E93-4FCB55A08913}" type="slidenum">
+              <a:rPr lang="en-US" smtClean="0"/>
+              <a:t>11</a:t>
+            </a:fld>
+            <a:endParaRPr lang="en-US"/>
+          </a:p>
+        </p:txBody>
+      </p:sp>
+      <p:sp>
+        <p:nvSpPr>
+          <p:cNvPr id="7" name="TextBox 6"/>
+          <p:cNvSpPr txBox="1"/>
+          <p:nvPr/>
+        </p:nvSpPr>
+        <p:spPr>
+          <a:xfrm>
+            <a:off x="204783" y="5951757"/>
+            <a:ext cx="10920417" cy="1200329"/>
+          </a:xfrm>
+          <a:prstGeom prst="rect">
+            <a:avLst/>
+          </a:prstGeom>
+          <a:noFill/>
+        </p:spPr>
+        <p:txBody>
+          <a:bodyPr wrap="square" rtlCol="0">
+            <a:spAutoFit/>
+          </a:bodyPr>
+          <a:lstStyle/>
+          <a:p>
+            <a:r>
+              <a:rPr lang="en-US" dirty="0" smtClean="0"/>
+              <a:t>Shepherd, G. 1982. A versatile new stock-recruitment </a:t>
+            </a:r>
+            <a:r>
+              <a:rPr lang="en-US" dirty="0" smtClean="0"/>
+              <a:t>relationship for </a:t>
+            </a:r>
+            <a:br>
+              <a:rPr lang="en-US" dirty="0" smtClean="0"/>
+            </a:br>
+            <a:r>
+              <a:rPr lang="en-US" dirty="0" smtClean="0"/>
+              <a:t>fisheries</a:t>
+            </a:r>
+            <a:r>
+              <a:rPr lang="en-US" dirty="0" smtClean="0"/>
+              <a:t>, and the construction of sustainable yield curves. </a:t>
+            </a:r>
+            <a:r>
+              <a:rPr lang="en-US" dirty="0" smtClean="0"/>
+              <a:t>ICES </a:t>
+            </a:r>
+            <a:r>
+              <a:rPr lang="en-US" dirty="0" smtClean="0"/>
+              <a:t>J. Mar. </a:t>
+            </a:r>
+            <a:r>
+              <a:rPr lang="en-US" dirty="0" smtClean="0"/>
+              <a:t/>
+            </a:r>
+            <a:br>
+              <a:rPr lang="en-US" dirty="0" smtClean="0"/>
+            </a:br>
+            <a:r>
+              <a:rPr lang="en-US" dirty="0" smtClean="0"/>
+              <a:t>Sci</a:t>
+            </a:r>
+            <a:r>
+              <a:rPr lang="en-US" dirty="0" smtClean="0"/>
+              <a:t>. 40: 67-75.</a:t>
+            </a:r>
+          </a:p>
+          <a:p>
+            <a:endParaRPr lang="en-US" dirty="0"/>
+          </a:p>
+        </p:txBody>
+      </p:sp>
+      <p:sp>
+        <p:nvSpPr>
+          <p:cNvPr id="9" name="Rectangle 8"/>
+          <p:cNvSpPr/>
+          <p:nvPr/>
+        </p:nvSpPr>
+        <p:spPr>
+          <a:xfrm>
+            <a:off x="8625385" y="2413140"/>
+            <a:ext cx="1843110" cy="1271756"/>
+          </a:xfrm>
+          <a:prstGeom prst="rect">
+            <a:avLst/>
+          </a:prstGeom>
+          <a:solidFill>
+            <a:srgbClr val="FFFFFF"/>
+          </a:solidFill>
+          <a:ln>
+            <a:noFill/>
+          </a:ln>
+          <a:effectLst/>
+        </p:spPr>
+        <p:style>
+          <a:lnRef idx="1">
+            <a:schemeClr val="accent1"/>
+          </a:lnRef>
+          <a:fillRef idx="3">
+            <a:schemeClr val="accent1"/>
+          </a:fillRef>
+          <a:effectRef idx="2">
+            <a:schemeClr val="accent1"/>
+          </a:effectRef>
+          <a:fontRef idx="minor">
+            <a:schemeClr val="lt1"/>
+          </a:fontRef>
+        </p:style>
+        <p:txBody>
+          <a:bodyPr rtlCol="0" anchor="ctr"/>
+          <a:lstStyle/>
+          <a:p>
+            <a:pPr algn="ctr"/>
+            <a:endParaRPr lang="en-US"/>
+          </a:p>
+        </p:txBody>
+      </p:sp>
+      <p:pic>
+        <p:nvPicPr>
+          <p:cNvPr id="8" name="Content Placeholder 7"/>
+          <p:cNvPicPr>
+            <a:picLocks noGrp="1" noChangeAspect="1"/>
+          </p:cNvPicPr>
+          <p:nvPr>
+            <p:ph sz="half" idx="2"/>
+          </p:nvPr>
+        </p:nvPicPr>
+        <p:blipFill>
+          <a:blip r:embed="rId3">
+            <a:extLst>
+              <a:ext uri="{28A0092B-C50C-407E-A947-70E740481C1C}">
+                <a14:useLocalDpi xmlns:a14="http://schemas.microsoft.com/office/drawing/2010/main" val="0"/>
+              </a:ext>
+            </a:extLst>
+          </a:blip>
+          <a:stretch>
+            <a:fillRect/>
+          </a:stretch>
+        </p:blipFill>
+        <p:spPr>
+          <a:xfrm>
+            <a:off x="7364082" y="2166558"/>
+            <a:ext cx="4691442" cy="4691442"/>
+          </a:xfrm>
+        </p:spPr>
+      </p:pic>
+      <p:sp>
+        <p:nvSpPr>
+          <p:cNvPr id="10" name="TextBox 9"/>
+          <p:cNvSpPr txBox="1"/>
+          <p:nvPr/>
+        </p:nvSpPr>
+        <p:spPr>
+          <a:xfrm>
+            <a:off x="7933899" y="1999122"/>
+            <a:ext cx="4258101" cy="369332"/>
+          </a:xfrm>
+          <a:prstGeom prst="rect">
+            <a:avLst/>
+          </a:prstGeom>
+          <a:noFill/>
+        </p:spPr>
+        <p:txBody>
+          <a:bodyPr wrap="square" rtlCol="0">
+            <a:spAutoFit/>
+          </a:bodyPr>
+          <a:lstStyle/>
+          <a:p>
+            <a:r>
+              <a:rPr lang="en-US" dirty="0" smtClean="0"/>
+              <a:t>Shapes over range of </a:t>
+            </a:r>
+            <a:r>
+              <a:rPr lang="en-US" i="1" dirty="0" smtClean="0"/>
+              <a:t>c</a:t>
+            </a:r>
+            <a:r>
+              <a:rPr lang="en-US" dirty="0" smtClean="0"/>
+              <a:t> values with </a:t>
+            </a:r>
+            <a:r>
+              <a:rPr lang="en-US" i="1" dirty="0" smtClean="0"/>
+              <a:t>h</a:t>
+            </a:r>
+            <a:r>
+              <a:rPr lang="en-US" dirty="0" smtClean="0"/>
+              <a:t> = 0.6</a:t>
+            </a:r>
+            <a:endParaRPr lang="en-US" dirty="0"/>
+          </a:p>
+        </p:txBody>
+      </p:sp>
+      <p:sp>
+        <p:nvSpPr>
+          <p:cNvPr id="11" name="Content Placeholder 10"/>
+          <p:cNvSpPr txBox="1">
+            <a:spLocks/>
+          </p:cNvSpPr>
+          <p:nvPr/>
+        </p:nvSpPr>
+        <p:spPr>
+          <a:xfrm>
+            <a:off x="838199" y="3391132"/>
+            <a:ext cx="5815017" cy="3187466"/>
+          </a:xfrm>
+          <a:prstGeom prst="rect">
+            <a:avLst/>
+          </a:prstGeom>
+        </p:spPr>
+        <p:txBody>
+          <a:bodyPr vert="horz" lIns="91440" tIns="45720" rIns="91440" bIns="45720" rtlCol="0">
+            <a:normAutofit/>
+          </a:bodyPr>
+          <a:lstStyle>
+            <a:lvl1pPr marL="228600" indent="-228600" algn="l" defTabSz="914400" rtl="0" eaLnBrk="1" latinLnBrk="0" hangingPunct="1">
+              <a:lnSpc>
+                <a:spcPct val="90000"/>
+              </a:lnSpc>
+              <a:spcBef>
+                <a:spcPts val="1000"/>
+              </a:spcBef>
+              <a:buFont typeface="Arial" panose="020B0604020202020204" pitchFamily="34" charset="0"/>
+              <a:buChar char="•"/>
+              <a:defRPr sz="2800" kern="1200">
+                <a:solidFill>
+                  <a:schemeClr val="tx1"/>
+                </a:solidFill>
+                <a:latin typeface="+mn-lt"/>
+                <a:ea typeface="+mn-ea"/>
+                <a:cs typeface="+mn-cs"/>
+              </a:defRPr>
+            </a:lvl1pPr>
+            <a:lvl2pPr marL="685800" indent="-228600" algn="l" defTabSz="914400" rtl="0" eaLnBrk="1" latinLnBrk="0" hangingPunct="1">
+              <a:lnSpc>
+                <a:spcPct val="90000"/>
+              </a:lnSpc>
+              <a:spcBef>
+                <a:spcPts val="500"/>
+              </a:spcBef>
+              <a:buFont typeface="Arial" panose="020B0604020202020204" pitchFamily="34" charset="0"/>
+              <a:buChar char="•"/>
+              <a:defRPr sz="2400" kern="1200">
+                <a:solidFill>
+                  <a:schemeClr val="tx1"/>
+                </a:solidFill>
+                <a:latin typeface="+mn-lt"/>
+                <a:ea typeface="+mn-ea"/>
+                <a:cs typeface="+mn-cs"/>
+              </a:defRPr>
+            </a:lvl2pPr>
+            <a:lvl3pPr marL="1143000" indent="-228600" algn="l" defTabSz="914400" rtl="0" eaLnBrk="1" latinLnBrk="0" hangingPunct="1">
+              <a:lnSpc>
+                <a:spcPct val="90000"/>
+              </a:lnSpc>
+              <a:spcBef>
+                <a:spcPts val="500"/>
+              </a:spcBef>
+              <a:buFont typeface="Arial" panose="020B0604020202020204" pitchFamily="34" charset="0"/>
+              <a:buChar char="•"/>
+              <a:defRPr sz="2000" kern="1200">
+                <a:solidFill>
+                  <a:schemeClr val="tx1"/>
+                </a:solidFill>
+                <a:latin typeface="+mn-lt"/>
+                <a:ea typeface="+mn-ea"/>
+                <a:cs typeface="+mn-cs"/>
+              </a:defRPr>
+            </a:lvl3pPr>
+            <a:lvl4pPr marL="1600200" indent="-228600" algn="l" defTabSz="914400" rtl="0" eaLnBrk="1" latinLnBrk="0" hangingPunct="1">
+              <a:lnSpc>
+                <a:spcPct val="90000"/>
+              </a:lnSpc>
+              <a:spcBef>
+                <a:spcPts val="500"/>
+              </a:spcBef>
+              <a:buFont typeface="Arial" panose="020B0604020202020204" pitchFamily="34" charset="0"/>
+              <a:buChar char="•"/>
+              <a:defRPr sz="1800" kern="1200">
+                <a:solidFill>
+                  <a:schemeClr val="tx1"/>
+                </a:solidFill>
+                <a:latin typeface="+mn-lt"/>
+                <a:ea typeface="+mn-ea"/>
+                <a:cs typeface="+mn-cs"/>
+              </a:defRPr>
+            </a:lvl4pPr>
+            <a:lvl5pPr marL="2057400" indent="-228600" algn="l" defTabSz="914400" rtl="0" eaLnBrk="1" latinLnBrk="0" hangingPunct="1">
+              <a:lnSpc>
+                <a:spcPct val="90000"/>
+              </a:lnSpc>
+              <a:spcBef>
+                <a:spcPts val="500"/>
+              </a:spcBef>
+              <a:buFont typeface="Arial" panose="020B0604020202020204" pitchFamily="34" charset="0"/>
+              <a:buChar char="•"/>
+              <a:defRPr sz="1800" kern="1200">
+                <a:solidFill>
+                  <a:schemeClr val="tx1"/>
+                </a:solidFill>
+                <a:latin typeface="+mn-lt"/>
+                <a:ea typeface="+mn-ea"/>
+                <a:cs typeface="+mn-cs"/>
+              </a:defRPr>
+            </a:lvl5pPr>
+            <a:lvl6pPr marL="2514600" indent="-228600" algn="l" defTabSz="914400" rtl="0" eaLnBrk="1" latinLnBrk="0" hangingPunct="1">
+              <a:lnSpc>
+                <a:spcPct val="90000"/>
+              </a:lnSpc>
+              <a:spcBef>
+                <a:spcPts val="500"/>
+              </a:spcBef>
+              <a:buFont typeface="Arial" panose="020B0604020202020204" pitchFamily="34" charset="0"/>
+              <a:buChar char="•"/>
+              <a:defRPr sz="1800" kern="1200">
+                <a:solidFill>
+                  <a:schemeClr val="tx1"/>
+                </a:solidFill>
+                <a:latin typeface="+mn-lt"/>
+                <a:ea typeface="+mn-ea"/>
+                <a:cs typeface="+mn-cs"/>
+              </a:defRPr>
+            </a:lvl6pPr>
+            <a:lvl7pPr marL="2971800" indent="-228600" algn="l" defTabSz="914400" rtl="0" eaLnBrk="1" latinLnBrk="0" hangingPunct="1">
+              <a:lnSpc>
+                <a:spcPct val="90000"/>
+              </a:lnSpc>
+              <a:spcBef>
+                <a:spcPts val="500"/>
+              </a:spcBef>
+              <a:buFont typeface="Arial" panose="020B0604020202020204" pitchFamily="34" charset="0"/>
+              <a:buChar char="•"/>
+              <a:defRPr sz="1800" kern="1200">
+                <a:solidFill>
+                  <a:schemeClr val="tx1"/>
+                </a:solidFill>
+                <a:latin typeface="+mn-lt"/>
+                <a:ea typeface="+mn-ea"/>
+                <a:cs typeface="+mn-cs"/>
+              </a:defRPr>
+            </a:lvl7pPr>
+            <a:lvl8pPr marL="3429000" indent="-228600" algn="l" defTabSz="914400" rtl="0" eaLnBrk="1" latinLnBrk="0" hangingPunct="1">
+              <a:lnSpc>
+                <a:spcPct val="90000"/>
+              </a:lnSpc>
+              <a:spcBef>
+                <a:spcPts val="500"/>
+              </a:spcBef>
+              <a:buFont typeface="Arial" panose="020B0604020202020204" pitchFamily="34" charset="0"/>
+              <a:buChar char="•"/>
+              <a:defRPr sz="1800" kern="1200">
+                <a:solidFill>
+                  <a:schemeClr val="tx1"/>
+                </a:solidFill>
+                <a:latin typeface="+mn-lt"/>
+                <a:ea typeface="+mn-ea"/>
+                <a:cs typeface="+mn-cs"/>
+              </a:defRPr>
+            </a:lvl8pPr>
+            <a:lvl9pPr marL="3886200" indent="-228600" algn="l" defTabSz="914400" rtl="0" eaLnBrk="1" latinLnBrk="0" hangingPunct="1">
+              <a:lnSpc>
+                <a:spcPct val="90000"/>
+              </a:lnSpc>
+              <a:spcBef>
+                <a:spcPts val="500"/>
+              </a:spcBef>
+              <a:buFont typeface="Arial" panose="020B0604020202020204" pitchFamily="34" charset="0"/>
+              <a:buChar char="•"/>
+              <a:defRPr sz="1800" kern="1200">
+                <a:solidFill>
+                  <a:schemeClr val="tx1"/>
+                </a:solidFill>
+                <a:latin typeface="+mn-lt"/>
+                <a:ea typeface="+mn-ea"/>
+                <a:cs typeface="+mn-cs"/>
+              </a:defRPr>
+            </a:lvl9pPr>
+          </a:lstStyle>
+          <a:p>
+            <a:r>
+              <a:rPr lang="en-US" dirty="0" smtClean="0"/>
+              <a:t>Third parameter allows flexibility in relationship between </a:t>
+            </a:r>
+            <a:r>
+              <a:rPr lang="en-US" i="1" dirty="0" smtClean="0"/>
+              <a:t>B</a:t>
+            </a:r>
+            <a:r>
+              <a:rPr lang="en-US" i="1" baseline="-25000" dirty="0" smtClean="0"/>
+              <a:t>MSY</a:t>
+            </a:r>
+            <a:r>
+              <a:rPr lang="en-US" dirty="0" smtClean="0"/>
+              <a:t>/</a:t>
+            </a:r>
+            <a:r>
+              <a:rPr lang="en-US" i="1" dirty="0" smtClean="0"/>
+              <a:t>B</a:t>
+            </a:r>
+            <a:r>
+              <a:rPr lang="en-US" baseline="-25000" dirty="0" smtClean="0"/>
+              <a:t>0 </a:t>
+            </a:r>
+            <a:r>
+              <a:rPr lang="en-US" dirty="0" smtClean="0"/>
+              <a:t>and productivity</a:t>
+            </a:r>
+          </a:p>
+          <a:p>
+            <a:r>
+              <a:rPr lang="en-US" dirty="0" smtClean="0"/>
+              <a:t>Not yet commonly used</a:t>
+            </a:r>
+          </a:p>
+          <a:p>
+            <a:r>
+              <a:rPr lang="en-US" dirty="0" smtClean="0"/>
+              <a:t>How to find values for both </a:t>
+            </a:r>
+            <a:r>
+              <a:rPr lang="en-US" i="1" dirty="0" smtClean="0"/>
+              <a:t>h</a:t>
+            </a:r>
+            <a:r>
+              <a:rPr lang="en-US" dirty="0" smtClean="0"/>
+              <a:t> and </a:t>
+            </a:r>
+            <a:r>
+              <a:rPr lang="en-US" i="1" dirty="0" smtClean="0"/>
+              <a:t>c</a:t>
+            </a:r>
+            <a:r>
+              <a:rPr lang="en-US" dirty="0" smtClean="0"/>
+              <a:t>?</a:t>
+            </a:r>
+            <a:endParaRPr lang="en-US" dirty="0"/>
+          </a:p>
+        </p:txBody>
+      </p:sp>
+    </p:spTree>
+    <p:extLst>
+      <p:ext uri="{BB962C8B-B14F-4D97-AF65-F5344CB8AC3E}">
+        <p14:creationId xmlns:p14="http://schemas.microsoft.com/office/powerpoint/2010/main" val="4249394014"/>
+      </p:ext>
+    </p:extLst>
+  </p:cSld>
+  <p:clrMapOvr>
+    <a:masterClrMapping/>
+  </p:clrMapOvr>
+  <p:timing>
+    <p:tnLst>
+      <p:par>
+        <p:cTn id="1" dur="indefinite" restart="never" nodeType="tmRoot"/>
+      </p:par>
+    </p:tnLst>
+  </p:timing>
+</p:sld>
+</file>
+
+<file path=ppt/slides/slide12.xml><?xml version="1.0" encoding="utf-8"?>
+<p:sld xmlns:a="http://schemas.openxmlformats.org/drawingml/2006/main" xmlns:r="http://schemas.openxmlformats.org/officeDocument/2006/relationships" xmlns:p="http://schemas.openxmlformats.org/presentationml/2006/main">
+  <p:cSld>
+    <p:spTree>
+      <p:nvGrpSpPr>
+        <p:cNvPr id="1" name=""/>
+        <p:cNvGrpSpPr/>
+        <p:nvPr/>
+      </p:nvGrpSpPr>
+      <p:grpSpPr>
+        <a:xfrm>
+          <a:off x="0" y="0"/>
+          <a:ext cx="0" cy="0"/>
+          <a:chOff x="0" y="0"/>
+          <a:chExt cx="0" cy="0"/>
+        </a:xfrm>
+      </p:grpSpPr>
       <p:sp>
         <p:nvSpPr>
           <p:cNvPr id="2" name="Title 1"/>
@@ -3789,7 +4752,7 @@
           <a:p>
             <a:fld id="{8CA0417E-8047-41CE-9E93-4FCB55A08913}" type="slidenum">
               <a:rPr lang="en-US" smtClean="0"/>
-              <a:t>11</a:t>
+              <a:t>12</a:t>
             </a:fld>
             <a:endParaRPr lang="en-US"/>
           </a:p>
@@ -3803,8 +4766,8 @@
         </p:nvSpPr>
         <p:spPr>
           <a:xfrm>
-            <a:off x="838200" y="5505271"/>
-            <a:ext cx="4930329" cy="1200329"/>
+            <a:off x="0" y="5870873"/>
+            <a:ext cx="6019800" cy="923330"/>
           </a:xfrm>
           <a:prstGeom prst="rect">
             <a:avLst/>
@@ -3883,11 +4846,13 @@
         <p:spPr>
           <a:xfrm>
             <a:off x="622300" y="2944584"/>
-            <a:ext cx="4940300" cy="2687687"/>
+            <a:ext cx="5194300" cy="2687687"/>
           </a:xfrm>
         </p:spPr>
         <p:txBody>
-          <a:bodyPr/>
+          <a:bodyPr>
+            <a:normAutofit/>
+          </a:bodyPr>
           <a:lstStyle/>
           <a:p>
             <a:r>
@@ -3900,7 +4865,17 @@
             </a:r>
             <a:r>
               <a:rPr lang="en-US" dirty="0" smtClean="0"/>
-              <a:t> “Quest for the holy grail”)</a:t>
+              <a:t> “Quest for the holy grail</a:t>
+            </a:r>
+            <a:r>
+              <a:rPr lang="en-US" dirty="0" smtClean="0"/>
+              <a:t>”)</a:t>
+            </a:r>
+          </a:p>
+          <a:p>
+            <a:r>
+              <a:rPr lang="en-US" dirty="0" smtClean="0"/>
+              <a:t>How to get parameter values?</a:t>
             </a:r>
             <a:endParaRPr lang="en-US" dirty="0"/>
           </a:p>
@@ -3910,175 +4885,6 @@
     <p:extLst>
       <p:ext uri="{BB962C8B-B14F-4D97-AF65-F5344CB8AC3E}">
         <p14:creationId xmlns:p14="http://schemas.microsoft.com/office/powerpoint/2010/main" val="1582067870"/>
-      </p:ext>
-    </p:extLst>
-  </p:cSld>
-  <p:clrMapOvr>
-    <a:masterClrMapping/>
-  </p:clrMapOvr>
-  <p:timing>
-    <p:tnLst>
-      <p:par>
-        <p:cTn id="1" dur="indefinite" restart="never" nodeType="tmRoot"/>
-      </p:par>
-    </p:tnLst>
-  </p:timing>
-</p:sld>
-</file>
-
-<file path=ppt/slides/slide12.xml><?xml version="1.0" encoding="utf-8"?>
-<p:sld xmlns:a="http://schemas.openxmlformats.org/drawingml/2006/main" xmlns:r="http://schemas.openxmlformats.org/officeDocument/2006/relationships" xmlns:p="http://schemas.openxmlformats.org/presentationml/2006/main">
-  <p:cSld>
-    <p:spTree>
-      <p:nvGrpSpPr>
-        <p:cNvPr id="1" name=""/>
-        <p:cNvGrpSpPr/>
-        <p:nvPr/>
-      </p:nvGrpSpPr>
-      <p:grpSpPr>
-        <a:xfrm>
-          <a:off x="0" y="0"/>
-          <a:ext cx="0" cy="0"/>
-          <a:chOff x="0" y="0"/>
-          <a:chExt cx="0" cy="0"/>
-        </a:xfrm>
-      </p:grpSpPr>
-      <p:sp>
-        <p:nvSpPr>
-          <p:cNvPr id="6" name="Title 5"/>
-          <p:cNvSpPr>
-            <a:spLocks noGrp="1"/>
-          </p:cNvSpPr>
-          <p:nvPr>
-            <p:ph type="title"/>
-          </p:nvPr>
-        </p:nvSpPr>
-        <p:spPr>
-          <a:xfrm>
-            <a:off x="831850" y="1709739"/>
-            <a:ext cx="10515600" cy="1554162"/>
-          </a:xfrm>
-        </p:spPr>
-        <p:txBody>
-          <a:bodyPr>
-            <a:normAutofit/>
-          </a:bodyPr>
-          <a:lstStyle/>
-          <a:p>
-            <a:r>
-              <a:rPr lang="en-US" dirty="0" smtClean="0"/>
-              <a:t>Recruitment deviations</a:t>
-            </a:r>
-            <a:endParaRPr lang="en-US" dirty="0"/>
-          </a:p>
-        </p:txBody>
-      </p:sp>
-      <p:sp>
-        <p:nvSpPr>
-          <p:cNvPr id="7" name="Text Placeholder 6"/>
-          <p:cNvSpPr>
-            <a:spLocks noGrp="1"/>
-          </p:cNvSpPr>
-          <p:nvPr>
-            <p:ph type="body" idx="1"/>
-          </p:nvPr>
-        </p:nvSpPr>
-        <p:spPr>
-          <a:xfrm>
-            <a:off x="831850" y="3429001"/>
-            <a:ext cx="10515600" cy="2660650"/>
-          </a:xfrm>
-        </p:spPr>
-        <p:txBody>
-          <a:bodyPr>
-            <a:noAutofit/>
-          </a:bodyPr>
-          <a:lstStyle/>
-          <a:p>
-            <a:r>
-              <a:rPr lang="en-US" sz="3600" dirty="0" err="1" smtClean="0">
-                <a:solidFill>
-                  <a:schemeClr val="tx1"/>
-                </a:solidFill>
-              </a:rPr>
-              <a:t>SigmaR</a:t>
-            </a:r>
-            <a:endParaRPr lang="en-US" sz="3600" dirty="0" smtClean="0">
-              <a:solidFill>
-                <a:schemeClr val="tx1"/>
-              </a:solidFill>
-            </a:endParaRPr>
-          </a:p>
-          <a:p>
-            <a:r>
-              <a:rPr lang="en-US" sz="3600" dirty="0" smtClean="0">
-                <a:solidFill>
-                  <a:schemeClr val="tx1"/>
-                </a:solidFill>
-              </a:rPr>
-              <a:t>Eras (</a:t>
-            </a:r>
-            <a:r>
-              <a:rPr lang="en-US" sz="3600" dirty="0" err="1" smtClean="0">
-                <a:solidFill>
-                  <a:schemeClr val="tx1"/>
-                </a:solidFill>
-              </a:rPr>
-              <a:t>Init</a:t>
-            </a:r>
-            <a:r>
-              <a:rPr lang="en-US" sz="3600" dirty="0" smtClean="0">
-                <a:solidFill>
-                  <a:schemeClr val="tx1"/>
-                </a:solidFill>
-              </a:rPr>
-              <a:t>/Early, Main, Late/Forecast), and</a:t>
-            </a:r>
-          </a:p>
-          <a:p>
-            <a:r>
-              <a:rPr lang="en-US" sz="3600" dirty="0" smtClean="0">
-                <a:solidFill>
-                  <a:schemeClr val="tx1"/>
-                </a:solidFill>
-              </a:rPr>
-              <a:t>Bias adjustment</a:t>
-            </a:r>
-            <a:endParaRPr lang="en-US" sz="3600" dirty="0">
-              <a:solidFill>
-                <a:schemeClr val="tx1"/>
-              </a:solidFill>
-            </a:endParaRPr>
-          </a:p>
-        </p:txBody>
-      </p:sp>
-      <p:sp>
-        <p:nvSpPr>
-          <p:cNvPr id="5" name="Slide Number Placeholder 4"/>
-          <p:cNvSpPr>
-            <a:spLocks noGrp="1"/>
-          </p:cNvSpPr>
-          <p:nvPr>
-            <p:ph type="sldNum" sz="quarter" idx="12"/>
-          </p:nvPr>
-        </p:nvSpPr>
-        <p:spPr/>
-        <p:txBody>
-          <a:bodyPr/>
-          <a:lstStyle/>
-          <a:p>
-            <a:fld id="{8CA0417E-8047-41CE-9E93-4FCB55A08913}" type="slidenum">
-              <a:rPr lang="en-US" smtClean="0"/>
-              <a:t>12</a:t>
-            </a:fld>
-            <a:endParaRPr lang="en-US"/>
-          </a:p>
-        </p:txBody>
-      </p:sp>
-    </p:spTree>
-    <p:extLst>
-      <p:ext uri="{BB962C8B-B14F-4D97-AF65-F5344CB8AC3E}">
-        <p14:creationId xmlns:p14="http://schemas.microsoft.com/office/powerpoint/2010/main" val="3294044814"/>
       </p:ext>
     </p:extLst>
   </p:cSld>
@@ -4114,7 +4920,7 @@
       </p:grpSpPr>
       <p:sp>
         <p:nvSpPr>
-          <p:cNvPr id="5" name="Title 4"/>
+          <p:cNvPr id="6" name="Title 5"/>
           <p:cNvSpPr>
             <a:spLocks noGrp="1"/>
           </p:cNvSpPr>
@@ -4122,37 +4928,134 @@
             <p:ph type="title"/>
           </p:nvPr>
         </p:nvSpPr>
-        <p:spPr/>
-        <p:txBody>
-          <a:bodyPr/>
-          <a:lstStyle/>
-          <a:p>
-            <a:endParaRPr lang="en-US"/>
-          </a:p>
-        </p:txBody>
-      </p:sp>
-      <p:sp>
-        <p:nvSpPr>
-          <p:cNvPr id="6" name="Content Placeholder 5"/>
-          <p:cNvSpPr>
-            <a:spLocks noGrp="1"/>
-          </p:cNvSpPr>
-          <p:nvPr>
-            <p:ph idx="1"/>
-          </p:nvPr>
-        </p:nvSpPr>
-        <p:spPr/>
-        <p:txBody>
-          <a:bodyPr/>
-          <a:lstStyle/>
-          <a:p>
-            <a:endParaRPr lang="en-US"/>
-          </a:p>
-        </p:txBody>
-      </p:sp>
-      <p:sp>
-        <p:nvSpPr>
-          <p:cNvPr id="4" name="Slide Number Placeholder 3"/>
+        <p:spPr>
+          <a:xfrm>
+            <a:off x="800100" y="522384"/>
+            <a:ext cx="10515600" cy="1554162"/>
+          </a:xfrm>
+        </p:spPr>
+        <p:txBody>
+          <a:bodyPr>
+            <a:normAutofit/>
+          </a:bodyPr>
+          <a:lstStyle/>
+          <a:p>
+            <a:r>
+              <a:rPr lang="en-US" dirty="0" smtClean="0"/>
+              <a:t>Recruitment deviations</a:t>
+            </a:r>
+            <a:endParaRPr lang="en-US" dirty="0"/>
+          </a:p>
+        </p:txBody>
+      </p:sp>
+      <p:sp>
+        <p:nvSpPr>
+          <p:cNvPr id="7" name="Text Placeholder 6"/>
+          <p:cNvSpPr>
+            <a:spLocks noGrp="1"/>
+          </p:cNvSpPr>
+          <p:nvPr>
+            <p:ph type="body" idx="1"/>
+          </p:nvPr>
+        </p:nvSpPr>
+        <p:spPr>
+          <a:xfrm>
+            <a:off x="800100" y="2241646"/>
+            <a:ext cx="10515600" cy="2660650"/>
+          </a:xfrm>
+        </p:spPr>
+        <p:txBody>
+          <a:bodyPr>
+            <a:noAutofit/>
+          </a:bodyPr>
+          <a:lstStyle/>
+          <a:p>
+            <a:r>
+              <a:rPr lang="en-US" sz="3600" dirty="0" smtClean="0">
+                <a:solidFill>
+                  <a:schemeClr val="tx1"/>
+                </a:solidFill>
+              </a:rPr>
+              <a:t>Overview</a:t>
+            </a:r>
+          </a:p>
+          <a:p>
+            <a:r>
+              <a:rPr lang="en-US" sz="3600" dirty="0" err="1" smtClean="0">
+                <a:solidFill>
+                  <a:schemeClr val="tx1"/>
+                </a:solidFill>
+              </a:rPr>
+              <a:t>SigmaR</a:t>
+            </a:r>
+            <a:endParaRPr lang="en-US" sz="3600" dirty="0" smtClean="0">
+              <a:solidFill>
+                <a:schemeClr val="tx1"/>
+              </a:solidFill>
+            </a:endParaRPr>
+          </a:p>
+          <a:p>
+            <a:r>
+              <a:rPr lang="en-US" sz="3600" dirty="0">
+                <a:solidFill>
+                  <a:schemeClr val="tx1"/>
+                </a:solidFill>
+              </a:rPr>
+              <a:t>Bias adjustment</a:t>
+            </a:r>
+          </a:p>
+          <a:p>
+            <a:r>
+              <a:rPr lang="en-US" sz="3600" dirty="0" smtClean="0">
+                <a:solidFill>
+                  <a:schemeClr val="tx1"/>
+                </a:solidFill>
+              </a:rPr>
+              <a:t>Eras </a:t>
+            </a:r>
+            <a:r>
+              <a:rPr lang="en-US" sz="3600" dirty="0" smtClean="0">
+                <a:solidFill>
+                  <a:schemeClr val="tx1"/>
+                </a:solidFill>
+              </a:rPr>
+              <a:t>(</a:t>
+            </a:r>
+            <a:r>
+              <a:rPr lang="en-US" sz="3600" dirty="0" err="1" smtClean="0">
+                <a:solidFill>
+                  <a:schemeClr val="tx1"/>
+                </a:solidFill>
+              </a:rPr>
+              <a:t>Init</a:t>
+            </a:r>
+            <a:r>
+              <a:rPr lang="en-US" sz="3600" dirty="0" smtClean="0">
+                <a:solidFill>
+                  <a:schemeClr val="tx1"/>
+                </a:solidFill>
+              </a:rPr>
+              <a:t>/Early, Main, Late/Forecast</a:t>
+            </a:r>
+            <a:r>
+              <a:rPr lang="en-US" sz="3600" dirty="0" smtClean="0">
+                <a:solidFill>
+                  <a:schemeClr val="tx1"/>
+                </a:solidFill>
+              </a:rPr>
+              <a:t>)</a:t>
+            </a:r>
+            <a:endParaRPr lang="en-US" sz="3600" dirty="0" smtClean="0">
+              <a:solidFill>
+                <a:schemeClr val="tx1"/>
+              </a:solidFill>
+            </a:endParaRPr>
+          </a:p>
+        </p:txBody>
+      </p:sp>
+      <p:sp>
+        <p:nvSpPr>
+          <p:cNvPr id="5" name="Slide Number Placeholder 4"/>
           <p:cNvSpPr>
             <a:spLocks noGrp="1"/>
           </p:cNvSpPr>
@@ -4168,6 +5071,283 @@
             <a:fld id="{8CA0417E-8047-41CE-9E93-4FCB55A08913}" type="slidenum">
               <a:rPr lang="en-US" smtClean="0"/>
               <a:t>13</a:t>
+            </a:fld>
+            <a:endParaRPr lang="en-US"/>
+          </a:p>
+        </p:txBody>
+      </p:sp>
+      <p:sp>
+        <p:nvSpPr>
+          <p:cNvPr id="8" name="Content Placeholder 10"/>
+          <p:cNvSpPr txBox="1">
+            <a:spLocks/>
+          </p:cNvSpPr>
+          <p:nvPr/>
+        </p:nvSpPr>
+        <p:spPr>
+          <a:xfrm>
+            <a:off x="838199" y="5199800"/>
+            <a:ext cx="9383973" cy="1733638"/>
+          </a:xfrm>
+          <a:prstGeom prst="rect">
+            <a:avLst/>
+          </a:prstGeom>
+        </p:spPr>
+        <p:txBody>
+          <a:bodyPr vert="horz" lIns="91440" tIns="45720" rIns="91440" bIns="45720" rtlCol="0">
+            <a:normAutofit/>
+          </a:bodyPr>
+          <a:lstStyle>
+            <a:lvl1pPr marL="228600" indent="-228600" algn="l" defTabSz="914400" rtl="0" eaLnBrk="1" latinLnBrk="0" hangingPunct="1">
+              <a:lnSpc>
+                <a:spcPct val="90000"/>
+              </a:lnSpc>
+              <a:spcBef>
+                <a:spcPts val="1000"/>
+              </a:spcBef>
+              <a:buFont typeface="Arial" panose="020B0604020202020204" pitchFamily="34" charset="0"/>
+              <a:buChar char="•"/>
+              <a:defRPr sz="2800" kern="1200">
+                <a:solidFill>
+                  <a:schemeClr val="tx1"/>
+                </a:solidFill>
+                <a:latin typeface="+mn-lt"/>
+                <a:ea typeface="+mn-ea"/>
+                <a:cs typeface="+mn-cs"/>
+              </a:defRPr>
+            </a:lvl1pPr>
+            <a:lvl2pPr marL="685800" indent="-228600" algn="l" defTabSz="914400" rtl="0" eaLnBrk="1" latinLnBrk="0" hangingPunct="1">
+              <a:lnSpc>
+                <a:spcPct val="90000"/>
+              </a:lnSpc>
+              <a:spcBef>
+                <a:spcPts val="500"/>
+              </a:spcBef>
+              <a:buFont typeface="Arial" panose="020B0604020202020204" pitchFamily="34" charset="0"/>
+              <a:buChar char="•"/>
+              <a:defRPr sz="2400" kern="1200">
+                <a:solidFill>
+                  <a:schemeClr val="tx1"/>
+                </a:solidFill>
+                <a:latin typeface="+mn-lt"/>
+                <a:ea typeface="+mn-ea"/>
+                <a:cs typeface="+mn-cs"/>
+              </a:defRPr>
+            </a:lvl2pPr>
+            <a:lvl3pPr marL="1143000" indent="-228600" algn="l" defTabSz="914400" rtl="0" eaLnBrk="1" latinLnBrk="0" hangingPunct="1">
+              <a:lnSpc>
+                <a:spcPct val="90000"/>
+              </a:lnSpc>
+              <a:spcBef>
+                <a:spcPts val="500"/>
+              </a:spcBef>
+              <a:buFont typeface="Arial" panose="020B0604020202020204" pitchFamily="34" charset="0"/>
+              <a:buChar char="•"/>
+              <a:defRPr sz="2000" kern="1200">
+                <a:solidFill>
+                  <a:schemeClr val="tx1"/>
+                </a:solidFill>
+                <a:latin typeface="+mn-lt"/>
+                <a:ea typeface="+mn-ea"/>
+                <a:cs typeface="+mn-cs"/>
+              </a:defRPr>
+            </a:lvl3pPr>
+            <a:lvl4pPr marL="1600200" indent="-228600" algn="l" defTabSz="914400" rtl="0" eaLnBrk="1" latinLnBrk="0" hangingPunct="1">
+              <a:lnSpc>
+                <a:spcPct val="90000"/>
+              </a:lnSpc>
+              <a:spcBef>
+                <a:spcPts val="500"/>
+              </a:spcBef>
+              <a:buFont typeface="Arial" panose="020B0604020202020204" pitchFamily="34" charset="0"/>
+              <a:buChar char="•"/>
+              <a:defRPr sz="1800" kern="1200">
+                <a:solidFill>
+                  <a:schemeClr val="tx1"/>
+                </a:solidFill>
+                <a:latin typeface="+mn-lt"/>
+                <a:ea typeface="+mn-ea"/>
+                <a:cs typeface="+mn-cs"/>
+              </a:defRPr>
+            </a:lvl4pPr>
+            <a:lvl5pPr marL="2057400" indent="-228600" algn="l" defTabSz="914400" rtl="0" eaLnBrk="1" latinLnBrk="0" hangingPunct="1">
+              <a:lnSpc>
+                <a:spcPct val="90000"/>
+              </a:lnSpc>
+              <a:spcBef>
+                <a:spcPts val="500"/>
+              </a:spcBef>
+              <a:buFont typeface="Arial" panose="020B0604020202020204" pitchFamily="34" charset="0"/>
+              <a:buChar char="•"/>
+              <a:defRPr sz="1800" kern="1200">
+                <a:solidFill>
+                  <a:schemeClr val="tx1"/>
+                </a:solidFill>
+                <a:latin typeface="+mn-lt"/>
+                <a:ea typeface="+mn-ea"/>
+                <a:cs typeface="+mn-cs"/>
+              </a:defRPr>
+            </a:lvl5pPr>
+            <a:lvl6pPr marL="2514600" indent="-228600" algn="l" defTabSz="914400" rtl="0" eaLnBrk="1" latinLnBrk="0" hangingPunct="1">
+              <a:lnSpc>
+                <a:spcPct val="90000"/>
+              </a:lnSpc>
+              <a:spcBef>
+                <a:spcPts val="500"/>
+              </a:spcBef>
+              <a:buFont typeface="Arial" panose="020B0604020202020204" pitchFamily="34" charset="0"/>
+              <a:buChar char="•"/>
+              <a:defRPr sz="1800" kern="1200">
+                <a:solidFill>
+                  <a:schemeClr val="tx1"/>
+                </a:solidFill>
+                <a:latin typeface="+mn-lt"/>
+                <a:ea typeface="+mn-ea"/>
+                <a:cs typeface="+mn-cs"/>
+              </a:defRPr>
+            </a:lvl6pPr>
+            <a:lvl7pPr marL="2971800" indent="-228600" algn="l" defTabSz="914400" rtl="0" eaLnBrk="1" latinLnBrk="0" hangingPunct="1">
+              <a:lnSpc>
+                <a:spcPct val="90000"/>
+              </a:lnSpc>
+              <a:spcBef>
+                <a:spcPts val="500"/>
+              </a:spcBef>
+              <a:buFont typeface="Arial" panose="020B0604020202020204" pitchFamily="34" charset="0"/>
+              <a:buChar char="•"/>
+              <a:defRPr sz="1800" kern="1200">
+                <a:solidFill>
+                  <a:schemeClr val="tx1"/>
+                </a:solidFill>
+                <a:latin typeface="+mn-lt"/>
+                <a:ea typeface="+mn-ea"/>
+                <a:cs typeface="+mn-cs"/>
+              </a:defRPr>
+            </a:lvl7pPr>
+            <a:lvl8pPr marL="3429000" indent="-228600" algn="l" defTabSz="914400" rtl="0" eaLnBrk="1" latinLnBrk="0" hangingPunct="1">
+              <a:lnSpc>
+                <a:spcPct val="90000"/>
+              </a:lnSpc>
+              <a:spcBef>
+                <a:spcPts val="500"/>
+              </a:spcBef>
+              <a:buFont typeface="Arial" panose="020B0604020202020204" pitchFamily="34" charset="0"/>
+              <a:buChar char="•"/>
+              <a:defRPr sz="1800" kern="1200">
+                <a:solidFill>
+                  <a:schemeClr val="tx1"/>
+                </a:solidFill>
+                <a:latin typeface="+mn-lt"/>
+                <a:ea typeface="+mn-ea"/>
+                <a:cs typeface="+mn-cs"/>
+              </a:defRPr>
+            </a:lvl8pPr>
+            <a:lvl9pPr marL="3886200" indent="-228600" algn="l" defTabSz="914400" rtl="0" eaLnBrk="1" latinLnBrk="0" hangingPunct="1">
+              <a:lnSpc>
+                <a:spcPct val="90000"/>
+              </a:lnSpc>
+              <a:spcBef>
+                <a:spcPts val="500"/>
+              </a:spcBef>
+              <a:buFont typeface="Arial" panose="020B0604020202020204" pitchFamily="34" charset="0"/>
+              <a:buChar char="•"/>
+              <a:defRPr sz="1800" kern="1200">
+                <a:solidFill>
+                  <a:schemeClr val="tx1"/>
+                </a:solidFill>
+                <a:latin typeface="+mn-lt"/>
+                <a:ea typeface="+mn-ea"/>
+                <a:cs typeface="+mn-cs"/>
+              </a:defRPr>
+            </a:lvl9pPr>
+          </a:lstStyle>
+          <a:p>
+            <a:r>
+              <a:rPr lang="en-US" dirty="0" smtClean="0"/>
+              <a:t>Statisticians say that all this would be simpler if recruitment deviations were modeled as a true random effects</a:t>
+            </a:r>
+            <a:endParaRPr lang="en-US" dirty="0"/>
+          </a:p>
+        </p:txBody>
+      </p:sp>
+    </p:spTree>
+    <p:extLst>
+      <p:ext uri="{BB962C8B-B14F-4D97-AF65-F5344CB8AC3E}">
+        <p14:creationId xmlns:p14="http://schemas.microsoft.com/office/powerpoint/2010/main" val="3294044814"/>
+      </p:ext>
+    </p:extLst>
+  </p:cSld>
+  <p:clrMapOvr>
+    <a:masterClrMapping/>
+  </p:clrMapOvr>
+  <p:timing>
+    <p:tnLst>
+      <p:par>
+        <p:cTn id="1" dur="indefinite" restart="never" nodeType="tmRoot"/>
+      </p:par>
+    </p:tnLst>
+  </p:timing>
+</p:sld>
+</file>
+
+<file path=ppt/slides/slide14.xml><?xml version="1.0" encoding="utf-8"?>
+<p:sld xmlns:a="http://schemas.openxmlformats.org/drawingml/2006/main" xmlns:r="http://schemas.openxmlformats.org/officeDocument/2006/relationships" xmlns:p="http://schemas.openxmlformats.org/presentationml/2006/main">
+  <p:cSld>
+    <p:spTree>
+      <p:nvGrpSpPr>
+        <p:cNvPr id="1" name=""/>
+        <p:cNvGrpSpPr/>
+        <p:nvPr/>
+      </p:nvGrpSpPr>
+      <p:grpSpPr>
+        <a:xfrm>
+          <a:off x="0" y="0"/>
+          <a:ext cx="0" cy="0"/>
+          <a:chOff x="0" y="0"/>
+          <a:chExt cx="0" cy="0"/>
+        </a:xfrm>
+      </p:grpSpPr>
+      <p:sp>
+        <p:nvSpPr>
+          <p:cNvPr id="5" name="Title 4"/>
+          <p:cNvSpPr>
+            <a:spLocks noGrp="1"/>
+          </p:cNvSpPr>
+          <p:nvPr>
+            <p:ph type="title"/>
+          </p:nvPr>
+        </p:nvSpPr>
+        <p:spPr/>
+        <p:txBody>
+          <a:bodyPr/>
+          <a:lstStyle/>
+          <a:p>
+            <a:r>
+              <a:rPr lang="en-US" dirty="0" smtClean="0"/>
+              <a:t>Recruitment in Rockfish Example</a:t>
+            </a:r>
+            <a:endParaRPr lang="en-US" dirty="0"/>
+          </a:p>
+        </p:txBody>
+      </p:sp>
+      <p:sp>
+        <p:nvSpPr>
+          <p:cNvPr id="4" name="Slide Number Placeholder 3"/>
+          <p:cNvSpPr>
+            <a:spLocks noGrp="1"/>
+          </p:cNvSpPr>
+          <p:nvPr>
+            <p:ph type="sldNum" sz="quarter" idx="12"/>
+          </p:nvPr>
+        </p:nvSpPr>
+        <p:spPr/>
+        <p:txBody>
+          <a:bodyPr/>
+          <a:lstStyle/>
+          <a:p>
+            <a:fld id="{8CA0417E-8047-41CE-9E93-4FCB55A08913}" type="slidenum">
+              <a:rPr lang="en-US" smtClean="0"/>
+              <a:t>14</a:t>
             </a:fld>
             <a:endParaRPr lang="en-US"/>
           </a:p>
@@ -4181,7 +5361,7 @@
           </p:cNvPicPr>
           <p:nvPr/>
         </p:nvPicPr>
-        <p:blipFill>
+        <p:blipFill rotWithShape="1">
           <a:blip r:embed="rId2" cstate="print">
             <a:extLst>
               <a:ext uri="{28A0092B-C50C-407E-A947-70E740481C1C}">
@@ -4189,15 +5369,13 @@
               </a:ext>
             </a:extLst>
           </a:blip>
-          <a:srcRect/>
-          <a:stretch>
-            <a:fillRect/>
-          </a:stretch>
+          <a:srcRect t="9900"/>
+          <a:stretch/>
         </p:blipFill>
         <p:spPr bwMode="auto">
           <a:xfrm>
-            <a:off x="139700" y="1408111"/>
-            <a:ext cx="6240781" cy="4800601"/>
+            <a:off x="139700" y="1883391"/>
+            <a:ext cx="6240781" cy="4325321"/>
           </a:xfrm>
           <a:prstGeom prst="rect">
             <a:avLst/>
@@ -4255,124 +5433,54 @@
           </a:extLst>
         </p:spPr>
       </p:pic>
+      <p:sp>
+        <p:nvSpPr>
+          <p:cNvPr id="9" name="Content Placeholder 5"/>
+          <p:cNvSpPr>
+            <a:spLocks noGrp="1"/>
+          </p:cNvSpPr>
+          <p:nvPr>
+            <p:ph idx="1"/>
+          </p:nvPr>
+        </p:nvSpPr>
+        <p:spPr>
+          <a:xfrm>
+            <a:off x="838200" y="1555845"/>
+            <a:ext cx="10515600" cy="4997355"/>
+          </a:xfrm>
+        </p:spPr>
+        <p:txBody>
+          <a:bodyPr/>
+          <a:lstStyle/>
+          <a:p>
+            <a:pPr marL="0" indent="0">
+              <a:buNone/>
+            </a:pPr>
+            <a:r>
+              <a:rPr lang="en-US" dirty="0" smtClean="0"/>
+              <a:t>  Recruitment estimates		                   Recruitment deviations</a:t>
+            </a:r>
+            <a:endParaRPr lang="en-US" dirty="0"/>
+          </a:p>
+        </p:txBody>
+      </p:sp>
     </p:spTree>
     <p:extLst>
       <p:ext uri="{BB962C8B-B14F-4D97-AF65-F5344CB8AC3E}">
-        <p14:creationId xmlns:p14="http://schemas.microsoft.com/office/powerpoint/2010/main" val="2249880763"/>
+        <p14:creationId xmlns:p14="http://schemas.microsoft.com/office/powerpoint/2010/main" val="685105647"/>
       </p:ext>
     </p:extLst>
   </p:cSld>
   <p:clrMapOvr>
     <a:masterClrMapping/>
   </p:clrMapOvr>
-</p:sld>
-</file>
-
-<file path=ppt/slides/slide14.xml><?xml version="1.0" encoding="utf-8"?>
-<p:sld xmlns:a="http://schemas.openxmlformats.org/drawingml/2006/main" xmlns:r="http://schemas.openxmlformats.org/officeDocument/2006/relationships" xmlns:p="http://schemas.openxmlformats.org/presentationml/2006/main">
-  <p:cSld>
-    <p:spTree>
-      <p:nvGrpSpPr>
-        <p:cNvPr id="1" name=""/>
-        <p:cNvGrpSpPr/>
-        <p:nvPr/>
-      </p:nvGrpSpPr>
-      <p:grpSpPr>
-        <a:xfrm>
-          <a:off x="0" y="0"/>
-          <a:ext cx="0" cy="0"/>
-          <a:chOff x="0" y="0"/>
-          <a:chExt cx="0" cy="0"/>
-        </a:xfrm>
-      </p:grpSpPr>
-      <p:sp>
-        <p:nvSpPr>
-          <p:cNvPr id="2" name="Title 1"/>
-          <p:cNvSpPr>
-            <a:spLocks noGrp="1"/>
-          </p:cNvSpPr>
-          <p:nvPr>
-            <p:ph type="title"/>
-          </p:nvPr>
-        </p:nvSpPr>
-        <p:spPr/>
-        <p:txBody>
-          <a:bodyPr>
-            <a:normAutofit/>
-          </a:bodyPr>
-          <a:lstStyle/>
-          <a:p>
-            <a:r>
-              <a:rPr lang="en-US" dirty="0" smtClean="0"/>
-              <a:t>Settlement events and </a:t>
-            </a:r>
-            <a:br>
-              <a:rPr lang="en-US" dirty="0" smtClean="0"/>
-            </a:br>
-            <a:r>
-              <a:rPr lang="en-US" dirty="0" smtClean="0"/>
-              <a:t>Apportionment of recruitment</a:t>
-            </a:r>
-            <a:endParaRPr lang="en-US" dirty="0"/>
-          </a:p>
-        </p:txBody>
-      </p:sp>
-      <p:sp>
-        <p:nvSpPr>
-          <p:cNvPr id="3" name="Text Placeholder 2"/>
-          <p:cNvSpPr>
-            <a:spLocks noGrp="1"/>
-          </p:cNvSpPr>
-          <p:nvPr>
-            <p:ph type="body" idx="1"/>
-          </p:nvPr>
-        </p:nvSpPr>
-        <p:spPr/>
-        <p:txBody>
-          <a:bodyPr/>
-          <a:lstStyle/>
-          <a:p>
-            <a:r>
-              <a:rPr lang="en-US" dirty="0" smtClean="0"/>
-              <a:t> (to multiple areas, growth patterns, or settlement events)</a:t>
-            </a:r>
-            <a:endParaRPr lang="en-US" dirty="0"/>
-          </a:p>
-        </p:txBody>
-      </p:sp>
-      <p:sp>
-        <p:nvSpPr>
-          <p:cNvPr id="4" name="Slide Number Placeholder 3"/>
-          <p:cNvSpPr>
-            <a:spLocks noGrp="1"/>
-          </p:cNvSpPr>
-          <p:nvPr>
-            <p:ph type="sldNum" sz="quarter" idx="12"/>
-          </p:nvPr>
-        </p:nvSpPr>
-        <p:spPr/>
-        <p:txBody>
-          <a:bodyPr/>
-          <a:lstStyle/>
-          <a:p>
-            <a:fld id="{8CA0417E-8047-41CE-9E93-4FCB55A08913}" type="slidenum">
-              <a:rPr lang="en-US" smtClean="0"/>
-              <a:t>14</a:t>
-            </a:fld>
-            <a:endParaRPr lang="en-US"/>
-          </a:p>
-        </p:txBody>
-      </p:sp>
-    </p:spTree>
-    <p:extLst>
-      <p:ext uri="{BB962C8B-B14F-4D97-AF65-F5344CB8AC3E}">
-        <p14:creationId xmlns:p14="http://schemas.microsoft.com/office/powerpoint/2010/main" val="1379673430"/>
-      </p:ext>
-    </p:extLst>
-  </p:cSld>
-  <p:clrMapOvr>
-    <a:masterClrMapping/>
-  </p:clrMapOvr>
+  <p:timing>
+    <p:tnLst>
+      <p:par>
+        <p:cTn id="1" dur="indefinite" restart="never" nodeType="tmRoot"/>
+      </p:par>
+    </p:tnLst>
+  </p:timing>
 </p:sld>
 </file>
 
@@ -4395,7 +5503,561 @@
       </p:grpSpPr>
       <p:sp>
         <p:nvSpPr>
-          <p:cNvPr id="2" name="Title 1"/>
+          <p:cNvPr id="7" name="Content Placeholder 6"/>
+          <p:cNvSpPr>
+            <a:spLocks noGrp="1"/>
+          </p:cNvSpPr>
+          <p:nvPr>
+            <p:ph idx="1"/>
+          </p:nvPr>
+        </p:nvSpPr>
+        <p:spPr>
+          <a:xfrm>
+            <a:off x="632716" y="1069975"/>
+            <a:ext cx="11819562" cy="5483225"/>
+          </a:xfrm>
+        </p:spPr>
+        <p:txBody>
+          <a:bodyPr>
+            <a:normAutofit fontScale="70000" lnSpcReduction="20000"/>
+          </a:bodyPr>
+          <a:lstStyle/>
+          <a:p>
+            <a:pPr marL="0" indent="0">
+              <a:buNone/>
+            </a:pPr>
+            <a:r>
+              <a:rPr lang="pt-BR" sz="2000" b="1" dirty="0">
+                <a:latin typeface="Courier New" panose="02070309020205020404" pitchFamily="49" charset="0"/>
+                <a:cs typeface="Courier New" panose="02070309020205020404" pitchFamily="49" charset="0"/>
+              </a:rPr>
+              <a:t>1</a:t>
+            </a:r>
+            <a:r>
+              <a:rPr lang="pt-BR" sz="2000" b="1" dirty="0">
+                <a:solidFill>
+                  <a:srgbClr val="C00000"/>
+                </a:solidFill>
+                <a:latin typeface="Courier New" panose="02070309020205020404" pitchFamily="49" charset="0"/>
+                <a:cs typeface="Courier New" panose="02070309020205020404" pitchFamily="49" charset="0"/>
+              </a:rPr>
+              <a:t> #do_recdev:  0=none; 1=devvector; 2=simple deviations</a:t>
+            </a:r>
+          </a:p>
+          <a:p>
+            <a:pPr marL="0" indent="0">
+              <a:buNone/>
+            </a:pPr>
+            <a:r>
+              <a:rPr lang="pt-BR" sz="2000" b="1" dirty="0">
+                <a:latin typeface="Courier New" panose="02070309020205020404" pitchFamily="49" charset="0"/>
+                <a:cs typeface="Courier New" panose="02070309020205020404" pitchFamily="49" charset="0"/>
+              </a:rPr>
+              <a:t>1960</a:t>
+            </a:r>
+            <a:r>
+              <a:rPr lang="pt-BR" sz="2000" b="1" dirty="0">
+                <a:solidFill>
+                  <a:srgbClr val="C00000"/>
+                </a:solidFill>
+                <a:latin typeface="Courier New" panose="02070309020205020404" pitchFamily="49" charset="0"/>
+                <a:cs typeface="Courier New" panose="02070309020205020404" pitchFamily="49" charset="0"/>
+              </a:rPr>
+              <a:t> # first year of main recr_devs; early devs can preceed this era</a:t>
+            </a:r>
+          </a:p>
+          <a:p>
+            <a:pPr marL="0" indent="0">
+              <a:buNone/>
+            </a:pPr>
+            <a:r>
+              <a:rPr lang="pt-BR" sz="2000" b="1" dirty="0">
+                <a:latin typeface="Courier New" panose="02070309020205020404" pitchFamily="49" charset="0"/>
+                <a:cs typeface="Courier New" panose="02070309020205020404" pitchFamily="49" charset="0"/>
+              </a:rPr>
+              <a:t>2012</a:t>
+            </a:r>
+            <a:r>
+              <a:rPr lang="pt-BR" sz="2000" b="1" dirty="0">
+                <a:solidFill>
+                  <a:srgbClr val="C00000"/>
+                </a:solidFill>
+                <a:latin typeface="Courier New" panose="02070309020205020404" pitchFamily="49" charset="0"/>
+                <a:cs typeface="Courier New" panose="02070309020205020404" pitchFamily="49" charset="0"/>
+              </a:rPr>
+              <a:t> # last year of main recr_devs; forecast devs start in following year</a:t>
+            </a:r>
+          </a:p>
+          <a:p>
+            <a:pPr marL="0" indent="0">
+              <a:buNone/>
+            </a:pPr>
+            <a:r>
+              <a:rPr lang="pt-BR" sz="2000" b="1" dirty="0">
+                <a:latin typeface="Courier New" panose="02070309020205020404" pitchFamily="49" charset="0"/>
+                <a:cs typeface="Courier New" panose="02070309020205020404" pitchFamily="49" charset="0"/>
+              </a:rPr>
+              <a:t>2</a:t>
+            </a:r>
+            <a:r>
+              <a:rPr lang="pt-BR" sz="2000" b="1" dirty="0">
+                <a:solidFill>
+                  <a:srgbClr val="C00000"/>
+                </a:solidFill>
+                <a:latin typeface="Courier New" panose="02070309020205020404" pitchFamily="49" charset="0"/>
+                <a:cs typeface="Courier New" panose="02070309020205020404" pitchFamily="49" charset="0"/>
+              </a:rPr>
+              <a:t> #_recdev phase </a:t>
+            </a:r>
+          </a:p>
+          <a:p>
+            <a:pPr marL="0" indent="0">
+              <a:buNone/>
+            </a:pPr>
+            <a:r>
+              <a:rPr lang="pt-BR" sz="2000" b="1" dirty="0">
+                <a:latin typeface="Courier New" panose="02070309020205020404" pitchFamily="49" charset="0"/>
+                <a:cs typeface="Courier New" panose="02070309020205020404" pitchFamily="49" charset="0"/>
+              </a:rPr>
+              <a:t>1</a:t>
+            </a:r>
+            <a:r>
+              <a:rPr lang="pt-BR" sz="2000" b="1" dirty="0">
+                <a:solidFill>
+                  <a:srgbClr val="C00000"/>
+                </a:solidFill>
+                <a:latin typeface="Courier New" panose="02070309020205020404" pitchFamily="49" charset="0"/>
+                <a:cs typeface="Courier New" panose="02070309020205020404" pitchFamily="49" charset="0"/>
+              </a:rPr>
+              <a:t> # (0/1) to read 13 advanced options</a:t>
+            </a:r>
+          </a:p>
+          <a:p>
+            <a:pPr marL="0" indent="0">
+              <a:buNone/>
+            </a:pPr>
+            <a:r>
+              <a:rPr lang="pt-BR" sz="2000" b="1" dirty="0">
+                <a:solidFill>
+                  <a:srgbClr val="C00000"/>
+                </a:solidFill>
+                <a:latin typeface="Courier New" panose="02070309020205020404" pitchFamily="49" charset="0"/>
+                <a:cs typeface="Courier New" panose="02070309020205020404" pitchFamily="49" charset="0"/>
+              </a:rPr>
+              <a:t> </a:t>
+            </a:r>
+            <a:r>
+              <a:rPr lang="pt-BR" sz="2000" b="1" dirty="0">
+                <a:latin typeface="Courier New" panose="02070309020205020404" pitchFamily="49" charset="0"/>
+                <a:cs typeface="Courier New" panose="02070309020205020404" pitchFamily="49" charset="0"/>
+              </a:rPr>
+              <a:t>1895</a:t>
+            </a:r>
+            <a:r>
+              <a:rPr lang="pt-BR" sz="2000" b="1" dirty="0">
+                <a:solidFill>
+                  <a:srgbClr val="C00000"/>
+                </a:solidFill>
+                <a:latin typeface="Courier New" panose="02070309020205020404" pitchFamily="49" charset="0"/>
+                <a:cs typeface="Courier New" panose="02070309020205020404" pitchFamily="49" charset="0"/>
+              </a:rPr>
+              <a:t> #_recdev_early_start (0=none; neg value makes relative to recdev_start)</a:t>
+            </a:r>
+          </a:p>
+          <a:p>
+            <a:pPr marL="0" indent="0">
+              <a:buNone/>
+            </a:pPr>
+            <a:r>
+              <a:rPr lang="pt-BR" sz="2000" b="1" dirty="0">
+                <a:solidFill>
+                  <a:srgbClr val="C00000"/>
+                </a:solidFill>
+                <a:latin typeface="Courier New" panose="02070309020205020404" pitchFamily="49" charset="0"/>
+                <a:cs typeface="Courier New" panose="02070309020205020404" pitchFamily="49" charset="0"/>
+              </a:rPr>
+              <a:t> </a:t>
+            </a:r>
+            <a:r>
+              <a:rPr lang="pt-BR" sz="2000" b="1" dirty="0">
+                <a:latin typeface="Courier New" panose="02070309020205020404" pitchFamily="49" charset="0"/>
+                <a:cs typeface="Courier New" panose="02070309020205020404" pitchFamily="49" charset="0"/>
+              </a:rPr>
+              <a:t>5</a:t>
+            </a:r>
+            <a:r>
+              <a:rPr lang="pt-BR" sz="2000" b="1" dirty="0">
+                <a:solidFill>
+                  <a:srgbClr val="C00000"/>
+                </a:solidFill>
+                <a:latin typeface="Courier New" panose="02070309020205020404" pitchFamily="49" charset="0"/>
+                <a:cs typeface="Courier New" panose="02070309020205020404" pitchFamily="49" charset="0"/>
+              </a:rPr>
+              <a:t> #_recdev_early_phase</a:t>
+            </a:r>
+          </a:p>
+          <a:p>
+            <a:pPr marL="0" indent="0">
+              <a:buNone/>
+            </a:pPr>
+            <a:r>
+              <a:rPr lang="pt-BR" sz="2000" b="1" dirty="0">
+                <a:solidFill>
+                  <a:srgbClr val="C00000"/>
+                </a:solidFill>
+                <a:latin typeface="Courier New" panose="02070309020205020404" pitchFamily="49" charset="0"/>
+                <a:cs typeface="Courier New" panose="02070309020205020404" pitchFamily="49" charset="0"/>
+              </a:rPr>
+              <a:t> </a:t>
+            </a:r>
+            <a:r>
+              <a:rPr lang="pt-BR" sz="2000" b="1" dirty="0">
+                <a:latin typeface="Courier New" panose="02070309020205020404" pitchFamily="49" charset="0"/>
+                <a:cs typeface="Courier New" panose="02070309020205020404" pitchFamily="49" charset="0"/>
+              </a:rPr>
+              <a:t>5</a:t>
+            </a:r>
+            <a:r>
+              <a:rPr lang="pt-BR" sz="2000" b="1" dirty="0">
+                <a:solidFill>
+                  <a:srgbClr val="C00000"/>
+                </a:solidFill>
+                <a:latin typeface="Courier New" panose="02070309020205020404" pitchFamily="49" charset="0"/>
+                <a:cs typeface="Courier New" panose="02070309020205020404" pitchFamily="49" charset="0"/>
+              </a:rPr>
+              <a:t> #_forecast_recruitment phase (incl. late recr) (0 value resets to maxphase+1)</a:t>
+            </a:r>
+          </a:p>
+          <a:p>
+            <a:pPr marL="0" indent="0">
+              <a:buNone/>
+            </a:pPr>
+            <a:r>
+              <a:rPr lang="pt-BR" sz="2000" b="1" dirty="0">
+                <a:solidFill>
+                  <a:srgbClr val="C00000"/>
+                </a:solidFill>
+                <a:latin typeface="Courier New" panose="02070309020205020404" pitchFamily="49" charset="0"/>
+                <a:cs typeface="Courier New" panose="02070309020205020404" pitchFamily="49" charset="0"/>
+              </a:rPr>
+              <a:t> </a:t>
+            </a:r>
+            <a:r>
+              <a:rPr lang="pt-BR" sz="2000" b="1" dirty="0">
+                <a:latin typeface="Courier New" panose="02070309020205020404" pitchFamily="49" charset="0"/>
+                <a:cs typeface="Courier New" panose="02070309020205020404" pitchFamily="49" charset="0"/>
+              </a:rPr>
+              <a:t>1</a:t>
+            </a:r>
+            <a:r>
+              <a:rPr lang="pt-BR" sz="2000" b="1" dirty="0">
+                <a:solidFill>
+                  <a:srgbClr val="C00000"/>
+                </a:solidFill>
+                <a:latin typeface="Courier New" panose="02070309020205020404" pitchFamily="49" charset="0"/>
+                <a:cs typeface="Courier New" panose="02070309020205020404" pitchFamily="49" charset="0"/>
+              </a:rPr>
+              <a:t> #_lambda for Fcast_recr_like occurring before endyr+1</a:t>
+            </a:r>
+          </a:p>
+          <a:p>
+            <a:pPr marL="0" indent="0">
+              <a:buNone/>
+            </a:pPr>
+            <a:r>
+              <a:rPr lang="pt-BR" sz="2000" b="1" dirty="0">
+                <a:solidFill>
+                  <a:srgbClr val="C00000"/>
+                </a:solidFill>
+                <a:latin typeface="Courier New" panose="02070309020205020404" pitchFamily="49" charset="0"/>
+                <a:cs typeface="Courier New" panose="02070309020205020404" pitchFamily="49" charset="0"/>
+              </a:rPr>
+              <a:t> </a:t>
+            </a:r>
+            <a:r>
+              <a:rPr lang="pt-BR" sz="2000" b="1" dirty="0">
+                <a:latin typeface="Courier New" panose="02070309020205020404" pitchFamily="49" charset="0"/>
+                <a:cs typeface="Courier New" panose="02070309020205020404" pitchFamily="49" charset="0"/>
+              </a:rPr>
+              <a:t>1948.8 </a:t>
+            </a:r>
+            <a:r>
+              <a:rPr lang="pt-BR" sz="2000" b="1" dirty="0">
+                <a:solidFill>
+                  <a:srgbClr val="C00000"/>
+                </a:solidFill>
+                <a:latin typeface="Courier New" panose="02070309020205020404" pitchFamily="49" charset="0"/>
+                <a:cs typeface="Courier New" panose="02070309020205020404" pitchFamily="49" charset="0"/>
+              </a:rPr>
+              <a:t>#_last_early_yr_nobias_adj_in_MPD</a:t>
+            </a:r>
+          </a:p>
+          <a:p>
+            <a:pPr marL="0" indent="0">
+              <a:buNone/>
+            </a:pPr>
+            <a:r>
+              <a:rPr lang="pt-BR" sz="2000" b="1" dirty="0">
+                <a:solidFill>
+                  <a:srgbClr val="C00000"/>
+                </a:solidFill>
+                <a:latin typeface="Courier New" panose="02070309020205020404" pitchFamily="49" charset="0"/>
+                <a:cs typeface="Courier New" panose="02070309020205020404" pitchFamily="49" charset="0"/>
+              </a:rPr>
+              <a:t> </a:t>
+            </a:r>
+            <a:r>
+              <a:rPr lang="pt-BR" sz="2000" b="1" dirty="0">
+                <a:latin typeface="Courier New" panose="02070309020205020404" pitchFamily="49" charset="0"/>
+                <a:cs typeface="Courier New" panose="02070309020205020404" pitchFamily="49" charset="0"/>
+              </a:rPr>
+              <a:t>1974.9</a:t>
+            </a:r>
+            <a:r>
+              <a:rPr lang="pt-BR" sz="2000" b="1" dirty="0">
+                <a:solidFill>
+                  <a:srgbClr val="C00000"/>
+                </a:solidFill>
+                <a:latin typeface="Courier New" panose="02070309020205020404" pitchFamily="49" charset="0"/>
+                <a:cs typeface="Courier New" panose="02070309020205020404" pitchFamily="49" charset="0"/>
+              </a:rPr>
+              <a:t> #_first_yr_fullbias_adj_in_MPD</a:t>
+            </a:r>
+          </a:p>
+          <a:p>
+            <a:pPr marL="0" indent="0">
+              <a:buNone/>
+            </a:pPr>
+            <a:r>
+              <a:rPr lang="pt-BR" sz="2000" b="1" dirty="0">
+                <a:solidFill>
+                  <a:srgbClr val="C00000"/>
+                </a:solidFill>
+                <a:latin typeface="Courier New" panose="02070309020205020404" pitchFamily="49" charset="0"/>
+                <a:cs typeface="Courier New" panose="02070309020205020404" pitchFamily="49" charset="0"/>
+              </a:rPr>
+              <a:t> </a:t>
+            </a:r>
+            <a:r>
+              <a:rPr lang="pt-BR" sz="2000" b="1" dirty="0">
+                <a:latin typeface="Courier New" panose="02070309020205020404" pitchFamily="49" charset="0"/>
+                <a:cs typeface="Courier New" panose="02070309020205020404" pitchFamily="49" charset="0"/>
+              </a:rPr>
+              <a:t>2006.5</a:t>
+            </a:r>
+            <a:r>
+              <a:rPr lang="pt-BR" sz="2000" b="1" dirty="0">
+                <a:solidFill>
+                  <a:srgbClr val="C00000"/>
+                </a:solidFill>
+                <a:latin typeface="Courier New" panose="02070309020205020404" pitchFamily="49" charset="0"/>
+                <a:cs typeface="Courier New" panose="02070309020205020404" pitchFamily="49" charset="0"/>
+              </a:rPr>
+              <a:t> #_last_yr_fullbias_adj_in_MPD</a:t>
+            </a:r>
+          </a:p>
+          <a:p>
+            <a:pPr marL="0" indent="0">
+              <a:buNone/>
+            </a:pPr>
+            <a:r>
+              <a:rPr lang="pt-BR" sz="2000" b="1" dirty="0">
+                <a:solidFill>
+                  <a:srgbClr val="C00000"/>
+                </a:solidFill>
+                <a:latin typeface="Courier New" panose="02070309020205020404" pitchFamily="49" charset="0"/>
+                <a:cs typeface="Courier New" panose="02070309020205020404" pitchFamily="49" charset="0"/>
+              </a:rPr>
+              <a:t> </a:t>
+            </a:r>
+            <a:r>
+              <a:rPr lang="pt-BR" sz="2000" b="1" dirty="0">
+                <a:latin typeface="Courier New" panose="02070309020205020404" pitchFamily="49" charset="0"/>
+                <a:cs typeface="Courier New" panose="02070309020205020404" pitchFamily="49" charset="0"/>
+              </a:rPr>
+              <a:t>2012.5</a:t>
+            </a:r>
+            <a:r>
+              <a:rPr lang="pt-BR" sz="2000" b="1" dirty="0">
+                <a:solidFill>
+                  <a:srgbClr val="C00000"/>
+                </a:solidFill>
+                <a:latin typeface="Courier New" panose="02070309020205020404" pitchFamily="49" charset="0"/>
+                <a:cs typeface="Courier New" panose="02070309020205020404" pitchFamily="49" charset="0"/>
+              </a:rPr>
+              <a:t> #_first_recent_yr_nobias_adj_in_MPD</a:t>
+            </a:r>
+          </a:p>
+          <a:p>
+            <a:pPr marL="0" indent="0">
+              <a:buNone/>
+            </a:pPr>
+            <a:r>
+              <a:rPr lang="pt-BR" sz="2000" b="1" dirty="0">
+                <a:solidFill>
+                  <a:srgbClr val="C00000"/>
+                </a:solidFill>
+                <a:latin typeface="Courier New" panose="02070309020205020404" pitchFamily="49" charset="0"/>
+                <a:cs typeface="Courier New" panose="02070309020205020404" pitchFamily="49" charset="0"/>
+              </a:rPr>
+              <a:t> </a:t>
+            </a:r>
+            <a:r>
+              <a:rPr lang="pt-BR" sz="2000" b="1" dirty="0">
+                <a:latin typeface="Courier New" panose="02070309020205020404" pitchFamily="49" charset="0"/>
+                <a:cs typeface="Courier New" panose="02070309020205020404" pitchFamily="49" charset="0"/>
+              </a:rPr>
+              <a:t>0.7034</a:t>
+            </a:r>
+            <a:r>
+              <a:rPr lang="pt-BR" sz="2000" b="1" dirty="0">
+                <a:solidFill>
+                  <a:srgbClr val="C00000"/>
+                </a:solidFill>
+                <a:latin typeface="Courier New" panose="02070309020205020404" pitchFamily="49" charset="0"/>
+                <a:cs typeface="Courier New" panose="02070309020205020404" pitchFamily="49" charset="0"/>
+              </a:rPr>
+              <a:t> #_max_bias_adj_in_MPD (-1 to override ramp and set biasadj=1.0 for all estimated recdevs)</a:t>
+            </a:r>
+          </a:p>
+          <a:p>
+            <a:pPr marL="0" indent="0">
+              <a:buNone/>
+            </a:pPr>
+            <a:r>
+              <a:rPr lang="pt-BR" sz="2000" b="1" dirty="0">
+                <a:solidFill>
+                  <a:srgbClr val="C00000"/>
+                </a:solidFill>
+                <a:latin typeface="Courier New" panose="02070309020205020404" pitchFamily="49" charset="0"/>
+                <a:cs typeface="Courier New" panose="02070309020205020404" pitchFamily="49" charset="0"/>
+              </a:rPr>
+              <a:t> </a:t>
+            </a:r>
+            <a:r>
+              <a:rPr lang="pt-BR" sz="2000" b="1" dirty="0">
+                <a:latin typeface="Courier New" panose="02070309020205020404" pitchFamily="49" charset="0"/>
+                <a:cs typeface="Courier New" panose="02070309020205020404" pitchFamily="49" charset="0"/>
+              </a:rPr>
+              <a:t>0</a:t>
+            </a:r>
+            <a:r>
+              <a:rPr lang="pt-BR" sz="2000" b="1" dirty="0">
+                <a:solidFill>
+                  <a:srgbClr val="C00000"/>
+                </a:solidFill>
+                <a:latin typeface="Courier New" panose="02070309020205020404" pitchFamily="49" charset="0"/>
+                <a:cs typeface="Courier New" panose="02070309020205020404" pitchFamily="49" charset="0"/>
+              </a:rPr>
+              <a:t> #_period of cycles in recruitment (N parms read below)</a:t>
+            </a:r>
+          </a:p>
+          <a:p>
+            <a:pPr marL="0" indent="0">
+              <a:buNone/>
+            </a:pPr>
+            <a:r>
+              <a:rPr lang="pt-BR" sz="2000" b="1" dirty="0">
+                <a:solidFill>
+                  <a:srgbClr val="C00000"/>
+                </a:solidFill>
+                <a:latin typeface="Courier New" panose="02070309020205020404" pitchFamily="49" charset="0"/>
+                <a:cs typeface="Courier New" panose="02070309020205020404" pitchFamily="49" charset="0"/>
+              </a:rPr>
+              <a:t> </a:t>
+            </a:r>
+            <a:r>
+              <a:rPr lang="pt-BR" sz="2000" b="1" dirty="0">
+                <a:latin typeface="Courier New" panose="02070309020205020404" pitchFamily="49" charset="0"/>
+                <a:cs typeface="Courier New" panose="02070309020205020404" pitchFamily="49" charset="0"/>
+              </a:rPr>
+              <a:t>-6 </a:t>
+            </a:r>
+            <a:r>
+              <a:rPr lang="pt-BR" sz="2000" b="1" dirty="0">
+                <a:solidFill>
+                  <a:srgbClr val="C00000"/>
+                </a:solidFill>
+                <a:latin typeface="Courier New" panose="02070309020205020404" pitchFamily="49" charset="0"/>
+                <a:cs typeface="Courier New" panose="02070309020205020404" pitchFamily="49" charset="0"/>
+              </a:rPr>
+              <a:t>#min rec_dev</a:t>
+            </a:r>
+          </a:p>
+          <a:p>
+            <a:pPr marL="0" indent="0">
+              <a:buNone/>
+            </a:pPr>
+            <a:r>
+              <a:rPr lang="pt-BR" sz="2000" b="1" dirty="0">
+                <a:latin typeface="Courier New" panose="02070309020205020404" pitchFamily="49" charset="0"/>
+                <a:cs typeface="Courier New" panose="02070309020205020404" pitchFamily="49" charset="0"/>
+              </a:rPr>
+              <a:t> 6 </a:t>
+            </a:r>
+            <a:r>
+              <a:rPr lang="pt-BR" sz="2000" b="1" dirty="0">
+                <a:solidFill>
+                  <a:srgbClr val="C00000"/>
+                </a:solidFill>
+                <a:latin typeface="Courier New" panose="02070309020205020404" pitchFamily="49" charset="0"/>
+                <a:cs typeface="Courier New" panose="02070309020205020404" pitchFamily="49" charset="0"/>
+              </a:rPr>
+              <a:t>#max rec_dev</a:t>
+            </a:r>
+          </a:p>
+          <a:p>
+            <a:pPr marL="0" indent="0">
+              <a:buNone/>
+            </a:pPr>
+            <a:r>
+              <a:rPr lang="pt-BR" sz="2000" b="1" dirty="0">
+                <a:solidFill>
+                  <a:srgbClr val="C00000"/>
+                </a:solidFill>
+                <a:latin typeface="Courier New" panose="02070309020205020404" pitchFamily="49" charset="0"/>
+                <a:cs typeface="Courier New" panose="02070309020205020404" pitchFamily="49" charset="0"/>
+              </a:rPr>
+              <a:t> </a:t>
+            </a:r>
+            <a:r>
+              <a:rPr lang="pt-BR" sz="2000" b="1" dirty="0">
+                <a:latin typeface="Courier New" panose="02070309020205020404" pitchFamily="49" charset="0"/>
+                <a:cs typeface="Courier New" panose="02070309020205020404" pitchFamily="49" charset="0"/>
+              </a:rPr>
+              <a:t>0 </a:t>
+            </a:r>
+            <a:r>
+              <a:rPr lang="pt-BR" sz="2000" b="1" dirty="0">
+                <a:solidFill>
+                  <a:srgbClr val="C00000"/>
+                </a:solidFill>
+                <a:latin typeface="Courier New" panose="02070309020205020404" pitchFamily="49" charset="0"/>
+                <a:cs typeface="Courier New" panose="02070309020205020404" pitchFamily="49" charset="0"/>
+              </a:rPr>
+              <a:t>#_read_recdevs</a:t>
+            </a:r>
+          </a:p>
+          <a:p>
+            <a:pPr marL="0" indent="0">
+              <a:buNone/>
+            </a:pPr>
+            <a:r>
+              <a:rPr lang="pt-BR" sz="2000" b="1" dirty="0">
+                <a:solidFill>
+                  <a:srgbClr val="C00000"/>
+                </a:solidFill>
+                <a:latin typeface="Courier New" panose="02070309020205020404" pitchFamily="49" charset="0"/>
+                <a:cs typeface="Courier New" panose="02070309020205020404" pitchFamily="49" charset="0"/>
+              </a:rPr>
+              <a:t>#_end of advanced SR options</a:t>
+            </a:r>
+          </a:p>
+        </p:txBody>
+      </p:sp>
+      <p:sp>
+        <p:nvSpPr>
+          <p:cNvPr id="6" name="Title 5"/>
           <p:cNvSpPr>
             <a:spLocks noGrp="1"/>
           </p:cNvSpPr>
@@ -4405,62 +6067,20 @@
         </p:nvSpPr>
         <p:spPr/>
         <p:txBody>
-          <a:bodyPr>
-            <a:normAutofit/>
-          </a:bodyPr>
+          <a:bodyPr/>
           <a:lstStyle/>
           <a:p>
             <a:r>
               <a:rPr lang="en-US" dirty="0" smtClean="0"/>
-              <a:t>Time-varying stock-recruit relationships (regimes)</a:t>
-            </a:r>
-            <a:br>
-              <a:rPr lang="en-US" dirty="0" smtClean="0"/>
-            </a:br>
+              <a:t>Control file setup for recruit deviations</a:t>
+            </a:r>
             <a:endParaRPr lang="en-US" dirty="0"/>
           </a:p>
         </p:txBody>
       </p:sp>
       <p:sp>
         <p:nvSpPr>
-          <p:cNvPr id="3" name="Text Placeholder 2"/>
-          <p:cNvSpPr>
-            <a:spLocks noGrp="1"/>
-          </p:cNvSpPr>
-          <p:nvPr>
-            <p:ph type="body" idx="1"/>
-          </p:nvPr>
-        </p:nvSpPr>
-        <p:spPr/>
-        <p:txBody>
-          <a:bodyPr/>
-          <a:lstStyle/>
-          <a:p>
-            <a:r>
-              <a:rPr lang="en-US" dirty="0" smtClean="0"/>
-              <a:t>* Initial year vs. equilibrium (R1 in 3.24)</a:t>
-            </a:r>
-            <a:br>
-              <a:rPr lang="en-US" dirty="0" smtClean="0"/>
-            </a:br>
-            <a:r>
-              <a:rPr lang="en-US" dirty="0" smtClean="0"/>
-              <a:t>* Environmental links</a:t>
-            </a:r>
-            <a:br>
-              <a:rPr lang="en-US" dirty="0" smtClean="0"/>
-            </a:br>
-            <a:r>
-              <a:rPr lang="en-US" dirty="0" smtClean="0"/>
-              <a:t>* Forecasting with high or low recruitments</a:t>
-            </a:r>
-            <a:endParaRPr lang="en-US" dirty="0"/>
-          </a:p>
-        </p:txBody>
-      </p:sp>
-      <p:sp>
-        <p:nvSpPr>
-          <p:cNvPr id="4" name="Slide Number Placeholder 3"/>
+          <p:cNvPr id="5" name="Slide Number Placeholder 4"/>
           <p:cNvSpPr>
             <a:spLocks noGrp="1"/>
           </p:cNvSpPr>
@@ -4484,13 +6104,20 @@
     </p:spTree>
     <p:extLst>
       <p:ext uri="{BB962C8B-B14F-4D97-AF65-F5344CB8AC3E}">
-        <p14:creationId xmlns:p14="http://schemas.microsoft.com/office/powerpoint/2010/main" val="1377018876"/>
+        <p14:creationId xmlns:p14="http://schemas.microsoft.com/office/powerpoint/2010/main" val="2540935763"/>
       </p:ext>
     </p:extLst>
   </p:cSld>
   <p:clrMapOvr>
     <a:masterClrMapping/>
   </p:clrMapOvr>
+  <p:timing>
+    <p:tnLst>
+      <p:par>
+        <p:cTn id="1" dur="indefinite" restart="never" nodeType="tmRoot"/>
+      </p:par>
+    </p:tnLst>
+  </p:timing>
 </p:sld>
 </file>
 
@@ -4523,38 +6150,22 @@
         </p:nvSpPr>
         <p:spPr/>
         <p:txBody>
-          <a:bodyPr>
-            <a:normAutofit/>
-          </a:bodyPr>
+          <a:bodyPr/>
           <a:lstStyle/>
           <a:p>
             <a:r>
               <a:rPr lang="en-US" dirty="0" smtClean="0"/>
-              <a:t>Autocorrelation and impact on forecast (see Johnson et al. 2017)</a:t>
-            </a:r>
-            <a:br>
-              <a:rPr lang="en-US" dirty="0" smtClean="0"/>
-            </a:br>
-            <a:endParaRPr lang="en-US" dirty="0"/>
-          </a:p>
-        </p:txBody>
-      </p:sp>
-      <p:sp>
-        <p:nvSpPr>
-          <p:cNvPr id="3" name="Text Placeholder 2"/>
-          <p:cNvSpPr>
-            <a:spLocks noGrp="1"/>
-          </p:cNvSpPr>
-          <p:nvPr>
-            <p:ph type="body" idx="1"/>
-          </p:nvPr>
-        </p:nvSpPr>
-        <p:spPr/>
-        <p:txBody>
-          <a:bodyPr/>
-          <a:lstStyle/>
-          <a:p>
-            <a:endParaRPr lang="en-US"/>
+              <a:t>Recruit deviation variability parameter: </a:t>
+            </a:r>
+            <a:r>
+              <a:rPr lang="el-GR" i="1" dirty="0" smtClean="0"/>
+              <a:t>σ</a:t>
+            </a:r>
+            <a:r>
+              <a:rPr lang="en-US" i="1" baseline="-25000" dirty="0" smtClean="0"/>
+              <a:t>R</a:t>
+            </a:r>
+            <a:endParaRPr lang="en-US" i="1" baseline="-25000" dirty="0"/>
           </a:p>
         </p:txBody>
       </p:sp>
@@ -4577,20 +6188,336 @@
               <a:rPr lang="en-US" smtClean="0"/>
               <a:t>16</a:t>
             </a:fld>
-            <a:endParaRPr lang="en-US"/>
+            <a:endParaRPr lang="en-US" dirty="0"/>
+          </a:p>
+        </p:txBody>
+      </p:sp>
+      <p:pic>
+        <p:nvPicPr>
+          <p:cNvPr id="10" name="Content Placeholder 9"/>
+          <p:cNvPicPr>
+            <a:picLocks noGrp="1" noChangeAspect="1"/>
+          </p:cNvPicPr>
+          <p:nvPr>
+            <p:ph idx="1"/>
+          </p:nvPr>
+        </p:nvPicPr>
+        <p:blipFill>
+          <a:blip r:embed="rId2" cstate="print">
+            <a:extLst>
+              <a:ext uri="{28A0092B-C50C-407E-A947-70E740481C1C}">
+                <a14:useLocalDpi xmlns:a14="http://schemas.microsoft.com/office/drawing/2010/main" val="0"/>
+              </a:ext>
+            </a:extLst>
+          </a:blip>
+          <a:stretch>
+            <a:fillRect/>
+          </a:stretch>
+        </p:blipFill>
+        <p:spPr>
+          <a:xfrm>
+            <a:off x="6248388" y="2316704"/>
+            <a:ext cx="5943612" cy="4572009"/>
+          </a:xfrm>
+        </p:spPr>
+      </p:pic>
+      <p:pic>
+        <p:nvPicPr>
+          <p:cNvPr id="13" name="Picture 12"/>
+          <p:cNvPicPr>
+            <a:picLocks noChangeAspect="1"/>
+          </p:cNvPicPr>
+          <p:nvPr/>
+        </p:nvPicPr>
+        <p:blipFill>
+          <a:blip r:embed="rId3">
+            <a:extLst>
+              <a:ext uri="{28A0092B-C50C-407E-A947-70E740481C1C}">
+                <a14:useLocalDpi xmlns:a14="http://schemas.microsoft.com/office/drawing/2010/main" val="0"/>
+              </a:ext>
+            </a:extLst>
+          </a:blip>
+          <a:stretch>
+            <a:fillRect/>
+          </a:stretch>
+        </p:blipFill>
+        <p:spPr>
+          <a:xfrm>
+            <a:off x="152388" y="2316705"/>
+            <a:ext cx="5943612" cy="4572009"/>
+          </a:xfrm>
+          <a:prstGeom prst="rect">
+            <a:avLst/>
+          </a:prstGeom>
+        </p:spPr>
+      </p:pic>
+      <p:pic>
+        <p:nvPicPr>
+          <p:cNvPr id="14" name="Picture 13"/>
+          <p:cNvPicPr>
+            <a:picLocks noChangeAspect="1"/>
+          </p:cNvPicPr>
+          <p:nvPr/>
+        </p:nvPicPr>
+        <p:blipFill rotWithShape="1">
+          <a:blip r:embed="rId4"/>
+          <a:srcRect l="64848" r="14429"/>
+          <a:stretch/>
+        </p:blipFill>
+        <p:spPr>
+          <a:xfrm>
+            <a:off x="9423873" y="986834"/>
+            <a:ext cx="2279177" cy="1114682"/>
+          </a:xfrm>
+          <a:prstGeom prst="rect">
+            <a:avLst/>
+          </a:prstGeom>
+        </p:spPr>
+      </p:pic>
+      <p:sp>
+        <p:nvSpPr>
+          <p:cNvPr id="19" name="Content Placeholder 10"/>
+          <p:cNvSpPr txBox="1">
+            <a:spLocks/>
+          </p:cNvSpPr>
+          <p:nvPr/>
+        </p:nvSpPr>
+        <p:spPr>
+          <a:xfrm>
+            <a:off x="838199" y="1187354"/>
+            <a:ext cx="10515601" cy="5200171"/>
+          </a:xfrm>
+          <a:prstGeom prst="rect">
+            <a:avLst/>
+          </a:prstGeom>
+        </p:spPr>
+        <p:txBody>
+          <a:bodyPr vert="horz" lIns="91440" tIns="45720" rIns="91440" bIns="45720" rtlCol="0">
+            <a:normAutofit/>
+          </a:bodyPr>
+          <a:lstStyle>
+            <a:lvl1pPr marL="228600" indent="-228600" algn="l" defTabSz="914400" rtl="0" eaLnBrk="1" latinLnBrk="0" hangingPunct="1">
+              <a:lnSpc>
+                <a:spcPct val="90000"/>
+              </a:lnSpc>
+              <a:spcBef>
+                <a:spcPts val="1000"/>
+              </a:spcBef>
+              <a:buFont typeface="Arial" panose="020B0604020202020204" pitchFamily="34" charset="0"/>
+              <a:buChar char="•"/>
+              <a:defRPr sz="2800" kern="1200">
+                <a:solidFill>
+                  <a:schemeClr val="tx1"/>
+                </a:solidFill>
+                <a:latin typeface="+mn-lt"/>
+                <a:ea typeface="+mn-ea"/>
+                <a:cs typeface="+mn-cs"/>
+              </a:defRPr>
+            </a:lvl1pPr>
+            <a:lvl2pPr marL="685800" indent="-228600" algn="l" defTabSz="914400" rtl="0" eaLnBrk="1" latinLnBrk="0" hangingPunct="1">
+              <a:lnSpc>
+                <a:spcPct val="90000"/>
+              </a:lnSpc>
+              <a:spcBef>
+                <a:spcPts val="500"/>
+              </a:spcBef>
+              <a:buFont typeface="Arial" panose="020B0604020202020204" pitchFamily="34" charset="0"/>
+              <a:buChar char="•"/>
+              <a:defRPr sz="2400" kern="1200">
+                <a:solidFill>
+                  <a:schemeClr val="tx1"/>
+                </a:solidFill>
+                <a:latin typeface="+mn-lt"/>
+                <a:ea typeface="+mn-ea"/>
+                <a:cs typeface="+mn-cs"/>
+              </a:defRPr>
+            </a:lvl2pPr>
+            <a:lvl3pPr marL="1143000" indent="-228600" algn="l" defTabSz="914400" rtl="0" eaLnBrk="1" latinLnBrk="0" hangingPunct="1">
+              <a:lnSpc>
+                <a:spcPct val="90000"/>
+              </a:lnSpc>
+              <a:spcBef>
+                <a:spcPts val="500"/>
+              </a:spcBef>
+              <a:buFont typeface="Arial" panose="020B0604020202020204" pitchFamily="34" charset="0"/>
+              <a:buChar char="•"/>
+              <a:defRPr sz="2000" kern="1200">
+                <a:solidFill>
+                  <a:schemeClr val="tx1"/>
+                </a:solidFill>
+                <a:latin typeface="+mn-lt"/>
+                <a:ea typeface="+mn-ea"/>
+                <a:cs typeface="+mn-cs"/>
+              </a:defRPr>
+            </a:lvl3pPr>
+            <a:lvl4pPr marL="1600200" indent="-228600" algn="l" defTabSz="914400" rtl="0" eaLnBrk="1" latinLnBrk="0" hangingPunct="1">
+              <a:lnSpc>
+                <a:spcPct val="90000"/>
+              </a:lnSpc>
+              <a:spcBef>
+                <a:spcPts val="500"/>
+              </a:spcBef>
+              <a:buFont typeface="Arial" panose="020B0604020202020204" pitchFamily="34" charset="0"/>
+              <a:buChar char="•"/>
+              <a:defRPr sz="1800" kern="1200">
+                <a:solidFill>
+                  <a:schemeClr val="tx1"/>
+                </a:solidFill>
+                <a:latin typeface="+mn-lt"/>
+                <a:ea typeface="+mn-ea"/>
+                <a:cs typeface="+mn-cs"/>
+              </a:defRPr>
+            </a:lvl4pPr>
+            <a:lvl5pPr marL="2057400" indent="-228600" algn="l" defTabSz="914400" rtl="0" eaLnBrk="1" latinLnBrk="0" hangingPunct="1">
+              <a:lnSpc>
+                <a:spcPct val="90000"/>
+              </a:lnSpc>
+              <a:spcBef>
+                <a:spcPts val="500"/>
+              </a:spcBef>
+              <a:buFont typeface="Arial" panose="020B0604020202020204" pitchFamily="34" charset="0"/>
+              <a:buChar char="•"/>
+              <a:defRPr sz="1800" kern="1200">
+                <a:solidFill>
+                  <a:schemeClr val="tx1"/>
+                </a:solidFill>
+                <a:latin typeface="+mn-lt"/>
+                <a:ea typeface="+mn-ea"/>
+                <a:cs typeface="+mn-cs"/>
+              </a:defRPr>
+            </a:lvl5pPr>
+            <a:lvl6pPr marL="2514600" indent="-228600" algn="l" defTabSz="914400" rtl="0" eaLnBrk="1" latinLnBrk="0" hangingPunct="1">
+              <a:lnSpc>
+                <a:spcPct val="90000"/>
+              </a:lnSpc>
+              <a:spcBef>
+                <a:spcPts val="500"/>
+              </a:spcBef>
+              <a:buFont typeface="Arial" panose="020B0604020202020204" pitchFamily="34" charset="0"/>
+              <a:buChar char="•"/>
+              <a:defRPr sz="1800" kern="1200">
+                <a:solidFill>
+                  <a:schemeClr val="tx1"/>
+                </a:solidFill>
+                <a:latin typeface="+mn-lt"/>
+                <a:ea typeface="+mn-ea"/>
+                <a:cs typeface="+mn-cs"/>
+              </a:defRPr>
+            </a:lvl6pPr>
+            <a:lvl7pPr marL="2971800" indent="-228600" algn="l" defTabSz="914400" rtl="0" eaLnBrk="1" latinLnBrk="0" hangingPunct="1">
+              <a:lnSpc>
+                <a:spcPct val="90000"/>
+              </a:lnSpc>
+              <a:spcBef>
+                <a:spcPts val="500"/>
+              </a:spcBef>
+              <a:buFont typeface="Arial" panose="020B0604020202020204" pitchFamily="34" charset="0"/>
+              <a:buChar char="•"/>
+              <a:defRPr sz="1800" kern="1200">
+                <a:solidFill>
+                  <a:schemeClr val="tx1"/>
+                </a:solidFill>
+                <a:latin typeface="+mn-lt"/>
+                <a:ea typeface="+mn-ea"/>
+                <a:cs typeface="+mn-cs"/>
+              </a:defRPr>
+            </a:lvl7pPr>
+            <a:lvl8pPr marL="3429000" indent="-228600" algn="l" defTabSz="914400" rtl="0" eaLnBrk="1" latinLnBrk="0" hangingPunct="1">
+              <a:lnSpc>
+                <a:spcPct val="90000"/>
+              </a:lnSpc>
+              <a:spcBef>
+                <a:spcPts val="500"/>
+              </a:spcBef>
+              <a:buFont typeface="Arial" panose="020B0604020202020204" pitchFamily="34" charset="0"/>
+              <a:buChar char="•"/>
+              <a:defRPr sz="1800" kern="1200">
+                <a:solidFill>
+                  <a:schemeClr val="tx1"/>
+                </a:solidFill>
+                <a:latin typeface="+mn-lt"/>
+                <a:ea typeface="+mn-ea"/>
+                <a:cs typeface="+mn-cs"/>
+              </a:defRPr>
+            </a:lvl8pPr>
+            <a:lvl9pPr marL="3886200" indent="-228600" algn="l" defTabSz="914400" rtl="0" eaLnBrk="1" latinLnBrk="0" hangingPunct="1">
+              <a:lnSpc>
+                <a:spcPct val="90000"/>
+              </a:lnSpc>
+              <a:spcBef>
+                <a:spcPts val="500"/>
+              </a:spcBef>
+              <a:buFont typeface="Arial" panose="020B0604020202020204" pitchFamily="34" charset="0"/>
+              <a:buChar char="•"/>
+              <a:defRPr sz="1800" kern="1200">
+                <a:solidFill>
+                  <a:schemeClr val="tx1"/>
+                </a:solidFill>
+                <a:latin typeface="+mn-lt"/>
+                <a:ea typeface="+mn-ea"/>
+                <a:cs typeface="+mn-cs"/>
+              </a:defRPr>
+            </a:lvl9pPr>
+          </a:lstStyle>
+          <a:p>
+            <a:r>
+              <a:rPr lang="en-US" dirty="0" smtClean="0"/>
+              <a:t>Estimated variability highly dependent on </a:t>
+            </a:r>
+            <a:r>
+              <a:rPr lang="el-GR" i="1" dirty="0"/>
+              <a:t>σ</a:t>
+            </a:r>
+            <a:r>
+              <a:rPr lang="en-US" i="1" baseline="-25000" dirty="0" smtClean="0"/>
+              <a:t>R</a:t>
+            </a:r>
+            <a:endParaRPr lang="en-US" i="1" dirty="0" smtClean="0"/>
+          </a:p>
+          <a:p>
+            <a:r>
+              <a:rPr lang="en-US" dirty="0" smtClean="0"/>
+              <a:t>Global minimum (in some cases) at </a:t>
+            </a:r>
+            <a:r>
+              <a:rPr lang="el-GR" i="1" dirty="0"/>
+              <a:t>σ</a:t>
+            </a:r>
+            <a:r>
+              <a:rPr lang="en-US" i="1" baseline="-25000" dirty="0" smtClean="0"/>
+              <a:t>R </a:t>
+            </a:r>
+            <a:r>
+              <a:rPr lang="en-US" dirty="0" smtClean="0"/>
+              <a:t>= 0 not useful</a:t>
+            </a:r>
+          </a:p>
+          <a:p>
+            <a:r>
+              <a:rPr lang="en-US" dirty="0" smtClean="0"/>
+              <a:t>Statisticians say that MLE of random effects variance is biased</a:t>
+            </a:r>
+            <a:endParaRPr lang="en-US" dirty="0"/>
           </a:p>
         </p:txBody>
       </p:sp>
     </p:spTree>
     <p:extLst>
       <p:ext uri="{BB962C8B-B14F-4D97-AF65-F5344CB8AC3E}">
-        <p14:creationId xmlns:p14="http://schemas.microsoft.com/office/powerpoint/2010/main" val="217607094"/>
+        <p14:creationId xmlns:p14="http://schemas.microsoft.com/office/powerpoint/2010/main" val="1466854100"/>
       </p:ext>
     </p:extLst>
   </p:cSld>
   <p:clrMapOvr>
     <a:masterClrMapping/>
   </p:clrMapOvr>
+  <p:timing>
+    <p:tnLst>
+      <p:par>
+        <p:cTn id="1" dur="indefinite" restart="never" nodeType="tmRoot"/>
+      </p:par>
+    </p:tnLst>
+  </p:timing>
 </p:sld>
 </file>
 
@@ -4613,111 +6540,61 @@
       </p:grpSpPr>
       <p:sp>
         <p:nvSpPr>
-          <p:cNvPr id="2" name="Title 1"/>
-          <p:cNvSpPr>
-            <a:spLocks noGrp="1"/>
-          </p:cNvSpPr>
-          <p:nvPr>
-            <p:ph type="title"/>
-          </p:nvPr>
+          <p:cNvPr id="16" name="TextBox 15"/>
+          <p:cNvSpPr txBox="1"/>
+          <p:nvPr/>
         </p:nvSpPr>
         <p:spPr>
           <a:xfrm>
-            <a:off x="838200" y="-13554"/>
-            <a:ext cx="10515600" cy="2426554"/>
+            <a:off x="3513540" y="1439714"/>
+            <a:ext cx="4258101" cy="646331"/>
           </a:xfrm>
+          <a:prstGeom prst="rect">
+            <a:avLst/>
+          </a:prstGeom>
+          <a:noFill/>
         </p:spPr>
         <p:txBody>
-          <a:bodyPr>
-            <a:normAutofit/>
+          <a:bodyPr wrap="square" rtlCol="0">
+            <a:spAutoFit/>
           </a:bodyPr>
           <a:lstStyle/>
           <a:p>
-            <a:r>
-              <a:rPr lang="en-US" dirty="0" smtClean="0"/>
-              <a:t>Recruitment and model uncertainty in </a:t>
+            <a:pPr algn="ctr"/>
+            <a:r>
+              <a:rPr lang="en-US" dirty="0" smtClean="0">
+                <a:solidFill>
+                  <a:srgbClr val="C00000"/>
+                </a:solidFill>
+              </a:rPr>
+              <a:t>Thorson says square </a:t>
             </a:r>
             <a:br>
-              <a:rPr lang="en-US" dirty="0" smtClean="0"/>
+              <a:rPr lang="en-US" dirty="0" smtClean="0">
+                <a:solidFill>
+                  <a:srgbClr val="C00000"/>
+                </a:solidFill>
+              </a:rPr>
             </a:br>
             <a:r>
-              <a:rPr lang="en-US" dirty="0" smtClean="0"/>
-              <a:t>MCMC vs. MLE estimates</a:t>
-            </a:r>
-            <a:br>
-              <a:rPr lang="en-US" dirty="0" smtClean="0"/>
-            </a:br>
-            <a:endParaRPr lang="en-US" dirty="0"/>
-          </a:p>
-        </p:txBody>
-      </p:sp>
-      <p:sp>
-        <p:nvSpPr>
-          <p:cNvPr id="5" name="Content Placeholder 4"/>
-          <p:cNvSpPr>
-            <a:spLocks noGrp="1"/>
-          </p:cNvSpPr>
-          <p:nvPr>
-            <p:ph idx="1"/>
-          </p:nvPr>
-        </p:nvSpPr>
-        <p:spPr>
-          <a:xfrm>
-            <a:off x="838200" y="1778000"/>
-            <a:ext cx="6083300" cy="4775200"/>
-          </a:xfrm>
-        </p:spPr>
-        <p:txBody>
-          <a:bodyPr>
-            <a:normAutofit/>
-          </a:bodyPr>
-          <a:lstStyle/>
-          <a:p>
-            <a:r>
-              <a:rPr lang="en-US" dirty="0" smtClean="0"/>
-              <a:t>Bayesian estimation using MCMC simplifies some elements of recruitment estimation</a:t>
-            </a:r>
-          </a:p>
-          <a:p>
-            <a:r>
-              <a:rPr lang="en-US" dirty="0" smtClean="0"/>
-              <a:t>No bias adjustment necessary: SS automatically overrides settings</a:t>
-            </a:r>
-          </a:p>
-          <a:p>
-            <a:r>
-              <a:rPr lang="en-US" dirty="0" smtClean="0"/>
-              <a:t>Distributions are typically skewed: more information about big recruitments than small ones</a:t>
-            </a:r>
-          </a:p>
-        </p:txBody>
-      </p:sp>
-      <p:sp>
-        <p:nvSpPr>
-          <p:cNvPr id="4" name="Slide Number Placeholder 3"/>
-          <p:cNvSpPr>
-            <a:spLocks noGrp="1"/>
-          </p:cNvSpPr>
-          <p:nvPr>
-            <p:ph type="sldNum" sz="quarter" idx="12"/>
-          </p:nvPr>
-        </p:nvSpPr>
-        <p:spPr/>
-        <p:txBody>
-          <a:bodyPr/>
-          <a:lstStyle/>
-          <a:p>
-            <a:fld id="{8CA0417E-8047-41CE-9E93-4FCB55A08913}" type="slidenum">
-              <a:rPr lang="en-US" smtClean="0"/>
-              <a:t>17</a:t>
-            </a:fld>
-            <a:endParaRPr lang="en-US"/>
+              <a:rPr lang="en-US" dirty="0" smtClean="0">
+                <a:solidFill>
+                  <a:srgbClr val="C00000"/>
+                </a:solidFill>
+              </a:rPr>
+              <a:t>first, then take mean</a:t>
+            </a:r>
+            <a:endParaRPr lang="en-US" dirty="0">
+              <a:solidFill>
+                <a:srgbClr val="C00000"/>
+              </a:solidFill>
+            </a:endParaRPr>
           </a:p>
         </p:txBody>
       </p:sp>
       <p:pic>
         <p:nvPicPr>
-          <p:cNvPr id="6" name="Picture 5"/>
+          <p:cNvPr id="3" name="Picture 2"/>
           <p:cNvPicPr>
             <a:picLocks noChangeAspect="1"/>
           </p:cNvPicPr>
@@ -4725,13 +6602,13 @@
         </p:nvPicPr>
         <p:blipFill rotWithShape="1">
           <a:blip r:embed="rId2"/>
-          <a:srcRect l="18411" t="15922" r="18195"/>
+          <a:srcRect t="27519"/>
           <a:stretch/>
         </p:blipFill>
         <p:spPr>
           <a:xfrm>
-            <a:off x="7035799" y="1164134"/>
-            <a:ext cx="5016501" cy="5562102"/>
+            <a:off x="7365824" y="718687"/>
+            <a:ext cx="4826176" cy="5067963"/>
           </a:xfrm>
           <a:prstGeom prst="rect">
             <a:avLst/>
@@ -4740,73 +6617,753 @@
       </p:pic>
       <p:sp>
         <p:nvSpPr>
-          <p:cNvPr id="7" name="TextBox 6"/>
-          <p:cNvSpPr txBox="1"/>
+          <p:cNvPr id="2" name="Title 1"/>
+          <p:cNvSpPr>
+            <a:spLocks noGrp="1"/>
+          </p:cNvSpPr>
+          <p:nvPr>
+            <p:ph type="title"/>
+          </p:nvPr>
+        </p:nvSpPr>
+        <p:spPr/>
+        <p:txBody>
+          <a:bodyPr/>
+          <a:lstStyle/>
+          <a:p>
+            <a:r>
+              <a:rPr lang="en-US" dirty="0" smtClean="0"/>
+              <a:t>Recruit deviation variability parameter: </a:t>
+            </a:r>
+            <a:r>
+              <a:rPr lang="el-GR" i="1" dirty="0" smtClean="0"/>
+              <a:t>σ</a:t>
+            </a:r>
+            <a:r>
+              <a:rPr lang="en-US" i="1" baseline="-25000" dirty="0" smtClean="0"/>
+              <a:t>R</a:t>
+            </a:r>
+            <a:endParaRPr lang="en-US" i="1" baseline="-25000" dirty="0"/>
+          </a:p>
+        </p:txBody>
+      </p:sp>
+      <p:sp>
+        <p:nvSpPr>
+          <p:cNvPr id="4" name="Slide Number Placeholder 3"/>
+          <p:cNvSpPr>
+            <a:spLocks noGrp="1"/>
+          </p:cNvSpPr>
+          <p:nvPr>
+            <p:ph type="sldNum" sz="quarter" idx="12"/>
+          </p:nvPr>
+        </p:nvSpPr>
+        <p:spPr/>
+        <p:txBody>
+          <a:bodyPr/>
+          <a:lstStyle/>
+          <a:p>
+            <a:fld id="{8CA0417E-8047-41CE-9E93-4FCB55A08913}" type="slidenum">
+              <a:rPr lang="en-US" smtClean="0"/>
+              <a:t>17</a:t>
+            </a:fld>
+            <a:endParaRPr lang="en-US" dirty="0"/>
+          </a:p>
+        </p:txBody>
+      </p:sp>
+      <p:sp>
+        <p:nvSpPr>
+          <p:cNvPr id="19" name="Content Placeholder 10"/>
+          <p:cNvSpPr txBox="1">
+            <a:spLocks/>
+          </p:cNvSpPr>
           <p:nvPr/>
         </p:nvSpPr>
         <p:spPr>
           <a:xfrm>
-            <a:off x="165100" y="5390971"/>
-            <a:ext cx="7239000" cy="1384995"/>
+            <a:off x="838199" y="682386"/>
+            <a:ext cx="6381751" cy="5200171"/>
           </a:xfrm>
           <a:prstGeom prst="rect">
             <a:avLst/>
           </a:prstGeom>
-          <a:noFill/>
         </p:spPr>
         <p:txBody>
-          <a:bodyPr wrap="square" rtlCol="0">
+          <a:bodyPr vert="horz" lIns="91440" tIns="45720" rIns="91440" bIns="45720" rtlCol="0">
+            <a:normAutofit/>
+          </a:bodyPr>
+          <a:lstStyle>
+            <a:lvl1pPr marL="228600" indent="-228600" algn="l" defTabSz="914400" rtl="0" eaLnBrk="1" latinLnBrk="0" hangingPunct="1">
+              <a:lnSpc>
+                <a:spcPct val="90000"/>
+              </a:lnSpc>
+              <a:spcBef>
+                <a:spcPts val="1000"/>
+              </a:spcBef>
+              <a:buFont typeface="Arial" panose="020B0604020202020204" pitchFamily="34" charset="0"/>
+              <a:buChar char="•"/>
+              <a:defRPr sz="2800" kern="1200">
+                <a:solidFill>
+                  <a:schemeClr val="tx1"/>
+                </a:solidFill>
+                <a:latin typeface="+mn-lt"/>
+                <a:ea typeface="+mn-ea"/>
+                <a:cs typeface="+mn-cs"/>
+              </a:defRPr>
+            </a:lvl1pPr>
+            <a:lvl2pPr marL="685800" indent="-228600" algn="l" defTabSz="914400" rtl="0" eaLnBrk="1" latinLnBrk="0" hangingPunct="1">
+              <a:lnSpc>
+                <a:spcPct val="90000"/>
+              </a:lnSpc>
+              <a:spcBef>
+                <a:spcPts val="500"/>
+              </a:spcBef>
+              <a:buFont typeface="Arial" panose="020B0604020202020204" pitchFamily="34" charset="0"/>
+              <a:buChar char="•"/>
+              <a:defRPr sz="2400" kern="1200">
+                <a:solidFill>
+                  <a:schemeClr val="tx1"/>
+                </a:solidFill>
+                <a:latin typeface="+mn-lt"/>
+                <a:ea typeface="+mn-ea"/>
+                <a:cs typeface="+mn-cs"/>
+              </a:defRPr>
+            </a:lvl2pPr>
+            <a:lvl3pPr marL="1143000" indent="-228600" algn="l" defTabSz="914400" rtl="0" eaLnBrk="1" latinLnBrk="0" hangingPunct="1">
+              <a:lnSpc>
+                <a:spcPct val="90000"/>
+              </a:lnSpc>
+              <a:spcBef>
+                <a:spcPts val="500"/>
+              </a:spcBef>
+              <a:buFont typeface="Arial" panose="020B0604020202020204" pitchFamily="34" charset="0"/>
+              <a:buChar char="•"/>
+              <a:defRPr sz="2000" kern="1200">
+                <a:solidFill>
+                  <a:schemeClr val="tx1"/>
+                </a:solidFill>
+                <a:latin typeface="+mn-lt"/>
+                <a:ea typeface="+mn-ea"/>
+                <a:cs typeface="+mn-cs"/>
+              </a:defRPr>
+            </a:lvl3pPr>
+            <a:lvl4pPr marL="1600200" indent="-228600" algn="l" defTabSz="914400" rtl="0" eaLnBrk="1" latinLnBrk="0" hangingPunct="1">
+              <a:lnSpc>
+                <a:spcPct val="90000"/>
+              </a:lnSpc>
+              <a:spcBef>
+                <a:spcPts val="500"/>
+              </a:spcBef>
+              <a:buFont typeface="Arial" panose="020B0604020202020204" pitchFamily="34" charset="0"/>
+              <a:buChar char="•"/>
+              <a:defRPr sz="1800" kern="1200">
+                <a:solidFill>
+                  <a:schemeClr val="tx1"/>
+                </a:solidFill>
+                <a:latin typeface="+mn-lt"/>
+                <a:ea typeface="+mn-ea"/>
+                <a:cs typeface="+mn-cs"/>
+              </a:defRPr>
+            </a:lvl4pPr>
+            <a:lvl5pPr marL="2057400" indent="-228600" algn="l" defTabSz="914400" rtl="0" eaLnBrk="1" latinLnBrk="0" hangingPunct="1">
+              <a:lnSpc>
+                <a:spcPct val="90000"/>
+              </a:lnSpc>
+              <a:spcBef>
+                <a:spcPts val="500"/>
+              </a:spcBef>
+              <a:buFont typeface="Arial" panose="020B0604020202020204" pitchFamily="34" charset="0"/>
+              <a:buChar char="•"/>
+              <a:defRPr sz="1800" kern="1200">
+                <a:solidFill>
+                  <a:schemeClr val="tx1"/>
+                </a:solidFill>
+                <a:latin typeface="+mn-lt"/>
+                <a:ea typeface="+mn-ea"/>
+                <a:cs typeface="+mn-cs"/>
+              </a:defRPr>
+            </a:lvl5pPr>
+            <a:lvl6pPr marL="2514600" indent="-228600" algn="l" defTabSz="914400" rtl="0" eaLnBrk="1" latinLnBrk="0" hangingPunct="1">
+              <a:lnSpc>
+                <a:spcPct val="90000"/>
+              </a:lnSpc>
+              <a:spcBef>
+                <a:spcPts val="500"/>
+              </a:spcBef>
+              <a:buFont typeface="Arial" panose="020B0604020202020204" pitchFamily="34" charset="0"/>
+              <a:buChar char="•"/>
+              <a:defRPr sz="1800" kern="1200">
+                <a:solidFill>
+                  <a:schemeClr val="tx1"/>
+                </a:solidFill>
+                <a:latin typeface="+mn-lt"/>
+                <a:ea typeface="+mn-ea"/>
+                <a:cs typeface="+mn-cs"/>
+              </a:defRPr>
+            </a:lvl6pPr>
+            <a:lvl7pPr marL="2971800" indent="-228600" algn="l" defTabSz="914400" rtl="0" eaLnBrk="1" latinLnBrk="0" hangingPunct="1">
+              <a:lnSpc>
+                <a:spcPct val="90000"/>
+              </a:lnSpc>
+              <a:spcBef>
+                <a:spcPts val="500"/>
+              </a:spcBef>
+              <a:buFont typeface="Arial" panose="020B0604020202020204" pitchFamily="34" charset="0"/>
+              <a:buChar char="•"/>
+              <a:defRPr sz="1800" kern="1200">
+                <a:solidFill>
+                  <a:schemeClr val="tx1"/>
+                </a:solidFill>
+                <a:latin typeface="+mn-lt"/>
+                <a:ea typeface="+mn-ea"/>
+                <a:cs typeface="+mn-cs"/>
+              </a:defRPr>
+            </a:lvl7pPr>
+            <a:lvl8pPr marL="3429000" indent="-228600" algn="l" defTabSz="914400" rtl="0" eaLnBrk="1" latinLnBrk="0" hangingPunct="1">
+              <a:lnSpc>
+                <a:spcPct val="90000"/>
+              </a:lnSpc>
+              <a:spcBef>
+                <a:spcPts val="500"/>
+              </a:spcBef>
+              <a:buFont typeface="Arial" panose="020B0604020202020204" pitchFamily="34" charset="0"/>
+              <a:buChar char="•"/>
+              <a:defRPr sz="1800" kern="1200">
+                <a:solidFill>
+                  <a:schemeClr val="tx1"/>
+                </a:solidFill>
+                <a:latin typeface="+mn-lt"/>
+                <a:ea typeface="+mn-ea"/>
+                <a:cs typeface="+mn-cs"/>
+              </a:defRPr>
+            </a:lvl8pPr>
+            <a:lvl9pPr marL="3886200" indent="-228600" algn="l" defTabSz="914400" rtl="0" eaLnBrk="1" latinLnBrk="0" hangingPunct="1">
+              <a:lnSpc>
+                <a:spcPct val="90000"/>
+              </a:lnSpc>
+              <a:spcBef>
+                <a:spcPts val="500"/>
+              </a:spcBef>
+              <a:buFont typeface="Arial" panose="020B0604020202020204" pitchFamily="34" charset="0"/>
+              <a:buChar char="•"/>
+              <a:defRPr sz="1800" kern="1200">
+                <a:solidFill>
+                  <a:schemeClr val="tx1"/>
+                </a:solidFill>
+                <a:latin typeface="+mn-lt"/>
+                <a:ea typeface="+mn-ea"/>
+                <a:cs typeface="+mn-cs"/>
+              </a:defRPr>
+            </a:lvl9pPr>
+          </a:lstStyle>
+          <a:p>
+            <a:r>
+              <a:rPr lang="en-US" sz="2600" dirty="0" smtClean="0"/>
+              <a:t>Accounting for uncertainty around </a:t>
+            </a:r>
+            <a:r>
+              <a:rPr lang="en-US" sz="2600" dirty="0" err="1" smtClean="0"/>
+              <a:t>recdev</a:t>
+            </a:r>
+            <a:r>
+              <a:rPr lang="en-US" sz="2600" dirty="0" smtClean="0"/>
+              <a:t> estimates improved estimation of </a:t>
+            </a:r>
+            <a:r>
+              <a:rPr lang="el-GR" sz="2600" i="1" dirty="0"/>
+              <a:t>σ</a:t>
+            </a:r>
+            <a:r>
+              <a:rPr lang="en-US" sz="2600" i="1" baseline="-25000" dirty="0" smtClean="0"/>
+              <a:t>R</a:t>
+            </a:r>
+            <a:r>
+              <a:rPr lang="en-US" sz="2600" dirty="0" smtClean="0"/>
+              <a:t>:</a:t>
+            </a:r>
+            <a:endParaRPr lang="en-US" sz="2600" baseline="-25000" dirty="0" smtClean="0"/>
+          </a:p>
+          <a:p>
+            <a:endParaRPr lang="en-US" sz="2600" dirty="0" smtClean="0"/>
+          </a:p>
+          <a:p>
+            <a:pPr marL="0" indent="0">
+              <a:buNone/>
+            </a:pPr>
+            <a:endParaRPr lang="en-US" sz="1050" dirty="0" smtClean="0"/>
+          </a:p>
+          <a:p>
+            <a:r>
+              <a:rPr lang="en-US" sz="2600" dirty="0" smtClean="0"/>
+              <a:t>r4ss function </a:t>
+            </a:r>
+            <a:r>
+              <a:rPr lang="en-US" sz="2600" dirty="0" err="1" smtClean="0">
+                <a:latin typeface="Courier New" panose="02070309020205020404" pitchFamily="49" charset="0"/>
+                <a:cs typeface="Courier New" panose="02070309020205020404" pitchFamily="49" charset="0"/>
+              </a:rPr>
+              <a:t>SS_output</a:t>
+            </a:r>
+            <a:r>
+              <a:rPr lang="en-US" sz="2600" dirty="0" smtClean="0"/>
+              <a:t> now includes additional table: </a:t>
+            </a:r>
+            <a:r>
+              <a:rPr lang="en-US" sz="2600" dirty="0" smtClean="0">
+                <a:latin typeface="Courier New" panose="02070309020205020404" pitchFamily="49" charset="0"/>
+                <a:cs typeface="Courier New" panose="02070309020205020404" pitchFamily="49" charset="0"/>
+              </a:rPr>
+              <a:t>$</a:t>
+            </a:r>
+            <a:r>
+              <a:rPr lang="en-US" sz="2600" dirty="0" err="1" smtClean="0">
+                <a:latin typeface="Courier New" panose="02070309020205020404" pitchFamily="49" charset="0"/>
+                <a:cs typeface="Courier New" panose="02070309020205020404" pitchFamily="49" charset="0"/>
+              </a:rPr>
+              <a:t>sigma_R_info</a:t>
+            </a:r>
+            <a:endParaRPr lang="en-US" sz="2600" dirty="0" smtClean="0"/>
+          </a:p>
+          <a:p>
+            <a:pPr marL="0" indent="0">
+              <a:buNone/>
+            </a:pPr>
+            <a:r>
+              <a:rPr lang="en-US" dirty="0" smtClean="0"/>
+              <a:t> </a:t>
+            </a:r>
+            <a:endParaRPr lang="en-US" dirty="0"/>
+          </a:p>
+        </p:txBody>
+      </p:sp>
+      <p:sp>
+        <p:nvSpPr>
+          <p:cNvPr id="8" name="Rectangle 7"/>
+          <p:cNvSpPr/>
+          <p:nvPr/>
+        </p:nvSpPr>
+        <p:spPr>
+          <a:xfrm>
+            <a:off x="0" y="3282891"/>
+            <a:ext cx="12878937" cy="3323987"/>
+          </a:xfrm>
+          <a:prstGeom prst="rect">
+            <a:avLst/>
+          </a:prstGeom>
+        </p:spPr>
+        <p:txBody>
+          <a:bodyPr wrap="square">
             <a:spAutoFit/>
           </a:bodyPr>
           <a:lstStyle/>
           <a:p>
             <a:r>
-              <a:rPr lang="en-US" sz="1400" dirty="0" err="1" smtClean="0"/>
+              <a:rPr lang="en-US" sz="1400" dirty="0">
+                <a:latin typeface="Courier New" panose="02070309020205020404" pitchFamily="49" charset="0"/>
+                <a:cs typeface="Courier New" panose="02070309020205020404" pitchFamily="49" charset="0"/>
+              </a:rPr>
+              <a:t>&gt; ex1$sigma_R_in</a:t>
+            </a:r>
+          </a:p>
+          <a:p>
+            <a:r>
+              <a:rPr lang="en-US" sz="1400" dirty="0">
+                <a:latin typeface="Courier New" panose="02070309020205020404" pitchFamily="49" charset="0"/>
+                <a:cs typeface="Courier New" panose="02070309020205020404" pitchFamily="49" charset="0"/>
+              </a:rPr>
+              <a:t>[1] </a:t>
+            </a:r>
+            <a:r>
+              <a:rPr lang="en-US" sz="1400" dirty="0" smtClean="0">
+                <a:latin typeface="Courier New" panose="02070309020205020404" pitchFamily="49" charset="0"/>
+                <a:cs typeface="Courier New" panose="02070309020205020404" pitchFamily="49" charset="0"/>
+              </a:rPr>
+              <a:t>0.5</a:t>
+            </a:r>
+          </a:p>
+          <a:p>
+            <a:r>
+              <a:rPr lang="en-US" sz="1400" dirty="0" smtClean="0">
+                <a:latin typeface="Courier New" panose="02070309020205020404" pitchFamily="49" charset="0"/>
+                <a:cs typeface="Courier New" panose="02070309020205020404" pitchFamily="49" charset="0"/>
+              </a:rPr>
+              <a:t>&gt; ex1$sigma_R_info</a:t>
+            </a:r>
+            <a:endParaRPr lang="en-US" sz="1400" dirty="0">
+              <a:latin typeface="Courier New" panose="02070309020205020404" pitchFamily="49" charset="0"/>
+              <a:cs typeface="Courier New" panose="02070309020205020404" pitchFamily="49" charset="0"/>
+            </a:endParaRPr>
+          </a:p>
+          <a:p>
+            <a:r>
+              <a:rPr lang="en-US" sz="1400" dirty="0">
+                <a:latin typeface="Courier New" panose="02070309020205020404" pitchFamily="49" charset="0"/>
+                <a:cs typeface="Courier New" panose="02070309020205020404" pitchFamily="49" charset="0"/>
+              </a:rPr>
+              <a:t>           period </a:t>
+            </a:r>
+            <a:r>
+              <a:rPr lang="en-US" sz="1400" dirty="0" err="1">
+                <a:latin typeface="Courier New" panose="02070309020205020404" pitchFamily="49" charset="0"/>
+                <a:cs typeface="Courier New" panose="02070309020205020404" pitchFamily="49" charset="0"/>
+              </a:rPr>
+              <a:t>N_devs</a:t>
+            </a:r>
+            <a:r>
+              <a:rPr lang="en-US" sz="1400" dirty="0">
+                <a:latin typeface="Courier New" panose="02070309020205020404" pitchFamily="49" charset="0"/>
+                <a:cs typeface="Courier New" panose="02070309020205020404" pitchFamily="49" charset="0"/>
+              </a:rPr>
+              <a:t> </a:t>
+            </a:r>
+            <a:r>
+              <a:rPr lang="en-US" sz="1400" dirty="0" err="1">
+                <a:latin typeface="Courier New" panose="02070309020205020404" pitchFamily="49" charset="0"/>
+                <a:cs typeface="Courier New" panose="02070309020205020404" pitchFamily="49" charset="0"/>
+              </a:rPr>
+              <a:t>SD_of_devs</a:t>
+            </a:r>
+            <a:r>
+              <a:rPr lang="en-US" sz="1400" dirty="0">
+                <a:latin typeface="Courier New" panose="02070309020205020404" pitchFamily="49" charset="0"/>
+                <a:cs typeface="Courier New" panose="02070309020205020404" pitchFamily="49" charset="0"/>
+              </a:rPr>
+              <a:t> </a:t>
+            </a:r>
+            <a:r>
+              <a:rPr lang="en-US" sz="1400" dirty="0" err="1">
+                <a:latin typeface="Courier New" panose="02070309020205020404" pitchFamily="49" charset="0"/>
+                <a:cs typeface="Courier New" panose="02070309020205020404" pitchFamily="49" charset="0"/>
+              </a:rPr>
+              <a:t>Var_of_devs</a:t>
+            </a:r>
+            <a:r>
+              <a:rPr lang="en-US" sz="1400" dirty="0">
+                <a:latin typeface="Courier New" panose="02070309020205020404" pitchFamily="49" charset="0"/>
+                <a:cs typeface="Courier New" panose="02070309020205020404" pitchFamily="49" charset="0"/>
+              </a:rPr>
+              <a:t> </a:t>
+            </a:r>
+            <a:r>
+              <a:rPr lang="en-US" sz="1400" dirty="0" err="1">
+                <a:latin typeface="Courier New" panose="02070309020205020404" pitchFamily="49" charset="0"/>
+                <a:cs typeface="Courier New" panose="02070309020205020404" pitchFamily="49" charset="0"/>
+              </a:rPr>
+              <a:t>mean_SE</a:t>
+            </a:r>
+            <a:r>
+              <a:rPr lang="en-US" sz="1400" dirty="0">
+                <a:latin typeface="Courier New" panose="02070309020205020404" pitchFamily="49" charset="0"/>
+                <a:cs typeface="Courier New" panose="02070309020205020404" pitchFamily="49" charset="0"/>
+              </a:rPr>
+              <a:t> </a:t>
+            </a:r>
+            <a:r>
+              <a:rPr lang="en-US" sz="1400" dirty="0" err="1">
+                <a:latin typeface="Courier New" panose="02070309020205020404" pitchFamily="49" charset="0"/>
+                <a:cs typeface="Courier New" panose="02070309020205020404" pitchFamily="49" charset="0"/>
+              </a:rPr>
+              <a:t>mean_SEsquared</a:t>
+            </a:r>
+            <a:endParaRPr lang="en-US" sz="1400" dirty="0">
+              <a:latin typeface="Courier New" panose="02070309020205020404" pitchFamily="49" charset="0"/>
+              <a:cs typeface="Courier New" panose="02070309020205020404" pitchFamily="49" charset="0"/>
+            </a:endParaRPr>
+          </a:p>
+          <a:p>
+            <a:r>
+              <a:rPr lang="en-US" sz="1400" dirty="0">
+                <a:latin typeface="Courier New" panose="02070309020205020404" pitchFamily="49" charset="0"/>
+                <a:cs typeface="Courier New" panose="02070309020205020404" pitchFamily="49" charset="0"/>
+              </a:rPr>
+              <a:t>1            Main     53     0.3682     0.13558  0.3076         0.0998</a:t>
+            </a:r>
+          </a:p>
+          <a:p>
+            <a:r>
+              <a:rPr lang="en-US" sz="1400" dirty="0">
+                <a:latin typeface="Courier New" panose="02070309020205020404" pitchFamily="49" charset="0"/>
+                <a:cs typeface="Courier New" panose="02070309020205020404" pitchFamily="49" charset="0"/>
+              </a:rPr>
+              <a:t>2      </a:t>
+            </a:r>
+            <a:r>
+              <a:rPr lang="en-US" sz="1400" dirty="0" err="1">
+                <a:latin typeface="Courier New" panose="02070309020205020404" pitchFamily="49" charset="0"/>
+                <a:cs typeface="Courier New" panose="02070309020205020404" pitchFamily="49" charset="0"/>
+              </a:rPr>
+              <a:t>Early+Main</a:t>
+            </a:r>
+            <a:r>
+              <a:rPr lang="en-US" sz="1400" dirty="0">
+                <a:latin typeface="Courier New" panose="02070309020205020404" pitchFamily="49" charset="0"/>
+                <a:cs typeface="Courier New" panose="02070309020205020404" pitchFamily="49" charset="0"/>
+              </a:rPr>
+              <a:t>    118     0.2473     0.06113  0.4079         0.1770</a:t>
+            </a:r>
+          </a:p>
+          <a:p>
+            <a:r>
+              <a:rPr lang="en-US" sz="1400" dirty="0">
+                <a:latin typeface="Courier New" panose="02070309020205020404" pitchFamily="49" charset="0"/>
+                <a:cs typeface="Courier New" panose="02070309020205020404" pitchFamily="49" charset="0"/>
+              </a:rPr>
+              <a:t>3 </a:t>
+            </a:r>
+            <a:r>
+              <a:rPr lang="en-US" sz="1400" dirty="0" err="1">
+                <a:latin typeface="Courier New" panose="02070309020205020404" pitchFamily="49" charset="0"/>
+                <a:cs typeface="Courier New" panose="02070309020205020404" pitchFamily="49" charset="0"/>
+              </a:rPr>
+              <a:t>Early+Main+Late</a:t>
+            </a:r>
+            <a:r>
+              <a:rPr lang="en-US" sz="1400" dirty="0">
+                <a:latin typeface="Courier New" panose="02070309020205020404" pitchFamily="49" charset="0"/>
+                <a:cs typeface="Courier New" panose="02070309020205020404" pitchFamily="49" charset="0"/>
+              </a:rPr>
+              <a:t>    122     0.2432     0.05912  0.4109         0.1794</a:t>
+            </a:r>
+          </a:p>
+          <a:p>
+            <a:r>
+              <a:rPr lang="en-US" sz="1400" dirty="0">
+                <a:latin typeface="Courier New" panose="02070309020205020404" pitchFamily="49" charset="0"/>
+                <a:cs typeface="Courier New" panose="02070309020205020404" pitchFamily="49" charset="0"/>
+              </a:rPr>
+              <a:t>  </a:t>
+            </a:r>
+            <a:r>
+              <a:rPr lang="en-US" sz="1400" dirty="0" err="1">
+                <a:latin typeface="Courier New" panose="02070309020205020404" pitchFamily="49" charset="0"/>
+                <a:cs typeface="Courier New" panose="02070309020205020404" pitchFamily="49" charset="0"/>
+              </a:rPr>
+              <a:t>sqrt_sum_of_components</a:t>
+            </a:r>
+            <a:r>
+              <a:rPr lang="en-US" sz="1400" dirty="0">
+                <a:latin typeface="Courier New" panose="02070309020205020404" pitchFamily="49" charset="0"/>
+                <a:cs typeface="Courier New" panose="02070309020205020404" pitchFamily="49" charset="0"/>
+              </a:rPr>
+              <a:t> </a:t>
+            </a:r>
+            <a:r>
+              <a:rPr lang="en-US" sz="1400" dirty="0" err="1">
+                <a:latin typeface="Courier New" panose="02070309020205020404" pitchFamily="49" charset="0"/>
+                <a:cs typeface="Courier New" panose="02070309020205020404" pitchFamily="49" charset="0"/>
+              </a:rPr>
+              <a:t>SD_of_devs_over_sigma_R</a:t>
+            </a:r>
+            <a:r>
+              <a:rPr lang="en-US" sz="1400" dirty="0">
+                <a:latin typeface="Courier New" panose="02070309020205020404" pitchFamily="49" charset="0"/>
+                <a:cs typeface="Courier New" panose="02070309020205020404" pitchFamily="49" charset="0"/>
+              </a:rPr>
+              <a:t> </a:t>
+            </a:r>
+            <a:r>
+              <a:rPr lang="en-US" sz="1400" dirty="0" err="1">
+                <a:latin typeface="Courier New" panose="02070309020205020404" pitchFamily="49" charset="0"/>
+                <a:cs typeface="Courier New" panose="02070309020205020404" pitchFamily="49" charset="0"/>
+              </a:rPr>
+              <a:t>sqrt_sum_over_sigma_R</a:t>
+            </a:r>
+            <a:endParaRPr lang="en-US" sz="1400" dirty="0">
+              <a:latin typeface="Courier New" panose="02070309020205020404" pitchFamily="49" charset="0"/>
+              <a:cs typeface="Courier New" panose="02070309020205020404" pitchFamily="49" charset="0"/>
+            </a:endParaRPr>
+          </a:p>
+          <a:p>
+            <a:r>
+              <a:rPr lang="en-US" sz="1400" dirty="0">
+                <a:latin typeface="Courier New" panose="02070309020205020404" pitchFamily="49" charset="0"/>
+                <a:cs typeface="Courier New" panose="02070309020205020404" pitchFamily="49" charset="0"/>
+              </a:rPr>
+              <a:t>1                 0.4852                  0.7364                0.9703</a:t>
+            </a:r>
+          </a:p>
+          <a:p>
+            <a:r>
+              <a:rPr lang="en-US" sz="1400" dirty="0">
+                <a:latin typeface="Courier New" panose="02070309020205020404" pitchFamily="49" charset="0"/>
+                <a:cs typeface="Courier New" panose="02070309020205020404" pitchFamily="49" charset="0"/>
+              </a:rPr>
+              <a:t>2                 0.4880                  0.4945                0.9760</a:t>
+            </a:r>
+          </a:p>
+          <a:p>
+            <a:r>
+              <a:rPr lang="en-US" sz="1400" dirty="0">
+                <a:latin typeface="Courier New" panose="02070309020205020404" pitchFamily="49" charset="0"/>
+                <a:cs typeface="Courier New" panose="02070309020205020404" pitchFamily="49" charset="0"/>
+              </a:rPr>
+              <a:t>3                 0.4884                  0.4863                0.9768</a:t>
+            </a:r>
+          </a:p>
+          <a:p>
+            <a:r>
+              <a:rPr lang="en-US" sz="1400" dirty="0">
+                <a:latin typeface="Courier New" panose="02070309020205020404" pitchFamily="49" charset="0"/>
+                <a:cs typeface="Courier New" panose="02070309020205020404" pitchFamily="49" charset="0"/>
+              </a:rPr>
+              <a:t>  </a:t>
+            </a:r>
+            <a:r>
+              <a:rPr lang="en-US" sz="1400" dirty="0" err="1">
+                <a:latin typeface="Courier New" panose="02070309020205020404" pitchFamily="49" charset="0"/>
+                <a:cs typeface="Courier New" panose="02070309020205020404" pitchFamily="49" charset="0"/>
+              </a:rPr>
+              <a:t>alternative_sigma_R</a:t>
+            </a:r>
+            <a:endParaRPr lang="en-US" sz="1400" dirty="0">
+              <a:latin typeface="Courier New" panose="02070309020205020404" pitchFamily="49" charset="0"/>
+              <a:cs typeface="Courier New" panose="02070309020205020404" pitchFamily="49" charset="0"/>
+            </a:endParaRPr>
+          </a:p>
+          <a:p>
+            <a:r>
+              <a:rPr lang="en-US" sz="1400" dirty="0">
+                <a:latin typeface="Courier New" panose="02070309020205020404" pitchFamily="49" charset="0"/>
+                <a:cs typeface="Courier New" panose="02070309020205020404" pitchFamily="49" charset="0"/>
+              </a:rPr>
+              <a:t>1              0.4852</a:t>
+            </a:r>
+          </a:p>
+          <a:p>
+            <a:r>
+              <a:rPr lang="en-US" sz="1400" dirty="0">
+                <a:latin typeface="Courier New" panose="02070309020205020404" pitchFamily="49" charset="0"/>
+                <a:cs typeface="Courier New" panose="02070309020205020404" pitchFamily="49" charset="0"/>
+              </a:rPr>
+              <a:t>2              0.4880</a:t>
+            </a:r>
+          </a:p>
+          <a:p>
+            <a:r>
+              <a:rPr lang="en-US" sz="1400" dirty="0">
+                <a:latin typeface="Courier New" panose="02070309020205020404" pitchFamily="49" charset="0"/>
+                <a:cs typeface="Courier New" panose="02070309020205020404" pitchFamily="49" charset="0"/>
+              </a:rPr>
+              <a:t>3              0.4884</a:t>
+            </a:r>
+          </a:p>
+        </p:txBody>
+      </p:sp>
+      <p:pic>
+        <p:nvPicPr>
+          <p:cNvPr id="9" name="Picture 8"/>
+          <p:cNvPicPr>
+            <a:picLocks noChangeAspect="1"/>
+          </p:cNvPicPr>
+          <p:nvPr/>
+        </p:nvPicPr>
+        <p:blipFill>
+          <a:blip r:embed="rId3"/>
+          <a:stretch>
+            <a:fillRect/>
+          </a:stretch>
+        </p:blipFill>
+        <p:spPr>
+          <a:xfrm>
+            <a:off x="1585912" y="1439714"/>
+            <a:ext cx="2676525" cy="476250"/>
+          </a:xfrm>
+          <a:prstGeom prst="rect">
+            <a:avLst/>
+          </a:prstGeom>
+        </p:spPr>
+      </p:pic>
+      <p:sp>
+        <p:nvSpPr>
+          <p:cNvPr id="11" name="Rectangle 10"/>
+          <p:cNvSpPr/>
+          <p:nvPr/>
+        </p:nvSpPr>
+        <p:spPr>
+          <a:xfrm>
+            <a:off x="3240196" y="6156857"/>
+            <a:ext cx="8251256" cy="646331"/>
+          </a:xfrm>
+          <a:prstGeom prst="rect">
+            <a:avLst/>
+          </a:prstGeom>
+        </p:spPr>
+        <p:txBody>
+          <a:bodyPr wrap="square">
+            <a:spAutoFit/>
+          </a:bodyPr>
+          <a:lstStyle/>
+          <a:p>
+            <a:r>
+              <a:rPr lang="en-US" dirty="0" err="1"/>
               <a:t>Methot</a:t>
             </a:r>
             <a:r>
-              <a:rPr lang="en-US" sz="1400" dirty="0" smtClean="0"/>
+              <a:rPr lang="en-US" dirty="0"/>
               <a:t>, R.D. and Taylor, I.G., 2011. Adjusting for Bias due to Variability of Estimated Recruitments in Fishery Assessment Models. Can. J. Fish. </a:t>
             </a:r>
             <a:r>
-              <a:rPr lang="en-US" sz="1400" dirty="0" err="1" smtClean="0"/>
+              <a:rPr lang="en-US" dirty="0" err="1"/>
               <a:t>Aquat</a:t>
             </a:r>
             <a:r>
-              <a:rPr lang="en-US" sz="1400" dirty="0" smtClean="0"/>
+              <a:rPr lang="en-US" dirty="0"/>
               <a:t>. Sci.  68, 1744–1760.</a:t>
             </a:r>
           </a:p>
-          <a:p>
-            <a:endParaRPr lang="en-US" sz="1400" dirty="0" smtClean="0"/>
-          </a:p>
-          <a:p>
-            <a:r>
-              <a:rPr lang="en-US" sz="1400" dirty="0" smtClean="0"/>
-              <a:t>Stewart, I.J., A. Hicks, I.G. Taylor, J.T. Thorson, C. Wetzel, and S. </a:t>
-            </a:r>
-            <a:r>
-              <a:rPr lang="en-US" sz="1400" dirty="0" err="1" smtClean="0"/>
-              <a:t>Kupschus</a:t>
-            </a:r>
-            <a:r>
-              <a:rPr lang="en-US" sz="1400" dirty="0" smtClean="0"/>
-              <a:t>. 2013. A comparison of stock assessment uncertainty estimates using maximum likelihood and Bayesian methods implemented with the same model framework. Fish. Res. 142, pp 37–46.</a:t>
-            </a:r>
-            <a:endParaRPr lang="en-US" sz="1400" dirty="0" smtClean="0"/>
-          </a:p>
-        </p:txBody>
-      </p:sp>
+        </p:txBody>
+      </p:sp>
+      <p:cxnSp>
+        <p:nvCxnSpPr>
+          <p:cNvPr id="15" name="Straight Arrow Connector 14"/>
+          <p:cNvCxnSpPr/>
+          <p:nvPr/>
+        </p:nvCxnSpPr>
+        <p:spPr>
+          <a:xfrm flipH="1" flipV="1">
+            <a:off x="4196913" y="1511229"/>
+            <a:ext cx="422796" cy="204574"/>
+          </a:xfrm>
+          <a:prstGeom prst="straightConnector1">
+            <a:avLst/>
+          </a:prstGeom>
+          <a:ln w="38100">
+            <a:solidFill>
+              <a:srgbClr val="C00000"/>
+            </a:solidFill>
+            <a:tailEnd type="triangle"/>
+          </a:ln>
+        </p:spPr>
+        <p:style>
+          <a:lnRef idx="1">
+            <a:schemeClr val="accent1"/>
+          </a:lnRef>
+          <a:fillRef idx="0">
+            <a:schemeClr val="accent1"/>
+          </a:fillRef>
+          <a:effectRef idx="0">
+            <a:schemeClr val="accent1"/>
+          </a:effectRef>
+          <a:fontRef idx="minor">
+            <a:schemeClr val="tx1"/>
+          </a:fontRef>
+        </p:style>
+      </p:cxnSp>
     </p:spTree>
     <p:extLst>
       <p:ext uri="{BB962C8B-B14F-4D97-AF65-F5344CB8AC3E}">
-        <p14:creationId xmlns:p14="http://schemas.microsoft.com/office/powerpoint/2010/main" val="2770067894"/>
+        <p14:creationId xmlns:p14="http://schemas.microsoft.com/office/powerpoint/2010/main" val="808197140"/>
       </p:ext>
     </p:extLst>
   </p:cSld>
   <p:clrMapOvr>
     <a:masterClrMapping/>
   </p:clrMapOvr>
+  <p:timing>
+    <p:tnLst>
+      <p:par>
+        <p:cTn id="1" dur="indefinite" restart="never" nodeType="tmRoot"/>
+      </p:par>
+    </p:tnLst>
+  </p:timing>
 </p:sld>
 </file>
 
@@ -4839,14 +7396,16 @@
         </p:nvSpPr>
         <p:spPr/>
         <p:txBody>
-          <a:bodyPr>
-            <a:normAutofit/>
-          </a:bodyPr>
+          <a:bodyPr/>
           <a:lstStyle/>
           <a:p>
             <a:r>
               <a:rPr lang="en-US" dirty="0" smtClean="0"/>
-              <a:t>Simulating with random recruitment</a:t>
+              <a:t>Bias adjustment of </a:t>
+            </a:r>
+            <a:r>
+              <a:rPr lang="en-US" dirty="0" err="1" smtClean="0"/>
+              <a:t>recdevs</a:t>
             </a:r>
             <a:endParaRPr lang="en-US" dirty="0"/>
           </a:p>
@@ -4854,7 +7413,7 @@
       </p:sp>
       <p:sp>
         <p:nvSpPr>
-          <p:cNvPr id="5" name="Content Placeholder 4"/>
+          <p:cNvPr id="3" name="Content Placeholder 2"/>
           <p:cNvSpPr>
             <a:spLocks noGrp="1"/>
           </p:cNvSpPr>
@@ -4864,459 +7423,29 @@
         </p:nvSpPr>
         <p:spPr/>
         <p:txBody>
-          <a:bodyPr>
-            <a:normAutofit fontScale="85000" lnSpcReduction="20000"/>
-          </a:bodyPr>
+          <a:bodyPr/>
           <a:lstStyle/>
           <a:p>
             <a:r>
               <a:rPr lang="en-US" dirty="0" smtClean="0"/>
-              <a:t>SS has built-in parametric bootstrap capability for random data generation, but most analyses benefit from random recruitment</a:t>
-            </a:r>
+              <a:t>Difference between median and mean of lognormal distribution requires adjustment</a:t>
+            </a:r>
+          </a:p>
+          <a:p>
+            <a:endParaRPr lang="en-US" dirty="0"/>
+          </a:p>
+          <a:p>
+            <a:endParaRPr lang="en-US" dirty="0" smtClean="0"/>
+          </a:p>
+          <a:p>
+            <a:endParaRPr lang="en-US" dirty="0"/>
           </a:p>
           <a:p>
             <a:r>
               <a:rPr lang="en-US" dirty="0" smtClean="0"/>
-              <a:t>Option 1: modify the </a:t>
-            </a:r>
-            <a:r>
-              <a:rPr lang="en-US" dirty="0" err="1" smtClean="0"/>
-              <a:t>ss.par</a:t>
-            </a:r>
-            <a:r>
-              <a:rPr lang="en-US" dirty="0" smtClean="0"/>
-              <a:t> file</a:t>
-            </a:r>
-          </a:p>
-          <a:p>
-            <a:r>
-              <a:rPr lang="en-US" dirty="0" smtClean="0"/>
-              <a:t>Option 2: input in control file</a:t>
-            </a:r>
-          </a:p>
-          <a:p>
-            <a:pPr marL="457200" lvl="1" indent="0">
-              <a:buNone/>
-            </a:pPr>
-            <a:r>
-              <a:rPr lang="en-US" dirty="0" smtClean="0">
-                <a:latin typeface="Courier New" panose="02070309020205020404" pitchFamily="49" charset="0"/>
-                <a:cs typeface="Courier New" panose="02070309020205020404" pitchFamily="49" charset="0"/>
-              </a:rPr>
-              <a:t>122 </a:t>
-            </a:r>
-            <a:r>
-              <a:rPr lang="en-US" dirty="0" smtClean="0">
-                <a:solidFill>
-                  <a:srgbClr val="C00000"/>
-                </a:solidFill>
-                <a:latin typeface="Courier New" panose="02070309020205020404" pitchFamily="49" charset="0"/>
-                <a:cs typeface="Courier New" panose="02070309020205020404" pitchFamily="49" charset="0"/>
-              </a:rPr>
-              <a:t>#_</a:t>
-            </a:r>
-            <a:r>
-              <a:rPr lang="en-US" dirty="0" err="1" smtClean="0">
-                <a:solidFill>
-                  <a:srgbClr val="C00000"/>
-                </a:solidFill>
-                <a:latin typeface="Courier New" panose="02070309020205020404" pitchFamily="49" charset="0"/>
-                <a:cs typeface="Courier New" panose="02070309020205020404" pitchFamily="49" charset="0"/>
-              </a:rPr>
-              <a:t>read_recdevs</a:t>
-            </a:r>
-            <a:endParaRPr lang="en-US" dirty="0" smtClean="0">
-              <a:solidFill>
-                <a:srgbClr val="C00000"/>
-              </a:solidFill>
-              <a:latin typeface="Courier New" panose="02070309020205020404" pitchFamily="49" charset="0"/>
-              <a:cs typeface="Courier New" panose="02070309020205020404" pitchFamily="49" charset="0"/>
-            </a:endParaRPr>
-          </a:p>
-          <a:p>
-            <a:pPr marL="457200" lvl="1" indent="0">
-              <a:buNone/>
-            </a:pPr>
-            <a:r>
-              <a:rPr lang="en-US" dirty="0" smtClean="0">
-                <a:solidFill>
-                  <a:srgbClr val="C00000"/>
-                </a:solidFill>
-                <a:latin typeface="Courier New" panose="02070309020205020404" pitchFamily="49" charset="0"/>
-                <a:cs typeface="Courier New" panose="02070309020205020404" pitchFamily="49" charset="0"/>
-              </a:rPr>
-              <a:t>#_end of advanced SR options</a:t>
-            </a:r>
-          </a:p>
-          <a:p>
-            <a:pPr marL="457200" lvl="1" indent="0">
-              <a:buNone/>
-            </a:pPr>
-            <a:r>
-              <a:rPr lang="en-US" dirty="0" smtClean="0">
-                <a:solidFill>
-                  <a:srgbClr val="C00000"/>
-                </a:solidFill>
-                <a:latin typeface="Courier New" panose="02070309020205020404" pitchFamily="49" charset="0"/>
-                <a:cs typeface="Courier New" panose="02070309020205020404" pitchFamily="49" charset="0"/>
-              </a:rPr>
-              <a:t># read specified </a:t>
-            </a:r>
-            <a:r>
-              <a:rPr lang="en-US" dirty="0" err="1" smtClean="0">
-                <a:solidFill>
-                  <a:srgbClr val="C00000"/>
-                </a:solidFill>
-                <a:latin typeface="Courier New" panose="02070309020205020404" pitchFamily="49" charset="0"/>
-                <a:cs typeface="Courier New" panose="02070309020205020404" pitchFamily="49" charset="0"/>
-              </a:rPr>
-              <a:t>recr</a:t>
-            </a:r>
-            <a:r>
-              <a:rPr lang="en-US" dirty="0" smtClean="0">
-                <a:solidFill>
-                  <a:srgbClr val="C00000"/>
-                </a:solidFill>
-                <a:latin typeface="Courier New" panose="02070309020205020404" pitchFamily="49" charset="0"/>
-                <a:cs typeface="Courier New" panose="02070309020205020404" pitchFamily="49" charset="0"/>
-              </a:rPr>
-              <a:t> </a:t>
-            </a:r>
-            <a:r>
-              <a:rPr lang="en-US" dirty="0" err="1" smtClean="0">
-                <a:solidFill>
-                  <a:srgbClr val="C00000"/>
-                </a:solidFill>
-                <a:latin typeface="Courier New" panose="02070309020205020404" pitchFamily="49" charset="0"/>
-                <a:cs typeface="Courier New" panose="02070309020205020404" pitchFamily="49" charset="0"/>
-              </a:rPr>
-              <a:t>devs</a:t>
-            </a:r>
-            <a:endParaRPr lang="en-US" dirty="0" smtClean="0">
-              <a:solidFill>
-                <a:srgbClr val="C00000"/>
-              </a:solidFill>
-              <a:latin typeface="Courier New" panose="02070309020205020404" pitchFamily="49" charset="0"/>
-              <a:cs typeface="Courier New" panose="02070309020205020404" pitchFamily="49" charset="0"/>
-            </a:endParaRPr>
-          </a:p>
-          <a:p>
-            <a:pPr marL="457200" lvl="1" indent="0">
-              <a:buNone/>
-            </a:pPr>
-            <a:r>
-              <a:rPr lang="en-US" dirty="0" smtClean="0">
-                <a:solidFill>
-                  <a:srgbClr val="C00000"/>
-                </a:solidFill>
-                <a:latin typeface="Courier New" panose="02070309020205020404" pitchFamily="49" charset="0"/>
-                <a:cs typeface="Courier New" panose="02070309020205020404" pitchFamily="49" charset="0"/>
-              </a:rPr>
-              <a:t>#_</a:t>
-            </a:r>
-            <a:r>
-              <a:rPr lang="en-US" dirty="0" err="1" smtClean="0">
-                <a:solidFill>
-                  <a:srgbClr val="C00000"/>
-                </a:solidFill>
-                <a:latin typeface="Courier New" panose="02070309020205020404" pitchFamily="49" charset="0"/>
-                <a:cs typeface="Courier New" panose="02070309020205020404" pitchFamily="49" charset="0"/>
-              </a:rPr>
-              <a:t>Yr</a:t>
-            </a:r>
-            <a:r>
-              <a:rPr lang="en-US" dirty="0" smtClean="0">
-                <a:solidFill>
-                  <a:srgbClr val="C00000"/>
-                </a:solidFill>
-                <a:latin typeface="Courier New" panose="02070309020205020404" pitchFamily="49" charset="0"/>
-                <a:cs typeface="Courier New" panose="02070309020205020404" pitchFamily="49" charset="0"/>
-              </a:rPr>
-              <a:t> </a:t>
-            </a:r>
-            <a:r>
-              <a:rPr lang="en-US" dirty="0" err="1" smtClean="0">
-                <a:solidFill>
-                  <a:srgbClr val="C00000"/>
-                </a:solidFill>
-                <a:latin typeface="Courier New" panose="02070309020205020404" pitchFamily="49" charset="0"/>
-                <a:cs typeface="Courier New" panose="02070309020205020404" pitchFamily="49" charset="0"/>
-              </a:rPr>
-              <a:t>Input_value</a:t>
-            </a:r>
-            <a:endParaRPr lang="en-US" dirty="0" smtClean="0">
-              <a:solidFill>
-                <a:srgbClr val="C00000"/>
-              </a:solidFill>
-              <a:latin typeface="Courier New" panose="02070309020205020404" pitchFamily="49" charset="0"/>
-              <a:cs typeface="Courier New" panose="02070309020205020404" pitchFamily="49" charset="0"/>
-            </a:endParaRPr>
-          </a:p>
-          <a:p>
-            <a:pPr marL="457200" lvl="1" indent="0">
-              <a:buNone/>
-            </a:pPr>
-            <a:r>
-              <a:rPr lang="en-US" dirty="0" smtClean="0">
-                <a:latin typeface="Courier New" panose="02070309020205020404" pitchFamily="49" charset="0"/>
-                <a:cs typeface="Courier New" panose="02070309020205020404" pitchFamily="49" charset="0"/>
-              </a:rPr>
-              <a:t>1895 -0.06873 </a:t>
-            </a:r>
-          </a:p>
-          <a:p>
-            <a:pPr marL="457200" lvl="1" indent="0">
-              <a:buNone/>
-            </a:pPr>
-            <a:r>
-              <a:rPr lang="en-US" dirty="0" smtClean="0">
-                <a:latin typeface="Courier New" panose="02070309020205020404" pitchFamily="49" charset="0"/>
-                <a:cs typeface="Courier New" panose="02070309020205020404" pitchFamily="49" charset="0"/>
-              </a:rPr>
-              <a:t>1896 -0.97538 </a:t>
-            </a:r>
-          </a:p>
-          <a:p>
-            <a:pPr marL="457200" lvl="1" indent="0">
-              <a:buNone/>
-            </a:pPr>
-            <a:r>
-              <a:rPr lang="en-US" dirty="0" smtClean="0">
-                <a:latin typeface="Courier New" panose="02070309020205020404" pitchFamily="49" charset="0"/>
-                <a:cs typeface="Courier New" panose="02070309020205020404" pitchFamily="49" charset="0"/>
-              </a:rPr>
-              <a:t>1897  0.11130</a:t>
-            </a:r>
-          </a:p>
-          <a:p>
-            <a:pPr marL="457200" lvl="1" indent="0">
-              <a:buNone/>
-            </a:pPr>
-            <a:r>
-              <a:rPr lang="en-US" dirty="0" smtClean="0">
-                <a:latin typeface="Courier New" panose="02070309020205020404" pitchFamily="49" charset="0"/>
-                <a:cs typeface="Courier New" panose="02070309020205020404" pitchFamily="49" charset="0"/>
-              </a:rPr>
-              <a:t>...</a:t>
-            </a:r>
-            <a:br>
-              <a:rPr lang="en-US" dirty="0" smtClean="0">
-                <a:latin typeface="Courier New" panose="02070309020205020404" pitchFamily="49" charset="0"/>
-                <a:cs typeface="Courier New" panose="02070309020205020404" pitchFamily="49" charset="0"/>
-              </a:rPr>
-            </a:br>
-            <a:endParaRPr lang="en-US" dirty="0" smtClean="0">
-              <a:latin typeface="Courier New" panose="02070309020205020404" pitchFamily="49" charset="0"/>
-              <a:cs typeface="Courier New" panose="02070309020205020404" pitchFamily="49" charset="0"/>
-            </a:endParaRPr>
-          </a:p>
-          <a:p>
-            <a:pPr marL="457200" lvl="1" indent="0">
-              <a:buNone/>
-            </a:pPr>
-            <a:r>
-              <a:rPr lang="en-US" sz="2800" dirty="0" smtClean="0">
-                <a:cs typeface="Courier New" panose="02070309020205020404" pitchFamily="49" charset="0"/>
-              </a:rPr>
-              <a:t>Control file input can be facilitated by r4ss function:</a:t>
-            </a:r>
-            <a:br>
-              <a:rPr lang="en-US" sz="2800" dirty="0" smtClean="0">
-                <a:cs typeface="Courier New" panose="02070309020205020404" pitchFamily="49" charset="0"/>
-              </a:rPr>
-            </a:br>
-            <a:r>
-              <a:rPr lang="en-US" dirty="0" smtClean="0">
-                <a:latin typeface="Courier New" panose="02070309020205020404" pitchFamily="49" charset="0"/>
-                <a:cs typeface="Courier New" panose="02070309020205020404" pitchFamily="49" charset="0"/>
-              </a:rPr>
-              <a:t>&gt; </a:t>
-            </a:r>
-            <a:r>
-              <a:rPr lang="en-US" dirty="0" err="1" smtClean="0">
-                <a:latin typeface="Courier New" panose="02070309020205020404" pitchFamily="49" charset="0"/>
-                <a:cs typeface="Courier New" panose="02070309020205020404" pitchFamily="49" charset="0"/>
-              </a:rPr>
-              <a:t>SS_recdevs</a:t>
-            </a:r>
-            <a:r>
-              <a:rPr lang="en-US" dirty="0" smtClean="0">
-                <a:latin typeface="Courier New" panose="02070309020205020404" pitchFamily="49" charset="0"/>
-                <a:cs typeface="Courier New" panose="02070309020205020404" pitchFamily="49" charset="0"/>
-              </a:rPr>
-              <a:t>(</a:t>
-            </a:r>
-            <a:r>
-              <a:rPr lang="en-US" dirty="0" err="1" smtClean="0">
-                <a:latin typeface="Courier New" panose="02070309020205020404" pitchFamily="49" charset="0"/>
-                <a:cs typeface="Courier New" panose="02070309020205020404" pitchFamily="49" charset="0"/>
-              </a:rPr>
-              <a:t>fyr</a:t>
-            </a:r>
-            <a:r>
-              <a:rPr lang="en-US" dirty="0" smtClean="0">
-                <a:latin typeface="Courier New" panose="02070309020205020404" pitchFamily="49" charset="0"/>
-                <a:cs typeface="Courier New" panose="02070309020205020404" pitchFamily="49" charset="0"/>
-              </a:rPr>
-              <a:t>=1895, </a:t>
-            </a:r>
-            <a:r>
-              <a:rPr lang="en-US" dirty="0" err="1" smtClean="0">
-                <a:latin typeface="Courier New" panose="02070309020205020404" pitchFamily="49" charset="0"/>
-                <a:cs typeface="Courier New" panose="02070309020205020404" pitchFamily="49" charset="0"/>
-              </a:rPr>
-              <a:t>lyr</a:t>
-            </a:r>
-            <a:r>
-              <a:rPr lang="en-US" dirty="0" smtClean="0">
-                <a:latin typeface="Courier New" panose="02070309020205020404" pitchFamily="49" charset="0"/>
-                <a:cs typeface="Courier New" panose="02070309020205020404" pitchFamily="49" charset="0"/>
-              </a:rPr>
-              <a:t>=2016, </a:t>
-            </a:r>
-            <a:r>
-              <a:rPr lang="en-US" dirty="0" err="1" smtClean="0">
-                <a:latin typeface="Courier New" panose="02070309020205020404" pitchFamily="49" charset="0"/>
-                <a:cs typeface="Courier New" panose="02070309020205020404" pitchFamily="49" charset="0"/>
-              </a:rPr>
-              <a:t>dir</a:t>
-            </a:r>
-            <a:r>
-              <a:rPr lang="en-US" dirty="0" smtClean="0">
-                <a:latin typeface="Courier New" panose="02070309020205020404" pitchFamily="49" charset="0"/>
-                <a:cs typeface="Courier New" panose="02070309020205020404" pitchFamily="49" charset="0"/>
-              </a:rPr>
-              <a:t>=</a:t>
-            </a:r>
-            <a:r>
-              <a:rPr lang="en-US" dirty="0" err="1" smtClean="0">
-                <a:latin typeface="Courier New" panose="02070309020205020404" pitchFamily="49" charset="0"/>
-                <a:cs typeface="Courier New" panose="02070309020205020404" pitchFamily="49" charset="0"/>
-              </a:rPr>
-              <a:t>mydir</a:t>
-            </a:r>
-            <a:r>
-              <a:rPr lang="en-US" dirty="0" smtClean="0">
-                <a:latin typeface="Courier New" panose="02070309020205020404" pitchFamily="49" charset="0"/>
-                <a:cs typeface="Courier New" panose="02070309020205020404" pitchFamily="49" charset="0"/>
-              </a:rPr>
-              <a:t>)</a:t>
-            </a:r>
-          </a:p>
-          <a:p>
-            <a:pPr marL="457200" lvl="1" indent="0">
-              <a:buNone/>
-            </a:pPr>
-            <a:r>
-              <a:rPr lang="en-US" dirty="0" smtClean="0">
-                <a:latin typeface="Courier New" panose="02070309020205020404" pitchFamily="49" charset="0"/>
-                <a:cs typeface="Courier New" panose="02070309020205020404" pitchFamily="49" charset="0"/>
-              </a:rPr>
-              <a:t>[1] making </a:t>
-            </a:r>
-            <a:r>
-              <a:rPr lang="en-US" dirty="0" err="1" smtClean="0">
-                <a:latin typeface="Courier New" panose="02070309020205020404" pitchFamily="49" charset="0"/>
-                <a:cs typeface="Courier New" panose="02070309020205020404" pitchFamily="49" charset="0"/>
-              </a:rPr>
-              <a:t>recdev</a:t>
-            </a:r>
-            <a:r>
-              <a:rPr lang="en-US" dirty="0" smtClean="0">
-                <a:latin typeface="Courier New" panose="02070309020205020404" pitchFamily="49" charset="0"/>
-                <a:cs typeface="Courier New" panose="02070309020205020404" pitchFamily="49" charset="0"/>
-              </a:rPr>
-              <a:t> phase to negative: -2</a:t>
-            </a:r>
-          </a:p>
-          <a:p>
-            <a:pPr marL="457200" lvl="1" indent="0">
-              <a:buNone/>
-            </a:pPr>
-            <a:r>
-              <a:rPr lang="en-US" dirty="0" smtClean="0">
-                <a:latin typeface="Courier New" panose="02070309020205020404" pitchFamily="49" charset="0"/>
-                <a:cs typeface="Courier New" panose="02070309020205020404" pitchFamily="49" charset="0"/>
-              </a:rPr>
-              <a:t>[1] rescaling </a:t>
-            </a:r>
-            <a:r>
-              <a:rPr lang="en-US" dirty="0" err="1" smtClean="0">
-                <a:latin typeface="Courier New" panose="02070309020205020404" pitchFamily="49" charset="0"/>
-                <a:cs typeface="Courier New" panose="02070309020205020404" pitchFamily="49" charset="0"/>
-              </a:rPr>
-              <a:t>recdevs</a:t>
-            </a:r>
-            <a:r>
-              <a:rPr lang="en-US" dirty="0" smtClean="0">
-                <a:latin typeface="Courier New" panose="02070309020205020404" pitchFamily="49" charset="0"/>
-                <a:cs typeface="Courier New" panose="02070309020205020404" pitchFamily="49" charset="0"/>
-              </a:rPr>
-              <a:t> vector so </a:t>
-            </a:r>
-            <a:r>
-              <a:rPr lang="en-US" dirty="0" err="1" smtClean="0">
-                <a:latin typeface="Courier New" panose="02070309020205020404" pitchFamily="49" charset="0"/>
-                <a:cs typeface="Courier New" panose="02070309020205020404" pitchFamily="49" charset="0"/>
-              </a:rPr>
-              <a:t>yrs</a:t>
-            </a:r>
-            <a:r>
-              <a:rPr lang="en-US" dirty="0" smtClean="0">
-                <a:latin typeface="Courier New" panose="02070309020205020404" pitchFamily="49" charset="0"/>
-                <a:cs typeface="Courier New" panose="02070309020205020404" pitchFamily="49" charset="0"/>
-              </a:rPr>
-              <a:t> 1895:2016</a:t>
-            </a:r>
-          </a:p>
-          <a:p>
-            <a:pPr marL="457200" lvl="1" indent="0">
-              <a:buNone/>
-            </a:pPr>
-            <a:r>
-              <a:rPr lang="en-US" dirty="0" smtClean="0">
-                <a:latin typeface="Courier New" panose="02070309020205020404" pitchFamily="49" charset="0"/>
-                <a:cs typeface="Courier New" panose="02070309020205020404" pitchFamily="49" charset="0"/>
-              </a:rPr>
-              <a:t>[1] have mean 0 and std. dev. = </a:t>
-            </a:r>
-            <a:r>
-              <a:rPr lang="en-US" dirty="0" err="1" smtClean="0">
-                <a:latin typeface="Courier New" panose="02070309020205020404" pitchFamily="49" charset="0"/>
-                <a:cs typeface="Courier New" panose="02070309020205020404" pitchFamily="49" charset="0"/>
-              </a:rPr>
-              <a:t>sigmaR</a:t>
-            </a:r>
-            <a:r>
-              <a:rPr lang="en-US" dirty="0" smtClean="0">
-                <a:latin typeface="Courier New" panose="02070309020205020404" pitchFamily="49" charset="0"/>
-                <a:cs typeface="Courier New" panose="02070309020205020404" pitchFamily="49" charset="0"/>
-              </a:rPr>
-              <a:t> = 0.5</a:t>
-            </a:r>
-          </a:p>
-          <a:p>
-            <a:pPr marL="457200" lvl="1" indent="0">
-              <a:buNone/>
-            </a:pPr>
-            <a:r>
-              <a:rPr lang="en-US" dirty="0" smtClean="0">
-                <a:latin typeface="Courier New" panose="02070309020205020404" pitchFamily="49" charset="0"/>
-                <a:cs typeface="Courier New" panose="02070309020205020404" pitchFamily="49" charset="0"/>
-              </a:rPr>
-              <a:t>[1] wrote new file: </a:t>
-            </a:r>
-            <a:r>
-              <a:rPr lang="en-US" dirty="0" err="1" smtClean="0">
-                <a:latin typeface="Courier New" panose="02070309020205020404" pitchFamily="49" charset="0"/>
-                <a:cs typeface="Courier New" panose="02070309020205020404" pitchFamily="49" charset="0"/>
-              </a:rPr>
-              <a:t>control_modified.ss</a:t>
-            </a:r>
-            <a:endParaRPr lang="en-US" dirty="0">
-              <a:latin typeface="Courier New" panose="02070309020205020404" pitchFamily="49" charset="0"/>
-              <a:cs typeface="Courier New" panose="02070309020205020404" pitchFamily="49" charset="0"/>
-            </a:endParaRPr>
+              <a:t>However, periods with little information on recruitment will have no variability among deviations</a:t>
+            </a:r>
+            <a:endParaRPr lang="en-US" dirty="0"/>
           </a:p>
         </p:txBody>
       </p:sp>
@@ -5339,6 +7468,76 @@
               <a:rPr lang="en-US" smtClean="0"/>
               <a:t>18</a:t>
             </a:fld>
+            <a:endParaRPr lang="en-US" dirty="0"/>
+          </a:p>
+        </p:txBody>
+      </p:sp>
+      <p:pic>
+        <p:nvPicPr>
+          <p:cNvPr id="5" name="Picture 4"/>
+          <p:cNvPicPr>
+            <a:picLocks noChangeAspect="1"/>
+          </p:cNvPicPr>
+          <p:nvPr/>
+        </p:nvPicPr>
+        <p:blipFill>
+          <a:blip r:embed="rId2"/>
+          <a:stretch>
+            <a:fillRect/>
+          </a:stretch>
+        </p:blipFill>
+        <p:spPr>
+          <a:xfrm>
+            <a:off x="838200" y="1967321"/>
+            <a:ext cx="10998200" cy="1114682"/>
+          </a:xfrm>
+          <a:prstGeom prst="rect">
+            <a:avLst/>
+          </a:prstGeom>
+        </p:spPr>
+      </p:pic>
+      <p:sp>
+        <p:nvSpPr>
+          <p:cNvPr id="7" name="Left Brace 6"/>
+          <p:cNvSpPr/>
+          <p:nvPr/>
+        </p:nvSpPr>
+        <p:spPr>
+          <a:xfrm rot="5400000">
+            <a:off x="6196012" y="1591085"/>
+            <a:ext cx="361949" cy="1114426"/>
+          </a:xfrm>
+          <a:prstGeom prst="leftBrace">
+            <a:avLst>
+              <a:gd name="adj1" fmla="val 63793"/>
+              <a:gd name="adj2" fmla="val 47231"/>
+            </a:avLst>
+          </a:prstGeom>
+          <a:ln w="38100">
+            <a:solidFill>
+              <a:srgbClr val="C00000"/>
+            </a:solidFill>
+          </a:ln>
+        </p:spPr>
+        <p:style>
+          <a:lnRef idx="1">
+            <a:schemeClr val="accent1"/>
+          </a:lnRef>
+          <a:fillRef idx="0">
+            <a:schemeClr val="accent1"/>
+          </a:fillRef>
+          <a:effectRef idx="0">
+            <a:schemeClr val="accent1"/>
+          </a:effectRef>
+          <a:fontRef idx="minor">
+            <a:schemeClr val="tx1"/>
+          </a:fontRef>
+        </p:style>
+        <p:txBody>
+          <a:bodyPr rtlCol="0" anchor="ctr"/>
+          <a:lstStyle/>
+          <a:p>
+            <a:pPr algn="ctr"/>
             <a:endParaRPr lang="en-US"/>
           </a:p>
         </p:txBody>
@@ -5346,20 +7545,13 @@
     </p:spTree>
     <p:extLst>
       <p:ext uri="{BB962C8B-B14F-4D97-AF65-F5344CB8AC3E}">
-        <p14:creationId xmlns:p14="http://schemas.microsoft.com/office/powerpoint/2010/main" val="3439057631"/>
+        <p14:creationId xmlns:p14="http://schemas.microsoft.com/office/powerpoint/2010/main" val="4108372386"/>
       </p:ext>
     </p:extLst>
   </p:cSld>
   <p:clrMapOvr>
     <a:masterClrMapping/>
   </p:clrMapOvr>
-  <p:timing>
-    <p:tnLst>
-      <p:par>
-        <p:cTn id="1" dur="indefinite" restart="never" nodeType="tmRoot"/>
-      </p:par>
-    </p:tnLst>
-  </p:timing>
 </p:sld>
 </file>
 
@@ -5380,50 +7572,114 @@
           <a:chExt cx="0" cy="0"/>
         </a:xfrm>
       </p:grpSpPr>
-      <p:sp>
-        <p:nvSpPr>
-          <p:cNvPr id="2" name="Title 1"/>
-          <p:cNvSpPr>
-            <a:spLocks noGrp="1"/>
-          </p:cNvSpPr>
-          <p:nvPr>
-            <p:ph type="title"/>
-          </p:nvPr>
-        </p:nvSpPr>
-        <p:spPr/>
-        <p:txBody>
-          <a:bodyPr>
-            <a:normAutofit/>
-          </a:bodyPr>
-          <a:lstStyle/>
-          <a:p>
+      <p:pic>
+        <p:nvPicPr>
+          <p:cNvPr id="3074" name="Picture 2" descr="ts11_Age-0_recruits_(1000s)_with_95_asymptotic_intervals.png (1950×1500)"/>
+          <p:cNvPicPr>
+            <a:picLocks noChangeAspect="1" noChangeArrowheads="1"/>
+          </p:cNvPicPr>
+          <p:nvPr/>
+        </p:nvPicPr>
+        <p:blipFill rotWithShape="1">
+          <a:blip r:embed="rId2" cstate="print">
+            <a:extLst>
+              <a:ext uri="{28A0092B-C50C-407E-A947-70E740481C1C}">
+                <a14:useLocalDpi xmlns:a14="http://schemas.microsoft.com/office/drawing/2010/main" val="0"/>
+              </a:ext>
+            </a:extLst>
+          </a:blip>
+          <a:srcRect t="11877"/>
+          <a:stretch/>
+        </p:blipFill>
+        <p:spPr bwMode="auto">
+          <a:xfrm>
+            <a:off x="985856" y="300252"/>
+            <a:ext cx="4800790" cy="3254290"/>
+          </a:xfrm>
+          <a:prstGeom prst="rect">
+            <a:avLst/>
+          </a:prstGeom>
+          <a:noFill/>
+          <a:extLst>
+            <a:ext uri="{909E8E84-426E-40DD-AFC4-6F175D3DCCD1}">
+              <a14:hiddenFill xmlns:a14="http://schemas.microsoft.com/office/drawing/2010/main">
+                <a:solidFill>
+                  <a:srgbClr val="FFFFFF"/>
+                </a:solidFill>
+              </a14:hiddenFill>
+            </a:ext>
+          </a:extLst>
+        </p:spPr>
+      </p:pic>
+      <p:pic>
+        <p:nvPicPr>
+          <p:cNvPr id="3076" name="Picture 4" descr="C:\github\SSrecruitment\models\rockfish_example\plots\recdevs2_withbars.png"/>
+          <p:cNvPicPr>
+            <a:picLocks noChangeAspect="1" noChangeArrowheads="1"/>
+          </p:cNvPicPr>
+          <p:nvPr/>
+        </p:nvPicPr>
+        <p:blipFill>
+          <a:blip r:embed="rId3" cstate="print">
+            <a:extLst>
+              <a:ext uri="{28A0092B-C50C-407E-A947-70E740481C1C}">
+                <a14:useLocalDpi xmlns:a14="http://schemas.microsoft.com/office/drawing/2010/main" val="0"/>
+              </a:ext>
+            </a:extLst>
+          </a:blip>
+          <a:srcRect/>
+          <a:stretch>
+            <a:fillRect/>
+          </a:stretch>
+        </p:blipFill>
+        <p:spPr bwMode="auto">
+          <a:xfrm>
+            <a:off x="6145210" y="-138375"/>
+            <a:ext cx="4800792" cy="3692917"/>
+          </a:xfrm>
+          <a:prstGeom prst="rect">
+            <a:avLst/>
+          </a:prstGeom>
+          <a:noFill/>
+          <a:extLst>
+            <a:ext uri="{909E8E84-426E-40DD-AFC4-6F175D3DCCD1}">
+              <a14:hiddenFill xmlns:a14="http://schemas.microsoft.com/office/drawing/2010/main">
+                <a:solidFill>
+                  <a:srgbClr val="FFFFFF"/>
+                </a:solidFill>
+              </a14:hiddenFill>
+            </a:ext>
+          </a:extLst>
+        </p:spPr>
+      </p:pic>
+      <p:sp>
+        <p:nvSpPr>
+          <p:cNvPr id="6" name="Content Placeholder 5"/>
+          <p:cNvSpPr>
+            <a:spLocks noGrp="1"/>
+          </p:cNvSpPr>
+          <p:nvPr>
+            <p:ph idx="1"/>
+          </p:nvPr>
+        </p:nvSpPr>
+        <p:spPr>
+          <a:xfrm>
+            <a:off x="838200" y="-26134"/>
+            <a:ext cx="10515600" cy="722171"/>
+          </a:xfrm>
+        </p:spPr>
+        <p:txBody>
+          <a:bodyPr/>
+          <a:lstStyle/>
+          <a:p>
+            <a:pPr marL="0" indent="0">
+              <a:buNone/>
+            </a:pPr>
             <a:r>
               <a:rPr lang="en-US" dirty="0" smtClean="0"/>
-              <a:t>Recap of changes from 3.24 to 3.30 (also mentioned throughout)</a:t>
-            </a:r>
-            <a:br>
-              <a:rPr lang="en-US" dirty="0" smtClean="0"/>
-            </a:br>
+              <a:t>        Recruitment estimates		      Recruitment deviations</a:t>
+            </a:r>
             <a:endParaRPr lang="en-US" dirty="0"/>
-          </a:p>
-        </p:txBody>
-      </p:sp>
-      <p:sp>
-        <p:nvSpPr>
-          <p:cNvPr id="3" name="Text Placeholder 2"/>
-          <p:cNvSpPr>
-            <a:spLocks noGrp="1"/>
-          </p:cNvSpPr>
-          <p:nvPr>
-            <p:ph type="body" idx="1"/>
-          </p:nvPr>
-        </p:nvSpPr>
-        <p:spPr/>
-        <p:txBody>
-          <a:bodyPr/>
-          <a:lstStyle/>
-          <a:p>
-            <a:endParaRPr lang="en-US"/>
           </a:p>
         </p:txBody>
       </p:sp>
@@ -5450,10 +7706,296 @@
           </a:p>
         </p:txBody>
       </p:sp>
+      <p:pic>
+        <p:nvPicPr>
+          <p:cNvPr id="1026" name="Picture 2" descr="recdevs3_varcheck.png (1950×1500)"/>
+          <p:cNvPicPr>
+            <a:picLocks noChangeAspect="1" noChangeArrowheads="1"/>
+          </p:cNvPicPr>
+          <p:nvPr/>
+        </p:nvPicPr>
+        <p:blipFill rotWithShape="1">
+          <a:blip r:embed="rId4" cstate="print">
+            <a:extLst>
+              <a:ext uri="{28A0092B-C50C-407E-A947-70E740481C1C}">
+                <a14:useLocalDpi xmlns:a14="http://schemas.microsoft.com/office/drawing/2010/main" val="0"/>
+              </a:ext>
+            </a:extLst>
+          </a:blip>
+          <a:srcRect t="11486"/>
+          <a:stretch/>
+        </p:blipFill>
+        <p:spPr bwMode="auto">
+          <a:xfrm>
+            <a:off x="985856" y="3657601"/>
+            <a:ext cx="4800600" cy="3268639"/>
+          </a:xfrm>
+          <a:prstGeom prst="rect">
+            <a:avLst/>
+          </a:prstGeom>
+          <a:noFill/>
+          <a:extLst>
+            <a:ext uri="{909E8E84-426E-40DD-AFC4-6F175D3DCCD1}">
+              <a14:hiddenFill xmlns:a14="http://schemas.microsoft.com/office/drawing/2010/main">
+                <a:solidFill>
+                  <a:srgbClr val="FFFFFF"/>
+                </a:solidFill>
+              </a14:hiddenFill>
+            </a:ext>
+          </a:extLst>
+        </p:spPr>
+      </p:pic>
+      <p:pic>
+        <p:nvPicPr>
+          <p:cNvPr id="1028" name="Picture 4" descr="recruit_fit_bias_adjust.png (1950×1500)"/>
+          <p:cNvPicPr>
+            <a:picLocks noChangeAspect="1" noChangeArrowheads="1"/>
+          </p:cNvPicPr>
+          <p:nvPr/>
+        </p:nvPicPr>
+        <p:blipFill>
+          <a:blip r:embed="rId5" cstate="print">
+            <a:extLst>
+              <a:ext uri="{28A0092B-C50C-407E-A947-70E740481C1C}">
+                <a14:useLocalDpi xmlns:a14="http://schemas.microsoft.com/office/drawing/2010/main" val="0"/>
+              </a:ext>
+            </a:extLst>
+          </a:blip>
+          <a:srcRect/>
+          <a:stretch>
+            <a:fillRect/>
+          </a:stretch>
+        </p:blipFill>
+        <p:spPr bwMode="auto">
+          <a:xfrm>
+            <a:off x="6145020" y="3233471"/>
+            <a:ext cx="4800600" cy="3692769"/>
+          </a:xfrm>
+          <a:prstGeom prst="rect">
+            <a:avLst/>
+          </a:prstGeom>
+          <a:noFill/>
+          <a:extLst>
+            <a:ext uri="{909E8E84-426E-40DD-AFC4-6F175D3DCCD1}">
+              <a14:hiddenFill xmlns:a14="http://schemas.microsoft.com/office/drawing/2010/main">
+                <a:solidFill>
+                  <a:srgbClr val="FFFFFF"/>
+                </a:solidFill>
+              </a14:hiddenFill>
+            </a:ext>
+          </a:extLst>
+        </p:spPr>
+      </p:pic>
+      <p:sp>
+        <p:nvSpPr>
+          <p:cNvPr id="10" name="Content Placeholder 5"/>
+          <p:cNvSpPr txBox="1">
+            <a:spLocks/>
+          </p:cNvSpPr>
+          <p:nvPr/>
+        </p:nvSpPr>
+        <p:spPr>
+          <a:xfrm>
+            <a:off x="840472" y="3306203"/>
+            <a:ext cx="10515600" cy="722171"/>
+          </a:xfrm>
+          <a:prstGeom prst="rect">
+            <a:avLst/>
+          </a:prstGeom>
+        </p:spPr>
+        <p:txBody>
+          <a:bodyPr vert="horz" lIns="91440" tIns="45720" rIns="91440" bIns="45720" rtlCol="0">
+            <a:normAutofit/>
+          </a:bodyPr>
+          <a:lstStyle>
+            <a:lvl1pPr marL="228600" indent="-228600" algn="l" defTabSz="914400" rtl="0" eaLnBrk="1" latinLnBrk="0" hangingPunct="1">
+              <a:lnSpc>
+                <a:spcPct val="90000"/>
+              </a:lnSpc>
+              <a:spcBef>
+                <a:spcPts val="1000"/>
+              </a:spcBef>
+              <a:buFont typeface="Arial" panose="020B0604020202020204" pitchFamily="34" charset="0"/>
+              <a:buChar char="•"/>
+              <a:defRPr sz="2800" kern="1200">
+                <a:solidFill>
+                  <a:schemeClr val="tx1"/>
+                </a:solidFill>
+                <a:latin typeface="+mn-lt"/>
+                <a:ea typeface="+mn-ea"/>
+                <a:cs typeface="+mn-cs"/>
+              </a:defRPr>
+            </a:lvl1pPr>
+            <a:lvl2pPr marL="685800" indent="-228600" algn="l" defTabSz="914400" rtl="0" eaLnBrk="1" latinLnBrk="0" hangingPunct="1">
+              <a:lnSpc>
+                <a:spcPct val="90000"/>
+              </a:lnSpc>
+              <a:spcBef>
+                <a:spcPts val="500"/>
+              </a:spcBef>
+              <a:buFont typeface="Arial" panose="020B0604020202020204" pitchFamily="34" charset="0"/>
+              <a:buChar char="•"/>
+              <a:defRPr sz="2400" kern="1200">
+                <a:solidFill>
+                  <a:schemeClr val="tx1"/>
+                </a:solidFill>
+                <a:latin typeface="+mn-lt"/>
+                <a:ea typeface="+mn-ea"/>
+                <a:cs typeface="+mn-cs"/>
+              </a:defRPr>
+            </a:lvl2pPr>
+            <a:lvl3pPr marL="1143000" indent="-228600" algn="l" defTabSz="914400" rtl="0" eaLnBrk="1" latinLnBrk="0" hangingPunct="1">
+              <a:lnSpc>
+                <a:spcPct val="90000"/>
+              </a:lnSpc>
+              <a:spcBef>
+                <a:spcPts val="500"/>
+              </a:spcBef>
+              <a:buFont typeface="Arial" panose="020B0604020202020204" pitchFamily="34" charset="0"/>
+              <a:buChar char="•"/>
+              <a:defRPr sz="2000" kern="1200">
+                <a:solidFill>
+                  <a:schemeClr val="tx1"/>
+                </a:solidFill>
+                <a:latin typeface="+mn-lt"/>
+                <a:ea typeface="+mn-ea"/>
+                <a:cs typeface="+mn-cs"/>
+              </a:defRPr>
+            </a:lvl3pPr>
+            <a:lvl4pPr marL="1600200" indent="-228600" algn="l" defTabSz="914400" rtl="0" eaLnBrk="1" latinLnBrk="0" hangingPunct="1">
+              <a:lnSpc>
+                <a:spcPct val="90000"/>
+              </a:lnSpc>
+              <a:spcBef>
+                <a:spcPts val="500"/>
+              </a:spcBef>
+              <a:buFont typeface="Arial" panose="020B0604020202020204" pitchFamily="34" charset="0"/>
+              <a:buChar char="•"/>
+              <a:defRPr sz="1800" kern="1200">
+                <a:solidFill>
+                  <a:schemeClr val="tx1"/>
+                </a:solidFill>
+                <a:latin typeface="+mn-lt"/>
+                <a:ea typeface="+mn-ea"/>
+                <a:cs typeface="+mn-cs"/>
+              </a:defRPr>
+            </a:lvl4pPr>
+            <a:lvl5pPr marL="2057400" indent="-228600" algn="l" defTabSz="914400" rtl="0" eaLnBrk="1" latinLnBrk="0" hangingPunct="1">
+              <a:lnSpc>
+                <a:spcPct val="90000"/>
+              </a:lnSpc>
+              <a:spcBef>
+                <a:spcPts val="500"/>
+              </a:spcBef>
+              <a:buFont typeface="Arial" panose="020B0604020202020204" pitchFamily="34" charset="0"/>
+              <a:buChar char="•"/>
+              <a:defRPr sz="1800" kern="1200">
+                <a:solidFill>
+                  <a:schemeClr val="tx1"/>
+                </a:solidFill>
+                <a:latin typeface="+mn-lt"/>
+                <a:ea typeface="+mn-ea"/>
+                <a:cs typeface="+mn-cs"/>
+              </a:defRPr>
+            </a:lvl5pPr>
+            <a:lvl6pPr marL="2514600" indent="-228600" algn="l" defTabSz="914400" rtl="0" eaLnBrk="1" latinLnBrk="0" hangingPunct="1">
+              <a:lnSpc>
+                <a:spcPct val="90000"/>
+              </a:lnSpc>
+              <a:spcBef>
+                <a:spcPts val="500"/>
+              </a:spcBef>
+              <a:buFont typeface="Arial" panose="020B0604020202020204" pitchFamily="34" charset="0"/>
+              <a:buChar char="•"/>
+              <a:defRPr sz="1800" kern="1200">
+                <a:solidFill>
+                  <a:schemeClr val="tx1"/>
+                </a:solidFill>
+                <a:latin typeface="+mn-lt"/>
+                <a:ea typeface="+mn-ea"/>
+                <a:cs typeface="+mn-cs"/>
+              </a:defRPr>
+            </a:lvl6pPr>
+            <a:lvl7pPr marL="2971800" indent="-228600" algn="l" defTabSz="914400" rtl="0" eaLnBrk="1" latinLnBrk="0" hangingPunct="1">
+              <a:lnSpc>
+                <a:spcPct val="90000"/>
+              </a:lnSpc>
+              <a:spcBef>
+                <a:spcPts val="500"/>
+              </a:spcBef>
+              <a:buFont typeface="Arial" panose="020B0604020202020204" pitchFamily="34" charset="0"/>
+              <a:buChar char="•"/>
+              <a:defRPr sz="1800" kern="1200">
+                <a:solidFill>
+                  <a:schemeClr val="tx1"/>
+                </a:solidFill>
+                <a:latin typeface="+mn-lt"/>
+                <a:ea typeface="+mn-ea"/>
+                <a:cs typeface="+mn-cs"/>
+              </a:defRPr>
+            </a:lvl7pPr>
+            <a:lvl8pPr marL="3429000" indent="-228600" algn="l" defTabSz="914400" rtl="0" eaLnBrk="1" latinLnBrk="0" hangingPunct="1">
+              <a:lnSpc>
+                <a:spcPct val="90000"/>
+              </a:lnSpc>
+              <a:spcBef>
+                <a:spcPts val="500"/>
+              </a:spcBef>
+              <a:buFont typeface="Arial" panose="020B0604020202020204" pitchFamily="34" charset="0"/>
+              <a:buChar char="•"/>
+              <a:defRPr sz="1800" kern="1200">
+                <a:solidFill>
+                  <a:schemeClr val="tx1"/>
+                </a:solidFill>
+                <a:latin typeface="+mn-lt"/>
+                <a:ea typeface="+mn-ea"/>
+                <a:cs typeface="+mn-cs"/>
+              </a:defRPr>
+            </a:lvl8pPr>
+            <a:lvl9pPr marL="3886200" indent="-228600" algn="l" defTabSz="914400" rtl="0" eaLnBrk="1" latinLnBrk="0" hangingPunct="1">
+              <a:lnSpc>
+                <a:spcPct val="90000"/>
+              </a:lnSpc>
+              <a:spcBef>
+                <a:spcPts val="500"/>
+              </a:spcBef>
+              <a:buFont typeface="Arial" panose="020B0604020202020204" pitchFamily="34" charset="0"/>
+              <a:buChar char="•"/>
+              <a:defRPr sz="1800" kern="1200">
+                <a:solidFill>
+                  <a:schemeClr val="tx1"/>
+                </a:solidFill>
+                <a:latin typeface="+mn-lt"/>
+                <a:ea typeface="+mn-ea"/>
+                <a:cs typeface="+mn-cs"/>
+              </a:defRPr>
+            </a:lvl9pPr>
+          </a:lstStyle>
+          <a:p>
+            <a:pPr marL="0" indent="0">
+              <a:buFont typeface="Arial" panose="020B0604020202020204" pitchFamily="34" charset="0"/>
+              <a:buNone/>
+            </a:pPr>
+            <a:r>
+              <a:rPr lang="en-US" dirty="0" smtClean="0"/>
+              <a:t>        </a:t>
+            </a:r>
+            <a:r>
+              <a:rPr lang="en-US" dirty="0" err="1" smtClean="0"/>
+              <a:t>Recdev</a:t>
+            </a:r>
+            <a:r>
+              <a:rPr lang="en-US" dirty="0" smtClean="0"/>
+              <a:t> uncertainty		      	      Transformed uncertainty</a:t>
+            </a:r>
+            <a:endParaRPr lang="en-US" dirty="0"/>
+          </a:p>
+        </p:txBody>
+      </p:sp>
     </p:spTree>
     <p:extLst>
       <p:ext uri="{BB962C8B-B14F-4D97-AF65-F5344CB8AC3E}">
-        <p14:creationId xmlns:p14="http://schemas.microsoft.com/office/powerpoint/2010/main" val="1786747109"/>
+        <p14:creationId xmlns:p14="http://schemas.microsoft.com/office/powerpoint/2010/main" val="2249880763"/>
       </p:ext>
     </p:extLst>
   </p:cSld>
@@ -5640,14 +8182,12 @@
         </p:nvSpPr>
         <p:spPr/>
         <p:txBody>
-          <a:bodyPr>
-            <a:normAutofit/>
-          </a:bodyPr>
+          <a:bodyPr/>
           <a:lstStyle/>
           <a:p>
             <a:r>
               <a:rPr lang="en-US" dirty="0" smtClean="0"/>
-              <a:t>Ideas for the future:</a:t>
+              <a:t>Bias adjustment settings</a:t>
             </a:r>
             <a:endParaRPr lang="en-US" dirty="0"/>
           </a:p>
@@ -5655,7 +8195,7 @@
       </p:sp>
       <p:sp>
         <p:nvSpPr>
-          <p:cNvPr id="5" name="Content Placeholder 4"/>
+          <p:cNvPr id="3" name="Content Placeholder 2"/>
           <p:cNvSpPr>
             <a:spLocks noGrp="1"/>
           </p:cNvSpPr>
@@ -5663,27 +8203,55 @@
             <p:ph idx="1"/>
           </p:nvPr>
         </p:nvSpPr>
-        <p:spPr/>
+        <p:spPr>
+          <a:xfrm>
+            <a:off x="838200" y="1069975"/>
+            <a:ext cx="4730087" cy="5483225"/>
+          </a:xfrm>
+        </p:spPr>
         <p:txBody>
           <a:bodyPr/>
           <a:lstStyle/>
           <a:p>
             <a:r>
               <a:rPr lang="en-US" dirty="0" smtClean="0"/>
-              <a:t>Area-specific spawning biomass</a:t>
-            </a:r>
-          </a:p>
-          <a:p>
+              <a:t>r4ss function </a:t>
+            </a:r>
+            <a:r>
+              <a:rPr lang="en-US" dirty="0" err="1" smtClean="0">
+                <a:latin typeface="Courier New" panose="02070309020205020404" pitchFamily="49" charset="0"/>
+                <a:cs typeface="Courier New" panose="02070309020205020404" pitchFamily="49" charset="0"/>
+              </a:rPr>
+              <a:t>SS_plots</a:t>
+            </a:r>
+            <a:r>
+              <a:rPr lang="en-US" dirty="0" smtClean="0">
+                <a:latin typeface="Courier New" panose="02070309020205020404" pitchFamily="49" charset="0"/>
+                <a:cs typeface="Courier New" panose="02070309020205020404" pitchFamily="49" charset="0"/>
+              </a:rPr>
+              <a:t> </a:t>
+            </a:r>
             <a:r>
               <a:rPr lang="en-US" dirty="0" smtClean="0"/>
-              <a:t>Density-dependent recruitment variability</a:t>
-            </a:r>
-            <a:endParaRPr lang="en-US" dirty="0"/>
-          </a:p>
-          <a:p>
+              <a:t>calls </a:t>
+            </a:r>
+            <a:r>
+              <a:rPr lang="en-US" dirty="0" err="1" smtClean="0">
+                <a:latin typeface="Courier New" panose="02070309020205020404" pitchFamily="49" charset="0"/>
+                <a:cs typeface="Courier New" panose="02070309020205020404" pitchFamily="49" charset="0"/>
+              </a:rPr>
+              <a:t>SS_fitbiasramp</a:t>
+            </a:r>
+            <a:r>
+              <a:rPr lang="en-US" dirty="0" smtClean="0">
+                <a:latin typeface="Courier New" panose="02070309020205020404" pitchFamily="49" charset="0"/>
+                <a:cs typeface="Courier New" panose="02070309020205020404" pitchFamily="49" charset="0"/>
+              </a:rPr>
+              <a:t> </a:t>
+            </a:r>
             <a:r>
               <a:rPr lang="en-US" dirty="0" smtClean="0"/>
-              <a:t>Semi-parametric stock-recruit curve</a:t>
+              <a:t>which estimates values for input to control file</a:t>
             </a:r>
             <a:endParaRPr lang="en-US" dirty="0"/>
           </a:p>
@@ -5708,20 +8276,54 @@
               <a:rPr lang="en-US" smtClean="0"/>
               <a:t>20</a:t>
             </a:fld>
-            <a:endParaRPr lang="en-US"/>
-          </a:p>
-        </p:txBody>
-      </p:sp>
+            <a:endParaRPr lang="en-US" dirty="0"/>
+          </a:p>
+        </p:txBody>
+      </p:sp>
+      <p:pic>
+        <p:nvPicPr>
+          <p:cNvPr id="5" name="Picture 4"/>
+          <p:cNvPicPr>
+            <a:picLocks noChangeAspect="1"/>
+          </p:cNvPicPr>
+          <p:nvPr/>
+        </p:nvPicPr>
+        <p:blipFill>
+          <a:blip r:embed="rId2"/>
+          <a:stretch>
+            <a:fillRect/>
+          </a:stretch>
+        </p:blipFill>
+        <p:spPr>
+          <a:xfrm>
+            <a:off x="5435979" y="917576"/>
+            <a:ext cx="6616321" cy="5923183"/>
+          </a:xfrm>
+          <a:prstGeom prst="rect">
+            <a:avLst/>
+          </a:prstGeom>
+          <a:ln>
+            <a:noFill/>
+          </a:ln>
+        </p:spPr>
+      </p:pic>
     </p:spTree>
     <p:extLst>
       <p:ext uri="{BB962C8B-B14F-4D97-AF65-F5344CB8AC3E}">
-        <p14:creationId xmlns:p14="http://schemas.microsoft.com/office/powerpoint/2010/main" val="1578983765"/>
+        <p14:creationId xmlns:p14="http://schemas.microsoft.com/office/powerpoint/2010/main" val="165610331"/>
       </p:ext>
     </p:extLst>
   </p:cSld>
   <p:clrMapOvr>
     <a:masterClrMapping/>
   </p:clrMapOvr>
+  <p:timing>
+    <p:tnLst>
+      <p:par>
+        <p:cTn id="1" dur="indefinite" restart="never" nodeType="tmRoot"/>
+      </p:par>
+    </p:tnLst>
+  </p:timing>
 </p:sld>
 </file>
 
@@ -5742,6 +8344,47 @@
           <a:chExt cx="0" cy="0"/>
         </a:xfrm>
       </p:grpSpPr>
+      <p:pic>
+        <p:nvPicPr>
+          <p:cNvPr id="2050" name="Picture 2" descr="C:\github\SSrecruitment\models\rockfish_example\plots\SR_curve2.png"/>
+          <p:cNvPicPr>
+            <a:picLocks noChangeAspect="1" noChangeArrowheads="1"/>
+          </p:cNvPicPr>
+          <p:nvPr/>
+        </p:nvPicPr>
+        <p:blipFill>
+          <a:blip r:embed="rId2" cstate="print">
+            <a:extLst>
+              <a:ext uri="{28A0092B-C50C-407E-A947-70E740481C1C}">
+                <a14:useLocalDpi xmlns:a14="http://schemas.microsoft.com/office/drawing/2010/main" val="0"/>
+              </a:ext>
+            </a:extLst>
+          </a:blip>
+          <a:srcRect/>
+          <a:stretch>
+            <a:fillRect/>
+          </a:stretch>
+        </p:blipFill>
+        <p:spPr bwMode="auto">
+          <a:xfrm>
+            <a:off x="1527174" y="324827"/>
+            <a:ext cx="8493125" cy="6533173"/>
+          </a:xfrm>
+          <a:prstGeom prst="rect">
+            <a:avLst/>
+          </a:prstGeom>
+          <a:noFill/>
+          <a:extLst>
+            <a:ext uri="{909E8E84-426E-40DD-AFC4-6F175D3DCCD1}">
+              <a14:hiddenFill xmlns:a14="http://schemas.microsoft.com/office/drawing/2010/main">
+                <a:solidFill>
+                  <a:srgbClr val="FFFFFF"/>
+                </a:solidFill>
+              </a14:hiddenFill>
+            </a:ext>
+          </a:extLst>
+        </p:spPr>
+      </p:pic>
       <p:sp>
         <p:nvSpPr>
           <p:cNvPr id="2" name="Title 1"/>
@@ -5754,98 +8397,15 @@
         </p:nvSpPr>
         <p:spPr/>
         <p:txBody>
-          <a:bodyPr/>
+          <a:bodyPr>
+            <a:normAutofit fontScale="90000"/>
+          </a:bodyPr>
           <a:lstStyle/>
           <a:p>
             <a:r>
               <a:rPr lang="en-US" dirty="0" smtClean="0"/>
-              <a:t>References</a:t>
-            </a:r>
-            <a:endParaRPr lang="en-US" dirty="0"/>
-          </a:p>
-        </p:txBody>
-      </p:sp>
-      <p:sp>
-        <p:nvSpPr>
-          <p:cNvPr id="3" name="Content Placeholder 2"/>
-          <p:cNvSpPr>
-            <a:spLocks noGrp="1"/>
-          </p:cNvSpPr>
-          <p:nvPr>
-            <p:ph idx="1"/>
-          </p:nvPr>
-        </p:nvSpPr>
-        <p:spPr/>
-        <p:txBody>
-          <a:bodyPr>
-            <a:normAutofit fontScale="92500"/>
-          </a:bodyPr>
-          <a:lstStyle/>
-          <a:p>
-            <a:r>
-              <a:rPr lang="en-US" dirty="0" err="1" smtClean="0"/>
-              <a:t>Methot</a:t>
-            </a:r>
-            <a:r>
-              <a:rPr lang="en-US" dirty="0" smtClean="0"/>
-              <a:t>, R.D. and Taylor, I.G., 2011. Adjusting for Bias due to Variability of Estimated Recruitments in Fishery Assessment Models. Can. J. Fish. </a:t>
-            </a:r>
-            <a:r>
-              <a:rPr lang="en-US" dirty="0" err="1" smtClean="0"/>
-              <a:t>Aquat</a:t>
-            </a:r>
-            <a:r>
-              <a:rPr lang="en-US" dirty="0" smtClean="0"/>
-              <a:t>. Sci.  68, 1744–1760.</a:t>
-            </a:r>
-          </a:p>
-          <a:p>
-            <a:r>
-              <a:rPr lang="en-US" dirty="0" smtClean="0"/>
-              <a:t>Shepherd, G. 1982. A versatile new stock-recruitment relationship for fisheries, and the construction of sustainable yield curves. ICES J. Mar. Sci. 40: 67-75.</a:t>
-            </a:r>
-          </a:p>
-          <a:p>
-            <a:r>
-              <a:rPr lang="en-US" dirty="0" smtClean="0"/>
-              <a:t>Stewart, I.J., A. Hicks, I.G. Taylor, J.T. Thorson, C. Wetzel, and S. </a:t>
-            </a:r>
-            <a:r>
-              <a:rPr lang="en-US" dirty="0" err="1" smtClean="0"/>
-              <a:t>Kupschus</a:t>
-            </a:r>
-            <a:r>
-              <a:rPr lang="en-US" dirty="0" smtClean="0"/>
-              <a:t>. 2013. A comparison of stock assessment uncertainty estimates using maximum likelihood and Bayesian methods implemented with the same model framework. Fish. Res. 142, pp 37–46.</a:t>
-            </a:r>
-          </a:p>
-          <a:p>
-            <a:r>
-              <a:rPr lang="en-US" dirty="0" smtClean="0"/>
-              <a:t>Taylor</a:t>
-            </a:r>
-            <a:r>
-              <a:rPr lang="en-US" dirty="0"/>
-              <a:t>, I.G., V. </a:t>
-            </a:r>
-            <a:r>
-              <a:rPr lang="en-US" dirty="0" err="1"/>
-              <a:t>Gertseva</a:t>
-            </a:r>
-            <a:r>
-              <a:rPr lang="en-US" dirty="0"/>
-              <a:t>, R.D. </a:t>
-            </a:r>
-            <a:r>
-              <a:rPr lang="en-US" dirty="0" err="1"/>
-              <a:t>Methot</a:t>
-            </a:r>
-            <a:r>
-              <a:rPr lang="en-US" dirty="0"/>
-              <a:t>, and M.N. Maunder. 2013. A stock-recruitment relationship based on pre-recruit survival, illustrated with application to spiny dogfish shark. Fish. Res. 142, pp 15–21.</a:t>
-            </a:r>
-          </a:p>
-          <a:p>
+              <a:t>Impact of bias adjustment on stock-recruit curve</a:t>
+            </a:r>
             <a:endParaRPr lang="en-US" dirty="0"/>
           </a:p>
         </p:txBody>
@@ -5876,13 +8436,1560 @@
     </p:spTree>
     <p:extLst>
       <p:ext uri="{BB962C8B-B14F-4D97-AF65-F5344CB8AC3E}">
-        <p14:creationId xmlns:p14="http://schemas.microsoft.com/office/powerpoint/2010/main" val="1895771640"/>
+        <p14:creationId xmlns:p14="http://schemas.microsoft.com/office/powerpoint/2010/main" val="3961985669"/>
       </p:ext>
     </p:extLst>
   </p:cSld>
   <p:clrMapOvr>
     <a:masterClrMapping/>
   </p:clrMapOvr>
+</p:sld>
+</file>
+
+<file path=ppt/slides/slide22.xml><?xml version="1.0" encoding="utf-8"?>
+<p:sld xmlns:a="http://schemas.openxmlformats.org/drawingml/2006/main" xmlns:r="http://schemas.openxmlformats.org/officeDocument/2006/relationships" xmlns:p="http://schemas.openxmlformats.org/presentationml/2006/main">
+  <p:cSld>
+    <p:spTree>
+      <p:nvGrpSpPr>
+        <p:cNvPr id="1" name=""/>
+        <p:cNvGrpSpPr/>
+        <p:nvPr/>
+      </p:nvGrpSpPr>
+      <p:grpSpPr>
+        <a:xfrm>
+          <a:off x="0" y="0"/>
+          <a:ext cx="0" cy="0"/>
+          <a:chOff x="0" y="0"/>
+          <a:chExt cx="0" cy="0"/>
+        </a:xfrm>
+      </p:grpSpPr>
+      <p:pic>
+        <p:nvPicPr>
+          <p:cNvPr id="8" name="Content Placeholder 4" descr="C:\github\SSrecruitment\models\rockfish_example\plots\recdevs2_withbars.png"/>
+          <p:cNvPicPr>
+            <a:picLocks noChangeAspect="1" noChangeArrowheads="1"/>
+          </p:cNvPicPr>
+          <p:nvPr/>
+        </p:nvPicPr>
+        <p:blipFill>
+          <a:blip r:embed="rId2" cstate="print">
+            <a:extLst>
+              <a:ext uri="{28A0092B-C50C-407E-A947-70E740481C1C}">
+                <a14:useLocalDpi xmlns:a14="http://schemas.microsoft.com/office/drawing/2010/main" val="0"/>
+              </a:ext>
+            </a:extLst>
+          </a:blip>
+          <a:srcRect/>
+          <a:stretch>
+            <a:fillRect/>
+          </a:stretch>
+        </p:blipFill>
+        <p:spPr bwMode="auto">
+          <a:xfrm>
+            <a:off x="5647294" y="994936"/>
+            <a:ext cx="6544706" cy="5034389"/>
+          </a:xfrm>
+          <a:prstGeom prst="rect">
+            <a:avLst/>
+          </a:prstGeom>
+          <a:noFill/>
+          <a:extLst>
+            <a:ext uri="{909E8E84-426E-40DD-AFC4-6F175D3DCCD1}">
+              <a14:hiddenFill xmlns:a14="http://schemas.microsoft.com/office/drawing/2010/main">
+                <a:solidFill>
+                  <a:srgbClr val="FFFFFF"/>
+                </a:solidFill>
+              </a14:hiddenFill>
+            </a:ext>
+          </a:extLst>
+        </p:spPr>
+      </p:pic>
+      <p:sp>
+        <p:nvSpPr>
+          <p:cNvPr id="2" name="Title 1"/>
+          <p:cNvSpPr>
+            <a:spLocks noGrp="1"/>
+          </p:cNvSpPr>
+          <p:nvPr>
+            <p:ph type="title"/>
+          </p:nvPr>
+        </p:nvSpPr>
+        <p:spPr/>
+        <p:txBody>
+          <a:bodyPr/>
+          <a:lstStyle/>
+          <a:p>
+            <a:r>
+              <a:rPr lang="en-US" dirty="0"/>
+              <a:t>Eras (</a:t>
+            </a:r>
+            <a:r>
+              <a:rPr lang="en-US" dirty="0" err="1"/>
+              <a:t>Init</a:t>
+            </a:r>
+            <a:r>
+              <a:rPr lang="en-US" dirty="0"/>
+              <a:t>/Early, Main, </a:t>
+            </a:r>
+            <a:r>
+              <a:rPr lang="en-US" dirty="0" smtClean="0"/>
+              <a:t>Late/Forecast)</a:t>
+            </a:r>
+            <a:endParaRPr lang="en-US" dirty="0"/>
+          </a:p>
+        </p:txBody>
+      </p:sp>
+      <p:sp>
+        <p:nvSpPr>
+          <p:cNvPr id="4" name="Slide Number Placeholder 3"/>
+          <p:cNvSpPr>
+            <a:spLocks noGrp="1"/>
+          </p:cNvSpPr>
+          <p:nvPr>
+            <p:ph type="sldNum" sz="quarter" idx="12"/>
+          </p:nvPr>
+        </p:nvSpPr>
+        <p:spPr/>
+        <p:txBody>
+          <a:bodyPr/>
+          <a:lstStyle/>
+          <a:p>
+            <a:fld id="{8CA0417E-8047-41CE-9E93-4FCB55A08913}" type="slidenum">
+              <a:rPr lang="en-US" smtClean="0"/>
+              <a:t>22</a:t>
+            </a:fld>
+            <a:endParaRPr lang="en-US" dirty="0"/>
+          </a:p>
+        </p:txBody>
+      </p:sp>
+      <p:sp>
+        <p:nvSpPr>
+          <p:cNvPr id="7" name="Content Placeholder 6"/>
+          <p:cNvSpPr>
+            <a:spLocks noGrp="1"/>
+          </p:cNvSpPr>
+          <p:nvPr>
+            <p:ph idx="1"/>
+          </p:nvPr>
+        </p:nvSpPr>
+        <p:spPr>
+          <a:xfrm>
+            <a:off x="838200" y="1069975"/>
+            <a:ext cx="4809094" cy="5483225"/>
+          </a:xfrm>
+        </p:spPr>
+        <p:txBody>
+          <a:bodyPr>
+            <a:normAutofit lnSpcReduction="10000"/>
+          </a:bodyPr>
+          <a:lstStyle/>
+          <a:p>
+            <a:r>
+              <a:rPr lang="en-US" dirty="0" smtClean="0"/>
+              <a:t>Intent of option is to prevent </a:t>
+            </a:r>
+            <a:r>
+              <a:rPr lang="en-US" dirty="0" err="1" smtClean="0"/>
+              <a:t>recdevs</a:t>
+            </a:r>
+            <a:r>
+              <a:rPr lang="en-US" dirty="0" smtClean="0"/>
+              <a:t> in periods with little information from being used to compensate for above- or below-average recruitment in data-rich period</a:t>
+            </a:r>
+          </a:p>
+          <a:p>
+            <a:r>
+              <a:rPr lang="en-US" dirty="0"/>
+              <a:t>Common practice is to </a:t>
+            </a:r>
+            <a:r>
+              <a:rPr lang="en-US" dirty="0" smtClean="0"/>
+              <a:t>use ‘main’ era only for period with information on recruitment</a:t>
+            </a:r>
+            <a:endParaRPr lang="en-US" dirty="0"/>
+          </a:p>
+          <a:p>
+            <a:r>
+              <a:rPr lang="en-US" dirty="0" smtClean="0"/>
+              <a:t>Easy to test impact of alternative assumptions</a:t>
+            </a:r>
+          </a:p>
+          <a:p>
+            <a:r>
+              <a:rPr lang="en-US" dirty="0" err="1" smtClean="0"/>
+              <a:t>Recdevs</a:t>
+            </a:r>
+            <a:r>
+              <a:rPr lang="en-US" dirty="0" smtClean="0"/>
+              <a:t> prior to start year are used to adjust the initial age structure</a:t>
+            </a:r>
+          </a:p>
+          <a:p>
+            <a:endParaRPr lang="en-US" dirty="0" smtClean="0"/>
+          </a:p>
+          <a:p>
+            <a:endParaRPr lang="en-US" dirty="0"/>
+          </a:p>
+        </p:txBody>
+      </p:sp>
+    </p:spTree>
+    <p:extLst>
+      <p:ext uri="{BB962C8B-B14F-4D97-AF65-F5344CB8AC3E}">
+        <p14:creationId xmlns:p14="http://schemas.microsoft.com/office/powerpoint/2010/main" val="3301026958"/>
+      </p:ext>
+    </p:extLst>
+  </p:cSld>
+  <p:clrMapOvr>
+    <a:masterClrMapping/>
+  </p:clrMapOvr>
+</p:sld>
+</file>
+
+<file path=ppt/slides/slide23.xml><?xml version="1.0" encoding="utf-8"?>
+<p:sld xmlns:a="http://schemas.openxmlformats.org/drawingml/2006/main" xmlns:r="http://schemas.openxmlformats.org/officeDocument/2006/relationships" xmlns:p="http://schemas.openxmlformats.org/presentationml/2006/main">
+  <p:cSld>
+    <p:spTree>
+      <p:nvGrpSpPr>
+        <p:cNvPr id="1" name=""/>
+        <p:cNvGrpSpPr/>
+        <p:nvPr/>
+      </p:nvGrpSpPr>
+      <p:grpSpPr>
+        <a:xfrm>
+          <a:off x="0" y="0"/>
+          <a:ext cx="0" cy="0"/>
+          <a:chOff x="0" y="0"/>
+          <a:chExt cx="0" cy="0"/>
+        </a:xfrm>
+      </p:grpSpPr>
+      <p:sp>
+        <p:nvSpPr>
+          <p:cNvPr id="2" name="Title 1"/>
+          <p:cNvSpPr>
+            <a:spLocks noGrp="1"/>
+          </p:cNvSpPr>
+          <p:nvPr>
+            <p:ph type="title"/>
+          </p:nvPr>
+        </p:nvSpPr>
+        <p:spPr/>
+        <p:txBody>
+          <a:bodyPr>
+            <a:normAutofit/>
+          </a:bodyPr>
+          <a:lstStyle/>
+          <a:p>
+            <a:r>
+              <a:rPr lang="en-US" dirty="0" smtClean="0"/>
+              <a:t>Settlement events and </a:t>
+            </a:r>
+            <a:br>
+              <a:rPr lang="en-US" dirty="0" smtClean="0"/>
+            </a:br>
+            <a:r>
+              <a:rPr lang="en-US" dirty="0" smtClean="0"/>
+              <a:t>Apportionment of </a:t>
+            </a:r>
+            <a:r>
+              <a:rPr lang="en-US" dirty="0" smtClean="0"/>
+              <a:t>recruitment</a:t>
+            </a:r>
+            <a:br>
+              <a:rPr lang="en-US" dirty="0" smtClean="0"/>
+            </a:br>
+            <a:endParaRPr lang="en-US" dirty="0"/>
+          </a:p>
+        </p:txBody>
+      </p:sp>
+      <p:sp>
+        <p:nvSpPr>
+          <p:cNvPr id="3" name="Text Placeholder 2"/>
+          <p:cNvSpPr>
+            <a:spLocks noGrp="1"/>
+          </p:cNvSpPr>
+          <p:nvPr>
+            <p:ph type="body" idx="1"/>
+          </p:nvPr>
+        </p:nvSpPr>
+        <p:spPr/>
+        <p:txBody>
+          <a:bodyPr>
+            <a:normAutofit/>
+          </a:bodyPr>
+          <a:lstStyle/>
+          <a:p>
+            <a:r>
+              <a:rPr lang="en-US" sz="3200" dirty="0" smtClean="0"/>
+              <a:t> (to multiple areas, growth patterns, or settlement events)</a:t>
+            </a:r>
+            <a:endParaRPr lang="en-US" sz="3200" dirty="0"/>
+          </a:p>
+        </p:txBody>
+      </p:sp>
+      <p:sp>
+        <p:nvSpPr>
+          <p:cNvPr id="4" name="Slide Number Placeholder 3"/>
+          <p:cNvSpPr>
+            <a:spLocks noGrp="1"/>
+          </p:cNvSpPr>
+          <p:nvPr>
+            <p:ph type="sldNum" sz="quarter" idx="12"/>
+          </p:nvPr>
+        </p:nvSpPr>
+        <p:spPr/>
+        <p:txBody>
+          <a:bodyPr/>
+          <a:lstStyle/>
+          <a:p>
+            <a:fld id="{8CA0417E-8047-41CE-9E93-4FCB55A08913}" type="slidenum">
+              <a:rPr lang="en-US" smtClean="0"/>
+              <a:t>23</a:t>
+            </a:fld>
+            <a:endParaRPr lang="en-US"/>
+          </a:p>
+        </p:txBody>
+      </p:sp>
+    </p:spTree>
+    <p:extLst>
+      <p:ext uri="{BB962C8B-B14F-4D97-AF65-F5344CB8AC3E}">
+        <p14:creationId xmlns:p14="http://schemas.microsoft.com/office/powerpoint/2010/main" val="1379673430"/>
+      </p:ext>
+    </p:extLst>
+  </p:cSld>
+  <p:clrMapOvr>
+    <a:masterClrMapping/>
+  </p:clrMapOvr>
+  <p:timing>
+    <p:tnLst>
+      <p:par>
+        <p:cTn id="1" dur="indefinite" restart="never" nodeType="tmRoot"/>
+      </p:par>
+    </p:tnLst>
+  </p:timing>
+</p:sld>
+</file>
+
+<file path=ppt/slides/slide24.xml><?xml version="1.0" encoding="utf-8"?>
+<p:sld xmlns:a="http://schemas.openxmlformats.org/drawingml/2006/main" xmlns:r="http://schemas.openxmlformats.org/officeDocument/2006/relationships" xmlns:p="http://schemas.openxmlformats.org/presentationml/2006/main">
+  <p:cSld>
+    <p:spTree>
+      <p:nvGrpSpPr>
+        <p:cNvPr id="1" name=""/>
+        <p:cNvGrpSpPr/>
+        <p:nvPr/>
+      </p:nvGrpSpPr>
+      <p:grpSpPr>
+        <a:xfrm>
+          <a:off x="0" y="0"/>
+          <a:ext cx="0" cy="0"/>
+          <a:chOff x="0" y="0"/>
+          <a:chExt cx="0" cy="0"/>
+        </a:xfrm>
+      </p:grpSpPr>
+      <p:sp>
+        <p:nvSpPr>
+          <p:cNvPr id="2" name="Title 1"/>
+          <p:cNvSpPr>
+            <a:spLocks noGrp="1"/>
+          </p:cNvSpPr>
+          <p:nvPr>
+            <p:ph type="title"/>
+          </p:nvPr>
+        </p:nvSpPr>
+        <p:spPr/>
+        <p:txBody>
+          <a:bodyPr/>
+          <a:lstStyle/>
+          <a:p>
+            <a:endParaRPr lang="en-US"/>
+          </a:p>
+        </p:txBody>
+      </p:sp>
+      <p:sp>
+        <p:nvSpPr>
+          <p:cNvPr id="3" name="Text Placeholder 2"/>
+          <p:cNvSpPr>
+            <a:spLocks noGrp="1"/>
+          </p:cNvSpPr>
+          <p:nvPr>
+            <p:ph type="body" idx="1"/>
+          </p:nvPr>
+        </p:nvSpPr>
+        <p:spPr/>
+        <p:txBody>
+          <a:bodyPr/>
+          <a:lstStyle/>
+          <a:p>
+            <a:endParaRPr lang="en-US"/>
+          </a:p>
+        </p:txBody>
+      </p:sp>
+      <p:sp>
+        <p:nvSpPr>
+          <p:cNvPr id="4" name="Slide Number Placeholder 3"/>
+          <p:cNvSpPr>
+            <a:spLocks noGrp="1"/>
+          </p:cNvSpPr>
+          <p:nvPr>
+            <p:ph type="sldNum" sz="quarter" idx="12"/>
+          </p:nvPr>
+        </p:nvSpPr>
+        <p:spPr/>
+        <p:txBody>
+          <a:bodyPr/>
+          <a:lstStyle/>
+          <a:p>
+            <a:fld id="{8CA0417E-8047-41CE-9E93-4FCB55A08913}" type="slidenum">
+              <a:rPr lang="en-US" smtClean="0"/>
+              <a:t>24</a:t>
+            </a:fld>
+            <a:endParaRPr lang="en-US"/>
+          </a:p>
+        </p:txBody>
+      </p:sp>
+    </p:spTree>
+    <p:extLst>
+      <p:ext uri="{BB962C8B-B14F-4D97-AF65-F5344CB8AC3E}">
+        <p14:creationId xmlns:p14="http://schemas.microsoft.com/office/powerpoint/2010/main" val="2617708870"/>
+      </p:ext>
+    </p:extLst>
+  </p:cSld>
+  <p:clrMapOvr>
+    <a:masterClrMapping/>
+  </p:clrMapOvr>
+</p:sld>
+</file>
+
+<file path=ppt/slides/slide25.xml><?xml version="1.0" encoding="utf-8"?>
+<p:sld xmlns:a="http://schemas.openxmlformats.org/drawingml/2006/main" xmlns:r="http://schemas.openxmlformats.org/officeDocument/2006/relationships" xmlns:p="http://schemas.openxmlformats.org/presentationml/2006/main">
+  <p:cSld>
+    <p:spTree>
+      <p:nvGrpSpPr>
+        <p:cNvPr id="1" name=""/>
+        <p:cNvGrpSpPr/>
+        <p:nvPr/>
+      </p:nvGrpSpPr>
+      <p:grpSpPr>
+        <a:xfrm>
+          <a:off x="0" y="0"/>
+          <a:ext cx="0" cy="0"/>
+          <a:chOff x="0" y="0"/>
+          <a:chExt cx="0" cy="0"/>
+        </a:xfrm>
+      </p:grpSpPr>
+      <p:sp>
+        <p:nvSpPr>
+          <p:cNvPr id="2" name="Title 1"/>
+          <p:cNvSpPr>
+            <a:spLocks noGrp="1"/>
+          </p:cNvSpPr>
+          <p:nvPr>
+            <p:ph type="title"/>
+          </p:nvPr>
+        </p:nvSpPr>
+        <p:spPr/>
+        <p:txBody>
+          <a:bodyPr>
+            <a:normAutofit/>
+          </a:bodyPr>
+          <a:lstStyle/>
+          <a:p>
+            <a:r>
+              <a:rPr lang="en-US" dirty="0" smtClean="0"/>
+              <a:t>Time-varying stock-recruit relationships (regimes)</a:t>
+            </a:r>
+            <a:br>
+              <a:rPr lang="en-US" dirty="0" smtClean="0"/>
+            </a:br>
+            <a:endParaRPr lang="en-US" dirty="0"/>
+          </a:p>
+        </p:txBody>
+      </p:sp>
+      <p:sp>
+        <p:nvSpPr>
+          <p:cNvPr id="3" name="Text Placeholder 2"/>
+          <p:cNvSpPr>
+            <a:spLocks noGrp="1"/>
+          </p:cNvSpPr>
+          <p:nvPr>
+            <p:ph type="body" idx="1"/>
+          </p:nvPr>
+        </p:nvSpPr>
+        <p:spPr/>
+        <p:txBody>
+          <a:bodyPr>
+            <a:normAutofit/>
+          </a:bodyPr>
+          <a:lstStyle/>
+          <a:p>
+            <a:r>
+              <a:rPr lang="en-US" sz="3200" dirty="0" smtClean="0"/>
+              <a:t>Initial </a:t>
+            </a:r>
+            <a:r>
+              <a:rPr lang="en-US" sz="3200" dirty="0" smtClean="0"/>
+              <a:t>year vs. equilibrium (</a:t>
+            </a:r>
+            <a:r>
+              <a:rPr lang="en-US" sz="3200" i="1" dirty="0" smtClean="0"/>
+              <a:t>R</a:t>
+            </a:r>
+            <a:r>
+              <a:rPr lang="en-US" sz="3200" baseline="-25000" dirty="0" smtClean="0"/>
+              <a:t>1</a:t>
+            </a:r>
+            <a:r>
+              <a:rPr lang="en-US" sz="3200" dirty="0" smtClean="0"/>
+              <a:t> in 3.24)</a:t>
+            </a:r>
+            <a:br>
+              <a:rPr lang="en-US" sz="3200" dirty="0" smtClean="0"/>
+            </a:br>
+            <a:r>
+              <a:rPr lang="en-US" sz="3200" dirty="0" smtClean="0"/>
+              <a:t>Environmental </a:t>
+            </a:r>
+            <a:r>
+              <a:rPr lang="en-US" sz="3200" dirty="0" smtClean="0"/>
+              <a:t>links</a:t>
+            </a:r>
+            <a:br>
+              <a:rPr lang="en-US" sz="3200" dirty="0" smtClean="0"/>
+            </a:br>
+            <a:r>
+              <a:rPr lang="en-US" sz="3200" dirty="0" smtClean="0"/>
+              <a:t>Forecasting </a:t>
+            </a:r>
+            <a:r>
+              <a:rPr lang="en-US" sz="3200" dirty="0" smtClean="0"/>
+              <a:t>with high or low recruitments</a:t>
+            </a:r>
+            <a:endParaRPr lang="en-US" sz="3200" dirty="0"/>
+          </a:p>
+        </p:txBody>
+      </p:sp>
+      <p:sp>
+        <p:nvSpPr>
+          <p:cNvPr id="4" name="Slide Number Placeholder 3"/>
+          <p:cNvSpPr>
+            <a:spLocks noGrp="1"/>
+          </p:cNvSpPr>
+          <p:nvPr>
+            <p:ph type="sldNum" sz="quarter" idx="12"/>
+          </p:nvPr>
+        </p:nvSpPr>
+        <p:spPr/>
+        <p:txBody>
+          <a:bodyPr/>
+          <a:lstStyle/>
+          <a:p>
+            <a:fld id="{8CA0417E-8047-41CE-9E93-4FCB55A08913}" type="slidenum">
+              <a:rPr lang="en-US" smtClean="0"/>
+              <a:t>25</a:t>
+            </a:fld>
+            <a:endParaRPr lang="en-US"/>
+          </a:p>
+        </p:txBody>
+      </p:sp>
+    </p:spTree>
+    <p:extLst>
+      <p:ext uri="{BB962C8B-B14F-4D97-AF65-F5344CB8AC3E}">
+        <p14:creationId xmlns:p14="http://schemas.microsoft.com/office/powerpoint/2010/main" val="1377018876"/>
+      </p:ext>
+    </p:extLst>
+  </p:cSld>
+  <p:clrMapOvr>
+    <a:masterClrMapping/>
+  </p:clrMapOvr>
+  <p:timing>
+    <p:tnLst>
+      <p:par>
+        <p:cTn id="1" dur="indefinite" restart="never" nodeType="tmRoot"/>
+      </p:par>
+    </p:tnLst>
+  </p:timing>
+</p:sld>
+</file>
+
+<file path=ppt/slides/slide26.xml><?xml version="1.0" encoding="utf-8"?>
+<p:sld xmlns:a="http://schemas.openxmlformats.org/drawingml/2006/main" xmlns:r="http://schemas.openxmlformats.org/officeDocument/2006/relationships" xmlns:p="http://schemas.openxmlformats.org/presentationml/2006/main">
+  <p:cSld>
+    <p:spTree>
+      <p:nvGrpSpPr>
+        <p:cNvPr id="1" name=""/>
+        <p:cNvGrpSpPr/>
+        <p:nvPr/>
+      </p:nvGrpSpPr>
+      <p:grpSpPr>
+        <a:xfrm>
+          <a:off x="0" y="0"/>
+          <a:ext cx="0" cy="0"/>
+          <a:chOff x="0" y="0"/>
+          <a:chExt cx="0" cy="0"/>
+        </a:xfrm>
+      </p:grpSpPr>
+      <p:sp>
+        <p:nvSpPr>
+          <p:cNvPr id="2" name="Title 1"/>
+          <p:cNvSpPr>
+            <a:spLocks noGrp="1"/>
+          </p:cNvSpPr>
+          <p:nvPr>
+            <p:ph type="title"/>
+          </p:nvPr>
+        </p:nvSpPr>
+        <p:spPr/>
+        <p:txBody>
+          <a:bodyPr>
+            <a:normAutofit/>
+          </a:bodyPr>
+          <a:lstStyle/>
+          <a:p>
+            <a:r>
+              <a:rPr lang="en-US" dirty="0" smtClean="0"/>
+              <a:t>Autocorrelation and impact on forecast (see Johnson et al. 2017)</a:t>
+            </a:r>
+            <a:br>
+              <a:rPr lang="en-US" dirty="0" smtClean="0"/>
+            </a:br>
+            <a:endParaRPr lang="en-US" dirty="0"/>
+          </a:p>
+        </p:txBody>
+      </p:sp>
+      <p:sp>
+        <p:nvSpPr>
+          <p:cNvPr id="3" name="Text Placeholder 2"/>
+          <p:cNvSpPr>
+            <a:spLocks noGrp="1"/>
+          </p:cNvSpPr>
+          <p:nvPr>
+            <p:ph type="body" idx="1"/>
+          </p:nvPr>
+        </p:nvSpPr>
+        <p:spPr/>
+        <p:txBody>
+          <a:bodyPr/>
+          <a:lstStyle/>
+          <a:p>
+            <a:endParaRPr lang="en-US"/>
+          </a:p>
+        </p:txBody>
+      </p:sp>
+      <p:sp>
+        <p:nvSpPr>
+          <p:cNvPr id="4" name="Slide Number Placeholder 3"/>
+          <p:cNvSpPr>
+            <a:spLocks noGrp="1"/>
+          </p:cNvSpPr>
+          <p:nvPr>
+            <p:ph type="sldNum" sz="quarter" idx="12"/>
+          </p:nvPr>
+        </p:nvSpPr>
+        <p:spPr/>
+        <p:txBody>
+          <a:bodyPr/>
+          <a:lstStyle/>
+          <a:p>
+            <a:fld id="{8CA0417E-8047-41CE-9E93-4FCB55A08913}" type="slidenum">
+              <a:rPr lang="en-US" smtClean="0"/>
+              <a:t>26</a:t>
+            </a:fld>
+            <a:endParaRPr lang="en-US"/>
+          </a:p>
+        </p:txBody>
+      </p:sp>
+    </p:spTree>
+    <p:extLst>
+      <p:ext uri="{BB962C8B-B14F-4D97-AF65-F5344CB8AC3E}">
+        <p14:creationId xmlns:p14="http://schemas.microsoft.com/office/powerpoint/2010/main" val="217607094"/>
+      </p:ext>
+    </p:extLst>
+  </p:cSld>
+  <p:clrMapOvr>
+    <a:masterClrMapping/>
+  </p:clrMapOvr>
+  <p:timing>
+    <p:tnLst>
+      <p:par>
+        <p:cTn id="1" dur="indefinite" restart="never" nodeType="tmRoot"/>
+      </p:par>
+    </p:tnLst>
+  </p:timing>
+</p:sld>
+</file>
+
+<file path=ppt/slides/slide27.xml><?xml version="1.0" encoding="utf-8"?>
+<p:sld xmlns:a="http://schemas.openxmlformats.org/drawingml/2006/main" xmlns:r="http://schemas.openxmlformats.org/officeDocument/2006/relationships" xmlns:p="http://schemas.openxmlformats.org/presentationml/2006/main">
+  <p:cSld>
+    <p:spTree>
+      <p:nvGrpSpPr>
+        <p:cNvPr id="1" name=""/>
+        <p:cNvGrpSpPr/>
+        <p:nvPr/>
+      </p:nvGrpSpPr>
+      <p:grpSpPr>
+        <a:xfrm>
+          <a:off x="0" y="0"/>
+          <a:ext cx="0" cy="0"/>
+          <a:chOff x="0" y="0"/>
+          <a:chExt cx="0" cy="0"/>
+        </a:xfrm>
+      </p:grpSpPr>
+      <p:sp>
+        <p:nvSpPr>
+          <p:cNvPr id="2" name="Title 1"/>
+          <p:cNvSpPr>
+            <a:spLocks noGrp="1"/>
+          </p:cNvSpPr>
+          <p:nvPr>
+            <p:ph type="title"/>
+          </p:nvPr>
+        </p:nvSpPr>
+        <p:spPr>
+          <a:xfrm>
+            <a:off x="838200" y="-13554"/>
+            <a:ext cx="10515600" cy="2426554"/>
+          </a:xfrm>
+        </p:spPr>
+        <p:txBody>
+          <a:bodyPr>
+            <a:normAutofit/>
+          </a:bodyPr>
+          <a:lstStyle/>
+          <a:p>
+            <a:r>
+              <a:rPr lang="en-US" dirty="0" smtClean="0"/>
+              <a:t>Recruitment and model uncertainty in </a:t>
+            </a:r>
+            <a:br>
+              <a:rPr lang="en-US" dirty="0" smtClean="0"/>
+            </a:br>
+            <a:r>
+              <a:rPr lang="en-US" dirty="0" smtClean="0"/>
+              <a:t>MCMC vs. MLE estimates</a:t>
+            </a:r>
+            <a:br>
+              <a:rPr lang="en-US" dirty="0" smtClean="0"/>
+            </a:br>
+            <a:endParaRPr lang="en-US" dirty="0"/>
+          </a:p>
+        </p:txBody>
+      </p:sp>
+      <p:sp>
+        <p:nvSpPr>
+          <p:cNvPr id="5" name="Content Placeholder 4"/>
+          <p:cNvSpPr>
+            <a:spLocks noGrp="1"/>
+          </p:cNvSpPr>
+          <p:nvPr>
+            <p:ph idx="1"/>
+          </p:nvPr>
+        </p:nvSpPr>
+        <p:spPr>
+          <a:xfrm>
+            <a:off x="838200" y="1778000"/>
+            <a:ext cx="6083300" cy="4775200"/>
+          </a:xfrm>
+        </p:spPr>
+        <p:txBody>
+          <a:bodyPr>
+            <a:normAutofit/>
+          </a:bodyPr>
+          <a:lstStyle/>
+          <a:p>
+            <a:r>
+              <a:rPr lang="en-US" dirty="0" smtClean="0"/>
+              <a:t>Bayesian estimation using MCMC simplifies some elements of recruitment estimation</a:t>
+            </a:r>
+          </a:p>
+          <a:p>
+            <a:r>
+              <a:rPr lang="en-US" dirty="0" smtClean="0"/>
+              <a:t>No bias adjustment necessary: SS automatically overrides settings</a:t>
+            </a:r>
+          </a:p>
+          <a:p>
+            <a:r>
+              <a:rPr lang="en-US" dirty="0" smtClean="0"/>
+              <a:t>Distributions are typically skewed: more information about big recruitments than small ones</a:t>
+            </a:r>
+          </a:p>
+        </p:txBody>
+      </p:sp>
+      <p:sp>
+        <p:nvSpPr>
+          <p:cNvPr id="4" name="Slide Number Placeholder 3"/>
+          <p:cNvSpPr>
+            <a:spLocks noGrp="1"/>
+          </p:cNvSpPr>
+          <p:nvPr>
+            <p:ph type="sldNum" sz="quarter" idx="12"/>
+          </p:nvPr>
+        </p:nvSpPr>
+        <p:spPr/>
+        <p:txBody>
+          <a:bodyPr/>
+          <a:lstStyle/>
+          <a:p>
+            <a:fld id="{8CA0417E-8047-41CE-9E93-4FCB55A08913}" type="slidenum">
+              <a:rPr lang="en-US" smtClean="0"/>
+              <a:t>27</a:t>
+            </a:fld>
+            <a:endParaRPr lang="en-US"/>
+          </a:p>
+        </p:txBody>
+      </p:sp>
+      <p:pic>
+        <p:nvPicPr>
+          <p:cNvPr id="6" name="Picture 5"/>
+          <p:cNvPicPr>
+            <a:picLocks noChangeAspect="1"/>
+          </p:cNvPicPr>
+          <p:nvPr/>
+        </p:nvPicPr>
+        <p:blipFill rotWithShape="1">
+          <a:blip r:embed="rId2"/>
+          <a:srcRect l="18411" t="15922" r="18195"/>
+          <a:stretch/>
+        </p:blipFill>
+        <p:spPr>
+          <a:xfrm>
+            <a:off x="7035799" y="1164134"/>
+            <a:ext cx="5016501" cy="5562102"/>
+          </a:xfrm>
+          <a:prstGeom prst="rect">
+            <a:avLst/>
+          </a:prstGeom>
+        </p:spPr>
+      </p:pic>
+      <p:sp>
+        <p:nvSpPr>
+          <p:cNvPr id="7" name="TextBox 6"/>
+          <p:cNvSpPr txBox="1"/>
+          <p:nvPr/>
+        </p:nvSpPr>
+        <p:spPr>
+          <a:xfrm>
+            <a:off x="165100" y="5390971"/>
+            <a:ext cx="7239000" cy="1384995"/>
+          </a:xfrm>
+          <a:prstGeom prst="rect">
+            <a:avLst/>
+          </a:prstGeom>
+          <a:noFill/>
+        </p:spPr>
+        <p:txBody>
+          <a:bodyPr wrap="square" rtlCol="0">
+            <a:spAutoFit/>
+          </a:bodyPr>
+          <a:lstStyle/>
+          <a:p>
+            <a:r>
+              <a:rPr lang="en-US" sz="1400" dirty="0" err="1" smtClean="0"/>
+              <a:t>Methot</a:t>
+            </a:r>
+            <a:r>
+              <a:rPr lang="en-US" sz="1400" dirty="0" smtClean="0"/>
+              <a:t>, R.D. and Taylor, I.G., 2011. Adjusting for Bias due to Variability of Estimated Recruitments in Fishery Assessment Models. Can. J. Fish. </a:t>
+            </a:r>
+            <a:r>
+              <a:rPr lang="en-US" sz="1400" dirty="0" err="1" smtClean="0"/>
+              <a:t>Aquat</a:t>
+            </a:r>
+            <a:r>
+              <a:rPr lang="en-US" sz="1400" dirty="0" smtClean="0"/>
+              <a:t>. Sci.  68, 1744–1760.</a:t>
+            </a:r>
+          </a:p>
+          <a:p>
+            <a:endParaRPr lang="en-US" sz="1400" dirty="0" smtClean="0"/>
+          </a:p>
+          <a:p>
+            <a:r>
+              <a:rPr lang="en-US" sz="1400" dirty="0" smtClean="0"/>
+              <a:t>Stewart, I.J., A. Hicks, I.G. Taylor, J.T. Thorson, C. Wetzel, and S. </a:t>
+            </a:r>
+            <a:r>
+              <a:rPr lang="en-US" sz="1400" dirty="0" err="1" smtClean="0"/>
+              <a:t>Kupschus</a:t>
+            </a:r>
+            <a:r>
+              <a:rPr lang="en-US" sz="1400" dirty="0" smtClean="0"/>
+              <a:t>. 2013. A comparison of stock assessment uncertainty estimates using maximum likelihood and Bayesian methods implemented with the same model framework. Fish. Res. 142, pp 37–46.</a:t>
+            </a:r>
+          </a:p>
+        </p:txBody>
+      </p:sp>
+    </p:spTree>
+    <p:extLst>
+      <p:ext uri="{BB962C8B-B14F-4D97-AF65-F5344CB8AC3E}">
+        <p14:creationId xmlns:p14="http://schemas.microsoft.com/office/powerpoint/2010/main" val="2770067894"/>
+      </p:ext>
+    </p:extLst>
+  </p:cSld>
+  <p:clrMapOvr>
+    <a:masterClrMapping/>
+  </p:clrMapOvr>
+</p:sld>
+</file>
+
+<file path=ppt/slides/slide28.xml><?xml version="1.0" encoding="utf-8"?>
+<p:sld xmlns:a="http://schemas.openxmlformats.org/drawingml/2006/main" xmlns:r="http://schemas.openxmlformats.org/officeDocument/2006/relationships" xmlns:p="http://schemas.openxmlformats.org/presentationml/2006/main">
+  <p:cSld>
+    <p:spTree>
+      <p:nvGrpSpPr>
+        <p:cNvPr id="1" name=""/>
+        <p:cNvGrpSpPr/>
+        <p:nvPr/>
+      </p:nvGrpSpPr>
+      <p:grpSpPr>
+        <a:xfrm>
+          <a:off x="0" y="0"/>
+          <a:ext cx="0" cy="0"/>
+          <a:chOff x="0" y="0"/>
+          <a:chExt cx="0" cy="0"/>
+        </a:xfrm>
+      </p:grpSpPr>
+      <p:sp>
+        <p:nvSpPr>
+          <p:cNvPr id="2" name="Title 1"/>
+          <p:cNvSpPr>
+            <a:spLocks noGrp="1"/>
+          </p:cNvSpPr>
+          <p:nvPr>
+            <p:ph type="title"/>
+          </p:nvPr>
+        </p:nvSpPr>
+        <p:spPr/>
+        <p:txBody>
+          <a:bodyPr>
+            <a:normAutofit/>
+          </a:bodyPr>
+          <a:lstStyle/>
+          <a:p>
+            <a:r>
+              <a:rPr lang="en-US" dirty="0" smtClean="0"/>
+              <a:t>Simulating with random recruitment</a:t>
+            </a:r>
+            <a:endParaRPr lang="en-US" dirty="0"/>
+          </a:p>
+        </p:txBody>
+      </p:sp>
+      <p:sp>
+        <p:nvSpPr>
+          <p:cNvPr id="5" name="Content Placeholder 4"/>
+          <p:cNvSpPr>
+            <a:spLocks noGrp="1"/>
+          </p:cNvSpPr>
+          <p:nvPr>
+            <p:ph idx="1"/>
+          </p:nvPr>
+        </p:nvSpPr>
+        <p:spPr/>
+        <p:txBody>
+          <a:bodyPr>
+            <a:normAutofit fontScale="85000" lnSpcReduction="20000"/>
+          </a:bodyPr>
+          <a:lstStyle/>
+          <a:p>
+            <a:r>
+              <a:rPr lang="en-US" dirty="0" smtClean="0"/>
+              <a:t>SS has built-in parametric bootstrap capability for random data generation, but most analyses benefit from random recruitment</a:t>
+            </a:r>
+          </a:p>
+          <a:p>
+            <a:r>
+              <a:rPr lang="en-US" dirty="0" smtClean="0"/>
+              <a:t>Option 1: modify the </a:t>
+            </a:r>
+            <a:r>
+              <a:rPr lang="en-US" dirty="0" err="1" smtClean="0"/>
+              <a:t>ss.par</a:t>
+            </a:r>
+            <a:r>
+              <a:rPr lang="en-US" dirty="0" smtClean="0"/>
+              <a:t> file</a:t>
+            </a:r>
+          </a:p>
+          <a:p>
+            <a:r>
+              <a:rPr lang="en-US" dirty="0" smtClean="0"/>
+              <a:t>Option 2: input in control file</a:t>
+            </a:r>
+          </a:p>
+          <a:p>
+            <a:pPr marL="457200" lvl="1" indent="0">
+              <a:buNone/>
+            </a:pPr>
+            <a:r>
+              <a:rPr lang="en-US" dirty="0" smtClean="0">
+                <a:latin typeface="Courier New" panose="02070309020205020404" pitchFamily="49" charset="0"/>
+                <a:cs typeface="Courier New" panose="02070309020205020404" pitchFamily="49" charset="0"/>
+              </a:rPr>
+              <a:t>122 </a:t>
+            </a:r>
+            <a:r>
+              <a:rPr lang="en-US" dirty="0" smtClean="0">
+                <a:solidFill>
+                  <a:srgbClr val="C00000"/>
+                </a:solidFill>
+                <a:latin typeface="Courier New" panose="02070309020205020404" pitchFamily="49" charset="0"/>
+                <a:cs typeface="Courier New" panose="02070309020205020404" pitchFamily="49" charset="0"/>
+              </a:rPr>
+              <a:t>#_</a:t>
+            </a:r>
+            <a:r>
+              <a:rPr lang="en-US" dirty="0" err="1" smtClean="0">
+                <a:solidFill>
+                  <a:srgbClr val="C00000"/>
+                </a:solidFill>
+                <a:latin typeface="Courier New" panose="02070309020205020404" pitchFamily="49" charset="0"/>
+                <a:cs typeface="Courier New" panose="02070309020205020404" pitchFamily="49" charset="0"/>
+              </a:rPr>
+              <a:t>read_recdevs</a:t>
+            </a:r>
+            <a:endParaRPr lang="en-US" dirty="0" smtClean="0">
+              <a:solidFill>
+                <a:srgbClr val="C00000"/>
+              </a:solidFill>
+              <a:latin typeface="Courier New" panose="02070309020205020404" pitchFamily="49" charset="0"/>
+              <a:cs typeface="Courier New" panose="02070309020205020404" pitchFamily="49" charset="0"/>
+            </a:endParaRPr>
+          </a:p>
+          <a:p>
+            <a:pPr marL="457200" lvl="1" indent="0">
+              <a:buNone/>
+            </a:pPr>
+            <a:r>
+              <a:rPr lang="en-US" dirty="0" smtClean="0">
+                <a:solidFill>
+                  <a:srgbClr val="C00000"/>
+                </a:solidFill>
+                <a:latin typeface="Courier New" panose="02070309020205020404" pitchFamily="49" charset="0"/>
+                <a:cs typeface="Courier New" panose="02070309020205020404" pitchFamily="49" charset="0"/>
+              </a:rPr>
+              <a:t>#_end of advanced SR options</a:t>
+            </a:r>
+          </a:p>
+          <a:p>
+            <a:pPr marL="457200" lvl="1" indent="0">
+              <a:buNone/>
+            </a:pPr>
+            <a:r>
+              <a:rPr lang="en-US" dirty="0" smtClean="0">
+                <a:solidFill>
+                  <a:srgbClr val="C00000"/>
+                </a:solidFill>
+                <a:latin typeface="Courier New" panose="02070309020205020404" pitchFamily="49" charset="0"/>
+                <a:cs typeface="Courier New" panose="02070309020205020404" pitchFamily="49" charset="0"/>
+              </a:rPr>
+              <a:t># read specified </a:t>
+            </a:r>
+            <a:r>
+              <a:rPr lang="en-US" dirty="0" err="1" smtClean="0">
+                <a:solidFill>
+                  <a:srgbClr val="C00000"/>
+                </a:solidFill>
+                <a:latin typeface="Courier New" panose="02070309020205020404" pitchFamily="49" charset="0"/>
+                <a:cs typeface="Courier New" panose="02070309020205020404" pitchFamily="49" charset="0"/>
+              </a:rPr>
+              <a:t>recr</a:t>
+            </a:r>
+            <a:r>
+              <a:rPr lang="en-US" dirty="0" smtClean="0">
+                <a:solidFill>
+                  <a:srgbClr val="C00000"/>
+                </a:solidFill>
+                <a:latin typeface="Courier New" panose="02070309020205020404" pitchFamily="49" charset="0"/>
+                <a:cs typeface="Courier New" panose="02070309020205020404" pitchFamily="49" charset="0"/>
+              </a:rPr>
+              <a:t> </a:t>
+            </a:r>
+            <a:r>
+              <a:rPr lang="en-US" dirty="0" err="1" smtClean="0">
+                <a:solidFill>
+                  <a:srgbClr val="C00000"/>
+                </a:solidFill>
+                <a:latin typeface="Courier New" panose="02070309020205020404" pitchFamily="49" charset="0"/>
+                <a:cs typeface="Courier New" panose="02070309020205020404" pitchFamily="49" charset="0"/>
+              </a:rPr>
+              <a:t>devs</a:t>
+            </a:r>
+            <a:endParaRPr lang="en-US" dirty="0" smtClean="0">
+              <a:solidFill>
+                <a:srgbClr val="C00000"/>
+              </a:solidFill>
+              <a:latin typeface="Courier New" panose="02070309020205020404" pitchFamily="49" charset="0"/>
+              <a:cs typeface="Courier New" panose="02070309020205020404" pitchFamily="49" charset="0"/>
+            </a:endParaRPr>
+          </a:p>
+          <a:p>
+            <a:pPr marL="457200" lvl="1" indent="0">
+              <a:buNone/>
+            </a:pPr>
+            <a:r>
+              <a:rPr lang="en-US" dirty="0" smtClean="0">
+                <a:solidFill>
+                  <a:srgbClr val="C00000"/>
+                </a:solidFill>
+                <a:latin typeface="Courier New" panose="02070309020205020404" pitchFamily="49" charset="0"/>
+                <a:cs typeface="Courier New" panose="02070309020205020404" pitchFamily="49" charset="0"/>
+              </a:rPr>
+              <a:t>#_</a:t>
+            </a:r>
+            <a:r>
+              <a:rPr lang="en-US" dirty="0" err="1" smtClean="0">
+                <a:solidFill>
+                  <a:srgbClr val="C00000"/>
+                </a:solidFill>
+                <a:latin typeface="Courier New" panose="02070309020205020404" pitchFamily="49" charset="0"/>
+                <a:cs typeface="Courier New" panose="02070309020205020404" pitchFamily="49" charset="0"/>
+              </a:rPr>
+              <a:t>Yr</a:t>
+            </a:r>
+            <a:r>
+              <a:rPr lang="en-US" dirty="0" smtClean="0">
+                <a:solidFill>
+                  <a:srgbClr val="C00000"/>
+                </a:solidFill>
+                <a:latin typeface="Courier New" panose="02070309020205020404" pitchFamily="49" charset="0"/>
+                <a:cs typeface="Courier New" panose="02070309020205020404" pitchFamily="49" charset="0"/>
+              </a:rPr>
+              <a:t> </a:t>
+            </a:r>
+            <a:r>
+              <a:rPr lang="en-US" dirty="0" err="1" smtClean="0">
+                <a:solidFill>
+                  <a:srgbClr val="C00000"/>
+                </a:solidFill>
+                <a:latin typeface="Courier New" panose="02070309020205020404" pitchFamily="49" charset="0"/>
+                <a:cs typeface="Courier New" panose="02070309020205020404" pitchFamily="49" charset="0"/>
+              </a:rPr>
+              <a:t>Input_value</a:t>
+            </a:r>
+            <a:endParaRPr lang="en-US" dirty="0" smtClean="0">
+              <a:solidFill>
+                <a:srgbClr val="C00000"/>
+              </a:solidFill>
+              <a:latin typeface="Courier New" panose="02070309020205020404" pitchFamily="49" charset="0"/>
+              <a:cs typeface="Courier New" panose="02070309020205020404" pitchFamily="49" charset="0"/>
+            </a:endParaRPr>
+          </a:p>
+          <a:p>
+            <a:pPr marL="457200" lvl="1" indent="0">
+              <a:buNone/>
+            </a:pPr>
+            <a:r>
+              <a:rPr lang="en-US" dirty="0" smtClean="0">
+                <a:latin typeface="Courier New" panose="02070309020205020404" pitchFamily="49" charset="0"/>
+                <a:cs typeface="Courier New" panose="02070309020205020404" pitchFamily="49" charset="0"/>
+              </a:rPr>
+              <a:t>1895 -0.06873 </a:t>
+            </a:r>
+          </a:p>
+          <a:p>
+            <a:pPr marL="457200" lvl="1" indent="0">
+              <a:buNone/>
+            </a:pPr>
+            <a:r>
+              <a:rPr lang="en-US" dirty="0" smtClean="0">
+                <a:latin typeface="Courier New" panose="02070309020205020404" pitchFamily="49" charset="0"/>
+                <a:cs typeface="Courier New" panose="02070309020205020404" pitchFamily="49" charset="0"/>
+              </a:rPr>
+              <a:t>1896 -0.97538 </a:t>
+            </a:r>
+          </a:p>
+          <a:p>
+            <a:pPr marL="457200" lvl="1" indent="0">
+              <a:buNone/>
+            </a:pPr>
+            <a:r>
+              <a:rPr lang="en-US" dirty="0" smtClean="0">
+                <a:latin typeface="Courier New" panose="02070309020205020404" pitchFamily="49" charset="0"/>
+                <a:cs typeface="Courier New" panose="02070309020205020404" pitchFamily="49" charset="0"/>
+              </a:rPr>
+              <a:t>1897  0.11130</a:t>
+            </a:r>
+          </a:p>
+          <a:p>
+            <a:pPr marL="457200" lvl="1" indent="0">
+              <a:buNone/>
+            </a:pPr>
+            <a:r>
+              <a:rPr lang="en-US" dirty="0" smtClean="0">
+                <a:latin typeface="Courier New" panose="02070309020205020404" pitchFamily="49" charset="0"/>
+                <a:cs typeface="Courier New" panose="02070309020205020404" pitchFamily="49" charset="0"/>
+              </a:rPr>
+              <a:t>...</a:t>
+            </a:r>
+            <a:br>
+              <a:rPr lang="en-US" dirty="0" smtClean="0">
+                <a:latin typeface="Courier New" panose="02070309020205020404" pitchFamily="49" charset="0"/>
+                <a:cs typeface="Courier New" panose="02070309020205020404" pitchFamily="49" charset="0"/>
+              </a:rPr>
+            </a:br>
+            <a:endParaRPr lang="en-US" dirty="0" smtClean="0">
+              <a:latin typeface="Courier New" panose="02070309020205020404" pitchFamily="49" charset="0"/>
+              <a:cs typeface="Courier New" panose="02070309020205020404" pitchFamily="49" charset="0"/>
+            </a:endParaRPr>
+          </a:p>
+          <a:p>
+            <a:pPr marL="457200" lvl="1" indent="0">
+              <a:buNone/>
+            </a:pPr>
+            <a:r>
+              <a:rPr lang="en-US" sz="2800" dirty="0" smtClean="0">
+                <a:cs typeface="Courier New" panose="02070309020205020404" pitchFamily="49" charset="0"/>
+              </a:rPr>
+              <a:t>Control file input can be facilitated by r4ss function:</a:t>
+            </a:r>
+            <a:br>
+              <a:rPr lang="en-US" sz="2800" dirty="0" smtClean="0">
+                <a:cs typeface="Courier New" panose="02070309020205020404" pitchFamily="49" charset="0"/>
+              </a:rPr>
+            </a:br>
+            <a:r>
+              <a:rPr lang="en-US" dirty="0" smtClean="0">
+                <a:latin typeface="Courier New" panose="02070309020205020404" pitchFamily="49" charset="0"/>
+                <a:cs typeface="Courier New" panose="02070309020205020404" pitchFamily="49" charset="0"/>
+              </a:rPr>
+              <a:t>&gt; </a:t>
+            </a:r>
+            <a:r>
+              <a:rPr lang="en-US" dirty="0" err="1" smtClean="0">
+                <a:latin typeface="Courier New" panose="02070309020205020404" pitchFamily="49" charset="0"/>
+                <a:cs typeface="Courier New" panose="02070309020205020404" pitchFamily="49" charset="0"/>
+              </a:rPr>
+              <a:t>SS_recdevs</a:t>
+            </a:r>
+            <a:r>
+              <a:rPr lang="en-US" dirty="0" smtClean="0">
+                <a:latin typeface="Courier New" panose="02070309020205020404" pitchFamily="49" charset="0"/>
+                <a:cs typeface="Courier New" panose="02070309020205020404" pitchFamily="49" charset="0"/>
+              </a:rPr>
+              <a:t>(</a:t>
+            </a:r>
+            <a:r>
+              <a:rPr lang="en-US" dirty="0" err="1" smtClean="0">
+                <a:latin typeface="Courier New" panose="02070309020205020404" pitchFamily="49" charset="0"/>
+                <a:cs typeface="Courier New" panose="02070309020205020404" pitchFamily="49" charset="0"/>
+              </a:rPr>
+              <a:t>fyr</a:t>
+            </a:r>
+            <a:r>
+              <a:rPr lang="en-US" dirty="0" smtClean="0">
+                <a:latin typeface="Courier New" panose="02070309020205020404" pitchFamily="49" charset="0"/>
+                <a:cs typeface="Courier New" panose="02070309020205020404" pitchFamily="49" charset="0"/>
+              </a:rPr>
+              <a:t>=1895, </a:t>
+            </a:r>
+            <a:r>
+              <a:rPr lang="en-US" dirty="0" err="1" smtClean="0">
+                <a:latin typeface="Courier New" panose="02070309020205020404" pitchFamily="49" charset="0"/>
+                <a:cs typeface="Courier New" panose="02070309020205020404" pitchFamily="49" charset="0"/>
+              </a:rPr>
+              <a:t>lyr</a:t>
+            </a:r>
+            <a:r>
+              <a:rPr lang="en-US" dirty="0" smtClean="0">
+                <a:latin typeface="Courier New" panose="02070309020205020404" pitchFamily="49" charset="0"/>
+                <a:cs typeface="Courier New" panose="02070309020205020404" pitchFamily="49" charset="0"/>
+              </a:rPr>
+              <a:t>=2016, </a:t>
+            </a:r>
+            <a:r>
+              <a:rPr lang="en-US" dirty="0" err="1" smtClean="0">
+                <a:latin typeface="Courier New" panose="02070309020205020404" pitchFamily="49" charset="0"/>
+                <a:cs typeface="Courier New" panose="02070309020205020404" pitchFamily="49" charset="0"/>
+              </a:rPr>
+              <a:t>dir</a:t>
+            </a:r>
+            <a:r>
+              <a:rPr lang="en-US" dirty="0" smtClean="0">
+                <a:latin typeface="Courier New" panose="02070309020205020404" pitchFamily="49" charset="0"/>
+                <a:cs typeface="Courier New" panose="02070309020205020404" pitchFamily="49" charset="0"/>
+              </a:rPr>
+              <a:t>=</a:t>
+            </a:r>
+            <a:r>
+              <a:rPr lang="en-US" dirty="0" err="1" smtClean="0">
+                <a:latin typeface="Courier New" panose="02070309020205020404" pitchFamily="49" charset="0"/>
+                <a:cs typeface="Courier New" panose="02070309020205020404" pitchFamily="49" charset="0"/>
+              </a:rPr>
+              <a:t>mydir</a:t>
+            </a:r>
+            <a:r>
+              <a:rPr lang="en-US" dirty="0" smtClean="0">
+                <a:latin typeface="Courier New" panose="02070309020205020404" pitchFamily="49" charset="0"/>
+                <a:cs typeface="Courier New" panose="02070309020205020404" pitchFamily="49" charset="0"/>
+              </a:rPr>
+              <a:t>)</a:t>
+            </a:r>
+          </a:p>
+          <a:p>
+            <a:pPr marL="457200" lvl="1" indent="0">
+              <a:buNone/>
+            </a:pPr>
+            <a:r>
+              <a:rPr lang="en-US" dirty="0" smtClean="0">
+                <a:latin typeface="Courier New" panose="02070309020205020404" pitchFamily="49" charset="0"/>
+                <a:cs typeface="Courier New" panose="02070309020205020404" pitchFamily="49" charset="0"/>
+              </a:rPr>
+              <a:t>[1] making </a:t>
+            </a:r>
+            <a:r>
+              <a:rPr lang="en-US" dirty="0" err="1" smtClean="0">
+                <a:latin typeface="Courier New" panose="02070309020205020404" pitchFamily="49" charset="0"/>
+                <a:cs typeface="Courier New" panose="02070309020205020404" pitchFamily="49" charset="0"/>
+              </a:rPr>
+              <a:t>recdev</a:t>
+            </a:r>
+            <a:r>
+              <a:rPr lang="en-US" dirty="0" smtClean="0">
+                <a:latin typeface="Courier New" panose="02070309020205020404" pitchFamily="49" charset="0"/>
+                <a:cs typeface="Courier New" panose="02070309020205020404" pitchFamily="49" charset="0"/>
+              </a:rPr>
+              <a:t> phase to negative: -2</a:t>
+            </a:r>
+          </a:p>
+          <a:p>
+            <a:pPr marL="457200" lvl="1" indent="0">
+              <a:buNone/>
+            </a:pPr>
+            <a:r>
+              <a:rPr lang="en-US" dirty="0" smtClean="0">
+                <a:latin typeface="Courier New" panose="02070309020205020404" pitchFamily="49" charset="0"/>
+                <a:cs typeface="Courier New" panose="02070309020205020404" pitchFamily="49" charset="0"/>
+              </a:rPr>
+              <a:t>[1] rescaling </a:t>
+            </a:r>
+            <a:r>
+              <a:rPr lang="en-US" dirty="0" err="1" smtClean="0">
+                <a:latin typeface="Courier New" panose="02070309020205020404" pitchFamily="49" charset="0"/>
+                <a:cs typeface="Courier New" panose="02070309020205020404" pitchFamily="49" charset="0"/>
+              </a:rPr>
+              <a:t>recdevs</a:t>
+            </a:r>
+            <a:r>
+              <a:rPr lang="en-US" dirty="0" smtClean="0">
+                <a:latin typeface="Courier New" panose="02070309020205020404" pitchFamily="49" charset="0"/>
+                <a:cs typeface="Courier New" panose="02070309020205020404" pitchFamily="49" charset="0"/>
+              </a:rPr>
+              <a:t> vector so </a:t>
+            </a:r>
+            <a:r>
+              <a:rPr lang="en-US" dirty="0" err="1" smtClean="0">
+                <a:latin typeface="Courier New" panose="02070309020205020404" pitchFamily="49" charset="0"/>
+                <a:cs typeface="Courier New" panose="02070309020205020404" pitchFamily="49" charset="0"/>
+              </a:rPr>
+              <a:t>yrs</a:t>
+            </a:r>
+            <a:r>
+              <a:rPr lang="en-US" dirty="0" smtClean="0">
+                <a:latin typeface="Courier New" panose="02070309020205020404" pitchFamily="49" charset="0"/>
+                <a:cs typeface="Courier New" panose="02070309020205020404" pitchFamily="49" charset="0"/>
+              </a:rPr>
+              <a:t> 1895:2016</a:t>
+            </a:r>
+          </a:p>
+          <a:p>
+            <a:pPr marL="457200" lvl="1" indent="0">
+              <a:buNone/>
+            </a:pPr>
+            <a:r>
+              <a:rPr lang="en-US" dirty="0" smtClean="0">
+                <a:latin typeface="Courier New" panose="02070309020205020404" pitchFamily="49" charset="0"/>
+                <a:cs typeface="Courier New" panose="02070309020205020404" pitchFamily="49" charset="0"/>
+              </a:rPr>
+              <a:t>[1] have mean 0 and std. dev. = </a:t>
+            </a:r>
+            <a:r>
+              <a:rPr lang="en-US" dirty="0" err="1" smtClean="0">
+                <a:latin typeface="Courier New" panose="02070309020205020404" pitchFamily="49" charset="0"/>
+                <a:cs typeface="Courier New" panose="02070309020205020404" pitchFamily="49" charset="0"/>
+              </a:rPr>
+              <a:t>sigmaR</a:t>
+            </a:r>
+            <a:r>
+              <a:rPr lang="en-US" dirty="0" smtClean="0">
+                <a:latin typeface="Courier New" panose="02070309020205020404" pitchFamily="49" charset="0"/>
+                <a:cs typeface="Courier New" panose="02070309020205020404" pitchFamily="49" charset="0"/>
+              </a:rPr>
+              <a:t> = 0.5</a:t>
+            </a:r>
+          </a:p>
+          <a:p>
+            <a:pPr marL="457200" lvl="1" indent="0">
+              <a:buNone/>
+            </a:pPr>
+            <a:r>
+              <a:rPr lang="en-US" dirty="0" smtClean="0">
+                <a:latin typeface="Courier New" panose="02070309020205020404" pitchFamily="49" charset="0"/>
+                <a:cs typeface="Courier New" panose="02070309020205020404" pitchFamily="49" charset="0"/>
+              </a:rPr>
+              <a:t>[1] wrote new file: </a:t>
+            </a:r>
+            <a:r>
+              <a:rPr lang="en-US" dirty="0" err="1" smtClean="0">
+                <a:latin typeface="Courier New" panose="02070309020205020404" pitchFamily="49" charset="0"/>
+                <a:cs typeface="Courier New" panose="02070309020205020404" pitchFamily="49" charset="0"/>
+              </a:rPr>
+              <a:t>control_modified.ss</a:t>
+            </a:r>
+            <a:endParaRPr lang="en-US" dirty="0">
+              <a:latin typeface="Courier New" panose="02070309020205020404" pitchFamily="49" charset="0"/>
+              <a:cs typeface="Courier New" panose="02070309020205020404" pitchFamily="49" charset="0"/>
+            </a:endParaRPr>
+          </a:p>
+        </p:txBody>
+      </p:sp>
+      <p:sp>
+        <p:nvSpPr>
+          <p:cNvPr id="4" name="Slide Number Placeholder 3"/>
+          <p:cNvSpPr>
+            <a:spLocks noGrp="1"/>
+          </p:cNvSpPr>
+          <p:nvPr>
+            <p:ph type="sldNum" sz="quarter" idx="12"/>
+          </p:nvPr>
+        </p:nvSpPr>
+        <p:spPr/>
+        <p:txBody>
+          <a:bodyPr/>
+          <a:lstStyle/>
+          <a:p>
+            <a:fld id="{8CA0417E-8047-41CE-9E93-4FCB55A08913}" type="slidenum">
+              <a:rPr lang="en-US" smtClean="0"/>
+              <a:t>28</a:t>
+            </a:fld>
+            <a:endParaRPr lang="en-US"/>
+          </a:p>
+        </p:txBody>
+      </p:sp>
+    </p:spTree>
+    <p:extLst>
+      <p:ext uri="{BB962C8B-B14F-4D97-AF65-F5344CB8AC3E}">
+        <p14:creationId xmlns:p14="http://schemas.microsoft.com/office/powerpoint/2010/main" val="3439057631"/>
+      </p:ext>
+    </p:extLst>
+  </p:cSld>
+  <p:clrMapOvr>
+    <a:masterClrMapping/>
+  </p:clrMapOvr>
+  <p:timing>
+    <p:tnLst>
+      <p:par>
+        <p:cTn id="1" dur="indefinite" restart="never" nodeType="tmRoot"/>
+      </p:par>
+    </p:tnLst>
+  </p:timing>
+</p:sld>
+</file>
+
+<file path=ppt/slides/slide29.xml><?xml version="1.0" encoding="utf-8"?>
+<p:sld xmlns:a="http://schemas.openxmlformats.org/drawingml/2006/main" xmlns:r="http://schemas.openxmlformats.org/officeDocument/2006/relationships" xmlns:p="http://schemas.openxmlformats.org/presentationml/2006/main">
+  <p:cSld>
+    <p:spTree>
+      <p:nvGrpSpPr>
+        <p:cNvPr id="1" name=""/>
+        <p:cNvGrpSpPr/>
+        <p:nvPr/>
+      </p:nvGrpSpPr>
+      <p:grpSpPr>
+        <a:xfrm>
+          <a:off x="0" y="0"/>
+          <a:ext cx="0" cy="0"/>
+          <a:chOff x="0" y="0"/>
+          <a:chExt cx="0" cy="0"/>
+        </a:xfrm>
+      </p:grpSpPr>
+      <p:sp>
+        <p:nvSpPr>
+          <p:cNvPr id="2" name="Title 1"/>
+          <p:cNvSpPr>
+            <a:spLocks noGrp="1"/>
+          </p:cNvSpPr>
+          <p:nvPr>
+            <p:ph type="title"/>
+          </p:nvPr>
+        </p:nvSpPr>
+        <p:spPr/>
+        <p:txBody>
+          <a:bodyPr>
+            <a:normAutofit/>
+          </a:bodyPr>
+          <a:lstStyle/>
+          <a:p>
+            <a:r>
+              <a:rPr lang="en-US" dirty="0" smtClean="0"/>
+              <a:t>Recap of changes from 3.24 to 3.30 (also mentioned throughout)</a:t>
+            </a:r>
+            <a:br>
+              <a:rPr lang="en-US" dirty="0" smtClean="0"/>
+            </a:br>
+            <a:endParaRPr lang="en-US" dirty="0"/>
+          </a:p>
+        </p:txBody>
+      </p:sp>
+      <p:sp>
+        <p:nvSpPr>
+          <p:cNvPr id="3" name="Text Placeholder 2"/>
+          <p:cNvSpPr>
+            <a:spLocks noGrp="1"/>
+          </p:cNvSpPr>
+          <p:nvPr>
+            <p:ph type="body" idx="1"/>
+          </p:nvPr>
+        </p:nvSpPr>
+        <p:spPr/>
+        <p:txBody>
+          <a:bodyPr/>
+          <a:lstStyle/>
+          <a:p>
+            <a:endParaRPr lang="en-US"/>
+          </a:p>
+        </p:txBody>
+      </p:sp>
+      <p:sp>
+        <p:nvSpPr>
+          <p:cNvPr id="4" name="Slide Number Placeholder 3"/>
+          <p:cNvSpPr>
+            <a:spLocks noGrp="1"/>
+          </p:cNvSpPr>
+          <p:nvPr>
+            <p:ph type="sldNum" sz="quarter" idx="12"/>
+          </p:nvPr>
+        </p:nvSpPr>
+        <p:spPr/>
+        <p:txBody>
+          <a:bodyPr/>
+          <a:lstStyle/>
+          <a:p>
+            <a:fld id="{8CA0417E-8047-41CE-9E93-4FCB55A08913}" type="slidenum">
+              <a:rPr lang="en-US" smtClean="0"/>
+              <a:t>29</a:t>
+            </a:fld>
+            <a:endParaRPr lang="en-US"/>
+          </a:p>
+        </p:txBody>
+      </p:sp>
+    </p:spTree>
+    <p:extLst>
+      <p:ext uri="{BB962C8B-B14F-4D97-AF65-F5344CB8AC3E}">
+        <p14:creationId xmlns:p14="http://schemas.microsoft.com/office/powerpoint/2010/main" val="1786747109"/>
+      </p:ext>
+    </p:extLst>
+  </p:cSld>
+  <p:clrMapOvr>
+    <a:masterClrMapping/>
+  </p:clrMapOvr>
+  <p:timing>
+    <p:tnLst>
+      <p:par>
+        <p:cTn id="1" dur="indefinite" restart="never" nodeType="tmRoot"/>
+      </p:par>
+    </p:tnLst>
+  </p:timing>
 </p:sld>
 </file>
 
@@ -6152,13 +10259,6 @@
               </a:rPr>
               <a:t>(scaled)</a:t>
             </a:r>
-            <a:endParaRPr lang="en-US" sz="1200" dirty="0">
-              <a:solidFill>
-                <a:srgbClr val="00B050"/>
-              </a:solidFill>
-              <a:latin typeface="Arial" panose="020B0604020202020204" pitchFamily="34" charset="0"/>
-              <a:cs typeface="Arial" panose="020B0604020202020204" pitchFamily="34" charset="0"/>
-            </a:endParaRPr>
           </a:p>
         </p:txBody>
       </p:sp>
@@ -6234,13 +10334,6 @@
               </a:rPr>
               <a:t>Years with length or age data</a:t>
             </a:r>
-            <a:endParaRPr lang="en-US" sz="1200" dirty="0">
-              <a:solidFill>
-                <a:srgbClr val="00B050"/>
-              </a:solidFill>
-              <a:latin typeface="Arial" panose="020B0604020202020204" pitchFamily="34" charset="0"/>
-              <a:cs typeface="Arial" panose="020B0604020202020204" pitchFamily="34" charset="0"/>
-            </a:endParaRPr>
           </a:p>
         </p:txBody>
       </p:sp>
@@ -6316,13 +10409,6 @@
               </a:rPr>
               <a:t>Recruitment deviations</a:t>
             </a:r>
-            <a:endParaRPr lang="en-US" sz="1200" dirty="0">
-              <a:solidFill>
-                <a:srgbClr val="00B050"/>
-              </a:solidFill>
-              <a:latin typeface="Arial" panose="020B0604020202020204" pitchFamily="34" charset="0"/>
-              <a:cs typeface="Arial" panose="020B0604020202020204" pitchFamily="34" charset="0"/>
-            </a:endParaRPr>
           </a:p>
         </p:txBody>
       </p:sp>
@@ -6359,13 +10445,6 @@
               </a:rPr>
               <a:t>Summary of estimated parameters</a:t>
             </a:r>
-            <a:endParaRPr lang="en-US" sz="1200" dirty="0">
-              <a:solidFill>
-                <a:srgbClr val="00B050"/>
-              </a:solidFill>
-              <a:latin typeface="Arial" panose="020B0604020202020204" pitchFamily="34" charset="0"/>
-              <a:cs typeface="Arial" panose="020B0604020202020204" pitchFamily="34" charset="0"/>
-            </a:endParaRPr>
           </a:p>
         </p:txBody>
       </p:sp>
@@ -6426,6 +10505,294 @@
 </p:sld>
 </file>
 
+<file path=ppt/slides/slide30.xml><?xml version="1.0" encoding="utf-8"?>
+<p:sld xmlns:a="http://schemas.openxmlformats.org/drawingml/2006/main" xmlns:r="http://schemas.openxmlformats.org/officeDocument/2006/relationships" xmlns:p="http://schemas.openxmlformats.org/presentationml/2006/main">
+  <p:cSld>
+    <p:spTree>
+      <p:nvGrpSpPr>
+        <p:cNvPr id="1" name=""/>
+        <p:cNvGrpSpPr/>
+        <p:nvPr/>
+      </p:nvGrpSpPr>
+      <p:grpSpPr>
+        <a:xfrm>
+          <a:off x="0" y="0"/>
+          <a:ext cx="0" cy="0"/>
+          <a:chOff x="0" y="0"/>
+          <a:chExt cx="0" cy="0"/>
+        </a:xfrm>
+      </p:grpSpPr>
+      <p:sp>
+        <p:nvSpPr>
+          <p:cNvPr id="2" name="Title 1"/>
+          <p:cNvSpPr>
+            <a:spLocks noGrp="1"/>
+          </p:cNvSpPr>
+          <p:nvPr>
+            <p:ph type="title"/>
+          </p:nvPr>
+        </p:nvSpPr>
+        <p:spPr/>
+        <p:txBody>
+          <a:bodyPr>
+            <a:normAutofit/>
+          </a:bodyPr>
+          <a:lstStyle/>
+          <a:p>
+            <a:r>
+              <a:rPr lang="en-US" dirty="0" smtClean="0"/>
+              <a:t>A few ideas </a:t>
+            </a:r>
+            <a:r>
+              <a:rPr lang="en-US" dirty="0" smtClean="0"/>
+              <a:t>for the future:</a:t>
+            </a:r>
+            <a:endParaRPr lang="en-US" dirty="0"/>
+          </a:p>
+        </p:txBody>
+      </p:sp>
+      <p:sp>
+        <p:nvSpPr>
+          <p:cNvPr id="5" name="Content Placeholder 4"/>
+          <p:cNvSpPr>
+            <a:spLocks noGrp="1"/>
+          </p:cNvSpPr>
+          <p:nvPr>
+            <p:ph idx="1"/>
+          </p:nvPr>
+        </p:nvSpPr>
+        <p:spPr/>
+        <p:txBody>
+          <a:bodyPr>
+            <a:normAutofit/>
+          </a:bodyPr>
+          <a:lstStyle/>
+          <a:p>
+            <a:r>
+              <a:rPr lang="en-US" sz="4000" dirty="0"/>
+              <a:t>Density-dependent recruitment variability</a:t>
+            </a:r>
+          </a:p>
+          <a:p>
+            <a:r>
+              <a:rPr lang="en-US" sz="4000" dirty="0" smtClean="0"/>
+              <a:t>Area-specific </a:t>
+            </a:r>
+            <a:r>
+              <a:rPr lang="en-US" sz="4000" dirty="0" smtClean="0"/>
+              <a:t>spawning biomass</a:t>
+            </a:r>
+          </a:p>
+          <a:p>
+            <a:r>
+              <a:rPr lang="en-US" sz="4000" dirty="0" smtClean="0"/>
+              <a:t>Semi-parametric </a:t>
+            </a:r>
+            <a:r>
+              <a:rPr lang="en-US" sz="4000" dirty="0" smtClean="0"/>
+              <a:t>stock-recruit curve</a:t>
+            </a:r>
+            <a:endParaRPr lang="en-US" sz="4000" dirty="0"/>
+          </a:p>
+        </p:txBody>
+      </p:sp>
+      <p:sp>
+        <p:nvSpPr>
+          <p:cNvPr id="4" name="Slide Number Placeholder 3"/>
+          <p:cNvSpPr>
+            <a:spLocks noGrp="1"/>
+          </p:cNvSpPr>
+          <p:nvPr>
+            <p:ph type="sldNum" sz="quarter" idx="12"/>
+          </p:nvPr>
+        </p:nvSpPr>
+        <p:spPr/>
+        <p:txBody>
+          <a:bodyPr/>
+          <a:lstStyle/>
+          <a:p>
+            <a:fld id="{8CA0417E-8047-41CE-9E93-4FCB55A08913}" type="slidenum">
+              <a:rPr lang="en-US" smtClean="0"/>
+              <a:t>30</a:t>
+            </a:fld>
+            <a:endParaRPr lang="en-US"/>
+          </a:p>
+        </p:txBody>
+      </p:sp>
+    </p:spTree>
+    <p:extLst>
+      <p:ext uri="{BB962C8B-B14F-4D97-AF65-F5344CB8AC3E}">
+        <p14:creationId xmlns:p14="http://schemas.microsoft.com/office/powerpoint/2010/main" val="1578983765"/>
+      </p:ext>
+    </p:extLst>
+  </p:cSld>
+  <p:clrMapOvr>
+    <a:masterClrMapping/>
+  </p:clrMapOvr>
+</p:sld>
+</file>
+
+<file path=ppt/slides/slide31.xml><?xml version="1.0" encoding="utf-8"?>
+<p:sld xmlns:a="http://schemas.openxmlformats.org/drawingml/2006/main" xmlns:r="http://schemas.openxmlformats.org/officeDocument/2006/relationships" xmlns:p="http://schemas.openxmlformats.org/presentationml/2006/main">
+  <p:cSld>
+    <p:spTree>
+      <p:nvGrpSpPr>
+        <p:cNvPr id="1" name=""/>
+        <p:cNvGrpSpPr/>
+        <p:nvPr/>
+      </p:nvGrpSpPr>
+      <p:grpSpPr>
+        <a:xfrm>
+          <a:off x="0" y="0"/>
+          <a:ext cx="0" cy="0"/>
+          <a:chOff x="0" y="0"/>
+          <a:chExt cx="0" cy="0"/>
+        </a:xfrm>
+      </p:grpSpPr>
+      <p:sp>
+        <p:nvSpPr>
+          <p:cNvPr id="2" name="Title 1"/>
+          <p:cNvSpPr>
+            <a:spLocks noGrp="1"/>
+          </p:cNvSpPr>
+          <p:nvPr>
+            <p:ph type="title"/>
+          </p:nvPr>
+        </p:nvSpPr>
+        <p:spPr/>
+        <p:txBody>
+          <a:bodyPr/>
+          <a:lstStyle/>
+          <a:p>
+            <a:r>
+              <a:rPr lang="en-US" dirty="0" smtClean="0"/>
+              <a:t>References</a:t>
+            </a:r>
+            <a:endParaRPr lang="en-US" dirty="0"/>
+          </a:p>
+        </p:txBody>
+      </p:sp>
+      <p:sp>
+        <p:nvSpPr>
+          <p:cNvPr id="3" name="Content Placeholder 2"/>
+          <p:cNvSpPr>
+            <a:spLocks noGrp="1"/>
+          </p:cNvSpPr>
+          <p:nvPr>
+            <p:ph idx="1"/>
+          </p:nvPr>
+        </p:nvSpPr>
+        <p:spPr/>
+        <p:txBody>
+          <a:bodyPr>
+            <a:normAutofit fontScale="92500"/>
+          </a:bodyPr>
+          <a:lstStyle/>
+          <a:p>
+            <a:r>
+              <a:rPr lang="en-US" dirty="0" err="1" smtClean="0"/>
+              <a:t>Methot</a:t>
+            </a:r>
+            <a:r>
+              <a:rPr lang="en-US" dirty="0" smtClean="0"/>
+              <a:t>, R.D. and Taylor, I.G., 2011. Adjusting for Bias due to Variability of Estimated Recruitments in Fishery Assessment Models. Can. J. Fish. </a:t>
+            </a:r>
+            <a:r>
+              <a:rPr lang="en-US" dirty="0" err="1" smtClean="0"/>
+              <a:t>Aquat</a:t>
+            </a:r>
+            <a:r>
+              <a:rPr lang="en-US" dirty="0" smtClean="0"/>
+              <a:t>. Sci.  68, 1744–1760.</a:t>
+            </a:r>
+          </a:p>
+          <a:p>
+            <a:r>
+              <a:rPr lang="en-US" dirty="0" smtClean="0"/>
+              <a:t>Shepherd, G. 1982. A versatile new stock-recruitment relationship for fisheries, and the construction of sustainable yield curves. ICES J. Mar. Sci. 40: 67-75.</a:t>
+            </a:r>
+          </a:p>
+          <a:p>
+            <a:r>
+              <a:rPr lang="en-US" dirty="0" smtClean="0"/>
+              <a:t>Stewart, I.J., A. Hicks, I.G. Taylor, J.T. Thorson, C. Wetzel, and S. </a:t>
+            </a:r>
+            <a:r>
+              <a:rPr lang="en-US" dirty="0" err="1" smtClean="0"/>
+              <a:t>Kupschus</a:t>
+            </a:r>
+            <a:r>
+              <a:rPr lang="en-US" dirty="0" smtClean="0"/>
+              <a:t>. 2013. A comparison of stock assessment uncertainty estimates using maximum likelihood and Bayesian methods implemented with the same model framework. Fish. Res. 142, pp 37–46.</a:t>
+            </a:r>
+          </a:p>
+          <a:p>
+            <a:r>
+              <a:rPr lang="en-US" dirty="0" smtClean="0"/>
+              <a:t>Taylor</a:t>
+            </a:r>
+            <a:r>
+              <a:rPr lang="en-US" dirty="0"/>
+              <a:t>, I.G., V. </a:t>
+            </a:r>
+            <a:r>
+              <a:rPr lang="en-US" dirty="0" err="1"/>
+              <a:t>Gertseva</a:t>
+            </a:r>
+            <a:r>
+              <a:rPr lang="en-US" dirty="0"/>
+              <a:t>, R.D. </a:t>
+            </a:r>
+            <a:r>
+              <a:rPr lang="en-US" dirty="0" err="1"/>
+              <a:t>Methot</a:t>
+            </a:r>
+            <a:r>
+              <a:rPr lang="en-US" dirty="0"/>
+              <a:t>, and M.N. Maunder. 2013. A stock-recruitment relationship based on pre-recruit survival, illustrated with application to spiny dogfish shark. Fish. Res. 142, pp 15–21.</a:t>
+            </a:r>
+          </a:p>
+          <a:p>
+            <a:endParaRPr lang="en-US" dirty="0"/>
+          </a:p>
+        </p:txBody>
+      </p:sp>
+      <p:sp>
+        <p:nvSpPr>
+          <p:cNvPr id="4" name="Slide Number Placeholder 3"/>
+          <p:cNvSpPr>
+            <a:spLocks noGrp="1"/>
+          </p:cNvSpPr>
+          <p:nvPr>
+            <p:ph type="sldNum" sz="quarter" idx="12"/>
+          </p:nvPr>
+        </p:nvSpPr>
+        <p:spPr/>
+        <p:txBody>
+          <a:bodyPr/>
+          <a:lstStyle/>
+          <a:p>
+            <a:fld id="{8CA0417E-8047-41CE-9E93-4FCB55A08913}" type="slidenum">
+              <a:rPr lang="en-US" smtClean="0"/>
+              <a:t>31</a:t>
+            </a:fld>
+            <a:endParaRPr lang="en-US" dirty="0"/>
+          </a:p>
+        </p:txBody>
+      </p:sp>
+    </p:spTree>
+    <p:extLst>
+      <p:ext uri="{BB962C8B-B14F-4D97-AF65-F5344CB8AC3E}">
+        <p14:creationId xmlns:p14="http://schemas.microsoft.com/office/powerpoint/2010/main" val="1895771640"/>
+      </p:ext>
+    </p:extLst>
+  </p:cSld>
+  <p:clrMapOvr>
+    <a:masterClrMapping/>
+  </p:clrMapOvr>
+</p:sld>
+</file>
+
 <file path=ppt/slides/slide4.xml><?xml version="1.0" encoding="utf-8"?>
 <p:sld xmlns:a="http://schemas.openxmlformats.org/drawingml/2006/main" xmlns:r="http://schemas.openxmlformats.org/officeDocument/2006/relationships" xmlns:p="http://schemas.openxmlformats.org/presentationml/2006/main">
   <p:cSld>
@@ -6443,51 +10810,9 @@
           <a:chExt cx="0" cy="0"/>
         </a:xfrm>
       </p:grpSpPr>
-      <p:sp>
-        <p:nvSpPr>
-          <p:cNvPr id="4" name="Content Placeholder 3"/>
-          <p:cNvSpPr>
-            <a:spLocks noGrp="1"/>
-          </p:cNvSpPr>
-          <p:nvPr>
-            <p:ph sz="half" idx="2"/>
-          </p:nvPr>
-        </p:nvSpPr>
-        <p:spPr/>
-        <p:txBody>
-          <a:bodyPr/>
-          <a:lstStyle/>
-          <a:p>
-            <a:endParaRPr lang="en-US"/>
-          </a:p>
-        </p:txBody>
-      </p:sp>
-      <p:sp>
-        <p:nvSpPr>
-          <p:cNvPr id="5" name="Slide Number Placeholder 4"/>
-          <p:cNvSpPr>
-            <a:spLocks noGrp="1"/>
-          </p:cNvSpPr>
-          <p:nvPr>
-            <p:ph type="sldNum" sz="quarter" idx="12"/>
-          </p:nvPr>
-        </p:nvSpPr>
-        <p:spPr/>
-        <p:txBody>
-          <a:bodyPr/>
-          <a:lstStyle/>
-          <a:p>
-            <a:fld id="{8CA0417E-8047-41CE-9E93-4FCB55A08913}" type="slidenum">
-              <a:rPr lang="en-US" smtClean="0"/>
-              <a:t>4</a:t>
-            </a:fld>
-            <a:endParaRPr lang="en-US"/>
-          </a:p>
-        </p:txBody>
-      </p:sp>
       <p:pic>
         <p:nvPicPr>
-          <p:cNvPr id="7" name="Picture 2"/>
+          <p:cNvPr id="6" name="Picture 3"/>
           <p:cNvPicPr>
             <a:picLocks noChangeAspect="1" noChangeArrowheads="1"/>
           </p:cNvPicPr>
@@ -6507,7 +10832,7 @@
         </p:blipFill>
         <p:spPr bwMode="auto">
           <a:xfrm>
-            <a:off x="1524001" y="166262"/>
+            <a:off x="1524001" y="156427"/>
             <a:ext cx="9143998" cy="6454586"/>
           </a:xfrm>
           <a:prstGeom prst="rect">
@@ -6525,10 +10850,33 @@
           </a:extLst>
         </p:spPr>
       </p:pic>
+      <p:sp>
+        <p:nvSpPr>
+          <p:cNvPr id="5" name="Slide Number Placeholder 4"/>
+          <p:cNvSpPr>
+            <a:spLocks noGrp="1"/>
+          </p:cNvSpPr>
+          <p:nvPr>
+            <p:ph type="sldNum" sz="quarter" idx="12"/>
+          </p:nvPr>
+        </p:nvSpPr>
+        <p:spPr/>
+        <p:txBody>
+          <a:bodyPr/>
+          <a:lstStyle/>
+          <a:p>
+            <a:fld id="{8CA0417E-8047-41CE-9E93-4FCB55A08913}" type="slidenum">
+              <a:rPr lang="en-US" smtClean="0"/>
+              <a:t>4</a:t>
+            </a:fld>
+            <a:endParaRPr lang="en-US"/>
+          </a:p>
+        </p:txBody>
+      </p:sp>
     </p:spTree>
     <p:extLst>
       <p:ext uri="{BB962C8B-B14F-4D97-AF65-F5344CB8AC3E}">
-        <p14:creationId xmlns:p14="http://schemas.microsoft.com/office/powerpoint/2010/main" val="1743523733"/>
+        <p14:creationId xmlns:p14="http://schemas.microsoft.com/office/powerpoint/2010/main" val="3776634457"/>
       </p:ext>
     </p:extLst>
   </p:cSld>
@@ -6628,6 +10976,13 @@
   <p:clrMapOvr>
     <a:masterClrMapping/>
   </p:clrMapOvr>
+  <p:timing>
+    <p:tnLst>
+      <p:par>
+        <p:cTn id="1" dur="indefinite" restart="never" nodeType="tmRoot"/>
+      </p:par>
+    </p:tnLst>
+  </p:timing>
 </p:sld>
 </file>
 
@@ -6743,6 +11098,13 @@
   <p:clrMapOvr>
     <a:masterClrMapping/>
   </p:clrMapOvr>
+  <p:timing>
+    <p:tnLst>
+      <p:par>
+        <p:cTn id="1" dur="indefinite" restart="never" nodeType="tmRoot"/>
+      </p:par>
+    </p:tnLst>
+  </p:timing>
 </p:sld>
 </file>
 
@@ -6780,8 +11142,15 @@
           <a:p>
             <a:r>
               <a:rPr lang="en-US" dirty="0" smtClean="0"/>
-              <a:t>Stock Recruit Relationships</a:t>
-            </a:r>
+              <a:t>Stock Recruit </a:t>
+            </a:r>
+            <a:r>
+              <a:rPr lang="en-US" dirty="0" smtClean="0"/>
+              <a:t>Relationships</a:t>
+            </a:r>
+            <a:br>
+              <a:rPr lang="en-US" dirty="0" smtClean="0"/>
+            </a:br>
             <a:endParaRPr lang="en-US" dirty="0"/>
           </a:p>
         </p:txBody>
@@ -6867,7 +11236,7 @@
       </p:grpSpPr>
       <p:sp>
         <p:nvSpPr>
-          <p:cNvPr id="2" name="Title 1"/>
+          <p:cNvPr id="6" name="Title 5"/>
           <p:cNvSpPr>
             <a:spLocks noGrp="1"/>
           </p:cNvSpPr>
@@ -6881,12 +11250,8 @@
           <a:lstStyle/>
           <a:p>
             <a:r>
-              <a:rPr lang="en-US" dirty="0" err="1" smtClean="0"/>
-              <a:t>Beverton</a:t>
-            </a:r>
-            <a:r>
               <a:rPr lang="en-US" dirty="0" smtClean="0"/>
-              <a:t>-Holt</a:t>
+              <a:t>Control file setup for stock-recruit function</a:t>
             </a:r>
             <a:endParaRPr lang="en-US" dirty="0"/>
           </a:p>
@@ -6894,7 +11259,315 @@
       </p:sp>
       <p:sp>
         <p:nvSpPr>
-          <p:cNvPr id="4" name="Slide Number Placeholder 3"/>
+          <p:cNvPr id="7" name="Content Placeholder 6"/>
+          <p:cNvSpPr>
+            <a:spLocks noGrp="1"/>
+          </p:cNvSpPr>
+          <p:nvPr>
+            <p:ph idx="1"/>
+          </p:nvPr>
+        </p:nvSpPr>
+        <p:spPr>
+          <a:xfrm>
+            <a:off x="632716" y="1069975"/>
+            <a:ext cx="11819562" cy="5483225"/>
+          </a:xfrm>
+        </p:spPr>
+        <p:txBody>
+          <a:bodyPr>
+            <a:normAutofit/>
+          </a:bodyPr>
+          <a:lstStyle/>
+          <a:p>
+            <a:pPr marL="0" indent="0">
+              <a:buNone/>
+            </a:pPr>
+            <a:r>
+              <a:rPr lang="pt-BR" sz="2000" b="1" dirty="0">
+                <a:solidFill>
+                  <a:srgbClr val="C00000"/>
+                </a:solidFill>
+                <a:latin typeface="Courier New" panose="02070309020205020404" pitchFamily="49" charset="0"/>
+                <a:cs typeface="Courier New" panose="02070309020205020404" pitchFamily="49" charset="0"/>
+              </a:rPr>
+              <a:t>#_</a:t>
+            </a:r>
+            <a:r>
+              <a:rPr lang="pt-BR" sz="2000" b="1" dirty="0" smtClean="0">
+                <a:solidFill>
+                  <a:srgbClr val="C00000"/>
+                </a:solidFill>
+                <a:latin typeface="Courier New" panose="02070309020205020404" pitchFamily="49" charset="0"/>
+                <a:cs typeface="Courier New" panose="02070309020205020404" pitchFamily="49" charset="0"/>
+              </a:rPr>
+              <a:t>Spawner-Recruitment</a:t>
+            </a:r>
+          </a:p>
+          <a:p>
+            <a:pPr marL="0" indent="0">
+              <a:buNone/>
+            </a:pPr>
+            <a:r>
+              <a:rPr lang="pt-BR" sz="2000" b="1" dirty="0" smtClean="0">
+                <a:latin typeface="Courier New" panose="02070309020205020404" pitchFamily="49" charset="0"/>
+                <a:cs typeface="Courier New" panose="02070309020205020404" pitchFamily="49" charset="0"/>
+              </a:rPr>
+              <a:t>3 </a:t>
+            </a:r>
+            <a:r>
+              <a:rPr lang="pt-BR" sz="2000" b="1" dirty="0" smtClean="0">
+                <a:solidFill>
+                  <a:srgbClr val="C00000"/>
+                </a:solidFill>
+                <a:latin typeface="Courier New" panose="02070309020205020404" pitchFamily="49" charset="0"/>
+                <a:cs typeface="Courier New" panose="02070309020205020404" pitchFamily="49" charset="0"/>
+              </a:rPr>
+              <a:t>#_SR_function: 2=Ricker; 3=std_B-H; 4=SCAA; 5=Hockey; </a:t>
+            </a:r>
+          </a:p>
+          <a:p>
+            <a:pPr marL="0" indent="0">
+              <a:buNone/>
+            </a:pPr>
+            <a:r>
+              <a:rPr lang="pt-BR" sz="2000" b="1" dirty="0">
+                <a:solidFill>
+                  <a:srgbClr val="C00000"/>
+                </a:solidFill>
+                <a:latin typeface="Courier New" panose="02070309020205020404" pitchFamily="49" charset="0"/>
+                <a:cs typeface="Courier New" panose="02070309020205020404" pitchFamily="49" charset="0"/>
+              </a:rPr>
+              <a:t> </a:t>
+            </a:r>
+            <a:r>
+              <a:rPr lang="pt-BR" sz="2000" b="1" dirty="0" smtClean="0">
+                <a:solidFill>
+                  <a:srgbClr val="C00000"/>
+                </a:solidFill>
+                <a:latin typeface="Courier New" panose="02070309020205020404" pitchFamily="49" charset="0"/>
+                <a:cs typeface="Courier New" panose="02070309020205020404" pitchFamily="49" charset="0"/>
+              </a:rPr>
+              <a:t> # 6=B-H_flattop; 7=survival_3Parm; 8=Shepard_3Parm</a:t>
+            </a:r>
+          </a:p>
+          <a:p>
+            <a:pPr marL="0" indent="0">
+              <a:buNone/>
+            </a:pPr>
+            <a:r>
+              <a:rPr lang="pt-BR" sz="2000" b="1" dirty="0" smtClean="0">
+                <a:latin typeface="Courier New" panose="02070309020205020404" pitchFamily="49" charset="0"/>
+                <a:cs typeface="Courier New" panose="02070309020205020404" pitchFamily="49" charset="0"/>
+              </a:rPr>
+              <a:t>0 </a:t>
+            </a:r>
+            <a:r>
+              <a:rPr lang="pt-BR" sz="2000" b="1" dirty="0">
+                <a:solidFill>
+                  <a:srgbClr val="C00000"/>
+                </a:solidFill>
+                <a:latin typeface="Courier New" panose="02070309020205020404" pitchFamily="49" charset="0"/>
+                <a:cs typeface="Courier New" panose="02070309020205020404" pitchFamily="49" charset="0"/>
+              </a:rPr>
+              <a:t># 0/1 to use steepness in initial equ recruitment calculation</a:t>
+            </a:r>
+          </a:p>
+          <a:p>
+            <a:pPr marL="0" indent="0">
+              <a:buNone/>
+            </a:pPr>
+            <a:r>
+              <a:rPr lang="pt-BR" sz="2000" b="1" dirty="0">
+                <a:latin typeface="Courier New" panose="02070309020205020404" pitchFamily="49" charset="0"/>
+                <a:cs typeface="Courier New" panose="02070309020205020404" pitchFamily="49" charset="0"/>
+              </a:rPr>
+              <a:t>0 </a:t>
+            </a:r>
+            <a:r>
+              <a:rPr lang="pt-BR" sz="2000" b="1" dirty="0">
+                <a:solidFill>
+                  <a:srgbClr val="C00000"/>
+                </a:solidFill>
+                <a:latin typeface="Courier New" panose="02070309020205020404" pitchFamily="49" charset="0"/>
+                <a:cs typeface="Courier New" panose="02070309020205020404" pitchFamily="49" charset="0"/>
+              </a:rPr>
+              <a:t>#  future feature: </a:t>
+            </a:r>
+            <a:r>
+              <a:rPr lang="pt-BR" sz="2000" b="1" dirty="0" smtClean="0">
+                <a:solidFill>
+                  <a:srgbClr val="C00000"/>
+                </a:solidFill>
+                <a:latin typeface="Courier New" panose="02070309020205020404" pitchFamily="49" charset="0"/>
+                <a:cs typeface="Courier New" panose="02070309020205020404" pitchFamily="49" charset="0"/>
+              </a:rPr>
+              <a:t>0/1 </a:t>
+            </a:r>
+            <a:r>
+              <a:rPr lang="pt-BR" sz="2000" b="1" dirty="0">
+                <a:solidFill>
+                  <a:srgbClr val="C00000"/>
+                </a:solidFill>
+                <a:latin typeface="Courier New" panose="02070309020205020404" pitchFamily="49" charset="0"/>
+                <a:cs typeface="Courier New" panose="02070309020205020404" pitchFamily="49" charset="0"/>
+              </a:rPr>
+              <a:t>to make realized sigmaR a function of SR curvature </a:t>
+            </a:r>
+            <a:endParaRPr lang="pt-BR" sz="2000" b="1" dirty="0" smtClean="0">
+              <a:solidFill>
+                <a:srgbClr val="C00000"/>
+              </a:solidFill>
+              <a:latin typeface="Courier New" panose="02070309020205020404" pitchFamily="49" charset="0"/>
+              <a:cs typeface="Courier New" panose="02070309020205020404" pitchFamily="49" charset="0"/>
+            </a:endParaRPr>
+          </a:p>
+          <a:p>
+            <a:pPr marL="0" indent="0">
+              <a:buNone/>
+            </a:pPr>
+            <a:r>
+              <a:rPr lang="pt-BR" sz="2000" b="1" dirty="0" smtClean="0">
+                <a:solidFill>
+                  <a:srgbClr val="C00000"/>
+                </a:solidFill>
+                <a:latin typeface="Courier New" panose="02070309020205020404" pitchFamily="49" charset="0"/>
+                <a:cs typeface="Courier New" panose="02070309020205020404" pitchFamily="49" charset="0"/>
+              </a:rPr>
+              <a:t>#_</a:t>
+            </a:r>
+            <a:r>
+              <a:rPr lang="pt-BR" sz="2000" b="1" dirty="0" smtClean="0">
+                <a:solidFill>
+                  <a:srgbClr val="C00000"/>
+                </a:solidFill>
+                <a:latin typeface="Courier New" panose="02070309020205020404" pitchFamily="49" charset="0"/>
+                <a:cs typeface="Courier New" panose="02070309020205020404" pitchFamily="49" charset="0"/>
+              </a:rPr>
+              <a:t>LO  HI   INIT  PRIOR  PR_SD   PR_type PHASE   ... # parm_name</a:t>
+            </a:r>
+          </a:p>
+          <a:p>
+            <a:pPr marL="0" indent="0">
+              <a:buNone/>
+            </a:pPr>
+            <a:r>
+              <a:rPr lang="pt-BR" sz="2000" b="1" dirty="0" smtClean="0">
+                <a:latin typeface="Courier New" panose="02070309020205020404" pitchFamily="49" charset="0"/>
+                <a:cs typeface="Courier New" panose="02070309020205020404" pitchFamily="49" charset="0"/>
+              </a:rPr>
+              <a:t>5     20   10.6  10     5       0       1       ... </a:t>
+            </a:r>
+            <a:r>
+              <a:rPr lang="pt-BR" sz="2000" b="1" dirty="0" smtClean="0">
+                <a:solidFill>
+                  <a:srgbClr val="C00000"/>
+                </a:solidFill>
+                <a:latin typeface="Courier New" panose="02070309020205020404" pitchFamily="49" charset="0"/>
+                <a:cs typeface="Courier New" panose="02070309020205020404" pitchFamily="49" charset="0"/>
+              </a:rPr>
+              <a:t># SR_LN(R0)</a:t>
+            </a:r>
+          </a:p>
+          <a:p>
+            <a:pPr marL="0" indent="0">
+              <a:buNone/>
+            </a:pPr>
+            <a:r>
+              <a:rPr lang="pt-BR" sz="2000" b="1" dirty="0" smtClean="0">
+                <a:latin typeface="Courier New" panose="02070309020205020404" pitchFamily="49" charset="0"/>
+                <a:cs typeface="Courier New" panose="02070309020205020404" pitchFamily="49" charset="0"/>
+              </a:rPr>
+              <a:t>0.2   1    0.6   0.718  0.158   0       3       ... </a:t>
+            </a:r>
+            <a:r>
+              <a:rPr lang="pt-BR" sz="2000" b="1" dirty="0" smtClean="0">
+                <a:solidFill>
+                  <a:srgbClr val="C00000"/>
+                </a:solidFill>
+                <a:latin typeface="Courier New" panose="02070309020205020404" pitchFamily="49" charset="0"/>
+                <a:cs typeface="Courier New" panose="02070309020205020404" pitchFamily="49" charset="0"/>
+              </a:rPr>
+              <a:t># SR_BH_steep</a:t>
+            </a:r>
+          </a:p>
+          <a:p>
+            <a:pPr marL="0" indent="0">
+              <a:buNone/>
+            </a:pPr>
+            <a:r>
+              <a:rPr lang="pt-BR" sz="2000" b="1" dirty="0" smtClean="0">
+                <a:latin typeface="Courier New" panose="02070309020205020404" pitchFamily="49" charset="0"/>
+                <a:cs typeface="Courier New" panose="02070309020205020404" pitchFamily="49" charset="0"/>
+              </a:rPr>
+              <a:t>0.5   1.2  0.5   0.67   99      0       -6      ... </a:t>
+            </a:r>
+            <a:r>
+              <a:rPr lang="pt-BR" sz="2000" b="1" dirty="0" smtClean="0">
+                <a:solidFill>
+                  <a:srgbClr val="C00000"/>
+                </a:solidFill>
+                <a:latin typeface="Courier New" panose="02070309020205020404" pitchFamily="49" charset="0"/>
+                <a:cs typeface="Courier New" panose="02070309020205020404" pitchFamily="49" charset="0"/>
+              </a:rPr>
+              <a:t># SR_sigmaR</a:t>
+            </a:r>
+          </a:p>
+          <a:p>
+            <a:pPr marL="0" indent="0">
+              <a:buNone/>
+            </a:pPr>
+            <a:r>
+              <a:rPr lang="pt-BR" sz="2000" b="1" dirty="0" smtClean="0">
+                <a:latin typeface="Courier New" panose="02070309020205020404" pitchFamily="49" charset="0"/>
+                <a:cs typeface="Courier New" panose="02070309020205020404" pitchFamily="49" charset="0"/>
+              </a:rPr>
+              <a:t>-5    5    0     0      99      0       -50     ... </a:t>
+            </a:r>
+            <a:r>
+              <a:rPr lang="pt-BR" sz="2000" b="1" dirty="0" smtClean="0">
+                <a:solidFill>
+                  <a:srgbClr val="C00000"/>
+                </a:solidFill>
+                <a:latin typeface="Courier New" panose="02070309020205020404" pitchFamily="49" charset="0"/>
+                <a:cs typeface="Courier New" panose="02070309020205020404" pitchFamily="49" charset="0"/>
+              </a:rPr>
+              <a:t># SR_regime</a:t>
+            </a:r>
+          </a:p>
+          <a:p>
+            <a:pPr marL="0" indent="0">
+              <a:buNone/>
+            </a:pPr>
+            <a:r>
+              <a:rPr lang="pt-BR" sz="2000" b="1" dirty="0" smtClean="0">
+                <a:latin typeface="Courier New" panose="02070309020205020404" pitchFamily="49" charset="0"/>
+                <a:cs typeface="Courier New" panose="02070309020205020404" pitchFamily="49" charset="0"/>
+              </a:rPr>
+              <a:t>0     2    0     1      99      0       -50     ... </a:t>
+            </a:r>
+            <a:r>
+              <a:rPr lang="pt-BR" sz="2000" b="1" dirty="0" smtClean="0">
+                <a:solidFill>
+                  <a:srgbClr val="C00000"/>
+                </a:solidFill>
+                <a:latin typeface="Courier New" panose="02070309020205020404" pitchFamily="49" charset="0"/>
+                <a:cs typeface="Courier New" panose="02070309020205020404" pitchFamily="49" charset="0"/>
+              </a:rPr>
+              <a:t># SR_autocorr</a:t>
+            </a:r>
+            <a:endParaRPr lang="en-US" sz="2000" b="1" dirty="0">
+              <a:solidFill>
+                <a:srgbClr val="C00000"/>
+              </a:solidFill>
+              <a:latin typeface="Courier New" panose="02070309020205020404" pitchFamily="49" charset="0"/>
+              <a:cs typeface="Courier New" panose="02070309020205020404" pitchFamily="49" charset="0"/>
+            </a:endParaRPr>
+          </a:p>
+        </p:txBody>
+      </p:sp>
+      <p:sp>
+        <p:nvSpPr>
+          <p:cNvPr id="5" name="Slide Number Placeholder 4"/>
           <p:cNvSpPr>
             <a:spLocks noGrp="1"/>
           </p:cNvSpPr>
@@ -6911,123 +11584,14 @@
               <a:rPr lang="en-US" smtClean="0"/>
               <a:t>8</a:t>
             </a:fld>
-            <a:endParaRPr lang="en-US" dirty="0"/>
-          </a:p>
-        </p:txBody>
-      </p:sp>
-      <p:pic>
-        <p:nvPicPr>
-          <p:cNvPr id="9" name="Picture 8"/>
-          <p:cNvPicPr>
-            <a:picLocks noChangeAspect="1"/>
-          </p:cNvPicPr>
-          <p:nvPr/>
-        </p:nvPicPr>
-        <p:blipFill>
-          <a:blip r:embed="rId2"/>
-          <a:stretch>
-            <a:fillRect/>
-          </a:stretch>
-        </p:blipFill>
-        <p:spPr>
-          <a:xfrm>
-            <a:off x="838200" y="869694"/>
-            <a:ext cx="10998200" cy="1114682"/>
-          </a:xfrm>
-          <a:prstGeom prst="rect">
-            <a:avLst/>
-          </a:prstGeom>
-        </p:spPr>
-      </p:pic>
-      <p:sp>
-        <p:nvSpPr>
-          <p:cNvPr id="11" name="Content Placeholder 10"/>
-          <p:cNvSpPr>
-            <a:spLocks noGrp="1"/>
-          </p:cNvSpPr>
-          <p:nvPr>
-            <p:ph sz="half" idx="1"/>
-          </p:nvPr>
-        </p:nvSpPr>
-        <p:spPr>
-          <a:xfrm>
-            <a:off x="838200" y="2209800"/>
-            <a:ext cx="4940300" cy="4368798"/>
-          </a:xfrm>
-        </p:spPr>
-        <p:txBody>
-          <a:bodyPr/>
-          <a:lstStyle/>
-          <a:p>
-            <a:r>
-              <a:rPr lang="en-US" dirty="0" err="1" smtClean="0"/>
-              <a:t>Beverton</a:t>
-            </a:r>
-            <a:r>
-              <a:rPr lang="en-US" dirty="0" smtClean="0"/>
-              <a:t>-Holt is most common choice by far</a:t>
-            </a:r>
-          </a:p>
-          <a:p>
-            <a:r>
-              <a:rPr lang="en-US" i="1" dirty="0" smtClean="0"/>
-              <a:t>R</a:t>
-            </a:r>
-            <a:r>
-              <a:rPr lang="en-US" baseline="-25000" dirty="0" smtClean="0"/>
-              <a:t>0</a:t>
-            </a:r>
-            <a:r>
-              <a:rPr lang="en-US" dirty="0" smtClean="0"/>
-              <a:t> is key scale parameter for most models,</a:t>
-            </a:r>
-          </a:p>
-          <a:p>
-            <a:r>
-              <a:rPr lang="en-US" i="1" dirty="0" smtClean="0"/>
-              <a:t>h</a:t>
-            </a:r>
-            <a:r>
-              <a:rPr lang="en-US" dirty="0" smtClean="0"/>
-              <a:t> difficult to estimate, often doesn’t have strong impact on fit to data, but plays big role in reference points and forecasts</a:t>
-            </a:r>
-            <a:endParaRPr lang="en-US" dirty="0"/>
-          </a:p>
-        </p:txBody>
-      </p:sp>
-      <p:pic>
-        <p:nvPicPr>
-          <p:cNvPr id="12" name="Content Placeholder 7"/>
-          <p:cNvPicPr>
-            <a:picLocks noGrp="1" noChangeAspect="1"/>
-          </p:cNvPicPr>
-          <p:nvPr>
-            <p:ph sz="half" idx="2"/>
-          </p:nvPr>
-        </p:nvPicPr>
-        <p:blipFill>
-          <a:blip r:embed="rId3">
-            <a:extLst>
-              <a:ext uri="{28A0092B-C50C-407E-A947-70E740481C1C}">
-                <a14:useLocalDpi xmlns:a14="http://schemas.microsoft.com/office/drawing/2010/main" val="0"/>
-              </a:ext>
-            </a:extLst>
-          </a:blip>
-          <a:stretch>
-            <a:fillRect/>
-          </a:stretch>
-        </p:blipFill>
-        <p:spPr>
-          <a:xfrm>
-            <a:off x="6299200" y="1739900"/>
-            <a:ext cx="4838700" cy="4838700"/>
-          </a:xfrm>
-        </p:spPr>
-      </p:pic>
+            <a:endParaRPr lang="en-US"/>
+          </a:p>
+        </p:txBody>
+      </p:sp>
     </p:spTree>
     <p:extLst>
       <p:ext uri="{BB962C8B-B14F-4D97-AF65-F5344CB8AC3E}">
-        <p14:creationId xmlns:p14="http://schemas.microsoft.com/office/powerpoint/2010/main" val="1569043924"/>
+        <p14:creationId xmlns:p14="http://schemas.microsoft.com/office/powerpoint/2010/main" val="469503780"/>
       </p:ext>
     </p:extLst>
   </p:cSld>
@@ -7063,7 +11627,7 @@
       </p:grpSpPr>
       <p:sp>
         <p:nvSpPr>
-          <p:cNvPr id="6" name="Title 5"/>
+          <p:cNvPr id="2" name="Title 1"/>
           <p:cNvSpPr>
             <a:spLocks noGrp="1"/>
           </p:cNvSpPr>
@@ -7076,107 +11640,21 @@
           <a:bodyPr/>
           <a:lstStyle/>
           <a:p>
-            <a:endParaRPr lang="en-US"/>
-          </a:p>
-        </p:txBody>
-      </p:sp>
-      <p:sp>
-        <p:nvSpPr>
-          <p:cNvPr id="7" name="Content Placeholder 6"/>
-          <p:cNvSpPr>
-            <a:spLocks noGrp="1"/>
-          </p:cNvSpPr>
-          <p:nvPr>
-            <p:ph idx="1"/>
-          </p:nvPr>
-        </p:nvSpPr>
-        <p:spPr/>
-        <p:txBody>
-          <a:bodyPr>
-            <a:normAutofit/>
-          </a:bodyPr>
-          <a:lstStyle/>
-          <a:p>
-            <a:pPr marL="0" indent="0">
-              <a:buNone/>
-            </a:pPr>
-            <a:r>
-              <a:rPr lang="pt-BR" sz="2000" b="1" dirty="0" smtClean="0">
-                <a:latin typeface="Courier New" panose="02070309020205020404" pitchFamily="49" charset="0"/>
-                <a:cs typeface="Courier New" panose="02070309020205020404" pitchFamily="49" charset="0"/>
-              </a:rPr>
-              <a:t>#_LO  HI   INIT  PRIOR  PR_SD   PR_type PHASE   ... # parm_name</a:t>
-            </a:r>
-          </a:p>
-          <a:p>
-            <a:pPr marL="0" indent="0">
-              <a:buNone/>
-            </a:pPr>
-            <a:r>
-              <a:rPr lang="pt-BR" sz="2000" b="1" dirty="0" smtClean="0">
-                <a:latin typeface="Courier New" panose="02070309020205020404" pitchFamily="49" charset="0"/>
-                <a:cs typeface="Courier New" panose="02070309020205020404" pitchFamily="49" charset="0"/>
-              </a:rPr>
-              <a:t>5     20   10.6  10     5       0       1       ... # SR_LN(R0)</a:t>
-            </a:r>
-          </a:p>
-          <a:p>
-            <a:pPr marL="0" indent="0">
-              <a:buNone/>
-            </a:pPr>
-            <a:r>
-              <a:rPr lang="pt-BR" sz="2000" b="1" dirty="0" smtClean="0">
-                <a:latin typeface="Courier New" panose="02070309020205020404" pitchFamily="49" charset="0"/>
-                <a:cs typeface="Courier New" panose="02070309020205020404" pitchFamily="49" charset="0"/>
-              </a:rPr>
-              <a:t>0.2   1    0.6   0.718  0.158   0       3       ... # SR_BH_steep</a:t>
-            </a:r>
-          </a:p>
-          <a:p>
-            <a:pPr marL="0" indent="0">
-              <a:buNone/>
-            </a:pPr>
-            <a:r>
-              <a:rPr lang="pt-BR" sz="2000" b="1" dirty="0" smtClean="0">
-                <a:latin typeface="Courier New" panose="02070309020205020404" pitchFamily="49" charset="0"/>
-                <a:cs typeface="Courier New" panose="02070309020205020404" pitchFamily="49" charset="0"/>
-              </a:rPr>
-              <a:t>0.5   1.2  0.5   0.67   99      0       -6      ... # SR_sigmaR</a:t>
-            </a:r>
-          </a:p>
-          <a:p>
-            <a:pPr marL="0" indent="0">
-              <a:buNone/>
-            </a:pPr>
-            <a:r>
-              <a:rPr lang="pt-BR" sz="2000" b="1" dirty="0" smtClean="0">
-                <a:latin typeface="Courier New" panose="02070309020205020404" pitchFamily="49" charset="0"/>
-                <a:cs typeface="Courier New" panose="02070309020205020404" pitchFamily="49" charset="0"/>
-              </a:rPr>
-              <a:t>-5    5    0     0      99      0       -50     ... # SR_regime</a:t>
-            </a:r>
-          </a:p>
-          <a:p>
-            <a:pPr marL="0" indent="0">
-              <a:buNone/>
-            </a:pPr>
-            <a:r>
-              <a:rPr lang="pt-BR" sz="2000" b="1" dirty="0" smtClean="0">
-                <a:latin typeface="Courier New" panose="02070309020205020404" pitchFamily="49" charset="0"/>
-                <a:cs typeface="Courier New" panose="02070309020205020404" pitchFamily="49" charset="0"/>
-              </a:rPr>
-              <a:t>0     2    0     1      99      0       -50     ... # SR_autocorr</a:t>
-            </a:r>
-            <a:endParaRPr lang="en-US" sz="2000" b="1" dirty="0">
-              <a:latin typeface="Courier New" panose="02070309020205020404" pitchFamily="49" charset="0"/>
-              <a:cs typeface="Courier New" panose="02070309020205020404" pitchFamily="49" charset="0"/>
-            </a:endParaRPr>
-          </a:p>
-        </p:txBody>
-      </p:sp>
-      <p:sp>
-        <p:nvSpPr>
-          <p:cNvPr id="5" name="Slide Number Placeholder 4"/>
+            <a:r>
+              <a:rPr lang="en-US" dirty="0" err="1" smtClean="0"/>
+              <a:t>Beverton</a:t>
+            </a:r>
+            <a:r>
+              <a:rPr lang="en-US" dirty="0" smtClean="0"/>
+              <a:t>-Holt</a:t>
+            </a:r>
+            <a:endParaRPr lang="en-US" dirty="0"/>
+          </a:p>
+        </p:txBody>
+      </p:sp>
+      <p:sp>
+        <p:nvSpPr>
+          <p:cNvPr id="4" name="Slide Number Placeholder 3"/>
           <p:cNvSpPr>
             <a:spLocks noGrp="1"/>
           </p:cNvSpPr>
@@ -7193,14 +11671,213 @@
               <a:rPr lang="en-US" smtClean="0"/>
               <a:t>9</a:t>
             </a:fld>
-            <a:endParaRPr lang="en-US"/>
+            <a:endParaRPr lang="en-US" dirty="0"/>
+          </a:p>
+        </p:txBody>
+      </p:sp>
+      <p:pic>
+        <p:nvPicPr>
+          <p:cNvPr id="9" name="Picture 8"/>
+          <p:cNvPicPr>
+            <a:picLocks noChangeAspect="1"/>
+          </p:cNvPicPr>
+          <p:nvPr/>
+        </p:nvPicPr>
+        <p:blipFill>
+          <a:blip r:embed="rId2"/>
+          <a:stretch>
+            <a:fillRect/>
+          </a:stretch>
+        </p:blipFill>
+        <p:spPr>
+          <a:xfrm>
+            <a:off x="838200" y="869694"/>
+            <a:ext cx="10998200" cy="1114682"/>
+          </a:xfrm>
+          <a:prstGeom prst="rect">
+            <a:avLst/>
+          </a:prstGeom>
+        </p:spPr>
+      </p:pic>
+      <p:sp>
+        <p:nvSpPr>
+          <p:cNvPr id="11" name="Content Placeholder 10"/>
+          <p:cNvSpPr>
+            <a:spLocks noGrp="1"/>
+          </p:cNvSpPr>
+          <p:nvPr>
+            <p:ph sz="half" idx="1"/>
+          </p:nvPr>
+        </p:nvSpPr>
+        <p:spPr>
+          <a:xfrm>
+            <a:off x="838200" y="2209800"/>
+            <a:ext cx="4940300" cy="4368798"/>
+          </a:xfrm>
+        </p:spPr>
+        <p:txBody>
+          <a:bodyPr/>
+          <a:lstStyle/>
+          <a:p>
+            <a:r>
+              <a:rPr lang="en-US" dirty="0" err="1" smtClean="0"/>
+              <a:t>Beverton</a:t>
+            </a:r>
+            <a:r>
+              <a:rPr lang="en-US" dirty="0" smtClean="0"/>
+              <a:t>-Holt is most common choice by far</a:t>
+            </a:r>
+          </a:p>
+          <a:p>
+            <a:r>
+              <a:rPr lang="en-US" i="1" dirty="0" smtClean="0"/>
+              <a:t>R</a:t>
+            </a:r>
+            <a:r>
+              <a:rPr lang="en-US" baseline="-25000" dirty="0" smtClean="0"/>
+              <a:t>0</a:t>
+            </a:r>
+            <a:r>
+              <a:rPr lang="en-US" dirty="0" smtClean="0"/>
+              <a:t> is key scale parameter for most models,</a:t>
+            </a:r>
+          </a:p>
+          <a:p>
+            <a:r>
+              <a:rPr lang="en-US" i="1" dirty="0" smtClean="0"/>
+              <a:t>h</a:t>
+            </a:r>
+            <a:r>
+              <a:rPr lang="en-US" dirty="0" smtClean="0"/>
+              <a:t> difficult to estimate, often doesn’t have strong impact on fit to data, but plays big role in reference points and forecasts</a:t>
+            </a:r>
+            <a:endParaRPr lang="en-US" dirty="0"/>
+          </a:p>
+        </p:txBody>
+      </p:sp>
+      <p:pic>
+        <p:nvPicPr>
+          <p:cNvPr id="12" name="Content Placeholder 7"/>
+          <p:cNvPicPr>
+            <a:picLocks noGrp="1" noChangeAspect="1"/>
+          </p:cNvPicPr>
+          <p:nvPr>
+            <p:ph sz="half" idx="2"/>
+          </p:nvPr>
+        </p:nvPicPr>
+        <p:blipFill>
+          <a:blip r:embed="rId3">
+            <a:extLst>
+              <a:ext uri="{28A0092B-C50C-407E-A947-70E740481C1C}">
+                <a14:useLocalDpi xmlns:a14="http://schemas.microsoft.com/office/drawing/2010/main" val="0"/>
+              </a:ext>
+            </a:extLst>
+          </a:blip>
+          <a:stretch>
+            <a:fillRect/>
+          </a:stretch>
+        </p:blipFill>
+        <p:spPr>
+          <a:xfrm>
+            <a:off x="6299200" y="1739900"/>
+            <a:ext cx="4838700" cy="4838700"/>
+          </a:xfrm>
+        </p:spPr>
+      </p:pic>
+      <p:cxnSp>
+        <p:nvCxnSpPr>
+          <p:cNvPr id="7" name="Straight Arrow Connector 6"/>
+          <p:cNvCxnSpPr/>
+          <p:nvPr/>
+        </p:nvCxnSpPr>
+        <p:spPr>
+          <a:xfrm>
+            <a:off x="11559654" y="709684"/>
+            <a:ext cx="0" cy="504967"/>
+          </a:xfrm>
+          <a:prstGeom prst="straightConnector1">
+            <a:avLst/>
+          </a:prstGeom>
+          <a:ln w="38100">
+            <a:solidFill>
+              <a:srgbClr val="C00000"/>
+            </a:solidFill>
+            <a:tailEnd type="triangle"/>
+          </a:ln>
+        </p:spPr>
+        <p:style>
+          <a:lnRef idx="1">
+            <a:schemeClr val="accent1"/>
+          </a:lnRef>
+          <a:fillRef idx="0">
+            <a:schemeClr val="accent1"/>
+          </a:fillRef>
+          <a:effectRef idx="0">
+            <a:schemeClr val="accent1"/>
+          </a:effectRef>
+          <a:fontRef idx="minor">
+            <a:schemeClr val="tx1"/>
+          </a:fontRef>
+        </p:style>
+      </p:cxnSp>
+      <p:sp>
+        <p:nvSpPr>
+          <p:cNvPr id="10" name="TextBox 9"/>
+          <p:cNvSpPr txBox="1"/>
+          <p:nvPr/>
+        </p:nvSpPr>
+        <p:spPr>
+          <a:xfrm>
+            <a:off x="8847540" y="-10397"/>
+            <a:ext cx="4258101" cy="646331"/>
+          </a:xfrm>
+          <a:prstGeom prst="rect">
+            <a:avLst/>
+          </a:prstGeom>
+          <a:noFill/>
+        </p:spPr>
+        <p:txBody>
+          <a:bodyPr wrap="square" rtlCol="0">
+            <a:spAutoFit/>
+          </a:bodyPr>
+          <a:lstStyle/>
+          <a:p>
+            <a:pPr algn="ctr"/>
+            <a:r>
+              <a:rPr lang="en-US" dirty="0" smtClean="0">
+                <a:solidFill>
+                  <a:srgbClr val="C00000"/>
+                </a:solidFill>
+              </a:rPr>
+              <a:t>Equations from </a:t>
+            </a:r>
+            <a:br>
+              <a:rPr lang="en-US" dirty="0" smtClean="0">
+                <a:solidFill>
+                  <a:srgbClr val="C00000"/>
+                </a:solidFill>
+              </a:rPr>
+            </a:br>
+            <a:r>
+              <a:rPr lang="en-US" dirty="0" smtClean="0">
+                <a:solidFill>
+                  <a:srgbClr val="C00000"/>
+                </a:solidFill>
+              </a:rPr>
+              <a:t>SS User Manual (3.30.08)</a:t>
+            </a:r>
+            <a:endParaRPr lang="en-US" dirty="0">
+              <a:solidFill>
+                <a:srgbClr val="C00000"/>
+              </a:solidFill>
+            </a:endParaRPr>
           </a:p>
         </p:txBody>
       </p:sp>
     </p:spTree>
     <p:extLst>
       <p:ext uri="{BB962C8B-B14F-4D97-AF65-F5344CB8AC3E}">
-        <p14:creationId xmlns:p14="http://schemas.microsoft.com/office/powerpoint/2010/main" val="469503780"/>
+        <p14:creationId xmlns:p14="http://schemas.microsoft.com/office/powerpoint/2010/main" val="1569043924"/>
       </p:ext>
     </p:extLst>
   </p:cSld>

--- a/Modeling Recruitment in Stock Synthesis.pptx
+++ b/Modeling Recruitment in Stock Synthesis.pptx
@@ -5,40 +5,44 @@
     <p:sldMasterId id="2147483648" r:id="rId1"/>
   </p:sldMasterIdLst>
   <p:notesMasterIdLst>
-    <p:notesMasterId r:id="rId33"/>
+    <p:notesMasterId r:id="rId37"/>
   </p:notesMasterIdLst>
   <p:sldIdLst>
     <p:sldId id="256" r:id="rId2"/>
-    <p:sldId id="257" r:id="rId3"/>
-    <p:sldId id="278" r:id="rId4"/>
-    <p:sldId id="291" r:id="rId5"/>
-    <p:sldId id="280" r:id="rId6"/>
-    <p:sldId id="281" r:id="rId7"/>
-    <p:sldId id="260" r:id="rId8"/>
-    <p:sldId id="262" r:id="rId9"/>
-    <p:sldId id="259" r:id="rId10"/>
-    <p:sldId id="285" r:id="rId11"/>
-    <p:sldId id="261" r:id="rId12"/>
-    <p:sldId id="263" r:id="rId13"/>
-    <p:sldId id="264" r:id="rId14"/>
-    <p:sldId id="283" r:id="rId15"/>
-    <p:sldId id="287" r:id="rId16"/>
-    <p:sldId id="282" r:id="rId17"/>
-    <p:sldId id="286" r:id="rId18"/>
-    <p:sldId id="292" r:id="rId19"/>
-    <p:sldId id="274" r:id="rId20"/>
-    <p:sldId id="289" r:id="rId21"/>
-    <p:sldId id="284" r:id="rId22"/>
-    <p:sldId id="290" r:id="rId23"/>
-    <p:sldId id="265" r:id="rId24"/>
-    <p:sldId id="293" r:id="rId25"/>
-    <p:sldId id="266" r:id="rId26"/>
-    <p:sldId id="267" r:id="rId27"/>
-    <p:sldId id="268" r:id="rId28"/>
-    <p:sldId id="269" r:id="rId29"/>
-    <p:sldId id="271" r:id="rId30"/>
-    <p:sldId id="270" r:id="rId31"/>
-    <p:sldId id="272" r:id="rId32"/>
+    <p:sldId id="294" r:id="rId3"/>
+    <p:sldId id="257" r:id="rId4"/>
+    <p:sldId id="278" r:id="rId5"/>
+    <p:sldId id="291" r:id="rId6"/>
+    <p:sldId id="280" r:id="rId7"/>
+    <p:sldId id="281" r:id="rId8"/>
+    <p:sldId id="260" r:id="rId9"/>
+    <p:sldId id="262" r:id="rId10"/>
+    <p:sldId id="259" r:id="rId11"/>
+    <p:sldId id="285" r:id="rId12"/>
+    <p:sldId id="261" r:id="rId13"/>
+    <p:sldId id="263" r:id="rId14"/>
+    <p:sldId id="264" r:id="rId15"/>
+    <p:sldId id="283" r:id="rId16"/>
+    <p:sldId id="287" r:id="rId17"/>
+    <p:sldId id="297" r:id="rId18"/>
+    <p:sldId id="282" r:id="rId19"/>
+    <p:sldId id="286" r:id="rId20"/>
+    <p:sldId id="292" r:id="rId21"/>
+    <p:sldId id="274" r:id="rId22"/>
+    <p:sldId id="289" r:id="rId23"/>
+    <p:sldId id="284" r:id="rId24"/>
+    <p:sldId id="290" r:id="rId25"/>
+    <p:sldId id="265" r:id="rId26"/>
+    <p:sldId id="295" r:id="rId27"/>
+    <p:sldId id="293" r:id="rId28"/>
+    <p:sldId id="296" r:id="rId29"/>
+    <p:sldId id="266" r:id="rId30"/>
+    <p:sldId id="299" r:id="rId31"/>
+    <p:sldId id="267" r:id="rId32"/>
+    <p:sldId id="268" r:id="rId33"/>
+    <p:sldId id="269" r:id="rId34"/>
+    <p:sldId id="270" r:id="rId35"/>
+    <p:sldId id="272" r:id="rId36"/>
   </p:sldIdLst>
   <p:sldSz cx="12192000" cy="6858000"/>
   <p:notesSz cx="6858000" cy="9144000"/>
@@ -3397,44 +3401,6 @@
           </a:p>
         </p:txBody>
       </p:sp>
-      <p:sp>
-        <p:nvSpPr>
-          <p:cNvPr id="4" name="TextBox 3"/>
-          <p:cNvSpPr txBox="1"/>
-          <p:nvPr/>
-        </p:nvSpPr>
-        <p:spPr>
-          <a:xfrm>
-            <a:off x="2698146" y="5257800"/>
-            <a:ext cx="6795707" cy="707886"/>
-          </a:xfrm>
-          <a:prstGeom prst="rect">
-            <a:avLst/>
-          </a:prstGeom>
-          <a:noFill/>
-        </p:spPr>
-        <p:txBody>
-          <a:bodyPr wrap="none" rtlCol="0">
-            <a:spAutoFit/>
-          </a:bodyPr>
-          <a:lstStyle/>
-          <a:p>
-            <a:r>
-              <a:rPr lang="en-US" sz="4000" dirty="0" smtClean="0">
-                <a:solidFill>
-                  <a:srgbClr val="C00000"/>
-                </a:solidFill>
-              </a:rPr>
-              <a:t>Incomplete DRAFT presentation</a:t>
-            </a:r>
-            <a:endParaRPr lang="en-US" sz="4000" dirty="0">
-              <a:solidFill>
-                <a:srgbClr val="C00000"/>
-              </a:solidFill>
-            </a:endParaRPr>
-          </a:p>
-        </p:txBody>
-      </p:sp>
     </p:spTree>
     <p:extLst>
       <p:ext uri="{BB962C8B-B14F-4D97-AF65-F5344CB8AC3E}">
@@ -3474,6 +3440,292 @@
       </p:grpSpPr>
       <p:sp>
         <p:nvSpPr>
+          <p:cNvPr id="2" name="Title 1"/>
+          <p:cNvSpPr>
+            <a:spLocks noGrp="1"/>
+          </p:cNvSpPr>
+          <p:nvPr>
+            <p:ph type="title"/>
+          </p:nvPr>
+        </p:nvSpPr>
+        <p:spPr/>
+        <p:txBody>
+          <a:bodyPr/>
+          <a:lstStyle/>
+          <a:p>
+            <a:r>
+              <a:rPr lang="en-US" dirty="0" err="1" smtClean="0"/>
+              <a:t>Beverton</a:t>
+            </a:r>
+            <a:r>
+              <a:rPr lang="en-US" dirty="0" smtClean="0"/>
+              <a:t>-Holt</a:t>
+            </a:r>
+            <a:endParaRPr lang="en-US" dirty="0"/>
+          </a:p>
+        </p:txBody>
+      </p:sp>
+      <p:sp>
+        <p:nvSpPr>
+          <p:cNvPr id="4" name="Slide Number Placeholder 3"/>
+          <p:cNvSpPr>
+            <a:spLocks noGrp="1"/>
+          </p:cNvSpPr>
+          <p:nvPr>
+            <p:ph type="sldNum" sz="quarter" idx="12"/>
+          </p:nvPr>
+        </p:nvSpPr>
+        <p:spPr/>
+        <p:txBody>
+          <a:bodyPr/>
+          <a:lstStyle/>
+          <a:p>
+            <a:fld id="{8CA0417E-8047-41CE-9E93-4FCB55A08913}" type="slidenum">
+              <a:rPr lang="en-US" smtClean="0"/>
+              <a:t>10</a:t>
+            </a:fld>
+            <a:endParaRPr lang="en-US" dirty="0"/>
+          </a:p>
+        </p:txBody>
+      </p:sp>
+      <p:pic>
+        <p:nvPicPr>
+          <p:cNvPr id="9" name="Picture 8"/>
+          <p:cNvPicPr>
+            <a:picLocks noChangeAspect="1"/>
+          </p:cNvPicPr>
+          <p:nvPr/>
+        </p:nvPicPr>
+        <p:blipFill>
+          <a:blip r:embed="rId2"/>
+          <a:stretch>
+            <a:fillRect/>
+          </a:stretch>
+        </p:blipFill>
+        <p:spPr>
+          <a:xfrm>
+            <a:off x="838200" y="869694"/>
+            <a:ext cx="10998200" cy="1114682"/>
+          </a:xfrm>
+          <a:prstGeom prst="rect">
+            <a:avLst/>
+          </a:prstGeom>
+        </p:spPr>
+      </p:pic>
+      <p:sp>
+        <p:nvSpPr>
+          <p:cNvPr id="11" name="Content Placeholder 10"/>
+          <p:cNvSpPr>
+            <a:spLocks noGrp="1"/>
+          </p:cNvSpPr>
+          <p:nvPr>
+            <p:ph sz="half" idx="1"/>
+          </p:nvPr>
+        </p:nvSpPr>
+        <p:spPr>
+          <a:xfrm>
+            <a:off x="838200" y="2209800"/>
+            <a:ext cx="4940300" cy="4368798"/>
+          </a:xfrm>
+        </p:spPr>
+        <p:txBody>
+          <a:bodyPr/>
+          <a:lstStyle/>
+          <a:p>
+            <a:r>
+              <a:rPr lang="en-US" dirty="0" err="1" smtClean="0"/>
+              <a:t>Beverton</a:t>
+            </a:r>
+            <a:r>
+              <a:rPr lang="en-US" dirty="0" smtClean="0"/>
+              <a:t>-Holt is most common choice by far</a:t>
+            </a:r>
+          </a:p>
+          <a:p>
+            <a:r>
+              <a:rPr lang="en-US" i="1" dirty="0" smtClean="0"/>
+              <a:t>R</a:t>
+            </a:r>
+            <a:r>
+              <a:rPr lang="en-US" baseline="-25000" dirty="0" smtClean="0"/>
+              <a:t>0</a:t>
+            </a:r>
+            <a:r>
+              <a:rPr lang="en-US" dirty="0" smtClean="0"/>
+              <a:t> is key scale parameter for most models,</a:t>
+            </a:r>
+          </a:p>
+          <a:p>
+            <a:r>
+              <a:rPr lang="en-US" i="1" dirty="0" smtClean="0"/>
+              <a:t>h</a:t>
+            </a:r>
+            <a:r>
+              <a:rPr lang="en-US" dirty="0" smtClean="0"/>
+              <a:t> difficult to estimate, often doesn’t have strong impact on fit to data, but plays big role in reference points and forecasts</a:t>
+            </a:r>
+            <a:endParaRPr lang="en-US" dirty="0"/>
+          </a:p>
+        </p:txBody>
+      </p:sp>
+      <p:pic>
+        <p:nvPicPr>
+          <p:cNvPr id="12" name="Content Placeholder 7"/>
+          <p:cNvPicPr>
+            <a:picLocks noGrp="1" noChangeAspect="1"/>
+          </p:cNvPicPr>
+          <p:nvPr>
+            <p:ph sz="half" idx="2"/>
+          </p:nvPr>
+        </p:nvPicPr>
+        <p:blipFill>
+          <a:blip r:embed="rId3">
+            <a:extLst>
+              <a:ext uri="{28A0092B-C50C-407E-A947-70E740481C1C}">
+                <a14:useLocalDpi xmlns:a14="http://schemas.microsoft.com/office/drawing/2010/main" val="0"/>
+              </a:ext>
+            </a:extLst>
+          </a:blip>
+          <a:stretch>
+            <a:fillRect/>
+          </a:stretch>
+        </p:blipFill>
+        <p:spPr>
+          <a:xfrm>
+            <a:off x="6299200" y="1739900"/>
+            <a:ext cx="4838700" cy="4838700"/>
+          </a:xfrm>
+        </p:spPr>
+      </p:pic>
+      <p:cxnSp>
+        <p:nvCxnSpPr>
+          <p:cNvPr id="7" name="Straight Arrow Connector 6"/>
+          <p:cNvCxnSpPr/>
+          <p:nvPr/>
+        </p:nvCxnSpPr>
+        <p:spPr>
+          <a:xfrm>
+            <a:off x="11559654" y="709684"/>
+            <a:ext cx="0" cy="504967"/>
+          </a:xfrm>
+          <a:prstGeom prst="straightConnector1">
+            <a:avLst/>
+          </a:prstGeom>
+          <a:ln w="38100">
+            <a:solidFill>
+              <a:srgbClr val="C00000"/>
+            </a:solidFill>
+            <a:tailEnd type="triangle"/>
+          </a:ln>
+        </p:spPr>
+        <p:style>
+          <a:lnRef idx="1">
+            <a:schemeClr val="accent1"/>
+          </a:lnRef>
+          <a:fillRef idx="0">
+            <a:schemeClr val="accent1"/>
+          </a:fillRef>
+          <a:effectRef idx="0">
+            <a:schemeClr val="accent1"/>
+          </a:effectRef>
+          <a:fontRef idx="minor">
+            <a:schemeClr val="tx1"/>
+          </a:fontRef>
+        </p:style>
+      </p:cxnSp>
+      <p:sp>
+        <p:nvSpPr>
+          <p:cNvPr id="10" name="TextBox 9"/>
+          <p:cNvSpPr txBox="1"/>
+          <p:nvPr/>
+        </p:nvSpPr>
+        <p:spPr>
+          <a:xfrm>
+            <a:off x="8847540" y="-10397"/>
+            <a:ext cx="4258101" cy="646331"/>
+          </a:xfrm>
+          <a:prstGeom prst="rect">
+            <a:avLst/>
+          </a:prstGeom>
+          <a:noFill/>
+        </p:spPr>
+        <p:txBody>
+          <a:bodyPr wrap="square" rtlCol="0">
+            <a:spAutoFit/>
+          </a:bodyPr>
+          <a:lstStyle/>
+          <a:p>
+            <a:pPr algn="ctr"/>
+            <a:r>
+              <a:rPr lang="en-US" dirty="0" smtClean="0">
+                <a:solidFill>
+                  <a:srgbClr val="C00000"/>
+                </a:solidFill>
+              </a:rPr>
+              <a:t>Equations from </a:t>
+            </a:r>
+            <a:br>
+              <a:rPr lang="en-US" dirty="0" smtClean="0">
+                <a:solidFill>
+                  <a:srgbClr val="C00000"/>
+                </a:solidFill>
+              </a:rPr>
+            </a:br>
+            <a:r>
+              <a:rPr lang="en-US" dirty="0" smtClean="0">
+                <a:solidFill>
+                  <a:srgbClr val="C00000"/>
+                </a:solidFill>
+              </a:rPr>
+              <a:t>SS User Manual (3.30.08)</a:t>
+            </a:r>
+            <a:endParaRPr lang="en-US" dirty="0">
+              <a:solidFill>
+                <a:srgbClr val="C00000"/>
+              </a:solidFill>
+            </a:endParaRPr>
+          </a:p>
+        </p:txBody>
+      </p:sp>
+    </p:spTree>
+    <p:extLst>
+      <p:ext uri="{BB962C8B-B14F-4D97-AF65-F5344CB8AC3E}">
+        <p14:creationId xmlns:p14="http://schemas.microsoft.com/office/powerpoint/2010/main" val="1569043924"/>
+      </p:ext>
+    </p:extLst>
+  </p:cSld>
+  <p:clrMapOvr>
+    <a:masterClrMapping/>
+  </p:clrMapOvr>
+  <p:timing>
+    <p:tnLst>
+      <p:par>
+        <p:cTn id="1" dur="indefinite" restart="never" nodeType="tmRoot"/>
+      </p:par>
+    </p:tnLst>
+  </p:timing>
+</p:sld>
+</file>
+
+<file path=ppt/slides/slide11.xml><?xml version="1.0" encoding="utf-8"?>
+<p:sld xmlns:a="http://schemas.openxmlformats.org/drawingml/2006/main" xmlns:r="http://schemas.openxmlformats.org/officeDocument/2006/relationships" xmlns:p="http://schemas.openxmlformats.org/presentationml/2006/main">
+  <p:cSld>
+    <p:spTree>
+      <p:nvGrpSpPr>
+        <p:cNvPr id="1" name=""/>
+        <p:cNvGrpSpPr/>
+        <p:nvPr/>
+      </p:nvGrpSpPr>
+      <p:grpSpPr>
+        <a:xfrm>
+          <a:off x="0" y="0"/>
+          <a:ext cx="0" cy="0"/>
+          <a:chOff x="0" y="0"/>
+          <a:chExt cx="0" cy="0"/>
+        </a:xfrm>
+      </p:grpSpPr>
+      <p:sp>
+        <p:nvSpPr>
           <p:cNvPr id="2" name="Rectangle 1"/>
           <p:cNvSpPr/>
           <p:nvPr/>
@@ -4014,7 +4266,7 @@
           <a:p>
             <a:fld id="{8CA0417E-8047-41CE-9E93-4FCB55A08913}" type="slidenum">
               <a:rPr lang="en-US" smtClean="0"/>
-              <a:t>10</a:t>
+              <a:t>11</a:t>
             </a:fld>
             <a:endParaRPr lang="en-US"/>
           </a:p>
@@ -4040,7 +4292,7 @@
 </p:sld>
 </file>
 
-<file path=ppt/slides/slide11.xml><?xml version="1.0" encoding="utf-8"?>
+<file path=ppt/slides/slide12.xml><?xml version="1.0" encoding="utf-8"?>
 <p:sld xmlns:a="http://schemas.openxmlformats.org/drawingml/2006/main" xmlns:r="http://schemas.openxmlformats.org/officeDocument/2006/relationships" xmlns:p="http://schemas.openxmlformats.org/presentationml/2006/main">
   <p:cSld>
     <p:spTree>
@@ -4166,7 +4418,7 @@
           <a:p>
             <a:fld id="{8CA0417E-8047-41CE-9E93-4FCB55A08913}" type="slidenum">
               <a:rPr lang="en-US" smtClean="0"/>
-              <a:t>11</a:t>
+              <a:t>12</a:t>
             </a:fld>
             <a:endParaRPr lang="en-US"/>
           </a:p>
@@ -4628,7 +4880,7 @@
 </p:sld>
 </file>
 
-<file path=ppt/slides/slide12.xml><?xml version="1.0" encoding="utf-8"?>
+<file path=ppt/slides/slide13.xml><?xml version="1.0" encoding="utf-8"?>
 <p:sld xmlns:a="http://schemas.openxmlformats.org/drawingml/2006/main" xmlns:r="http://schemas.openxmlformats.org/officeDocument/2006/relationships" xmlns:p="http://schemas.openxmlformats.org/presentationml/2006/main">
   <p:cSld>
     <p:spTree>
@@ -4752,7 +5004,7 @@
           <a:p>
             <a:fld id="{8CA0417E-8047-41CE-9E93-4FCB55A08913}" type="slidenum">
               <a:rPr lang="en-US" smtClean="0"/>
-              <a:t>12</a:t>
+              <a:t>13</a:t>
             </a:fld>
             <a:endParaRPr lang="en-US"/>
           </a:p>
@@ -4901,7 +5153,7 @@
 </p:sld>
 </file>
 
-<file path=ppt/slides/slide13.xml><?xml version="1.0" encoding="utf-8"?>
+<file path=ppt/slides/slide14.xml><?xml version="1.0" encoding="utf-8"?>
 <p:sld xmlns:a="http://schemas.openxmlformats.org/drawingml/2006/main" xmlns:r="http://schemas.openxmlformats.org/officeDocument/2006/relationships" xmlns:p="http://schemas.openxmlformats.org/presentationml/2006/main">
   <p:cSld>
     <p:spTree>
@@ -5070,7 +5322,7 @@
           <a:p>
             <a:fld id="{8CA0417E-8047-41CE-9E93-4FCB55A08913}" type="slidenum">
               <a:rPr lang="en-US" smtClean="0"/>
-              <a:t>13</a:t>
+              <a:t>14</a:t>
             </a:fld>
             <a:endParaRPr lang="en-US"/>
           </a:p>
@@ -5290,7 +5542,7 @@
 </p:sld>
 </file>
 
-<file path=ppt/slides/slide14.xml><?xml version="1.0" encoding="utf-8"?>
+<file path=ppt/slides/slide15.xml><?xml version="1.0" encoding="utf-8"?>
 <p:sld xmlns:a="http://schemas.openxmlformats.org/drawingml/2006/main" xmlns:r="http://schemas.openxmlformats.org/officeDocument/2006/relationships" xmlns:p="http://schemas.openxmlformats.org/presentationml/2006/main">
   <p:cSld>
     <p:spTree>
@@ -5347,7 +5599,7 @@
           <a:p>
             <a:fld id="{8CA0417E-8047-41CE-9E93-4FCB55A08913}" type="slidenum">
               <a:rPr lang="en-US" smtClean="0"/>
-              <a:t>14</a:t>
+              <a:t>15</a:t>
             </a:fld>
             <a:endParaRPr lang="en-US"/>
           </a:p>
@@ -5484,7 +5736,7 @@
 </p:sld>
 </file>
 
-<file path=ppt/slides/slide15.xml><?xml version="1.0" encoding="utf-8"?>
+<file path=ppt/slides/slide16.xml><?xml version="1.0" encoding="utf-8"?>
 <p:sld xmlns:a="http://schemas.openxmlformats.org/drawingml/2006/main" xmlns:r="http://schemas.openxmlformats.org/officeDocument/2006/relationships" xmlns:p="http://schemas.openxmlformats.org/presentationml/2006/main">
   <p:cSld>
     <p:spTree>
@@ -6095,7 +6347,7 @@
           <a:p>
             <a:fld id="{8CA0417E-8047-41CE-9E93-4FCB55A08913}" type="slidenum">
               <a:rPr lang="en-US" smtClean="0"/>
-              <a:t>15</a:t>
+              <a:t>16</a:t>
             </a:fld>
             <a:endParaRPr lang="en-US"/>
           </a:p>
@@ -6121,7 +6373,7 @@
 </p:sld>
 </file>
 
-<file path=ppt/slides/slide16.xml><?xml version="1.0" encoding="utf-8"?>
+<file path=ppt/slides/slide17.xml><?xml version="1.0" encoding="utf-8"?>
 <p:sld xmlns:a="http://schemas.openxmlformats.org/drawingml/2006/main" xmlns:r="http://schemas.openxmlformats.org/officeDocument/2006/relationships" xmlns:p="http://schemas.openxmlformats.org/presentationml/2006/main">
   <p:cSld>
     <p:spTree>
@@ -6148,6 +6400,148 @@
             <p:ph type="title"/>
           </p:nvPr>
         </p:nvSpPr>
+        <p:spPr>
+          <a:xfrm>
+            <a:off x="838200" y="-13554"/>
+            <a:ext cx="11214100" cy="931130"/>
+          </a:xfrm>
+        </p:spPr>
+        <p:txBody>
+          <a:bodyPr>
+            <a:normAutofit/>
+          </a:bodyPr>
+          <a:lstStyle/>
+          <a:p>
+            <a:r>
+              <a:rPr lang="en-US" dirty="0" smtClean="0"/>
+              <a:t>Impact of including early recruitment deviations</a:t>
+            </a:r>
+            <a:endParaRPr lang="en-US" dirty="0"/>
+          </a:p>
+        </p:txBody>
+      </p:sp>
+      <p:pic>
+        <p:nvPicPr>
+          <p:cNvPr id="5" name="Content Placeholder 4"/>
+          <p:cNvPicPr>
+            <a:picLocks noGrp="1" noChangeAspect="1"/>
+          </p:cNvPicPr>
+          <p:nvPr>
+            <p:ph idx="1"/>
+          </p:nvPr>
+        </p:nvPicPr>
+        <p:blipFill>
+          <a:blip r:embed="rId2" cstate="print">
+            <a:extLst>
+              <a:ext uri="{28A0092B-C50C-407E-A947-70E740481C1C}">
+                <a14:useLocalDpi xmlns:a14="http://schemas.microsoft.com/office/drawing/2010/main" val="0"/>
+              </a:ext>
+            </a:extLst>
+          </a:blip>
+          <a:stretch>
+            <a:fillRect/>
+          </a:stretch>
+        </p:blipFill>
+        <p:spPr>
+          <a:xfrm>
+            <a:off x="152388" y="1649408"/>
+            <a:ext cx="5943612" cy="4572009"/>
+          </a:xfrm>
+        </p:spPr>
+      </p:pic>
+      <p:sp>
+        <p:nvSpPr>
+          <p:cNvPr id="4" name="Slide Number Placeholder 3"/>
+          <p:cNvSpPr>
+            <a:spLocks noGrp="1"/>
+          </p:cNvSpPr>
+          <p:nvPr>
+            <p:ph type="sldNum" sz="quarter" idx="12"/>
+          </p:nvPr>
+        </p:nvSpPr>
+        <p:spPr/>
+        <p:txBody>
+          <a:bodyPr/>
+          <a:lstStyle/>
+          <a:p>
+            <a:fld id="{8CA0417E-8047-41CE-9E93-4FCB55A08913}" type="slidenum">
+              <a:rPr lang="en-US" smtClean="0"/>
+              <a:t>17</a:t>
+            </a:fld>
+            <a:endParaRPr lang="en-US" dirty="0"/>
+          </a:p>
+        </p:txBody>
+      </p:sp>
+      <p:pic>
+        <p:nvPicPr>
+          <p:cNvPr id="6" name="Picture 5"/>
+          <p:cNvPicPr>
+            <a:picLocks noChangeAspect="1"/>
+          </p:cNvPicPr>
+          <p:nvPr/>
+        </p:nvPicPr>
+        <p:blipFill>
+          <a:blip r:embed="rId3" cstate="print">
+            <a:extLst>
+              <a:ext uri="{28A0092B-C50C-407E-A947-70E740481C1C}">
+                <a14:useLocalDpi xmlns:a14="http://schemas.microsoft.com/office/drawing/2010/main" val="0"/>
+              </a:ext>
+            </a:extLst>
+          </a:blip>
+          <a:stretch>
+            <a:fillRect/>
+          </a:stretch>
+        </p:blipFill>
+        <p:spPr>
+          <a:xfrm>
+            <a:off x="6248388" y="1649408"/>
+            <a:ext cx="5943612" cy="4572009"/>
+          </a:xfrm>
+          <a:prstGeom prst="rect">
+            <a:avLst/>
+          </a:prstGeom>
+        </p:spPr>
+      </p:pic>
+    </p:spTree>
+    <p:extLst>
+      <p:ext uri="{BB962C8B-B14F-4D97-AF65-F5344CB8AC3E}">
+        <p14:creationId xmlns:p14="http://schemas.microsoft.com/office/powerpoint/2010/main" val="1186536825"/>
+      </p:ext>
+    </p:extLst>
+  </p:cSld>
+  <p:clrMapOvr>
+    <a:masterClrMapping/>
+  </p:clrMapOvr>
+</p:sld>
+</file>
+
+<file path=ppt/slides/slide18.xml><?xml version="1.0" encoding="utf-8"?>
+<p:sld xmlns:a="http://schemas.openxmlformats.org/drawingml/2006/main" xmlns:r="http://schemas.openxmlformats.org/officeDocument/2006/relationships" xmlns:p="http://schemas.openxmlformats.org/presentationml/2006/main">
+  <p:cSld>
+    <p:spTree>
+      <p:nvGrpSpPr>
+        <p:cNvPr id="1" name=""/>
+        <p:cNvGrpSpPr/>
+        <p:nvPr/>
+      </p:nvGrpSpPr>
+      <p:grpSpPr>
+        <a:xfrm>
+          <a:off x="0" y="0"/>
+          <a:ext cx="0" cy="0"/>
+          <a:chOff x="0" y="0"/>
+          <a:chExt cx="0" cy="0"/>
+        </a:xfrm>
+      </p:grpSpPr>
+      <p:sp>
+        <p:nvSpPr>
+          <p:cNvPr id="2" name="Title 1"/>
+          <p:cNvSpPr>
+            <a:spLocks noGrp="1"/>
+          </p:cNvSpPr>
+          <p:nvPr>
+            <p:ph type="title"/>
+          </p:nvPr>
+        </p:nvSpPr>
         <p:spPr/>
         <p:txBody>
           <a:bodyPr/>
@@ -6186,7 +6580,7 @@
           <a:p>
             <a:fld id="{8CA0417E-8047-41CE-9E93-4FCB55A08913}" type="slidenum">
               <a:rPr lang="en-US" smtClean="0"/>
-              <a:t>16</a:t>
+              <a:t>18</a:t>
             </a:fld>
             <a:endParaRPr lang="en-US" dirty="0"/>
           </a:p>
@@ -6521,7 +6915,7 @@
 </p:sld>
 </file>
 
-<file path=ppt/slides/slide17.xml><?xml version="1.0" encoding="utf-8"?>
+<file path=ppt/slides/slide19.xml><?xml version="1.0" encoding="utf-8"?>
 <p:sld xmlns:a="http://schemas.openxmlformats.org/drawingml/2006/main" xmlns:r="http://schemas.openxmlformats.org/officeDocument/2006/relationships" xmlns:p="http://schemas.openxmlformats.org/presentationml/2006/main">
   <p:cSld>
     <p:spTree>
@@ -6663,7 +7057,7 @@
           <a:p>
             <a:fld id="{8CA0417E-8047-41CE-9E93-4FCB55A08913}" type="slidenum">
               <a:rPr lang="en-US" smtClean="0"/>
-              <a:t>17</a:t>
+              <a:t>19</a:t>
             </a:fld>
             <a:endParaRPr lang="en-US" dirty="0"/>
           </a:p>
@@ -7367,7 +7761,7 @@
 </p:sld>
 </file>
 
-<file path=ppt/slides/slide18.xml><?xml version="1.0" encoding="utf-8"?>
+<file path=ppt/slides/slide2.xml><?xml version="1.0" encoding="utf-8"?>
 <p:sld xmlns:a="http://schemas.openxmlformats.org/drawingml/2006/main" xmlns:r="http://schemas.openxmlformats.org/officeDocument/2006/relationships" xmlns:p="http://schemas.openxmlformats.org/presentationml/2006/main">
   <p:cSld>
     <p:spTree>
@@ -7401,6 +7795,239 @@
           <a:p>
             <a:r>
               <a:rPr lang="en-US" dirty="0" smtClean="0"/>
+              <a:t>Outline</a:t>
+            </a:r>
+            <a:endParaRPr lang="en-US" dirty="0"/>
+          </a:p>
+        </p:txBody>
+      </p:sp>
+      <p:sp>
+        <p:nvSpPr>
+          <p:cNvPr id="3" name="Content Placeholder 2"/>
+          <p:cNvSpPr>
+            <a:spLocks noGrp="1"/>
+          </p:cNvSpPr>
+          <p:nvPr>
+            <p:ph idx="1"/>
+          </p:nvPr>
+        </p:nvSpPr>
+        <p:spPr/>
+        <p:txBody>
+          <a:bodyPr>
+            <a:normAutofit fontScale="92500" lnSpcReduction="20000"/>
+          </a:bodyPr>
+          <a:lstStyle/>
+          <a:p>
+            <a:r>
+              <a:rPr lang="en-US" dirty="0" smtClean="0"/>
+              <a:t>Big picture</a:t>
+            </a:r>
+          </a:p>
+          <a:p>
+            <a:r>
+              <a:rPr lang="en-US" dirty="0"/>
+              <a:t>Stock Recruit </a:t>
+            </a:r>
+            <a:r>
+              <a:rPr lang="en-US" dirty="0" smtClean="0"/>
+              <a:t>Relationships</a:t>
+            </a:r>
+          </a:p>
+          <a:p>
+            <a:pPr lvl="1"/>
+            <a:r>
+              <a:rPr lang="en-US" dirty="0" err="1" smtClean="0"/>
+              <a:t>Beverton</a:t>
+            </a:r>
+            <a:r>
+              <a:rPr lang="en-US" dirty="0" smtClean="0"/>
+              <a:t>-Holt, Shepherd, Maunder-Taylor-</a:t>
+            </a:r>
+            <a:r>
+              <a:rPr lang="en-US" dirty="0" err="1" smtClean="0"/>
+              <a:t>Methot</a:t>
+            </a:r>
+            <a:endParaRPr lang="en-US" dirty="0" smtClean="0"/>
+          </a:p>
+          <a:p>
+            <a:r>
+              <a:rPr lang="en-US" dirty="0"/>
+              <a:t>Recruitment </a:t>
+            </a:r>
+            <a:r>
+              <a:rPr lang="en-US" dirty="0" smtClean="0"/>
+              <a:t>deviations</a:t>
+            </a:r>
+          </a:p>
+          <a:p>
+            <a:pPr lvl="1"/>
+            <a:r>
+              <a:rPr lang="en-US" dirty="0"/>
+              <a:t>Overview</a:t>
+            </a:r>
+          </a:p>
+          <a:p>
+            <a:pPr lvl="1"/>
+            <a:r>
+              <a:rPr lang="en-US" dirty="0" err="1"/>
+              <a:t>SigmaR</a:t>
+            </a:r>
+            <a:endParaRPr lang="en-US" dirty="0"/>
+          </a:p>
+          <a:p>
+            <a:pPr lvl="1"/>
+            <a:r>
+              <a:rPr lang="en-US" dirty="0"/>
+              <a:t>Bias adjustment</a:t>
+            </a:r>
+          </a:p>
+          <a:p>
+            <a:pPr lvl="1"/>
+            <a:r>
+              <a:rPr lang="en-US" dirty="0"/>
+              <a:t>Eras (</a:t>
+            </a:r>
+            <a:r>
+              <a:rPr lang="en-US" dirty="0" err="1"/>
+              <a:t>Init</a:t>
+            </a:r>
+            <a:r>
+              <a:rPr lang="en-US" dirty="0"/>
+              <a:t>/Early, Main, Late/Forecast)</a:t>
+            </a:r>
+          </a:p>
+          <a:p>
+            <a:r>
+              <a:rPr lang="en-US" dirty="0"/>
+              <a:t>Apportionment of </a:t>
+            </a:r>
+            <a:r>
+              <a:rPr lang="en-US" dirty="0" smtClean="0"/>
+              <a:t>recruitment</a:t>
+            </a:r>
+          </a:p>
+          <a:p>
+            <a:r>
+              <a:rPr lang="en-US" dirty="0"/>
+              <a:t>Time-varying stock-recruit relationships (regimes</a:t>
+            </a:r>
+            <a:r>
+              <a:rPr lang="en-US" dirty="0" smtClean="0"/>
+              <a:t>)</a:t>
+            </a:r>
+          </a:p>
+          <a:p>
+            <a:r>
+              <a:rPr lang="en-US" dirty="0" smtClean="0"/>
+              <a:t>Recruitment autocorrelation</a:t>
+            </a:r>
+            <a:endParaRPr lang="en-US" dirty="0"/>
+          </a:p>
+          <a:p>
+            <a:r>
+              <a:rPr lang="en-US" dirty="0" smtClean="0"/>
+              <a:t>Recruitment in MCMC vs. MLE estimates</a:t>
+            </a:r>
+          </a:p>
+          <a:p>
+            <a:r>
+              <a:rPr lang="en-US" dirty="0" smtClean="0"/>
+              <a:t>Simulating </a:t>
+            </a:r>
+            <a:r>
+              <a:rPr lang="en-US" dirty="0"/>
+              <a:t>with random </a:t>
+            </a:r>
+            <a:r>
+              <a:rPr lang="en-US" dirty="0" smtClean="0"/>
+              <a:t>recruitment</a:t>
+            </a:r>
+          </a:p>
+          <a:p>
+            <a:r>
+              <a:rPr lang="en-US" dirty="0" smtClean="0"/>
+              <a:t>A few ideas for the future</a:t>
+            </a:r>
+          </a:p>
+          <a:p>
+            <a:pPr lvl="1"/>
+            <a:endParaRPr lang="en-US" dirty="0" smtClean="0"/>
+          </a:p>
+          <a:p>
+            <a:endParaRPr lang="en-US" dirty="0"/>
+          </a:p>
+        </p:txBody>
+      </p:sp>
+      <p:sp>
+        <p:nvSpPr>
+          <p:cNvPr id="4" name="Slide Number Placeholder 3"/>
+          <p:cNvSpPr>
+            <a:spLocks noGrp="1"/>
+          </p:cNvSpPr>
+          <p:nvPr>
+            <p:ph type="sldNum" sz="quarter" idx="12"/>
+          </p:nvPr>
+        </p:nvSpPr>
+        <p:spPr/>
+        <p:txBody>
+          <a:bodyPr/>
+          <a:lstStyle/>
+          <a:p>
+            <a:fld id="{8CA0417E-8047-41CE-9E93-4FCB55A08913}" type="slidenum">
+              <a:rPr lang="en-US" smtClean="0"/>
+              <a:t>2</a:t>
+            </a:fld>
+            <a:endParaRPr lang="en-US" dirty="0"/>
+          </a:p>
+        </p:txBody>
+      </p:sp>
+    </p:spTree>
+    <p:extLst>
+      <p:ext uri="{BB962C8B-B14F-4D97-AF65-F5344CB8AC3E}">
+        <p14:creationId xmlns:p14="http://schemas.microsoft.com/office/powerpoint/2010/main" val="2712763727"/>
+      </p:ext>
+    </p:extLst>
+  </p:cSld>
+  <p:clrMapOvr>
+    <a:masterClrMapping/>
+  </p:clrMapOvr>
+</p:sld>
+</file>
+
+<file path=ppt/slides/slide20.xml><?xml version="1.0" encoding="utf-8"?>
+<p:sld xmlns:a="http://schemas.openxmlformats.org/drawingml/2006/main" xmlns:r="http://schemas.openxmlformats.org/officeDocument/2006/relationships" xmlns:p="http://schemas.openxmlformats.org/presentationml/2006/main">
+  <p:cSld>
+    <p:spTree>
+      <p:nvGrpSpPr>
+        <p:cNvPr id="1" name=""/>
+        <p:cNvGrpSpPr/>
+        <p:nvPr/>
+      </p:nvGrpSpPr>
+      <p:grpSpPr>
+        <a:xfrm>
+          <a:off x="0" y="0"/>
+          <a:ext cx="0" cy="0"/>
+          <a:chOff x="0" y="0"/>
+          <a:chExt cx="0" cy="0"/>
+        </a:xfrm>
+      </p:grpSpPr>
+      <p:sp>
+        <p:nvSpPr>
+          <p:cNvPr id="2" name="Title 1"/>
+          <p:cNvSpPr>
+            <a:spLocks noGrp="1"/>
+          </p:cNvSpPr>
+          <p:nvPr>
+            <p:ph type="title"/>
+          </p:nvPr>
+        </p:nvSpPr>
+        <p:spPr/>
+        <p:txBody>
+          <a:bodyPr/>
+          <a:lstStyle/>
+          <a:p>
+            <a:r>
+              <a:rPr lang="en-US" dirty="0" smtClean="0"/>
               <a:t>Bias adjustment of </a:t>
             </a:r>
             <a:r>
@@ -7443,7 +8070,7 @@
           <a:p>
             <a:r>
               <a:rPr lang="en-US" dirty="0" smtClean="0"/>
-              <a:t>However, periods with little information on recruitment will have no variability among deviations</a:t>
+              <a:t>However, periods with little information on recruitment will have no variability among deviations and thus not need the bias adjustment</a:t>
             </a:r>
             <a:endParaRPr lang="en-US" dirty="0"/>
           </a:p>
@@ -7466,7 +8093,7 @@
           <a:p>
             <a:fld id="{8CA0417E-8047-41CE-9E93-4FCB55A08913}" type="slidenum">
               <a:rPr lang="en-US" smtClean="0"/>
-              <a:t>18</a:t>
+              <a:t>20</a:t>
             </a:fld>
             <a:endParaRPr lang="en-US" dirty="0"/>
           </a:p>
@@ -7555,7 +8182,7 @@
 </p:sld>
 </file>
 
-<file path=ppt/slides/slide19.xml><?xml version="1.0" encoding="utf-8"?>
+<file path=ppt/slides/slide21.xml><?xml version="1.0" encoding="utf-8"?>
 <p:sld xmlns:a="http://schemas.openxmlformats.org/drawingml/2006/main" xmlns:r="http://schemas.openxmlformats.org/officeDocument/2006/relationships" xmlns:p="http://schemas.openxmlformats.org/presentationml/2006/main">
   <p:cSld>
     <p:spTree>
@@ -7700,7 +8327,7 @@
           <a:p>
             <a:fld id="{8CA0417E-8047-41CE-9E93-4FCB55A08913}" type="slidenum">
               <a:rPr lang="en-US" smtClean="0"/>
-              <a:t>19</a:t>
+              <a:t>21</a:t>
             </a:fld>
             <a:endParaRPr lang="en-US"/>
           </a:p>
@@ -8012,7 +8639,7 @@
 </p:sld>
 </file>
 
-<file path=ppt/slides/slide2.xml><?xml version="1.0" encoding="utf-8"?>
+<file path=ppt/slides/slide22.xml><?xml version="1.0" encoding="utf-8"?>
 <p:sld xmlns:a="http://schemas.openxmlformats.org/drawingml/2006/main" xmlns:r="http://schemas.openxmlformats.org/officeDocument/2006/relationships" xmlns:p="http://schemas.openxmlformats.org/presentationml/2006/main">
   <p:cSld>
     <p:spTree>
@@ -8046,148 +8673,7 @@
           <a:p>
             <a:r>
               <a:rPr lang="en-US" dirty="0" smtClean="0"/>
-              <a:t>Big Picture</a:t>
-            </a:r>
-            <a:endParaRPr lang="en-US" dirty="0"/>
-          </a:p>
-        </p:txBody>
-      </p:sp>
-      <p:sp>
-        <p:nvSpPr>
-          <p:cNvPr id="3" name="Content Placeholder 2"/>
-          <p:cNvSpPr>
-            <a:spLocks noGrp="1"/>
-          </p:cNvSpPr>
-          <p:nvPr>
-            <p:ph idx="1"/>
-          </p:nvPr>
-        </p:nvSpPr>
-        <p:spPr/>
-        <p:txBody>
-          <a:bodyPr>
-            <a:normAutofit/>
-          </a:bodyPr>
-          <a:lstStyle/>
-          <a:p>
-            <a:r>
-              <a:rPr lang="en-US" sz="3600" dirty="0" smtClean="0"/>
-              <a:t>Stock synthesis (SS) has lots of options, </a:t>
-            </a:r>
-            <a:br>
-              <a:rPr lang="en-US" sz="3600" dirty="0" smtClean="0"/>
-            </a:br>
-            <a:r>
-              <a:rPr lang="en-US" sz="3600" dirty="0" smtClean="0"/>
-              <a:t>especially related to recruitment</a:t>
-            </a:r>
-          </a:p>
-          <a:p>
-            <a:r>
-              <a:rPr lang="en-US" sz="3600" dirty="0" smtClean="0"/>
-              <a:t>Most SS models have recruitment deviates around a parametric stock-recruit relationship</a:t>
-            </a:r>
-          </a:p>
-          <a:p>
-            <a:r>
-              <a:rPr lang="en-US" sz="3600" dirty="0" smtClean="0"/>
-              <a:t>Age-structured surplus production models can be achieved by fixing deviations to zero</a:t>
-            </a:r>
-          </a:p>
-          <a:p>
-            <a:r>
-              <a:rPr lang="en-US" sz="3600" dirty="0" smtClean="0"/>
-              <a:t>Recruits can by partitioned by area, season, etc., but there is always a single spawning stock (no </a:t>
-            </a:r>
-            <a:r>
-              <a:rPr lang="en-US" sz="3600" dirty="0" err="1" smtClean="0"/>
-              <a:t>metapopulation</a:t>
-            </a:r>
-            <a:r>
-              <a:rPr lang="en-US" sz="3600" dirty="0" smtClean="0"/>
-              <a:t> dynamics)</a:t>
-            </a:r>
-            <a:endParaRPr lang="en-US" sz="3600" dirty="0"/>
-          </a:p>
-        </p:txBody>
-      </p:sp>
-      <p:sp>
-        <p:nvSpPr>
-          <p:cNvPr id="4" name="Slide Number Placeholder 3"/>
-          <p:cNvSpPr>
-            <a:spLocks noGrp="1"/>
-          </p:cNvSpPr>
-          <p:nvPr>
-            <p:ph type="sldNum" sz="quarter" idx="12"/>
-          </p:nvPr>
-        </p:nvSpPr>
-        <p:spPr/>
-        <p:txBody>
-          <a:bodyPr/>
-          <a:lstStyle/>
-          <a:p>
-            <a:fld id="{8CA0417E-8047-41CE-9E93-4FCB55A08913}" type="slidenum">
-              <a:rPr lang="en-US" smtClean="0"/>
-              <a:t>2</a:t>
-            </a:fld>
-            <a:endParaRPr lang="en-US" dirty="0"/>
-          </a:p>
-        </p:txBody>
-      </p:sp>
-    </p:spTree>
-    <p:extLst>
-      <p:ext uri="{BB962C8B-B14F-4D97-AF65-F5344CB8AC3E}">
-        <p14:creationId xmlns:p14="http://schemas.microsoft.com/office/powerpoint/2010/main" val="2706936049"/>
-      </p:ext>
-    </p:extLst>
-  </p:cSld>
-  <p:clrMapOvr>
-    <a:masterClrMapping/>
-  </p:clrMapOvr>
-  <p:timing>
-    <p:tnLst>
-      <p:par>
-        <p:cTn id="1" dur="indefinite" restart="never" nodeType="tmRoot"/>
-      </p:par>
-    </p:tnLst>
-  </p:timing>
-</p:sld>
-</file>
-
-<file path=ppt/slides/slide20.xml><?xml version="1.0" encoding="utf-8"?>
-<p:sld xmlns:a="http://schemas.openxmlformats.org/drawingml/2006/main" xmlns:r="http://schemas.openxmlformats.org/officeDocument/2006/relationships" xmlns:p="http://schemas.openxmlformats.org/presentationml/2006/main">
-  <p:cSld>
-    <p:spTree>
-      <p:nvGrpSpPr>
-        <p:cNvPr id="1" name=""/>
-        <p:cNvGrpSpPr/>
-        <p:nvPr/>
-      </p:nvGrpSpPr>
-      <p:grpSpPr>
-        <a:xfrm>
-          <a:off x="0" y="0"/>
-          <a:ext cx="0" cy="0"/>
-          <a:chOff x="0" y="0"/>
-          <a:chExt cx="0" cy="0"/>
-        </a:xfrm>
-      </p:grpSpPr>
-      <p:sp>
-        <p:nvSpPr>
-          <p:cNvPr id="2" name="Title 1"/>
-          <p:cNvSpPr>
-            <a:spLocks noGrp="1"/>
-          </p:cNvSpPr>
-          <p:nvPr>
-            <p:ph type="title"/>
-          </p:nvPr>
-        </p:nvSpPr>
-        <p:spPr/>
-        <p:txBody>
-          <a:bodyPr/>
-          <a:lstStyle/>
-          <a:p>
-            <a:r>
-              <a:rPr lang="en-US" dirty="0" smtClean="0"/>
-              <a:t>Bias adjustment settings</a:t>
+              <a:t>Bias adjustment</a:t>
             </a:r>
             <a:endParaRPr lang="en-US" dirty="0"/>
           </a:p>
@@ -8274,7 +8760,7 @@
           <a:p>
             <a:fld id="{8CA0417E-8047-41CE-9E93-4FCB55A08913}" type="slidenum">
               <a:rPr lang="en-US" smtClean="0"/>
-              <a:t>20</a:t>
+              <a:t>22</a:t>
             </a:fld>
             <a:endParaRPr lang="en-US" dirty="0"/>
           </a:p>
@@ -8296,8 +8782,8 @@
         </p:blipFill>
         <p:spPr>
           <a:xfrm>
-            <a:off x="5435979" y="917576"/>
-            <a:ext cx="6616321" cy="5923183"/>
+            <a:off x="5116884" y="0"/>
+            <a:ext cx="7660531" cy="6858000"/>
           </a:xfrm>
           <a:prstGeom prst="rect">
             <a:avLst/>
@@ -8327,7 +8813,7 @@
 </p:sld>
 </file>
 
-<file path=ppt/slides/slide21.xml><?xml version="1.0" encoding="utf-8"?>
+<file path=ppt/slides/slide23.xml><?xml version="1.0" encoding="utf-8"?>
 <p:sld xmlns:a="http://schemas.openxmlformats.org/drawingml/2006/main" xmlns:r="http://schemas.openxmlformats.org/officeDocument/2006/relationships" xmlns:p="http://schemas.openxmlformats.org/presentationml/2006/main">
   <p:cSld>
     <p:spTree>
@@ -8427,7 +8913,7 @@
           <a:p>
             <a:fld id="{8CA0417E-8047-41CE-9E93-4FCB55A08913}" type="slidenum">
               <a:rPr lang="en-US" smtClean="0"/>
-              <a:t>21</a:t>
+              <a:t>23</a:t>
             </a:fld>
             <a:endParaRPr lang="en-US" dirty="0"/>
           </a:p>
@@ -8443,10 +8929,17 @@
   <p:clrMapOvr>
     <a:masterClrMapping/>
   </p:clrMapOvr>
+  <p:timing>
+    <p:tnLst>
+      <p:par>
+        <p:cTn id="1" dur="indefinite" restart="never" nodeType="tmRoot"/>
+      </p:par>
+    </p:tnLst>
+  </p:timing>
 </p:sld>
 </file>
 
-<file path=ppt/slides/slide22.xml><?xml version="1.0" encoding="utf-8"?>
+<file path=ppt/slides/slide24.xml><?xml version="1.0" encoding="utf-8"?>
 <p:sld xmlns:a="http://schemas.openxmlformats.org/drawingml/2006/main" xmlns:r="http://schemas.openxmlformats.org/officeDocument/2006/relationships" xmlns:p="http://schemas.openxmlformats.org/presentationml/2006/main">
   <p:cSld>
     <p:spTree>
@@ -8556,7 +9049,7 @@
           <a:p>
             <a:fld id="{8CA0417E-8047-41CE-9E93-4FCB55A08913}" type="slidenum">
               <a:rPr lang="en-US" smtClean="0"/>
-              <a:t>22</a:t>
+              <a:t>24</a:t>
             </a:fld>
             <a:endParaRPr lang="en-US" dirty="0"/>
           </a:p>
@@ -8636,221 +9129,6 @@
     <p:extLst>
       <p:ext uri="{BB962C8B-B14F-4D97-AF65-F5344CB8AC3E}">
         <p14:creationId xmlns:p14="http://schemas.microsoft.com/office/powerpoint/2010/main" val="3301026958"/>
-      </p:ext>
-    </p:extLst>
-  </p:cSld>
-  <p:clrMapOvr>
-    <a:masterClrMapping/>
-  </p:clrMapOvr>
-</p:sld>
-</file>
-
-<file path=ppt/slides/slide23.xml><?xml version="1.0" encoding="utf-8"?>
-<p:sld xmlns:a="http://schemas.openxmlformats.org/drawingml/2006/main" xmlns:r="http://schemas.openxmlformats.org/officeDocument/2006/relationships" xmlns:p="http://schemas.openxmlformats.org/presentationml/2006/main">
-  <p:cSld>
-    <p:spTree>
-      <p:nvGrpSpPr>
-        <p:cNvPr id="1" name=""/>
-        <p:cNvGrpSpPr/>
-        <p:nvPr/>
-      </p:nvGrpSpPr>
-      <p:grpSpPr>
-        <a:xfrm>
-          <a:off x="0" y="0"/>
-          <a:ext cx="0" cy="0"/>
-          <a:chOff x="0" y="0"/>
-          <a:chExt cx="0" cy="0"/>
-        </a:xfrm>
-      </p:grpSpPr>
-      <p:sp>
-        <p:nvSpPr>
-          <p:cNvPr id="2" name="Title 1"/>
-          <p:cNvSpPr>
-            <a:spLocks noGrp="1"/>
-          </p:cNvSpPr>
-          <p:nvPr>
-            <p:ph type="title"/>
-          </p:nvPr>
-        </p:nvSpPr>
-        <p:spPr/>
-        <p:txBody>
-          <a:bodyPr>
-            <a:normAutofit/>
-          </a:bodyPr>
-          <a:lstStyle/>
-          <a:p>
-            <a:r>
-              <a:rPr lang="en-US" dirty="0" smtClean="0"/>
-              <a:t>Settlement events and </a:t>
-            </a:r>
-            <a:br>
-              <a:rPr lang="en-US" dirty="0" smtClean="0"/>
-            </a:br>
-            <a:r>
-              <a:rPr lang="en-US" dirty="0" smtClean="0"/>
-              <a:t>Apportionment of </a:t>
-            </a:r>
-            <a:r>
-              <a:rPr lang="en-US" dirty="0" smtClean="0"/>
-              <a:t>recruitment</a:t>
-            </a:r>
-            <a:br>
-              <a:rPr lang="en-US" dirty="0" smtClean="0"/>
-            </a:br>
-            <a:endParaRPr lang="en-US" dirty="0"/>
-          </a:p>
-        </p:txBody>
-      </p:sp>
-      <p:sp>
-        <p:nvSpPr>
-          <p:cNvPr id="3" name="Text Placeholder 2"/>
-          <p:cNvSpPr>
-            <a:spLocks noGrp="1"/>
-          </p:cNvSpPr>
-          <p:nvPr>
-            <p:ph type="body" idx="1"/>
-          </p:nvPr>
-        </p:nvSpPr>
-        <p:spPr/>
-        <p:txBody>
-          <a:bodyPr>
-            <a:normAutofit/>
-          </a:bodyPr>
-          <a:lstStyle/>
-          <a:p>
-            <a:r>
-              <a:rPr lang="en-US" sz="3200" dirty="0" smtClean="0"/>
-              <a:t> (to multiple areas, growth patterns, or settlement events)</a:t>
-            </a:r>
-            <a:endParaRPr lang="en-US" sz="3200" dirty="0"/>
-          </a:p>
-        </p:txBody>
-      </p:sp>
-      <p:sp>
-        <p:nvSpPr>
-          <p:cNvPr id="4" name="Slide Number Placeholder 3"/>
-          <p:cNvSpPr>
-            <a:spLocks noGrp="1"/>
-          </p:cNvSpPr>
-          <p:nvPr>
-            <p:ph type="sldNum" sz="quarter" idx="12"/>
-          </p:nvPr>
-        </p:nvSpPr>
-        <p:spPr/>
-        <p:txBody>
-          <a:bodyPr/>
-          <a:lstStyle/>
-          <a:p>
-            <a:fld id="{8CA0417E-8047-41CE-9E93-4FCB55A08913}" type="slidenum">
-              <a:rPr lang="en-US" smtClean="0"/>
-              <a:t>23</a:t>
-            </a:fld>
-            <a:endParaRPr lang="en-US"/>
-          </a:p>
-        </p:txBody>
-      </p:sp>
-    </p:spTree>
-    <p:extLst>
-      <p:ext uri="{BB962C8B-B14F-4D97-AF65-F5344CB8AC3E}">
-        <p14:creationId xmlns:p14="http://schemas.microsoft.com/office/powerpoint/2010/main" val="1379673430"/>
-      </p:ext>
-    </p:extLst>
-  </p:cSld>
-  <p:clrMapOvr>
-    <a:masterClrMapping/>
-  </p:clrMapOvr>
-  <p:timing>
-    <p:tnLst>
-      <p:par>
-        <p:cTn id="1" dur="indefinite" restart="never" nodeType="tmRoot"/>
-      </p:par>
-    </p:tnLst>
-  </p:timing>
-</p:sld>
-</file>
-
-<file path=ppt/slides/slide24.xml><?xml version="1.0" encoding="utf-8"?>
-<p:sld xmlns:a="http://schemas.openxmlformats.org/drawingml/2006/main" xmlns:r="http://schemas.openxmlformats.org/officeDocument/2006/relationships" xmlns:p="http://schemas.openxmlformats.org/presentationml/2006/main">
-  <p:cSld>
-    <p:spTree>
-      <p:nvGrpSpPr>
-        <p:cNvPr id="1" name=""/>
-        <p:cNvGrpSpPr/>
-        <p:nvPr/>
-      </p:nvGrpSpPr>
-      <p:grpSpPr>
-        <a:xfrm>
-          <a:off x="0" y="0"/>
-          <a:ext cx="0" cy="0"/>
-          <a:chOff x="0" y="0"/>
-          <a:chExt cx="0" cy="0"/>
-        </a:xfrm>
-      </p:grpSpPr>
-      <p:sp>
-        <p:nvSpPr>
-          <p:cNvPr id="2" name="Title 1"/>
-          <p:cNvSpPr>
-            <a:spLocks noGrp="1"/>
-          </p:cNvSpPr>
-          <p:nvPr>
-            <p:ph type="title"/>
-          </p:nvPr>
-        </p:nvSpPr>
-        <p:spPr/>
-        <p:txBody>
-          <a:bodyPr/>
-          <a:lstStyle/>
-          <a:p>
-            <a:endParaRPr lang="en-US"/>
-          </a:p>
-        </p:txBody>
-      </p:sp>
-      <p:sp>
-        <p:nvSpPr>
-          <p:cNvPr id="3" name="Text Placeholder 2"/>
-          <p:cNvSpPr>
-            <a:spLocks noGrp="1"/>
-          </p:cNvSpPr>
-          <p:nvPr>
-            <p:ph type="body" idx="1"/>
-          </p:nvPr>
-        </p:nvSpPr>
-        <p:spPr/>
-        <p:txBody>
-          <a:bodyPr/>
-          <a:lstStyle/>
-          <a:p>
-            <a:endParaRPr lang="en-US"/>
-          </a:p>
-        </p:txBody>
-      </p:sp>
-      <p:sp>
-        <p:nvSpPr>
-          <p:cNvPr id="4" name="Slide Number Placeholder 3"/>
-          <p:cNvSpPr>
-            <a:spLocks noGrp="1"/>
-          </p:cNvSpPr>
-          <p:nvPr>
-            <p:ph type="sldNum" sz="quarter" idx="12"/>
-          </p:nvPr>
-        </p:nvSpPr>
-        <p:spPr/>
-        <p:txBody>
-          <a:bodyPr/>
-          <a:lstStyle/>
-          <a:p>
-            <a:fld id="{8CA0417E-8047-41CE-9E93-4FCB55A08913}" type="slidenum">
-              <a:rPr lang="en-US" smtClean="0"/>
-              <a:t>24</a:t>
-            </a:fld>
-            <a:endParaRPr lang="en-US"/>
-          </a:p>
-        </p:txBody>
-      </p:sp>
-    </p:spTree>
-    <p:extLst>
-      <p:ext uri="{BB962C8B-B14F-4D97-AF65-F5344CB8AC3E}">
-        <p14:creationId xmlns:p14="http://schemas.microsoft.com/office/powerpoint/2010/main" val="2617708870"/>
       </p:ext>
     </p:extLst>
   </p:cSld>
@@ -8896,7 +9174,15 @@
           <a:p>
             <a:r>
               <a:rPr lang="en-US" dirty="0" smtClean="0"/>
-              <a:t>Time-varying stock-recruit relationships (regimes)</a:t>
+              <a:t>Apportionment </a:t>
+            </a:r>
+            <a:r>
+              <a:rPr lang="en-US" dirty="0" smtClean="0"/>
+              <a:t>of </a:t>
+            </a:r>
+            <a:r>
+              <a:rPr lang="en-US" dirty="0" smtClean="0"/>
+              <a:t>recruitment</a:t>
             </a:r>
             <a:br>
               <a:rPr lang="en-US" dirty="0" smtClean="0"/>
@@ -8924,45 +9210,7 @@
           <a:p>
             <a:r>
               <a:rPr lang="en-US" sz="3200" dirty="0" smtClean="0"/>
-              <a:t>Initial </a:t>
-            </a:r>
-            <a:r>
-              <a:rPr lang="en-US" sz="3200" dirty="0" smtClean="0"/>
-              <a:t>year vs. equilibrium (</a:t>
-            </a:r>
-            <a:r>
-              <a:rPr lang="en-US" sz="3200" i="1" dirty="0" smtClean="0"/>
-              <a:t>R</a:t>
-            </a:r>
-            <a:r>
-              <a:rPr lang="en-US" sz="3200" baseline="-25000" dirty="0" smtClean="0"/>
-              <a:t>1</a:t>
-            </a:r>
-            <a:r>
-              <a:rPr lang="en-US" sz="3200" dirty="0" smtClean="0"/>
-              <a:t> in 3.24)</a:t>
-            </a:r>
-            <a:br>
-              <a:rPr lang="en-US" sz="3200" dirty="0" smtClean="0"/>
-            </a:br>
-            <a:r>
-              <a:rPr lang="en-US" sz="3200" dirty="0" smtClean="0"/>
-              <a:t>Environmental </a:t>
-            </a:r>
-            <a:r>
-              <a:rPr lang="en-US" sz="3200" dirty="0" smtClean="0"/>
-              <a:t>links</a:t>
-            </a:r>
-            <a:br>
-              <a:rPr lang="en-US" sz="3200" dirty="0" smtClean="0"/>
-            </a:br>
-            <a:r>
-              <a:rPr lang="en-US" sz="3200" dirty="0" smtClean="0"/>
-              <a:t>Forecasting </a:t>
-            </a:r>
-            <a:r>
-              <a:rPr lang="en-US" sz="3200" dirty="0" smtClean="0"/>
-              <a:t>with high or low recruitments</a:t>
+              <a:t> (to multiple areas, growth patterns, or settlement events)</a:t>
             </a:r>
             <a:endParaRPr lang="en-US" sz="3200" dirty="0"/>
           </a:p>
@@ -8994,7 +9242,7 @@
     </p:spTree>
     <p:extLst>
       <p:ext uri="{BB962C8B-B14F-4D97-AF65-F5344CB8AC3E}">
-        <p14:creationId xmlns:p14="http://schemas.microsoft.com/office/powerpoint/2010/main" val="1377018876"/>
+        <p14:creationId xmlns:p14="http://schemas.microsoft.com/office/powerpoint/2010/main" val="1379673430"/>
       </p:ext>
     </p:extLst>
   </p:cSld>
@@ -9030,54 +9278,339 @@
       </p:grpSpPr>
       <p:sp>
         <p:nvSpPr>
-          <p:cNvPr id="2" name="Title 1"/>
-          <p:cNvSpPr>
-            <a:spLocks noGrp="1"/>
-          </p:cNvSpPr>
-          <p:nvPr>
-            <p:ph type="title"/>
-          </p:nvPr>
-        </p:nvSpPr>
-        <p:spPr/>
+          <p:cNvPr id="7" name="Content Placeholder 6"/>
+          <p:cNvSpPr>
+            <a:spLocks noGrp="1"/>
+          </p:cNvSpPr>
+          <p:nvPr>
+            <p:ph idx="1"/>
+          </p:nvPr>
+        </p:nvSpPr>
+        <p:spPr>
+          <a:xfrm>
+            <a:off x="438150" y="1069975"/>
+            <a:ext cx="12014128" cy="5483225"/>
+          </a:xfrm>
+        </p:spPr>
         <p:txBody>
           <a:bodyPr>
             <a:normAutofit/>
           </a:bodyPr>
           <a:lstStyle/>
           <a:p>
+            <a:pPr marL="0" indent="0">
+              <a:buNone/>
+            </a:pPr>
+            <a:r>
+              <a:rPr lang="en-US" sz="1900" b="1" dirty="0">
+                <a:latin typeface="Courier New" panose="02070309020205020404" pitchFamily="49" charset="0"/>
+                <a:cs typeface="Courier New" panose="02070309020205020404" pitchFamily="49" charset="0"/>
+              </a:rPr>
+              <a:t>2</a:t>
+            </a:r>
+            <a:r>
+              <a:rPr lang="en-US" sz="1900" b="1" dirty="0">
+                <a:solidFill>
+                  <a:srgbClr val="C00000"/>
+                </a:solidFill>
+                <a:latin typeface="Courier New" panose="02070309020205020404" pitchFamily="49" charset="0"/>
+                <a:cs typeface="Courier New" panose="02070309020205020404" pitchFamily="49" charset="0"/>
+              </a:rPr>
+              <a:t> # </a:t>
+            </a:r>
+            <a:r>
+              <a:rPr lang="en-US" sz="1900" b="1" dirty="0" err="1">
+                <a:solidFill>
+                  <a:srgbClr val="C00000"/>
+                </a:solidFill>
+                <a:latin typeface="Courier New" panose="02070309020205020404" pitchFamily="49" charset="0"/>
+                <a:cs typeface="Courier New" panose="02070309020205020404" pitchFamily="49" charset="0"/>
+              </a:rPr>
+              <a:t>recr_dist_method</a:t>
+            </a:r>
+            <a:r>
+              <a:rPr lang="en-US" sz="1900" b="1" dirty="0">
+                <a:solidFill>
+                  <a:srgbClr val="C00000"/>
+                </a:solidFill>
+                <a:latin typeface="Courier New" panose="02070309020205020404" pitchFamily="49" charset="0"/>
+                <a:cs typeface="Courier New" panose="02070309020205020404" pitchFamily="49" charset="0"/>
+              </a:rPr>
+              <a:t> for parameters:</a:t>
+            </a:r>
+          </a:p>
+          <a:p>
+            <a:pPr marL="0" indent="0">
+              <a:buNone/>
+            </a:pPr>
+            <a:r>
+              <a:rPr lang="en-US" sz="1900" b="1" dirty="0">
+                <a:solidFill>
+                  <a:srgbClr val="C00000"/>
+                </a:solidFill>
+                <a:latin typeface="Courier New" panose="02070309020205020404" pitchFamily="49" charset="0"/>
+                <a:cs typeface="Courier New" panose="02070309020205020404" pitchFamily="49" charset="0"/>
+              </a:rPr>
+              <a:t>  #  2=main effects for GP, Settle timing, Area;</a:t>
+            </a:r>
+          </a:p>
+          <a:p>
+            <a:pPr marL="0" indent="0">
+              <a:buNone/>
+            </a:pPr>
+            <a:r>
+              <a:rPr lang="en-US" sz="1900" b="1" dirty="0">
+                <a:solidFill>
+                  <a:srgbClr val="C00000"/>
+                </a:solidFill>
+                <a:latin typeface="Courier New" panose="02070309020205020404" pitchFamily="49" charset="0"/>
+                <a:cs typeface="Courier New" panose="02070309020205020404" pitchFamily="49" charset="0"/>
+              </a:rPr>
+              <a:t>  #  3=each Settle entity;</a:t>
+            </a:r>
+          </a:p>
+          <a:p>
+            <a:pPr marL="0" indent="0">
+              <a:buNone/>
+            </a:pPr>
+            <a:r>
+              <a:rPr lang="en-US" sz="1900" b="1" dirty="0">
+                <a:solidFill>
+                  <a:srgbClr val="C00000"/>
+                </a:solidFill>
+                <a:latin typeface="Courier New" panose="02070309020205020404" pitchFamily="49" charset="0"/>
+                <a:cs typeface="Courier New" panose="02070309020205020404" pitchFamily="49" charset="0"/>
+              </a:rPr>
+              <a:t>  #  4=none when N_GP*</a:t>
+            </a:r>
+            <a:r>
+              <a:rPr lang="en-US" sz="1900" b="1" dirty="0" err="1">
+                <a:solidFill>
+                  <a:srgbClr val="C00000"/>
+                </a:solidFill>
+                <a:latin typeface="Courier New" panose="02070309020205020404" pitchFamily="49" charset="0"/>
+                <a:cs typeface="Courier New" panose="02070309020205020404" pitchFamily="49" charset="0"/>
+              </a:rPr>
+              <a:t>Nsettle</a:t>
+            </a:r>
+            <a:r>
+              <a:rPr lang="en-US" sz="1900" b="1" dirty="0">
+                <a:solidFill>
+                  <a:srgbClr val="C00000"/>
+                </a:solidFill>
+                <a:latin typeface="Courier New" panose="02070309020205020404" pitchFamily="49" charset="0"/>
+                <a:cs typeface="Courier New" panose="02070309020205020404" pitchFamily="49" charset="0"/>
+              </a:rPr>
+              <a:t>*pop==1</a:t>
+            </a:r>
+          </a:p>
+          <a:p>
+            <a:pPr marL="0" indent="0">
+              <a:buNone/>
+            </a:pPr>
+            <a:r>
+              <a:rPr lang="en-US" sz="1900" b="1" dirty="0">
+                <a:latin typeface="Courier New" panose="02070309020205020404" pitchFamily="49" charset="0"/>
+                <a:cs typeface="Courier New" panose="02070309020205020404" pitchFamily="49" charset="0"/>
+              </a:rPr>
+              <a:t>1</a:t>
+            </a:r>
+            <a:r>
+              <a:rPr lang="en-US" sz="1900" b="1" dirty="0">
+                <a:solidFill>
+                  <a:srgbClr val="C00000"/>
+                </a:solidFill>
+                <a:latin typeface="Courier New" panose="02070309020205020404" pitchFamily="49" charset="0"/>
+                <a:cs typeface="Courier New" panose="02070309020205020404" pitchFamily="49" charset="0"/>
+              </a:rPr>
+              <a:t> # not yet implemented; Future usage: </a:t>
+            </a:r>
+            <a:r>
+              <a:rPr lang="en-US" sz="1900" b="1" dirty="0" err="1">
+                <a:solidFill>
+                  <a:srgbClr val="C00000"/>
+                </a:solidFill>
+                <a:latin typeface="Courier New" panose="02070309020205020404" pitchFamily="49" charset="0"/>
+                <a:cs typeface="Courier New" panose="02070309020205020404" pitchFamily="49" charset="0"/>
+              </a:rPr>
+              <a:t>Spawner</a:t>
+            </a:r>
+            <a:r>
+              <a:rPr lang="en-US" sz="1900" b="1" dirty="0">
+                <a:solidFill>
+                  <a:srgbClr val="C00000"/>
+                </a:solidFill>
+                <a:latin typeface="Courier New" panose="02070309020205020404" pitchFamily="49" charset="0"/>
+                <a:cs typeface="Courier New" panose="02070309020205020404" pitchFamily="49" charset="0"/>
+              </a:rPr>
+              <a:t>-Recruitment: 1=global; 2=by area</a:t>
+            </a:r>
+          </a:p>
+          <a:p>
+            <a:pPr marL="0" indent="0">
+              <a:buNone/>
+            </a:pPr>
+            <a:r>
+              <a:rPr lang="en-US" sz="1900" b="1" dirty="0">
+                <a:latin typeface="Courier New" panose="02070309020205020404" pitchFamily="49" charset="0"/>
+                <a:cs typeface="Courier New" panose="02070309020205020404" pitchFamily="49" charset="0"/>
+              </a:rPr>
+              <a:t>3</a:t>
+            </a:r>
+            <a:r>
+              <a:rPr lang="en-US" sz="1900" b="1" dirty="0">
+                <a:solidFill>
+                  <a:srgbClr val="C00000"/>
+                </a:solidFill>
+                <a:latin typeface="Courier New" panose="02070309020205020404" pitchFamily="49" charset="0"/>
+                <a:cs typeface="Courier New" panose="02070309020205020404" pitchFamily="49" charset="0"/>
+              </a:rPr>
+              <a:t> #  number of recruitment settlement assignments </a:t>
+            </a:r>
+          </a:p>
+          <a:p>
+            <a:pPr marL="0" indent="0">
+              <a:buNone/>
+            </a:pPr>
+            <a:r>
+              <a:rPr lang="en-US" sz="1900" b="1" dirty="0">
+                <a:latin typeface="Courier New" panose="02070309020205020404" pitchFamily="49" charset="0"/>
+                <a:cs typeface="Courier New" panose="02070309020205020404" pitchFamily="49" charset="0"/>
+              </a:rPr>
+              <a:t>0</a:t>
+            </a:r>
+            <a:r>
+              <a:rPr lang="en-US" sz="1900" b="1" dirty="0">
+                <a:solidFill>
+                  <a:srgbClr val="C00000"/>
+                </a:solidFill>
+                <a:latin typeface="Courier New" panose="02070309020205020404" pitchFamily="49" charset="0"/>
+                <a:cs typeface="Courier New" panose="02070309020205020404" pitchFamily="49" charset="0"/>
+              </a:rPr>
+              <a:t> # unused option</a:t>
+            </a:r>
+          </a:p>
+          <a:p>
+            <a:pPr marL="0" indent="0">
+              <a:buNone/>
+            </a:pPr>
+            <a:r>
+              <a:rPr lang="en-US" sz="1900" b="1" dirty="0">
+                <a:solidFill>
+                  <a:srgbClr val="C00000"/>
+                </a:solidFill>
+                <a:latin typeface="Courier New" panose="02070309020205020404" pitchFamily="49" charset="0"/>
+                <a:cs typeface="Courier New" panose="02070309020205020404" pitchFamily="49" charset="0"/>
+              </a:rPr>
+              <a:t>#</a:t>
+            </a:r>
+            <a:r>
+              <a:rPr lang="en-US" sz="1900" b="1" dirty="0" err="1">
+                <a:solidFill>
+                  <a:srgbClr val="C00000"/>
+                </a:solidFill>
+                <a:latin typeface="Courier New" panose="02070309020205020404" pitchFamily="49" charset="0"/>
+                <a:cs typeface="Courier New" panose="02070309020205020404" pitchFamily="49" charset="0"/>
+              </a:rPr>
+              <a:t>GPattern</a:t>
+            </a:r>
+            <a:r>
+              <a:rPr lang="en-US" sz="1900" b="1" dirty="0">
+                <a:solidFill>
+                  <a:srgbClr val="C00000"/>
+                </a:solidFill>
+                <a:latin typeface="Courier New" panose="02070309020205020404" pitchFamily="49" charset="0"/>
+                <a:cs typeface="Courier New" panose="02070309020205020404" pitchFamily="49" charset="0"/>
+              </a:rPr>
+              <a:t> month area  age (for each settlement assignment)</a:t>
+            </a:r>
+          </a:p>
+          <a:p>
+            <a:pPr marL="0" indent="0">
+              <a:buNone/>
+            </a:pPr>
+            <a:r>
+              <a:rPr lang="en-US" sz="1900" b="1" dirty="0">
+                <a:solidFill>
+                  <a:srgbClr val="C00000"/>
+                </a:solidFill>
+                <a:latin typeface="Courier New" panose="02070309020205020404" pitchFamily="49" charset="0"/>
+                <a:cs typeface="Courier New" panose="02070309020205020404" pitchFamily="49" charset="0"/>
+              </a:rPr>
+              <a:t> </a:t>
+            </a:r>
+            <a:r>
+              <a:rPr lang="en-US" sz="1900" b="1" dirty="0">
+                <a:latin typeface="Courier New" panose="02070309020205020404" pitchFamily="49" charset="0"/>
+                <a:cs typeface="Courier New" panose="02070309020205020404" pitchFamily="49" charset="0"/>
+              </a:rPr>
+              <a:t>1        1     1     0</a:t>
+            </a:r>
+          </a:p>
+          <a:p>
+            <a:pPr marL="0" indent="0">
+              <a:buNone/>
+            </a:pPr>
+            <a:r>
+              <a:rPr lang="en-US" sz="1900" b="1" dirty="0">
+                <a:latin typeface="Courier New" panose="02070309020205020404" pitchFamily="49" charset="0"/>
+                <a:cs typeface="Courier New" panose="02070309020205020404" pitchFamily="49" charset="0"/>
+              </a:rPr>
+              <a:t> 1        1     2     0</a:t>
+            </a:r>
+          </a:p>
+          <a:p>
+            <a:pPr marL="0" indent="0">
+              <a:buNone/>
+            </a:pPr>
+            <a:r>
+              <a:rPr lang="en-US" sz="1900" b="1" dirty="0">
+                <a:latin typeface="Courier New" panose="02070309020205020404" pitchFamily="49" charset="0"/>
+                <a:cs typeface="Courier New" panose="02070309020205020404" pitchFamily="49" charset="0"/>
+              </a:rPr>
+              <a:t> 1        1     3     0</a:t>
+            </a:r>
+          </a:p>
+          <a:p>
+            <a:pPr marL="0" indent="0">
+              <a:buNone/>
+            </a:pPr>
+            <a:endParaRPr lang="pt-BR" sz="1900" b="1" dirty="0">
+              <a:solidFill>
+                <a:srgbClr val="C00000"/>
+              </a:solidFill>
+              <a:latin typeface="Courier New" panose="02070309020205020404" pitchFamily="49" charset="0"/>
+              <a:cs typeface="Courier New" panose="02070309020205020404" pitchFamily="49" charset="0"/>
+            </a:endParaRPr>
+          </a:p>
+        </p:txBody>
+      </p:sp>
+      <p:sp>
+        <p:nvSpPr>
+          <p:cNvPr id="6" name="Title 5"/>
+          <p:cNvSpPr>
+            <a:spLocks noGrp="1"/>
+          </p:cNvSpPr>
+          <p:nvPr>
+            <p:ph type="title"/>
+          </p:nvPr>
+        </p:nvSpPr>
+        <p:spPr/>
+        <p:txBody>
+          <a:bodyPr/>
+          <a:lstStyle/>
+          <a:p>
             <a:r>
               <a:rPr lang="en-US" dirty="0" smtClean="0"/>
-              <a:t>Autocorrelation and impact on forecast (see Johnson et al. 2017)</a:t>
-            </a:r>
-            <a:br>
-              <a:rPr lang="en-US" dirty="0" smtClean="0"/>
-            </a:br>
+              <a:t>Control file setup for recruit distribution</a:t>
+            </a:r>
             <a:endParaRPr lang="en-US" dirty="0"/>
           </a:p>
         </p:txBody>
       </p:sp>
       <p:sp>
         <p:nvSpPr>
-          <p:cNvPr id="3" name="Text Placeholder 2"/>
-          <p:cNvSpPr>
-            <a:spLocks noGrp="1"/>
-          </p:cNvSpPr>
-          <p:nvPr>
-            <p:ph type="body" idx="1"/>
-          </p:nvPr>
-        </p:nvSpPr>
-        <p:spPr/>
-        <p:txBody>
-          <a:bodyPr/>
-          <a:lstStyle/>
-          <a:p>
-            <a:endParaRPr lang="en-US"/>
-          </a:p>
-        </p:txBody>
-      </p:sp>
-      <p:sp>
-        <p:nvSpPr>
-          <p:cNvPr id="4" name="Slide Number Placeholder 3"/>
+          <p:cNvPr id="5" name="Slide Number Placeholder 4"/>
           <p:cNvSpPr>
             <a:spLocks noGrp="1"/>
           </p:cNvSpPr>
@@ -9094,14 +9627,14 @@
               <a:rPr lang="en-US" smtClean="0"/>
               <a:t>26</a:t>
             </a:fld>
-            <a:endParaRPr lang="en-US"/>
+            <a:endParaRPr lang="en-US" dirty="0"/>
           </a:p>
         </p:txBody>
       </p:sp>
     </p:spTree>
     <p:extLst>
       <p:ext uri="{BB962C8B-B14F-4D97-AF65-F5344CB8AC3E}">
-        <p14:creationId xmlns:p14="http://schemas.microsoft.com/office/powerpoint/2010/main" val="217607094"/>
+        <p14:creationId xmlns:p14="http://schemas.microsoft.com/office/powerpoint/2010/main" val="2653409851"/>
       </p:ext>
     </p:extLst>
   </p:cSld>
@@ -9137,7 +9670,7 @@
       </p:grpSpPr>
       <p:sp>
         <p:nvSpPr>
-          <p:cNvPr id="2" name="Title 1"/>
+          <p:cNvPr id="5" name="Title 4"/>
           <p:cNvSpPr>
             <a:spLocks noGrp="1"/>
           </p:cNvSpPr>
@@ -9145,73 +9678,98 @@
             <p:ph type="title"/>
           </p:nvPr>
         </p:nvSpPr>
-        <p:spPr>
-          <a:xfrm>
-            <a:off x="838200" y="-13554"/>
-            <a:ext cx="10515600" cy="2426554"/>
-          </a:xfrm>
-        </p:spPr>
-        <p:txBody>
-          <a:bodyPr>
-            <a:normAutofit/>
-          </a:bodyPr>
+        <p:spPr/>
+        <p:txBody>
+          <a:bodyPr/>
           <a:lstStyle/>
           <a:p>
             <a:r>
               <a:rPr lang="en-US" dirty="0" smtClean="0"/>
-              <a:t>Recruitment and model uncertainty in </a:t>
-            </a:r>
-            <a:br>
+              <a:t>Distribution of recruitment</a:t>
+            </a:r>
+            <a:endParaRPr lang="en-US" dirty="0"/>
+          </a:p>
+        </p:txBody>
+      </p:sp>
+      <p:sp>
+        <p:nvSpPr>
+          <p:cNvPr id="6" name="Content Placeholder 5"/>
+          <p:cNvSpPr>
+            <a:spLocks noGrp="1"/>
+          </p:cNvSpPr>
+          <p:nvPr>
+            <p:ph idx="1"/>
+          </p:nvPr>
+        </p:nvSpPr>
+        <p:spPr/>
+        <p:txBody>
+          <a:bodyPr/>
+          <a:lstStyle/>
+          <a:p>
+            <a:endParaRPr lang="en-US" dirty="0" smtClean="0"/>
+          </a:p>
+          <a:p>
+            <a:endParaRPr lang="en-US" dirty="0"/>
+          </a:p>
+          <a:p>
+            <a:endParaRPr lang="en-US" dirty="0" smtClean="0"/>
+          </a:p>
+          <a:p>
+            <a:r>
               <a:rPr lang="en-US" dirty="0" smtClean="0"/>
-            </a:br>
+              <a:t>When multiple Growth Patterns, Areas, or Seasons are specified at the top of the data file, the model will expect additional parameters</a:t>
+            </a:r>
+          </a:p>
+          <a:p>
             <a:r>
               <a:rPr lang="en-US" dirty="0" smtClean="0"/>
-              <a:t>MCMC vs. MLE estimates</a:t>
-            </a:r>
-            <a:br>
+              <a:t>Fix first parameter at 0</a:t>
+            </a:r>
+          </a:p>
+          <a:p>
+            <a:r>
               <a:rPr lang="en-US" dirty="0" smtClean="0"/>
-            </a:br>
-            <a:endParaRPr lang="en-US" dirty="0"/>
-          </a:p>
-        </p:txBody>
-      </p:sp>
-      <p:sp>
-        <p:nvSpPr>
-          <p:cNvPr id="5" name="Content Placeholder 4"/>
-          <p:cNvSpPr>
-            <a:spLocks noGrp="1"/>
-          </p:cNvSpPr>
-          <p:nvPr>
-            <p:ph idx="1"/>
-          </p:nvPr>
-        </p:nvSpPr>
-        <p:spPr>
-          <a:xfrm>
-            <a:off x="838200" y="1778000"/>
-            <a:ext cx="6083300" cy="4775200"/>
-          </a:xfrm>
-        </p:spPr>
-        <p:txBody>
-          <a:bodyPr>
-            <a:normAutofit/>
-          </a:bodyPr>
-          <a:lstStyle/>
+              <a:t>Estimate (or fix) additional parameters within a range like -5 to 5</a:t>
+            </a:r>
+          </a:p>
           <a:p>
             <a:r>
               <a:rPr lang="en-US" dirty="0" smtClean="0"/>
-              <a:t>Bayesian estimation using MCMC simplifies some elements of recruitment estimation</a:t>
-            </a:r>
-          </a:p>
-          <a:p>
+              <a:t>Recruitment distribution can be (probably should be) time-varying</a:t>
+            </a:r>
+          </a:p>
+          <a:p>
+            <a:pPr lvl="1"/>
             <a:r>
               <a:rPr lang="en-US" dirty="0" smtClean="0"/>
-              <a:t>No bias adjustment necessary: SS automatically overrides settings</a:t>
-            </a:r>
-          </a:p>
-          <a:p>
+              <a:t>Need to think about interaction between variability of recruitment distribution and </a:t>
+            </a:r>
+            <a:r>
+              <a:rPr lang="el-GR" i="1" dirty="0"/>
+              <a:t>σ</a:t>
+            </a:r>
+            <a:r>
+              <a:rPr lang="en-US" i="1" baseline="-25000" dirty="0"/>
+              <a:t>R</a:t>
+            </a:r>
             <a:r>
               <a:rPr lang="en-US" dirty="0" smtClean="0"/>
-              <a:t>Distributions are typically skewed: more information about big recruitments than small ones</a:t>
+              <a:t> </a:t>
+            </a:r>
+          </a:p>
+          <a:p>
+            <a:pPr lvl="1"/>
+            <a:r>
+              <a:rPr lang="en-US" dirty="0" smtClean="0"/>
+              <a:t>No clear guidance on bias adjustment of </a:t>
+            </a:r>
+            <a:r>
+              <a:rPr lang="en-US" dirty="0" err="1" smtClean="0"/>
+              <a:t>recdevs</a:t>
+            </a:r>
+            <a:r>
+              <a:rPr lang="en-US" dirty="0" smtClean="0"/>
+              <a:t> in this context</a:t>
             </a:r>
           </a:p>
         </p:txBody>
@@ -9241,89 +9799,32 @@
       </p:sp>
       <p:pic>
         <p:nvPicPr>
-          <p:cNvPr id="6" name="Picture 5"/>
+          <p:cNvPr id="7" name="Picture 6"/>
           <p:cNvPicPr>
             <a:picLocks noChangeAspect="1"/>
           </p:cNvPicPr>
           <p:nvPr/>
         </p:nvPicPr>
-        <p:blipFill rotWithShape="1">
+        <p:blipFill>
           <a:blip r:embed="rId2"/>
-          <a:srcRect l="18411" t="15922" r="18195"/>
-          <a:stretch/>
+          <a:stretch>
+            <a:fillRect/>
+          </a:stretch>
         </p:blipFill>
         <p:spPr>
           <a:xfrm>
-            <a:off x="7035799" y="1164134"/>
-            <a:ext cx="5016501" cy="5562102"/>
+            <a:off x="3100471" y="1108075"/>
+            <a:ext cx="7205579" cy="1244600"/>
           </a:xfrm>
           <a:prstGeom prst="rect">
             <a:avLst/>
           </a:prstGeom>
         </p:spPr>
       </p:pic>
-      <p:sp>
-        <p:nvSpPr>
-          <p:cNvPr id="7" name="TextBox 6"/>
-          <p:cNvSpPr txBox="1"/>
-          <p:nvPr/>
-        </p:nvSpPr>
-        <p:spPr>
-          <a:xfrm>
-            <a:off x="165100" y="5390971"/>
-            <a:ext cx="7239000" cy="1384995"/>
-          </a:xfrm>
-          <a:prstGeom prst="rect">
-            <a:avLst/>
-          </a:prstGeom>
-          <a:noFill/>
-        </p:spPr>
-        <p:txBody>
-          <a:bodyPr wrap="square" rtlCol="0">
-            <a:spAutoFit/>
-          </a:bodyPr>
-          <a:lstStyle/>
-          <a:p>
-            <a:r>
-              <a:rPr lang="en-US" sz="1400" dirty="0" err="1" smtClean="0"/>
-              <a:t>Methot</a:t>
-            </a:r>
-            <a:r>
-              <a:rPr lang="en-US" sz="1400" dirty="0" smtClean="0"/>
-              <a:t>, R.D. and Taylor, I.G., 2011. Adjusting for Bias due to Variability of Estimated Recruitments in Fishery Assessment Models. Can. J. Fish. </a:t>
-            </a:r>
-            <a:r>
-              <a:rPr lang="en-US" sz="1400" dirty="0" err="1" smtClean="0"/>
-              <a:t>Aquat</a:t>
-            </a:r>
-            <a:r>
-              <a:rPr lang="en-US" sz="1400" dirty="0" smtClean="0"/>
-              <a:t>. Sci.  68, 1744–1760.</a:t>
-            </a:r>
-          </a:p>
-          <a:p>
-            <a:endParaRPr lang="en-US" sz="1400" dirty="0" smtClean="0"/>
-          </a:p>
-          <a:p>
-            <a:r>
-              <a:rPr lang="en-US" sz="1400" dirty="0" smtClean="0"/>
-              <a:t>Stewart, I.J., A. Hicks, I.G. Taylor, J.T. Thorson, C. Wetzel, and S. </a:t>
-            </a:r>
-            <a:r>
-              <a:rPr lang="en-US" sz="1400" dirty="0" err="1" smtClean="0"/>
-              <a:t>Kupschus</a:t>
-            </a:r>
-            <a:r>
-              <a:rPr lang="en-US" sz="1400" dirty="0" smtClean="0"/>
-              <a:t>. 2013. A comparison of stock assessment uncertainty estimates using maximum likelihood and Bayesian methods implemented with the same model framework. Fish. Res. 142, pp 37–46.</a:t>
-            </a:r>
-          </a:p>
-        </p:txBody>
-      </p:sp>
     </p:spTree>
     <p:extLst>
       <p:ext uri="{BB962C8B-B14F-4D97-AF65-F5344CB8AC3E}">
-        <p14:creationId xmlns:p14="http://schemas.microsoft.com/office/powerpoint/2010/main" val="2770067894"/>
+        <p14:creationId xmlns:p14="http://schemas.microsoft.com/office/powerpoint/2010/main" val="2617708870"/>
       </p:ext>
     </p:extLst>
   </p:cSld>
@@ -9352,103 +9853,501 @@
       </p:grpSpPr>
       <p:sp>
         <p:nvSpPr>
-          <p:cNvPr id="2" name="Title 1"/>
-          <p:cNvSpPr>
-            <a:spLocks noGrp="1"/>
-          </p:cNvSpPr>
-          <p:nvPr>
-            <p:ph type="title"/>
-          </p:nvPr>
-        </p:nvSpPr>
-        <p:spPr/>
+          <p:cNvPr id="8" name="Rectangle 7"/>
+          <p:cNvSpPr/>
+          <p:nvPr/>
+        </p:nvSpPr>
+        <p:spPr>
+          <a:xfrm>
+            <a:off x="608207" y="3448051"/>
+            <a:ext cx="11419584" cy="1381124"/>
+          </a:xfrm>
+          <a:prstGeom prst="rect">
+            <a:avLst/>
+          </a:prstGeom>
+          <a:solidFill>
+            <a:srgbClr val="FFE699">
+              <a:alpha val="50196"/>
+            </a:srgbClr>
+          </a:solidFill>
+          <a:ln>
+            <a:noFill/>
+          </a:ln>
+        </p:spPr>
+        <p:style>
+          <a:lnRef idx="2">
+            <a:schemeClr val="accent1">
+              <a:shade val="50000"/>
+            </a:schemeClr>
+          </a:lnRef>
+          <a:fillRef idx="1">
+            <a:schemeClr val="accent1"/>
+          </a:fillRef>
+          <a:effectRef idx="0">
+            <a:schemeClr val="accent1"/>
+          </a:effectRef>
+          <a:fontRef idx="minor">
+            <a:schemeClr val="lt1"/>
+          </a:fontRef>
+        </p:style>
+        <p:txBody>
+          <a:bodyPr rtlCol="0" anchor="ctr"/>
+          <a:lstStyle/>
+          <a:p>
+            <a:pPr algn="ctr"/>
+            <a:endParaRPr lang="en-US"/>
+          </a:p>
+        </p:txBody>
+      </p:sp>
+      <p:sp>
+        <p:nvSpPr>
+          <p:cNvPr id="7" name="Content Placeholder 6"/>
+          <p:cNvSpPr>
+            <a:spLocks noGrp="1"/>
+          </p:cNvSpPr>
+          <p:nvPr>
+            <p:ph idx="1"/>
+          </p:nvPr>
+        </p:nvSpPr>
+        <p:spPr>
+          <a:xfrm>
+            <a:off x="661291" y="1019175"/>
+            <a:ext cx="11819562" cy="5713411"/>
+          </a:xfrm>
+        </p:spPr>
         <p:txBody>
           <a:bodyPr>
             <a:normAutofit/>
           </a:bodyPr>
           <a:lstStyle/>
           <a:p>
-            <a:r>
-              <a:rPr lang="en-US" dirty="0" smtClean="0"/>
-              <a:t>Simulating with random recruitment</a:t>
-            </a:r>
-            <a:endParaRPr lang="en-US" dirty="0"/>
-          </a:p>
-        </p:txBody>
-      </p:sp>
-      <p:sp>
-        <p:nvSpPr>
-          <p:cNvPr id="5" name="Content Placeholder 4"/>
-          <p:cNvSpPr>
-            <a:spLocks noGrp="1"/>
-          </p:cNvSpPr>
-          <p:nvPr>
-            <p:ph idx="1"/>
-          </p:nvPr>
-        </p:nvSpPr>
-        <p:spPr/>
-        <p:txBody>
-          <a:bodyPr>
-            <a:normAutofit fontScale="85000" lnSpcReduction="20000"/>
-          </a:bodyPr>
-          <a:lstStyle/>
-          <a:p>
-            <a:r>
-              <a:rPr lang="en-US" dirty="0" smtClean="0"/>
-              <a:t>SS has built-in parametric bootstrap capability for random data generation, but most analyses benefit from random recruitment</a:t>
-            </a:r>
-          </a:p>
-          <a:p>
-            <a:r>
-              <a:rPr lang="en-US" dirty="0" smtClean="0"/>
-              <a:t>Option 1: modify the </a:t>
-            </a:r>
-            <a:r>
-              <a:rPr lang="en-US" dirty="0" err="1" smtClean="0"/>
-              <a:t>ss.par</a:t>
-            </a:r>
-            <a:r>
-              <a:rPr lang="en-US" dirty="0" smtClean="0"/>
-              <a:t> file</a:t>
-            </a:r>
-          </a:p>
-          <a:p>
-            <a:r>
-              <a:rPr lang="en-US" dirty="0" smtClean="0"/>
-              <a:t>Option 2: input in control file</a:t>
-            </a:r>
-          </a:p>
-          <a:p>
-            <a:pPr marL="457200" lvl="1" indent="0">
+            <a:pPr marL="0" indent="0">
               <a:buNone/>
             </a:pPr>
             <a:r>
-              <a:rPr lang="en-US" dirty="0" smtClean="0">
-                <a:latin typeface="Courier New" panose="02070309020205020404" pitchFamily="49" charset="0"/>
-                <a:cs typeface="Courier New" panose="02070309020205020404" pitchFamily="49" charset="0"/>
-              </a:rPr>
-              <a:t>122 </a:t>
-            </a:r>
-            <a:r>
-              <a:rPr lang="en-US" dirty="0" smtClean="0">
+              <a:rPr lang="pt-BR" sz="1100" b="1" dirty="0">
                 <a:solidFill>
                   <a:srgbClr val="C00000"/>
                 </a:solidFill>
                 <a:latin typeface="Courier New" panose="02070309020205020404" pitchFamily="49" charset="0"/>
                 <a:cs typeface="Courier New" panose="02070309020205020404" pitchFamily="49" charset="0"/>
               </a:rPr>
-              <a:t>#_</a:t>
-            </a:r>
-            <a:r>
-              <a:rPr lang="en-US" dirty="0" err="1" smtClean="0">
+              <a:t>#_growth_parms                                                                                                                  </a:t>
+            </a:r>
+          </a:p>
+          <a:p>
+            <a:pPr marL="0" indent="0">
+              <a:buNone/>
+            </a:pPr>
+            <a:r>
+              <a:rPr lang="pt-BR" sz="1100" b="1" dirty="0">
                 <a:solidFill>
                   <a:srgbClr val="C00000"/>
                 </a:solidFill>
                 <a:latin typeface="Courier New" panose="02070309020205020404" pitchFamily="49" charset="0"/>
                 <a:cs typeface="Courier New" panose="02070309020205020404" pitchFamily="49" charset="0"/>
               </a:rPr>
-              <a:t>read_recdevs</a:t>
-            </a:r>
-            <a:endParaRPr lang="en-US" dirty="0" smtClean="0">
+              <a:t>#_LO    HI      INIT    PRIOR   PR_SD   PR_type PHASE   env_var devlink devminy devmaxy dev_PH  Block   Block_Fxn               </a:t>
+            </a:r>
+          </a:p>
+          <a:p>
+            <a:pPr marL="0" indent="0">
+              <a:buNone/>
+            </a:pPr>
+            <a:r>
+              <a:rPr lang="pt-BR" sz="1100" b="1" dirty="0">
+                <a:latin typeface="Courier New" panose="02070309020205020404" pitchFamily="49" charset="0"/>
+                <a:cs typeface="Courier New" panose="02070309020205020404" pitchFamily="49" charset="0"/>
+              </a:rPr>
+              <a:t>0.04    0.08    0.0521  -2.9551 0.5323  3       -50     0       0       0       0       0.5     0       0       </a:t>
+            </a:r>
+            <a:r>
+              <a:rPr lang="pt-BR" sz="1100" b="1" dirty="0">
+                <a:solidFill>
+                  <a:srgbClr val="C00000"/>
+                </a:solidFill>
+                <a:latin typeface="Courier New" panose="02070309020205020404" pitchFamily="49" charset="0"/>
+                <a:cs typeface="Courier New" panose="02070309020205020404" pitchFamily="49" charset="0"/>
+              </a:rPr>
+              <a:t># NatM_p_1_Fem_GP_1</a:t>
+            </a:r>
+          </a:p>
+          <a:p>
+            <a:pPr marL="0" indent="0">
+              <a:buNone/>
+            </a:pPr>
+            <a:r>
+              <a:rPr lang="pt-BR" sz="1100" b="1" dirty="0">
+                <a:latin typeface="Courier New" panose="02070309020205020404" pitchFamily="49" charset="0"/>
+                <a:cs typeface="Courier New" panose="02070309020205020404" pitchFamily="49" charset="0"/>
+              </a:rPr>
+              <a:t>0       0.9     0.45    0.4     50      0       3       0       0       0       0       0.5     0       0       </a:t>
+            </a:r>
+            <a:r>
+              <a:rPr lang="pt-BR" sz="1100" b="1" dirty="0">
+                <a:solidFill>
+                  <a:srgbClr val="C00000"/>
+                </a:solidFill>
+                <a:latin typeface="Courier New" panose="02070309020205020404" pitchFamily="49" charset="0"/>
+                <a:cs typeface="Courier New" panose="02070309020205020404" pitchFamily="49" charset="0"/>
+              </a:rPr>
+              <a:t># NatM_p_2_Fem_GP_1</a:t>
+            </a:r>
+          </a:p>
+          <a:p>
+            <a:pPr marL="0" indent="0">
+              <a:buNone/>
+            </a:pPr>
+            <a:r>
+              <a:rPr lang="pt-BR" sz="1100" b="1" dirty="0">
+                <a:latin typeface="Courier New" panose="02070309020205020404" pitchFamily="49" charset="0"/>
+                <a:cs typeface="Courier New" panose="02070309020205020404" pitchFamily="49" charset="0"/>
+              </a:rPr>
+              <a:t>2       15      3.8     4       50      0       2       0       0       0       0       0.5     0       0       </a:t>
+            </a:r>
+            <a:r>
+              <a:rPr lang="pt-BR" sz="1100" b="1" dirty="0">
+                <a:solidFill>
+                  <a:srgbClr val="C00000"/>
+                </a:solidFill>
+                <a:latin typeface="Courier New" panose="02070309020205020404" pitchFamily="49" charset="0"/>
+                <a:cs typeface="Courier New" panose="02070309020205020404" pitchFamily="49" charset="0"/>
+              </a:rPr>
+              <a:t># </a:t>
+            </a:r>
+            <a:r>
+              <a:rPr lang="pt-BR" sz="1100" b="1" dirty="0" smtClean="0">
+                <a:solidFill>
+                  <a:srgbClr val="C00000"/>
+                </a:solidFill>
+                <a:latin typeface="Courier New" panose="02070309020205020404" pitchFamily="49" charset="0"/>
+                <a:cs typeface="Courier New" panose="02070309020205020404" pitchFamily="49" charset="0"/>
+              </a:rPr>
+              <a:t>L_at_Amin_Fem_GP_1</a:t>
+            </a:r>
+            <a:endParaRPr lang="pt-BR" sz="1100" b="1" dirty="0" smtClean="0">
+              <a:latin typeface="Courier New" panose="02070309020205020404" pitchFamily="49" charset="0"/>
+              <a:cs typeface="Courier New" panose="02070309020205020404" pitchFamily="49" charset="0"/>
+            </a:endParaRPr>
+          </a:p>
+          <a:p>
+            <a:pPr marL="0" indent="0">
+              <a:buNone/>
+            </a:pPr>
+            <a:r>
+              <a:rPr lang="pt-BR" sz="1100" b="1" dirty="0" smtClean="0">
+                <a:latin typeface="Courier New" panose="02070309020205020404" pitchFamily="49" charset="0"/>
+                <a:cs typeface="Courier New" panose="02070309020205020404" pitchFamily="49" charset="0"/>
+              </a:rPr>
+              <a:t>...                                                                                                            </a:t>
+            </a:r>
+            <a:endParaRPr lang="pt-BR" sz="1100" b="1" dirty="0">
+              <a:latin typeface="Courier New" panose="02070309020205020404" pitchFamily="49" charset="0"/>
+              <a:cs typeface="Courier New" panose="02070309020205020404" pitchFamily="49" charset="0"/>
+            </a:endParaRPr>
+          </a:p>
+          <a:p>
+            <a:pPr marL="0" indent="0">
+              <a:buNone/>
+            </a:pPr>
+            <a:r>
+              <a:rPr lang="pt-BR" sz="1100" b="1" dirty="0">
+                <a:latin typeface="Courier New" panose="02070309020205020404" pitchFamily="49" charset="0"/>
+                <a:cs typeface="Courier New" panose="02070309020205020404" pitchFamily="49" charset="0"/>
+              </a:rPr>
+              <a:t>0       999     1       1       50      6       -50     0       0       0       0       0.5     0       0       </a:t>
+            </a:r>
+            <a:r>
+              <a:rPr lang="pt-BR" sz="1100" b="1" dirty="0">
+                <a:solidFill>
+                  <a:srgbClr val="C00000"/>
+                </a:solidFill>
+                <a:latin typeface="Courier New" panose="02070309020205020404" pitchFamily="49" charset="0"/>
+                <a:cs typeface="Courier New" panose="02070309020205020404" pitchFamily="49" charset="0"/>
+              </a:rPr>
+              <a:t># RecrDist_GP_1</a:t>
+            </a:r>
+          </a:p>
+          <a:p>
+            <a:pPr marL="0" indent="0">
+              <a:buNone/>
+            </a:pPr>
+            <a:r>
+              <a:rPr lang="pt-BR" sz="1100" b="1" dirty="0">
+                <a:latin typeface="Courier New" panose="02070309020205020404" pitchFamily="49" charset="0"/>
+                <a:cs typeface="Courier New" panose="02070309020205020404" pitchFamily="49" charset="0"/>
+              </a:rPr>
+              <a:t>-7      7       0       1       50      0       -1      0       0       0       0       0       0       0       </a:t>
+            </a:r>
+            <a:r>
+              <a:rPr lang="pt-BR" sz="1100" b="1" dirty="0">
+                <a:solidFill>
+                  <a:srgbClr val="C00000"/>
+                </a:solidFill>
+                <a:latin typeface="Courier New" panose="02070309020205020404" pitchFamily="49" charset="0"/>
+                <a:cs typeface="Courier New" panose="02070309020205020404" pitchFamily="49" charset="0"/>
+              </a:rPr>
+              <a:t># RecrDist_Area_1</a:t>
+            </a:r>
+          </a:p>
+          <a:p>
+            <a:pPr marL="0" indent="0">
+              <a:buNone/>
+            </a:pPr>
+            <a:r>
+              <a:rPr lang="pt-BR" sz="1100" b="1" dirty="0">
+                <a:latin typeface="Courier New" panose="02070309020205020404" pitchFamily="49" charset="0"/>
+                <a:cs typeface="Courier New" panose="02070309020205020404" pitchFamily="49" charset="0"/>
+              </a:rPr>
+              <a:t>-7      7       0       1       50      0       1       0       1       1933    2014    -5      0       0       </a:t>
+            </a:r>
+            <a:r>
+              <a:rPr lang="pt-BR" sz="1100" b="1" dirty="0">
+                <a:solidFill>
+                  <a:srgbClr val="C00000"/>
+                </a:solidFill>
+                <a:latin typeface="Courier New" panose="02070309020205020404" pitchFamily="49" charset="0"/>
+                <a:cs typeface="Courier New" panose="02070309020205020404" pitchFamily="49" charset="0"/>
+              </a:rPr>
+              <a:t># RecrDist_Area_2</a:t>
+            </a:r>
+          </a:p>
+          <a:p>
+            <a:pPr marL="0" indent="0">
+              <a:buNone/>
+            </a:pPr>
+            <a:r>
+              <a:rPr lang="pt-BR" sz="1100" b="1" dirty="0">
+                <a:latin typeface="Courier New" panose="02070309020205020404" pitchFamily="49" charset="0"/>
+                <a:cs typeface="Courier New" panose="02070309020205020404" pitchFamily="49" charset="0"/>
+              </a:rPr>
+              <a:t>-7      7       0       1       50      0       1       0       1       1933    2014    -5      0       0       </a:t>
+            </a:r>
+            <a:r>
+              <a:rPr lang="pt-BR" sz="1100" b="1" dirty="0">
+                <a:solidFill>
+                  <a:srgbClr val="C00000"/>
+                </a:solidFill>
+                <a:latin typeface="Courier New" panose="02070309020205020404" pitchFamily="49" charset="0"/>
+                <a:cs typeface="Courier New" panose="02070309020205020404" pitchFamily="49" charset="0"/>
+              </a:rPr>
+              <a:t># RecrDist_Area_3</a:t>
+            </a:r>
+          </a:p>
+          <a:p>
+            <a:pPr marL="0" indent="0">
+              <a:buNone/>
+            </a:pPr>
+            <a:r>
+              <a:rPr lang="pt-BR" sz="1100" b="1" dirty="0">
+                <a:latin typeface="Courier New" panose="02070309020205020404" pitchFamily="49" charset="0"/>
+                <a:cs typeface="Courier New" panose="02070309020205020404" pitchFamily="49" charset="0"/>
+              </a:rPr>
+              <a:t>0       999     1       1       50      6       -50     0       0       0       0       0.5     0       0       </a:t>
+            </a:r>
+            <a:r>
+              <a:rPr lang="pt-BR" sz="1100" b="1" dirty="0">
+                <a:solidFill>
+                  <a:srgbClr val="C00000"/>
+                </a:solidFill>
+                <a:latin typeface="Courier New" panose="02070309020205020404" pitchFamily="49" charset="0"/>
+                <a:cs typeface="Courier New" panose="02070309020205020404" pitchFamily="49" charset="0"/>
+              </a:rPr>
+              <a:t># RecrDist_timing_1</a:t>
+            </a:r>
+          </a:p>
+          <a:p>
+            <a:pPr marL="0" indent="0">
+              <a:buNone/>
+            </a:pPr>
+            <a:r>
+              <a:rPr lang="pt-BR" sz="1100" b="1" dirty="0">
+                <a:latin typeface="Courier New" panose="02070309020205020404" pitchFamily="49" charset="0"/>
+                <a:cs typeface="Courier New" panose="02070309020205020404" pitchFamily="49" charset="0"/>
+              </a:rPr>
+              <a:t>1       1       1       1       1       0       -1      0       0       0       0       0       0       0       </a:t>
+            </a:r>
+            <a:r>
+              <a:rPr lang="pt-BR" sz="1100" b="1" dirty="0">
+                <a:solidFill>
+                  <a:srgbClr val="C00000"/>
+                </a:solidFill>
+                <a:latin typeface="Courier New" panose="02070309020205020404" pitchFamily="49" charset="0"/>
+                <a:cs typeface="Courier New" panose="02070309020205020404" pitchFamily="49" charset="0"/>
+              </a:rPr>
+              <a:t># CohortGrowDev</a:t>
+            </a:r>
+          </a:p>
+          <a:p>
+            <a:pPr marL="0" indent="0">
+              <a:buNone/>
+            </a:pPr>
+            <a:r>
+              <a:rPr lang="pt-BR" sz="1100" b="1" dirty="0">
+                <a:latin typeface="Courier New" panose="02070309020205020404" pitchFamily="49" charset="0"/>
+                <a:cs typeface="Courier New" panose="02070309020205020404" pitchFamily="49" charset="0"/>
+              </a:rPr>
+              <a:t>0.00001 0.99999 0.5     0.5     0.5     0       -99     0       0       0       0       0       0       0       </a:t>
+            </a:r>
+            <a:r>
+              <a:rPr lang="pt-BR" sz="1100" b="1" dirty="0">
+                <a:solidFill>
+                  <a:srgbClr val="C00000"/>
+                </a:solidFill>
+                <a:latin typeface="Courier New" panose="02070309020205020404" pitchFamily="49" charset="0"/>
+                <a:cs typeface="Courier New" panose="02070309020205020404" pitchFamily="49" charset="0"/>
+              </a:rPr>
+              <a:t># </a:t>
+            </a:r>
+            <a:r>
+              <a:rPr lang="pt-BR" sz="1100" b="1" dirty="0" smtClean="0">
+                <a:solidFill>
+                  <a:srgbClr val="C00000"/>
+                </a:solidFill>
+                <a:latin typeface="Courier New" panose="02070309020205020404" pitchFamily="49" charset="0"/>
+                <a:cs typeface="Courier New" panose="02070309020205020404" pitchFamily="49" charset="0"/>
+              </a:rPr>
+              <a:t>FracFemale_GP_1</a:t>
+            </a:r>
+          </a:p>
+          <a:p>
+            <a:pPr marL="0" indent="0">
+              <a:buNone/>
+            </a:pPr>
+            <a:r>
+              <a:rPr lang="pt-BR" sz="1100" b="1" dirty="0">
+                <a:solidFill>
+                  <a:srgbClr val="C00000"/>
+                </a:solidFill>
+                <a:latin typeface="Courier New" panose="02070309020205020404" pitchFamily="49" charset="0"/>
+                <a:cs typeface="Courier New" panose="02070309020205020404" pitchFamily="49" charset="0"/>
+              </a:rPr>
+              <a:t># timevary MG parameters </a:t>
+            </a:r>
+          </a:p>
+          <a:p>
+            <a:pPr marL="0" indent="0">
+              <a:buNone/>
+            </a:pPr>
+            <a:r>
+              <a:rPr lang="pt-BR" sz="1100" b="1" dirty="0">
+                <a:solidFill>
+                  <a:srgbClr val="C00000"/>
+                </a:solidFill>
+                <a:latin typeface="Courier New" panose="02070309020205020404" pitchFamily="49" charset="0"/>
+                <a:cs typeface="Courier New" panose="02070309020205020404" pitchFamily="49" charset="0"/>
+              </a:rPr>
+              <a:t>#_LO    HI      INIT    PRIOR   PR_SD   PR_type PHASE           </a:t>
+            </a:r>
+          </a:p>
+          <a:p>
+            <a:pPr marL="0" indent="0">
+              <a:buNone/>
+            </a:pPr>
+            <a:r>
+              <a:rPr lang="pt-BR" sz="1100" b="1" dirty="0">
+                <a:latin typeface="Courier New" panose="02070309020205020404" pitchFamily="49" charset="0"/>
+                <a:cs typeface="Courier New" panose="02070309020205020404" pitchFamily="49" charset="0"/>
+              </a:rPr>
+              <a:t>0.0001  2       0.5     0.5     0.5     6       -5    </a:t>
+            </a:r>
+            <a:r>
+              <a:rPr lang="pt-BR" sz="1100" b="1" dirty="0">
+                <a:solidFill>
+                  <a:srgbClr val="C00000"/>
+                </a:solidFill>
+                <a:latin typeface="Courier New" panose="02070309020205020404" pitchFamily="49" charset="0"/>
+                <a:cs typeface="Courier New" panose="02070309020205020404" pitchFamily="49" charset="0"/>
+              </a:rPr>
+              <a:t># RecrDist_Area_2_dev_se</a:t>
+            </a:r>
+          </a:p>
+          <a:p>
+            <a:pPr marL="0" indent="0">
+              <a:buNone/>
+            </a:pPr>
+            <a:r>
+              <a:rPr lang="pt-BR" sz="1100" b="1" dirty="0">
+                <a:latin typeface="Courier New" panose="02070309020205020404" pitchFamily="49" charset="0"/>
+                <a:cs typeface="Courier New" panose="02070309020205020404" pitchFamily="49" charset="0"/>
+              </a:rPr>
+              <a:t>-0.99   0.99    0       0       0.5     6       -6    </a:t>
+            </a:r>
+            <a:r>
+              <a:rPr lang="pt-BR" sz="1100" b="1" dirty="0">
+                <a:solidFill>
+                  <a:srgbClr val="C00000"/>
+                </a:solidFill>
+                <a:latin typeface="Courier New" panose="02070309020205020404" pitchFamily="49" charset="0"/>
+                <a:cs typeface="Courier New" panose="02070309020205020404" pitchFamily="49" charset="0"/>
+              </a:rPr>
+              <a:t># RecrDist_Area_2_dev_autocorr</a:t>
+            </a:r>
+          </a:p>
+          <a:p>
+            <a:pPr marL="0" indent="0">
+              <a:buNone/>
+            </a:pPr>
+            <a:r>
+              <a:rPr lang="pt-BR" sz="1100" b="1" dirty="0">
+                <a:latin typeface="Courier New" panose="02070309020205020404" pitchFamily="49" charset="0"/>
+                <a:cs typeface="Courier New" panose="02070309020205020404" pitchFamily="49" charset="0"/>
+              </a:rPr>
+              <a:t>0.0001  2       0.5     0.5     0.5     6       -5    </a:t>
+            </a:r>
+            <a:r>
+              <a:rPr lang="pt-BR" sz="1100" b="1" dirty="0">
+                <a:solidFill>
+                  <a:srgbClr val="C00000"/>
+                </a:solidFill>
+                <a:latin typeface="Courier New" panose="02070309020205020404" pitchFamily="49" charset="0"/>
+                <a:cs typeface="Courier New" panose="02070309020205020404" pitchFamily="49" charset="0"/>
+              </a:rPr>
+              <a:t># RecrDist_Area_3_dev_se</a:t>
+            </a:r>
+          </a:p>
+          <a:p>
+            <a:pPr marL="0" indent="0">
+              <a:buNone/>
+            </a:pPr>
+            <a:r>
+              <a:rPr lang="pt-BR" sz="1100" b="1" dirty="0">
+                <a:latin typeface="Courier New" panose="02070309020205020404" pitchFamily="49" charset="0"/>
+                <a:cs typeface="Courier New" panose="02070309020205020404" pitchFamily="49" charset="0"/>
+              </a:rPr>
+              <a:t>-0.99   0.99    0       0       0.5     6       -6    </a:t>
+            </a:r>
+            <a:r>
+              <a:rPr lang="pt-BR" sz="1100" b="1" dirty="0">
+                <a:solidFill>
+                  <a:srgbClr val="C00000"/>
+                </a:solidFill>
+                <a:latin typeface="Courier New" panose="02070309020205020404" pitchFamily="49" charset="0"/>
+                <a:cs typeface="Courier New" panose="02070309020205020404" pitchFamily="49" charset="0"/>
+              </a:rPr>
+              <a:t># RecrDist_Area_3_dev_autocorr</a:t>
+            </a:r>
+          </a:p>
+          <a:p>
+            <a:pPr marL="0" indent="0">
+              <a:buNone/>
+            </a:pPr>
+            <a:r>
+              <a:rPr lang="pt-BR" sz="1100" b="1" dirty="0" smtClean="0">
+                <a:solidFill>
+                  <a:srgbClr val="C00000"/>
+                </a:solidFill>
+                <a:latin typeface="Courier New" panose="02070309020205020404" pitchFamily="49" charset="0"/>
+                <a:cs typeface="Courier New" panose="02070309020205020404" pitchFamily="49" charset="0"/>
+              </a:rPr>
+              <a:t># info on dev vectors created for MGparms are reported with other devs after tag parameter section </a:t>
+            </a:r>
+          </a:p>
+          <a:p>
+            <a:pPr marL="0" indent="0">
+              <a:buNone/>
+            </a:pPr>
+            <a:endParaRPr lang="pt-BR" sz="1100" b="1" dirty="0" smtClean="0">
               <a:solidFill>
                 <a:srgbClr val="C00000"/>
               </a:solidFill>
@@ -9457,65 +10356,10 @@
             </a:endParaRPr>
           </a:p>
           <a:p>
-            <a:pPr marL="457200" lvl="1" indent="0">
+            <a:pPr marL="0" indent="0">
               <a:buNone/>
             </a:pPr>
-            <a:r>
-              <a:rPr lang="en-US" dirty="0" smtClean="0">
-                <a:solidFill>
-                  <a:srgbClr val="C00000"/>
-                </a:solidFill>
-                <a:latin typeface="Courier New" panose="02070309020205020404" pitchFamily="49" charset="0"/>
-                <a:cs typeface="Courier New" panose="02070309020205020404" pitchFamily="49" charset="0"/>
-              </a:rPr>
-              <a:t>#_end of advanced SR options</a:t>
-            </a:r>
-          </a:p>
-          <a:p>
-            <a:pPr marL="457200" lvl="1" indent="0">
-              <a:buNone/>
-            </a:pPr>
-            <a:r>
-              <a:rPr lang="en-US" dirty="0" smtClean="0">
-                <a:solidFill>
-                  <a:srgbClr val="C00000"/>
-                </a:solidFill>
-                <a:latin typeface="Courier New" panose="02070309020205020404" pitchFamily="49" charset="0"/>
-                <a:cs typeface="Courier New" panose="02070309020205020404" pitchFamily="49" charset="0"/>
-              </a:rPr>
-              <a:t># read specified </a:t>
-            </a:r>
-            <a:r>
-              <a:rPr lang="en-US" dirty="0" err="1" smtClean="0">
-                <a:solidFill>
-                  <a:srgbClr val="C00000"/>
-                </a:solidFill>
-                <a:latin typeface="Courier New" panose="02070309020205020404" pitchFamily="49" charset="0"/>
-                <a:cs typeface="Courier New" panose="02070309020205020404" pitchFamily="49" charset="0"/>
-              </a:rPr>
-              <a:t>recr</a:t>
-            </a:r>
-            <a:r>
-              <a:rPr lang="en-US" dirty="0" smtClean="0">
-                <a:solidFill>
-                  <a:srgbClr val="C00000"/>
-                </a:solidFill>
-                <a:latin typeface="Courier New" panose="02070309020205020404" pitchFamily="49" charset="0"/>
-                <a:cs typeface="Courier New" panose="02070309020205020404" pitchFamily="49" charset="0"/>
-              </a:rPr>
-              <a:t> </a:t>
-            </a:r>
-            <a:r>
-              <a:rPr lang="en-US" dirty="0" err="1" smtClean="0">
-                <a:solidFill>
-                  <a:srgbClr val="C00000"/>
-                </a:solidFill>
-                <a:latin typeface="Courier New" panose="02070309020205020404" pitchFamily="49" charset="0"/>
-                <a:cs typeface="Courier New" panose="02070309020205020404" pitchFamily="49" charset="0"/>
-              </a:rPr>
-              <a:t>devs</a:t>
-            </a:r>
-            <a:endParaRPr lang="en-US" dirty="0" smtClean="0">
+            <a:endParaRPr lang="pt-BR" sz="1100" b="1" dirty="0">
               <a:solidFill>
                 <a:srgbClr val="C00000"/>
               </a:solidFill>
@@ -9523,329 +10367,34 @@
               <a:cs typeface="Courier New" panose="02070309020205020404" pitchFamily="49" charset="0"/>
             </a:endParaRPr>
           </a:p>
-          <a:p>
-            <a:pPr marL="457200" lvl="1" indent="0">
-              <a:buNone/>
-            </a:pPr>
-            <a:r>
-              <a:rPr lang="en-US" dirty="0" smtClean="0">
-                <a:solidFill>
-                  <a:srgbClr val="C00000"/>
-                </a:solidFill>
-                <a:latin typeface="Courier New" panose="02070309020205020404" pitchFamily="49" charset="0"/>
-                <a:cs typeface="Courier New" panose="02070309020205020404" pitchFamily="49" charset="0"/>
-              </a:rPr>
-              <a:t>#_</a:t>
-            </a:r>
-            <a:r>
-              <a:rPr lang="en-US" dirty="0" err="1" smtClean="0">
-                <a:solidFill>
-                  <a:srgbClr val="C00000"/>
-                </a:solidFill>
-                <a:latin typeface="Courier New" panose="02070309020205020404" pitchFamily="49" charset="0"/>
-                <a:cs typeface="Courier New" panose="02070309020205020404" pitchFamily="49" charset="0"/>
-              </a:rPr>
-              <a:t>Yr</a:t>
-            </a:r>
-            <a:r>
-              <a:rPr lang="en-US" dirty="0" smtClean="0">
-                <a:solidFill>
-                  <a:srgbClr val="C00000"/>
-                </a:solidFill>
-                <a:latin typeface="Courier New" panose="02070309020205020404" pitchFamily="49" charset="0"/>
-                <a:cs typeface="Courier New" panose="02070309020205020404" pitchFamily="49" charset="0"/>
-              </a:rPr>
-              <a:t> </a:t>
-            </a:r>
-            <a:r>
-              <a:rPr lang="en-US" dirty="0" err="1" smtClean="0">
-                <a:solidFill>
-                  <a:srgbClr val="C00000"/>
-                </a:solidFill>
-                <a:latin typeface="Courier New" panose="02070309020205020404" pitchFamily="49" charset="0"/>
-                <a:cs typeface="Courier New" panose="02070309020205020404" pitchFamily="49" charset="0"/>
-              </a:rPr>
-              <a:t>Input_value</a:t>
-            </a:r>
-            <a:endParaRPr lang="en-US" dirty="0" smtClean="0">
-              <a:solidFill>
-                <a:srgbClr val="C00000"/>
-              </a:solidFill>
-              <a:latin typeface="Courier New" panose="02070309020205020404" pitchFamily="49" charset="0"/>
-              <a:cs typeface="Courier New" panose="02070309020205020404" pitchFamily="49" charset="0"/>
-            </a:endParaRPr>
-          </a:p>
-          <a:p>
-            <a:pPr marL="457200" lvl="1" indent="0">
-              <a:buNone/>
-            </a:pPr>
-            <a:r>
-              <a:rPr lang="en-US" dirty="0" smtClean="0">
-                <a:latin typeface="Courier New" panose="02070309020205020404" pitchFamily="49" charset="0"/>
-                <a:cs typeface="Courier New" panose="02070309020205020404" pitchFamily="49" charset="0"/>
-              </a:rPr>
-              <a:t>1895 -0.06873 </a:t>
-            </a:r>
-          </a:p>
-          <a:p>
-            <a:pPr marL="457200" lvl="1" indent="0">
-              <a:buNone/>
-            </a:pPr>
-            <a:r>
-              <a:rPr lang="en-US" dirty="0" smtClean="0">
-                <a:latin typeface="Courier New" panose="02070309020205020404" pitchFamily="49" charset="0"/>
-                <a:cs typeface="Courier New" panose="02070309020205020404" pitchFamily="49" charset="0"/>
-              </a:rPr>
-              <a:t>1896 -0.97538 </a:t>
-            </a:r>
-          </a:p>
-          <a:p>
-            <a:pPr marL="457200" lvl="1" indent="0">
-              <a:buNone/>
-            </a:pPr>
-            <a:r>
-              <a:rPr lang="en-US" dirty="0" smtClean="0">
-                <a:latin typeface="Courier New" panose="02070309020205020404" pitchFamily="49" charset="0"/>
-                <a:cs typeface="Courier New" panose="02070309020205020404" pitchFamily="49" charset="0"/>
-              </a:rPr>
-              <a:t>1897  0.11130</a:t>
-            </a:r>
-          </a:p>
-          <a:p>
-            <a:pPr marL="457200" lvl="1" indent="0">
-              <a:buNone/>
-            </a:pPr>
-            <a:r>
-              <a:rPr lang="en-US" dirty="0" smtClean="0">
-                <a:latin typeface="Courier New" panose="02070309020205020404" pitchFamily="49" charset="0"/>
-                <a:cs typeface="Courier New" panose="02070309020205020404" pitchFamily="49" charset="0"/>
-              </a:rPr>
-              <a:t>...</a:t>
-            </a:r>
-            <a:br>
-              <a:rPr lang="en-US" dirty="0" smtClean="0">
-                <a:latin typeface="Courier New" panose="02070309020205020404" pitchFamily="49" charset="0"/>
-                <a:cs typeface="Courier New" panose="02070309020205020404" pitchFamily="49" charset="0"/>
-              </a:rPr>
-            </a:br>
-            <a:endParaRPr lang="en-US" dirty="0" smtClean="0">
-              <a:latin typeface="Courier New" panose="02070309020205020404" pitchFamily="49" charset="0"/>
-              <a:cs typeface="Courier New" panose="02070309020205020404" pitchFamily="49" charset="0"/>
-            </a:endParaRPr>
-          </a:p>
-          <a:p>
-            <a:pPr marL="457200" lvl="1" indent="0">
-              <a:buNone/>
-            </a:pPr>
-            <a:r>
-              <a:rPr lang="en-US" sz="2800" dirty="0" smtClean="0">
-                <a:cs typeface="Courier New" panose="02070309020205020404" pitchFamily="49" charset="0"/>
-              </a:rPr>
-              <a:t>Control file input can be facilitated by r4ss function:</a:t>
-            </a:r>
-            <a:br>
-              <a:rPr lang="en-US" sz="2800" dirty="0" smtClean="0">
-                <a:cs typeface="Courier New" panose="02070309020205020404" pitchFamily="49" charset="0"/>
-              </a:rPr>
-            </a:br>
-            <a:r>
-              <a:rPr lang="en-US" dirty="0" smtClean="0">
-                <a:latin typeface="Courier New" panose="02070309020205020404" pitchFamily="49" charset="0"/>
-                <a:cs typeface="Courier New" panose="02070309020205020404" pitchFamily="49" charset="0"/>
-              </a:rPr>
-              <a:t>&gt; </a:t>
-            </a:r>
-            <a:r>
-              <a:rPr lang="en-US" dirty="0" err="1" smtClean="0">
-                <a:latin typeface="Courier New" panose="02070309020205020404" pitchFamily="49" charset="0"/>
-                <a:cs typeface="Courier New" panose="02070309020205020404" pitchFamily="49" charset="0"/>
-              </a:rPr>
-              <a:t>SS_recdevs</a:t>
-            </a:r>
-            <a:r>
-              <a:rPr lang="en-US" dirty="0" smtClean="0">
-                <a:latin typeface="Courier New" panose="02070309020205020404" pitchFamily="49" charset="0"/>
-                <a:cs typeface="Courier New" panose="02070309020205020404" pitchFamily="49" charset="0"/>
-              </a:rPr>
-              <a:t>(</a:t>
-            </a:r>
-            <a:r>
-              <a:rPr lang="en-US" dirty="0" err="1" smtClean="0">
-                <a:latin typeface="Courier New" panose="02070309020205020404" pitchFamily="49" charset="0"/>
-                <a:cs typeface="Courier New" panose="02070309020205020404" pitchFamily="49" charset="0"/>
-              </a:rPr>
-              <a:t>fyr</a:t>
-            </a:r>
-            <a:r>
-              <a:rPr lang="en-US" dirty="0" smtClean="0">
-                <a:latin typeface="Courier New" panose="02070309020205020404" pitchFamily="49" charset="0"/>
-                <a:cs typeface="Courier New" panose="02070309020205020404" pitchFamily="49" charset="0"/>
-              </a:rPr>
-              <a:t>=1895, </a:t>
-            </a:r>
-            <a:r>
-              <a:rPr lang="en-US" dirty="0" err="1" smtClean="0">
-                <a:latin typeface="Courier New" panose="02070309020205020404" pitchFamily="49" charset="0"/>
-                <a:cs typeface="Courier New" panose="02070309020205020404" pitchFamily="49" charset="0"/>
-              </a:rPr>
-              <a:t>lyr</a:t>
-            </a:r>
-            <a:r>
-              <a:rPr lang="en-US" dirty="0" smtClean="0">
-                <a:latin typeface="Courier New" panose="02070309020205020404" pitchFamily="49" charset="0"/>
-                <a:cs typeface="Courier New" panose="02070309020205020404" pitchFamily="49" charset="0"/>
-              </a:rPr>
-              <a:t>=2016, </a:t>
-            </a:r>
-            <a:r>
-              <a:rPr lang="en-US" dirty="0" err="1" smtClean="0">
-                <a:latin typeface="Courier New" panose="02070309020205020404" pitchFamily="49" charset="0"/>
-                <a:cs typeface="Courier New" panose="02070309020205020404" pitchFamily="49" charset="0"/>
-              </a:rPr>
-              <a:t>dir</a:t>
-            </a:r>
-            <a:r>
-              <a:rPr lang="en-US" dirty="0" smtClean="0">
-                <a:latin typeface="Courier New" panose="02070309020205020404" pitchFamily="49" charset="0"/>
-                <a:cs typeface="Courier New" panose="02070309020205020404" pitchFamily="49" charset="0"/>
-              </a:rPr>
-              <a:t>=</a:t>
-            </a:r>
-            <a:r>
-              <a:rPr lang="en-US" dirty="0" err="1" smtClean="0">
-                <a:latin typeface="Courier New" panose="02070309020205020404" pitchFamily="49" charset="0"/>
-                <a:cs typeface="Courier New" panose="02070309020205020404" pitchFamily="49" charset="0"/>
-              </a:rPr>
-              <a:t>mydir</a:t>
-            </a:r>
-            <a:r>
-              <a:rPr lang="en-US" dirty="0" smtClean="0">
-                <a:latin typeface="Courier New" panose="02070309020205020404" pitchFamily="49" charset="0"/>
-                <a:cs typeface="Courier New" panose="02070309020205020404" pitchFamily="49" charset="0"/>
-              </a:rPr>
-              <a:t>)</a:t>
-            </a:r>
-          </a:p>
-          <a:p>
-            <a:pPr marL="457200" lvl="1" indent="0">
-              <a:buNone/>
-            </a:pPr>
-            <a:r>
-              <a:rPr lang="en-US" dirty="0" smtClean="0">
-                <a:latin typeface="Courier New" panose="02070309020205020404" pitchFamily="49" charset="0"/>
-                <a:cs typeface="Courier New" panose="02070309020205020404" pitchFamily="49" charset="0"/>
-              </a:rPr>
-              <a:t>[1] making </a:t>
-            </a:r>
-            <a:r>
-              <a:rPr lang="en-US" dirty="0" err="1" smtClean="0">
-                <a:latin typeface="Courier New" panose="02070309020205020404" pitchFamily="49" charset="0"/>
-                <a:cs typeface="Courier New" panose="02070309020205020404" pitchFamily="49" charset="0"/>
-              </a:rPr>
-              <a:t>recdev</a:t>
-            </a:r>
-            <a:r>
-              <a:rPr lang="en-US" dirty="0" smtClean="0">
-                <a:latin typeface="Courier New" panose="02070309020205020404" pitchFamily="49" charset="0"/>
-                <a:cs typeface="Courier New" panose="02070309020205020404" pitchFamily="49" charset="0"/>
-              </a:rPr>
-              <a:t> phase to negative: -2</a:t>
-            </a:r>
-          </a:p>
-          <a:p>
-            <a:pPr marL="457200" lvl="1" indent="0">
-              <a:buNone/>
-            </a:pPr>
-            <a:r>
-              <a:rPr lang="en-US" dirty="0" smtClean="0">
-                <a:latin typeface="Courier New" panose="02070309020205020404" pitchFamily="49" charset="0"/>
-                <a:cs typeface="Courier New" panose="02070309020205020404" pitchFamily="49" charset="0"/>
-              </a:rPr>
-              <a:t>[1] rescaling </a:t>
-            </a:r>
-            <a:r>
-              <a:rPr lang="en-US" dirty="0" err="1" smtClean="0">
-                <a:latin typeface="Courier New" panose="02070309020205020404" pitchFamily="49" charset="0"/>
-                <a:cs typeface="Courier New" panose="02070309020205020404" pitchFamily="49" charset="0"/>
-              </a:rPr>
-              <a:t>recdevs</a:t>
-            </a:r>
-            <a:r>
-              <a:rPr lang="en-US" dirty="0" smtClean="0">
-                <a:latin typeface="Courier New" panose="02070309020205020404" pitchFamily="49" charset="0"/>
-                <a:cs typeface="Courier New" panose="02070309020205020404" pitchFamily="49" charset="0"/>
-              </a:rPr>
-              <a:t> vector so </a:t>
-            </a:r>
-            <a:r>
-              <a:rPr lang="en-US" dirty="0" err="1" smtClean="0">
-                <a:latin typeface="Courier New" panose="02070309020205020404" pitchFamily="49" charset="0"/>
-                <a:cs typeface="Courier New" panose="02070309020205020404" pitchFamily="49" charset="0"/>
-              </a:rPr>
-              <a:t>yrs</a:t>
-            </a:r>
-            <a:r>
-              <a:rPr lang="en-US" dirty="0" smtClean="0">
-                <a:latin typeface="Courier New" panose="02070309020205020404" pitchFamily="49" charset="0"/>
-                <a:cs typeface="Courier New" panose="02070309020205020404" pitchFamily="49" charset="0"/>
-              </a:rPr>
-              <a:t> 1895:2016</a:t>
-            </a:r>
-          </a:p>
-          <a:p>
-            <a:pPr marL="457200" lvl="1" indent="0">
-              <a:buNone/>
-            </a:pPr>
-            <a:r>
-              <a:rPr lang="en-US" dirty="0" smtClean="0">
-                <a:latin typeface="Courier New" panose="02070309020205020404" pitchFamily="49" charset="0"/>
-                <a:cs typeface="Courier New" panose="02070309020205020404" pitchFamily="49" charset="0"/>
-              </a:rPr>
-              <a:t>[1] have mean 0 and std. dev. = </a:t>
-            </a:r>
-            <a:r>
-              <a:rPr lang="en-US" dirty="0" err="1" smtClean="0">
-                <a:latin typeface="Courier New" panose="02070309020205020404" pitchFamily="49" charset="0"/>
-                <a:cs typeface="Courier New" panose="02070309020205020404" pitchFamily="49" charset="0"/>
-              </a:rPr>
-              <a:t>sigmaR</a:t>
-            </a:r>
-            <a:r>
-              <a:rPr lang="en-US" dirty="0" smtClean="0">
-                <a:latin typeface="Courier New" panose="02070309020205020404" pitchFamily="49" charset="0"/>
-                <a:cs typeface="Courier New" panose="02070309020205020404" pitchFamily="49" charset="0"/>
-              </a:rPr>
-              <a:t> = 0.5</a:t>
-            </a:r>
-          </a:p>
-          <a:p>
-            <a:pPr marL="457200" lvl="1" indent="0">
-              <a:buNone/>
-            </a:pPr>
-            <a:r>
-              <a:rPr lang="en-US" dirty="0" smtClean="0">
-                <a:latin typeface="Courier New" panose="02070309020205020404" pitchFamily="49" charset="0"/>
-                <a:cs typeface="Courier New" panose="02070309020205020404" pitchFamily="49" charset="0"/>
-              </a:rPr>
-              <a:t>[1] wrote new file: </a:t>
-            </a:r>
-            <a:r>
-              <a:rPr lang="en-US" dirty="0" err="1" smtClean="0">
-                <a:latin typeface="Courier New" panose="02070309020205020404" pitchFamily="49" charset="0"/>
-                <a:cs typeface="Courier New" panose="02070309020205020404" pitchFamily="49" charset="0"/>
-              </a:rPr>
-              <a:t>control_modified.ss</a:t>
-            </a:r>
-            <a:endParaRPr lang="en-US" dirty="0">
-              <a:latin typeface="Courier New" panose="02070309020205020404" pitchFamily="49" charset="0"/>
-              <a:cs typeface="Courier New" panose="02070309020205020404" pitchFamily="49" charset="0"/>
-            </a:endParaRPr>
-          </a:p>
-        </p:txBody>
-      </p:sp>
-      <p:sp>
-        <p:nvSpPr>
-          <p:cNvPr id="4" name="Slide Number Placeholder 3"/>
+        </p:txBody>
+      </p:sp>
+      <p:sp>
+        <p:nvSpPr>
+          <p:cNvPr id="6" name="Title 5"/>
+          <p:cNvSpPr>
+            <a:spLocks noGrp="1"/>
+          </p:cNvSpPr>
+          <p:nvPr>
+            <p:ph type="title"/>
+          </p:nvPr>
+        </p:nvSpPr>
+        <p:spPr/>
+        <p:txBody>
+          <a:bodyPr/>
+          <a:lstStyle/>
+          <a:p>
+            <a:r>
+              <a:rPr lang="en-US" dirty="0" smtClean="0"/>
+              <a:t>Control file parameters for recruit distribution</a:t>
+            </a:r>
+            <a:endParaRPr lang="en-US" dirty="0"/>
+          </a:p>
+        </p:txBody>
+      </p:sp>
+      <p:sp>
+        <p:nvSpPr>
+          <p:cNvPr id="5" name="Slide Number Placeholder 4"/>
           <p:cNvSpPr>
             <a:spLocks noGrp="1"/>
           </p:cNvSpPr>
@@ -9862,14 +10411,14 @@
               <a:rPr lang="en-US" smtClean="0"/>
               <a:t>28</a:t>
             </a:fld>
-            <a:endParaRPr lang="en-US"/>
+            <a:endParaRPr lang="en-US" dirty="0"/>
           </a:p>
         </p:txBody>
       </p:sp>
     </p:spTree>
     <p:extLst>
       <p:ext uri="{BB962C8B-B14F-4D97-AF65-F5344CB8AC3E}">
-        <p14:creationId xmlns:p14="http://schemas.microsoft.com/office/powerpoint/2010/main" val="3439057631"/>
+        <p14:creationId xmlns:p14="http://schemas.microsoft.com/office/powerpoint/2010/main" val="231193027"/>
       </p:ext>
     </p:extLst>
   </p:cSld>
@@ -9922,7 +10471,7 @@
           <a:p>
             <a:r>
               <a:rPr lang="en-US" dirty="0" smtClean="0"/>
-              <a:t>Recap of changes from 3.24 to 3.30 (also mentioned throughout)</a:t>
+              <a:t>Time-varying stock-recruit relationships (regimes)</a:t>
             </a:r>
             <a:br>
               <a:rPr lang="en-US" dirty="0" smtClean="0"/>
@@ -9943,10 +10492,54 @@
         </p:nvSpPr>
         <p:spPr/>
         <p:txBody>
-          <a:bodyPr/>
-          <a:lstStyle/>
-          <a:p>
-            <a:endParaRPr lang="en-US"/>
+          <a:bodyPr>
+            <a:normAutofit/>
+          </a:bodyPr>
+          <a:lstStyle/>
+          <a:p>
+            <a:r>
+              <a:rPr lang="en-US" sz="3200" dirty="0" smtClean="0"/>
+              <a:t>Initial </a:t>
+            </a:r>
+            <a:r>
+              <a:rPr lang="en-US" sz="3200" dirty="0" smtClean="0"/>
+              <a:t>year vs. equilibrium (</a:t>
+            </a:r>
+            <a:r>
+              <a:rPr lang="en-US" sz="3200" i="1" dirty="0" smtClean="0"/>
+              <a:t>R</a:t>
+            </a:r>
+            <a:r>
+              <a:rPr lang="en-US" sz="3200" baseline="-25000" dirty="0" smtClean="0"/>
+              <a:t>1</a:t>
+            </a:r>
+            <a:r>
+              <a:rPr lang="en-US" sz="3200" dirty="0" smtClean="0"/>
+              <a:t> in 3.24)</a:t>
+            </a:r>
+            <a:br>
+              <a:rPr lang="en-US" sz="3200" dirty="0" smtClean="0"/>
+            </a:br>
+            <a:r>
+              <a:rPr lang="en-US" sz="3200" dirty="0" smtClean="0"/>
+              <a:t>Environmental </a:t>
+            </a:r>
+            <a:r>
+              <a:rPr lang="en-US" sz="3200" dirty="0" smtClean="0"/>
+              <a:t>links</a:t>
+            </a:r>
+            <a:br>
+              <a:rPr lang="en-US" sz="3200" dirty="0" smtClean="0"/>
+            </a:br>
+            <a:r>
+              <a:rPr lang="en-US" sz="3200" dirty="0" smtClean="0"/>
+              <a:t>Forecasting </a:t>
+            </a:r>
+            <a:r>
+              <a:rPr lang="en-US" sz="3200" dirty="0" smtClean="0"/>
+              <a:t>with high or low recruitments</a:t>
+            </a:r>
+            <a:endParaRPr lang="en-US" sz="3200" dirty="0"/>
           </a:p>
         </p:txBody>
       </p:sp>
@@ -9976,7 +10569,7 @@
     </p:spTree>
     <p:extLst>
       <p:ext uri="{BB962C8B-B14F-4D97-AF65-F5344CB8AC3E}">
-        <p14:creationId xmlns:p14="http://schemas.microsoft.com/office/powerpoint/2010/main" val="1786747109"/>
+        <p14:creationId xmlns:p14="http://schemas.microsoft.com/office/powerpoint/2010/main" val="1377018876"/>
       </p:ext>
     </p:extLst>
   </p:cSld>
@@ -10010,90 +10603,26 @@
           <a:chExt cx="0" cy="0"/>
         </a:xfrm>
       </p:grpSpPr>
-      <p:pic>
-        <p:nvPicPr>
-          <p:cNvPr id="6" name="Picture 3"/>
-          <p:cNvPicPr>
-            <a:picLocks noChangeAspect="1" noChangeArrowheads="1"/>
-          </p:cNvPicPr>
-          <p:nvPr/>
-        </p:nvPicPr>
-        <p:blipFill>
-          <a:blip r:embed="rId2" cstate="print">
-            <a:extLst>
-              <a:ext uri="{28A0092B-C50C-407E-A947-70E740481C1C}">
-                <a14:useLocalDpi xmlns:a14="http://schemas.microsoft.com/office/drawing/2010/main" val="0"/>
-              </a:ext>
-            </a:extLst>
-          </a:blip>
-          <a:stretch>
-            <a:fillRect/>
-          </a:stretch>
-        </p:blipFill>
-        <p:spPr bwMode="auto">
-          <a:xfrm>
-            <a:off x="1524001" y="156427"/>
-            <a:ext cx="9143998" cy="6454586"/>
-          </a:xfrm>
-          <a:prstGeom prst="rect">
-            <a:avLst/>
-          </a:prstGeom>
-          <a:noFill/>
-          <a:extLst>
-            <a:ext uri="{909E8E84-426E-40DD-AFC4-6F175D3DCCD1}">
-              <a14:hiddenFill xmlns:a14="http://schemas.microsoft.com/office/drawing/2010/main">
-                <a:solidFill>
-                  <a:srgbClr val="FFFFFF"/>
-                </a:solidFill>
-              </a14:hiddenFill>
-            </a:ext>
-          </a:extLst>
-        </p:spPr>
-      </p:pic>
-      <p:sp>
-        <p:nvSpPr>
-          <p:cNvPr id="15" name="Rectangle 14"/>
-          <p:cNvSpPr/>
-          <p:nvPr/>
-        </p:nvSpPr>
-        <p:spPr>
-          <a:xfrm>
-            <a:off x="1607127" y="2413140"/>
-            <a:ext cx="8861368" cy="4070556"/>
-          </a:xfrm>
-          <a:prstGeom prst="rect">
-            <a:avLst/>
-          </a:prstGeom>
-          <a:solidFill>
-            <a:srgbClr val="FFFFFF">
-              <a:alpha val="94902"/>
-            </a:srgbClr>
-          </a:solidFill>
-          <a:ln>
-            <a:noFill/>
-          </a:ln>
-          <a:effectLst/>
-        </p:spPr>
-        <p:style>
-          <a:lnRef idx="1">
-            <a:schemeClr val="accent1"/>
-          </a:lnRef>
-          <a:fillRef idx="3">
-            <a:schemeClr val="accent1"/>
-          </a:fillRef>
-          <a:effectRef idx="2">
-            <a:schemeClr val="accent1"/>
-          </a:effectRef>
-          <a:fontRef idx="minor">
-            <a:schemeClr val="lt1"/>
-          </a:fontRef>
-        </p:style>
-        <p:txBody>
-          <a:bodyPr rtlCol="0" anchor="ctr"/>
-          <a:lstStyle/>
-          <a:p>
-            <a:pPr algn="ctr"/>
-            <a:endParaRPr lang="en-US"/>
+      <p:sp>
+        <p:nvSpPr>
+          <p:cNvPr id="2" name="Title 1"/>
+          <p:cNvSpPr>
+            <a:spLocks noGrp="1"/>
+          </p:cNvSpPr>
+          <p:nvPr>
+            <p:ph type="title"/>
+          </p:nvPr>
+        </p:nvSpPr>
+        <p:spPr/>
+        <p:txBody>
+          <a:bodyPr/>
+          <a:lstStyle/>
+          <a:p>
+            <a:r>
+              <a:rPr lang="en-US" dirty="0" smtClean="0"/>
+              <a:t>Big Picture</a:t>
+            </a:r>
+            <a:endParaRPr lang="en-US" dirty="0"/>
           </a:p>
         </p:txBody>
       </p:sp>
@@ -10104,50 +10633,60 @@
             <a:spLocks noGrp="1"/>
           </p:cNvSpPr>
           <p:nvPr>
-            <p:ph sz="half" idx="1"/>
-          </p:nvPr>
-        </p:nvSpPr>
-        <p:spPr>
-          <a:xfrm>
-            <a:off x="838199" y="3898899"/>
-            <a:ext cx="9630295" cy="2679699"/>
-          </a:xfrm>
-        </p:spPr>
+            <p:ph idx="1"/>
+          </p:nvPr>
+        </p:nvSpPr>
+        <p:spPr/>
         <p:txBody>
           <a:bodyPr>
             <a:normAutofit/>
           </a:bodyPr>
           <a:lstStyle/>
           <a:p>
-            <a:pPr marL="0" indent="0">
-              <a:buNone/>
-            </a:pPr>
-            <a:r>
-              <a:rPr lang="en-US" sz="5400" b="1" dirty="0" smtClean="0">
-                <a:latin typeface="+mj-lt"/>
-              </a:rPr>
-              <a:t>Modeling recruitment over the </a:t>
+            <a:r>
+              <a:rPr lang="en-US" sz="3600" dirty="0" smtClean="0"/>
+              <a:t>Stock synthesis (SS) has lots of options, </a:t>
             </a:r>
             <a:br>
-              <a:rPr lang="en-US" sz="5400" b="1" dirty="0" smtClean="0">
-                <a:latin typeface="+mj-lt"/>
-              </a:rPr>
+              <a:rPr lang="en-US" sz="3600" dirty="0" smtClean="0"/>
             </a:br>
             <a:r>
-              <a:rPr lang="en-US" sz="5400" b="1" dirty="0" smtClean="0">
-                <a:latin typeface="+mj-lt"/>
-              </a:rPr>
-              <a:t>full history of commercial fishing</a:t>
-            </a:r>
-            <a:endParaRPr lang="en-US" sz="5400" b="1" dirty="0">
-              <a:latin typeface="+mj-lt"/>
-            </a:endParaRPr>
-          </a:p>
-        </p:txBody>
-      </p:sp>
-      <p:sp>
-        <p:nvSpPr>
-          <p:cNvPr id="5" name="Slide Number Placeholder 4"/>
+              <a:rPr lang="en-US" sz="3600" dirty="0" smtClean="0"/>
+              <a:t>especially related to recruitment</a:t>
+            </a:r>
+          </a:p>
+          <a:p>
+            <a:r>
+              <a:rPr lang="en-US" sz="3600" dirty="0" smtClean="0"/>
+              <a:t>Most SS models have recruitment deviates around a parametric stock-recruit relationship</a:t>
+            </a:r>
+          </a:p>
+          <a:p>
+            <a:r>
+              <a:rPr lang="en-US" sz="3600" dirty="0" smtClean="0"/>
+              <a:t>Age-structured surplus production models can be achieved by fixing deviations to zero</a:t>
+            </a:r>
+          </a:p>
+          <a:p>
+            <a:r>
+              <a:rPr lang="en-US" sz="3600" dirty="0" smtClean="0"/>
+              <a:t>Recruits can by partitioned by area, season, etc., but there is always a single spawning stock (no </a:t>
+            </a:r>
+            <a:r>
+              <a:rPr lang="en-US" sz="3600" dirty="0" err="1" smtClean="0"/>
+              <a:t>metapopulation</a:t>
+            </a:r>
+            <a:r>
+              <a:rPr lang="en-US" sz="3600" dirty="0" smtClean="0"/>
+              <a:t> dynamics)</a:t>
+            </a:r>
+            <a:endParaRPr lang="en-US" sz="3600" dirty="0"/>
+          </a:p>
+        </p:txBody>
+      </p:sp>
+      <p:sp>
+        <p:nvSpPr>
+          <p:cNvPr id="4" name="Slide Number Placeholder 3"/>
           <p:cNvSpPr>
             <a:spLocks noGrp="1"/>
           </p:cNvSpPr>
@@ -10164,344 +10703,27 @@
               <a:rPr lang="en-US" smtClean="0"/>
               <a:t>3</a:t>
             </a:fld>
-            <a:endParaRPr lang="en-US"/>
-          </a:p>
-        </p:txBody>
-      </p:sp>
-      <p:cxnSp>
-        <p:nvCxnSpPr>
-          <p:cNvPr id="7" name="Straight Arrow Connector 6"/>
-          <p:cNvCxnSpPr>
-            <a:stCxn id="8" idx="0"/>
-          </p:cNvCxnSpPr>
-          <p:nvPr/>
-        </p:nvCxnSpPr>
-        <p:spPr>
-          <a:xfrm flipV="1">
-            <a:off x="7035339" y="1903385"/>
-            <a:ext cx="735676" cy="917076"/>
-          </a:xfrm>
-          <a:prstGeom prst="straightConnector1">
-            <a:avLst/>
-          </a:prstGeom>
-          <a:ln>
-            <a:solidFill>
-              <a:srgbClr val="00B050"/>
-            </a:solidFill>
-            <a:tailEnd type="arrow"/>
-          </a:ln>
-          <a:effectLst/>
-        </p:spPr>
-        <p:style>
-          <a:lnRef idx="2">
-            <a:schemeClr val="accent1"/>
-          </a:lnRef>
-          <a:fillRef idx="0">
-            <a:schemeClr val="accent1"/>
-          </a:fillRef>
-          <a:effectRef idx="1">
-            <a:schemeClr val="accent1"/>
-          </a:effectRef>
-          <a:fontRef idx="minor">
-            <a:schemeClr val="tx1"/>
-          </a:fontRef>
-        </p:style>
-      </p:cxnSp>
-      <p:sp>
-        <p:nvSpPr>
-          <p:cNvPr id="8" name="TextBox 7"/>
-          <p:cNvSpPr txBox="1"/>
-          <p:nvPr/>
-        </p:nvSpPr>
-        <p:spPr>
-          <a:xfrm>
-            <a:off x="6636329" y="2820462"/>
-            <a:ext cx="798021" cy="461665"/>
-          </a:xfrm>
-          <a:prstGeom prst="rect">
-            <a:avLst/>
-          </a:prstGeom>
-          <a:noFill/>
-        </p:spPr>
-        <p:txBody>
-          <a:bodyPr wrap="square" rtlCol="0">
-            <a:spAutoFit/>
-          </a:bodyPr>
-          <a:lstStyle/>
-          <a:p>
-            <a:pPr algn="ctr"/>
-            <a:r>
-              <a:rPr lang="en-US" sz="1200" dirty="0">
-                <a:solidFill>
-                  <a:srgbClr val="00B050"/>
-                </a:solidFill>
-                <a:latin typeface="Arial" panose="020B0604020202020204" pitchFamily="34" charset="0"/>
-                <a:cs typeface="Arial" panose="020B0604020202020204" pitchFamily="34" charset="0"/>
-              </a:rPr>
-              <a:t>Catch </a:t>
-            </a:r>
-            <a:br>
-              <a:rPr lang="en-US" sz="1200" dirty="0">
-                <a:solidFill>
-                  <a:srgbClr val="00B050"/>
-                </a:solidFill>
-                <a:latin typeface="Arial" panose="020B0604020202020204" pitchFamily="34" charset="0"/>
-                <a:cs typeface="Arial" panose="020B0604020202020204" pitchFamily="34" charset="0"/>
-              </a:rPr>
-            </a:br>
-            <a:r>
-              <a:rPr lang="en-US" sz="1200" dirty="0">
-                <a:solidFill>
-                  <a:srgbClr val="00B050"/>
-                </a:solidFill>
-                <a:latin typeface="Arial" panose="020B0604020202020204" pitchFamily="34" charset="0"/>
-                <a:cs typeface="Arial" panose="020B0604020202020204" pitchFamily="34" charset="0"/>
-              </a:rPr>
-              <a:t>(scaled)</a:t>
-            </a:r>
-          </a:p>
-        </p:txBody>
-      </p:sp>
-      <p:cxnSp>
-        <p:nvCxnSpPr>
-          <p:cNvPr id="9" name="Straight Arrow Connector 8"/>
-          <p:cNvCxnSpPr>
-            <a:stCxn id="10" idx="0"/>
-          </p:cNvCxnSpPr>
-          <p:nvPr/>
-        </p:nvCxnSpPr>
-        <p:spPr>
-          <a:xfrm flipH="1" flipV="1">
-            <a:off x="8215745" y="2004979"/>
-            <a:ext cx="72044" cy="917076"/>
-          </a:xfrm>
-          <a:prstGeom prst="straightConnector1">
-            <a:avLst/>
-          </a:prstGeom>
-          <a:ln>
-            <a:solidFill>
-              <a:srgbClr val="00B050"/>
-            </a:solidFill>
-            <a:tailEnd type="arrow"/>
-          </a:ln>
-          <a:effectLst/>
-        </p:spPr>
-        <p:style>
-          <a:lnRef idx="2">
-            <a:schemeClr val="accent1"/>
-          </a:lnRef>
-          <a:fillRef idx="0">
-            <a:schemeClr val="accent1"/>
-          </a:fillRef>
-          <a:effectRef idx="1">
-            <a:schemeClr val="accent1"/>
-          </a:effectRef>
-          <a:fontRef idx="minor">
-            <a:schemeClr val="tx1"/>
-          </a:fontRef>
-        </p:style>
-      </p:cxnSp>
-      <p:sp>
-        <p:nvSpPr>
-          <p:cNvPr id="10" name="TextBox 9"/>
-          <p:cNvSpPr txBox="1"/>
-          <p:nvPr/>
-        </p:nvSpPr>
-        <p:spPr>
-          <a:xfrm>
-            <a:off x="7586749" y="2922056"/>
-            <a:ext cx="1402080" cy="461665"/>
-          </a:xfrm>
-          <a:prstGeom prst="rect">
-            <a:avLst/>
-          </a:prstGeom>
-          <a:noFill/>
-        </p:spPr>
-        <p:txBody>
-          <a:bodyPr wrap="square" rtlCol="0">
-            <a:spAutoFit/>
-          </a:bodyPr>
-          <a:lstStyle/>
-          <a:p>
-            <a:pPr algn="ctr"/>
-            <a:r>
-              <a:rPr lang="en-US" sz="1200" dirty="0">
-                <a:solidFill>
-                  <a:srgbClr val="00B050"/>
-                </a:solidFill>
-                <a:latin typeface="Arial" panose="020B0604020202020204" pitchFamily="34" charset="0"/>
-                <a:cs typeface="Arial" panose="020B0604020202020204" pitchFamily="34" charset="0"/>
-              </a:rPr>
-              <a:t>Years with length or age data</a:t>
-            </a:r>
-          </a:p>
-        </p:txBody>
-      </p:sp>
-      <p:cxnSp>
-        <p:nvCxnSpPr>
-          <p:cNvPr id="11" name="Straight Arrow Connector 10"/>
-          <p:cNvCxnSpPr>
-            <a:stCxn id="12" idx="0"/>
-          </p:cNvCxnSpPr>
-          <p:nvPr/>
-        </p:nvCxnSpPr>
-        <p:spPr>
-          <a:xfrm flipH="1" flipV="1">
-            <a:off x="9196647" y="2361924"/>
-            <a:ext cx="315884" cy="790964"/>
-          </a:xfrm>
-          <a:prstGeom prst="straightConnector1">
-            <a:avLst/>
-          </a:prstGeom>
-          <a:ln>
-            <a:solidFill>
-              <a:srgbClr val="00B050"/>
-            </a:solidFill>
-            <a:tailEnd type="arrow"/>
-          </a:ln>
-          <a:effectLst/>
-        </p:spPr>
-        <p:style>
-          <a:lnRef idx="2">
-            <a:schemeClr val="accent1"/>
-          </a:lnRef>
-          <a:fillRef idx="0">
-            <a:schemeClr val="accent1"/>
-          </a:fillRef>
-          <a:effectRef idx="1">
-            <a:schemeClr val="accent1"/>
-          </a:effectRef>
-          <a:fontRef idx="minor">
-            <a:schemeClr val="tx1"/>
-          </a:fontRef>
-        </p:style>
-      </p:cxnSp>
-      <p:sp>
-        <p:nvSpPr>
-          <p:cNvPr id="12" name="TextBox 11"/>
-          <p:cNvSpPr txBox="1"/>
-          <p:nvPr/>
-        </p:nvSpPr>
-        <p:spPr>
-          <a:xfrm>
-            <a:off x="8988829" y="3152888"/>
-            <a:ext cx="1047404" cy="461665"/>
-          </a:xfrm>
-          <a:prstGeom prst="rect">
-            <a:avLst/>
-          </a:prstGeom>
-          <a:noFill/>
-        </p:spPr>
-        <p:txBody>
-          <a:bodyPr wrap="square" rtlCol="0">
-            <a:spAutoFit/>
-          </a:bodyPr>
-          <a:lstStyle/>
-          <a:p>
-            <a:pPr algn="ctr"/>
-            <a:r>
-              <a:rPr lang="en-US" sz="1200" dirty="0">
-                <a:solidFill>
-                  <a:srgbClr val="00B050"/>
-                </a:solidFill>
-                <a:latin typeface="Arial" panose="020B0604020202020204" pitchFamily="34" charset="0"/>
-                <a:cs typeface="Arial" panose="020B0604020202020204" pitchFamily="34" charset="0"/>
-              </a:rPr>
-              <a:t>Recruitment deviations</a:t>
-            </a:r>
-          </a:p>
-        </p:txBody>
-      </p:sp>
-      <p:sp>
-        <p:nvSpPr>
-          <p:cNvPr id="13" name="TextBox 12"/>
-          <p:cNvSpPr txBox="1"/>
-          <p:nvPr/>
-        </p:nvSpPr>
-        <p:spPr>
-          <a:xfrm>
-            <a:off x="2166160" y="2900907"/>
-            <a:ext cx="2240281" cy="461665"/>
-          </a:xfrm>
-          <a:prstGeom prst="rect">
-            <a:avLst/>
-          </a:prstGeom>
-          <a:noFill/>
-        </p:spPr>
-        <p:txBody>
-          <a:bodyPr wrap="square" rtlCol="0">
-            <a:spAutoFit/>
-          </a:bodyPr>
-          <a:lstStyle/>
-          <a:p>
-            <a:pPr algn="ctr"/>
-            <a:r>
-              <a:rPr lang="en-US" sz="1200" dirty="0">
-                <a:solidFill>
-                  <a:srgbClr val="00B050"/>
-                </a:solidFill>
-                <a:latin typeface="Arial" panose="020B0604020202020204" pitchFamily="34" charset="0"/>
-                <a:cs typeface="Arial" panose="020B0604020202020204" pitchFamily="34" charset="0"/>
-              </a:rPr>
-              <a:t>Summary of estimated parameters</a:t>
-            </a:r>
-          </a:p>
-        </p:txBody>
-      </p:sp>
-      <p:sp>
-        <p:nvSpPr>
-          <p:cNvPr id="14" name="Left Brace 13"/>
-          <p:cNvSpPr/>
-          <p:nvPr/>
-        </p:nvSpPr>
-        <p:spPr>
-          <a:xfrm rot="16200000">
-            <a:off x="3114168" y="1221986"/>
-            <a:ext cx="344267" cy="2876205"/>
-          </a:xfrm>
-          <a:prstGeom prst="leftBrace">
-            <a:avLst/>
-          </a:prstGeom>
-          <a:ln>
-            <a:solidFill>
-              <a:srgbClr val="00B050"/>
-            </a:solidFill>
-          </a:ln>
-          <a:effectLst/>
-        </p:spPr>
-        <p:style>
-          <a:lnRef idx="2">
-            <a:schemeClr val="accent1"/>
-          </a:lnRef>
-          <a:fillRef idx="0">
-            <a:schemeClr val="accent1"/>
-          </a:fillRef>
-          <a:effectRef idx="1">
-            <a:schemeClr val="accent1"/>
-          </a:effectRef>
-          <a:fontRef idx="minor">
-            <a:schemeClr val="tx1"/>
-          </a:fontRef>
-        </p:style>
-        <p:txBody>
-          <a:bodyPr rtlCol="0" anchor="ctr"/>
-          <a:lstStyle/>
-          <a:p>
-            <a:pPr algn="ctr"/>
-            <a:endParaRPr lang="en-US"/>
+            <a:endParaRPr lang="en-US" dirty="0"/>
           </a:p>
         </p:txBody>
       </p:sp>
     </p:spTree>
     <p:extLst>
       <p:ext uri="{BB962C8B-B14F-4D97-AF65-F5344CB8AC3E}">
-        <p14:creationId xmlns:p14="http://schemas.microsoft.com/office/powerpoint/2010/main" val="133251620"/>
+        <p14:creationId xmlns:p14="http://schemas.microsoft.com/office/powerpoint/2010/main" val="2706936049"/>
       </p:ext>
     </p:extLst>
   </p:cSld>
   <p:clrMapOvr>
     <a:masterClrMapping/>
   </p:clrMapOvr>
+  <p:timing>
+    <p:tnLst>
+      <p:par>
+        <p:cTn id="1" dur="indefinite" restart="never" nodeType="tmRoot"/>
+      </p:par>
+    </p:tnLst>
+  </p:timing>
 </p:sld>
 </file>
 
@@ -10524,7 +10746,55 @@
       </p:grpSpPr>
       <p:sp>
         <p:nvSpPr>
-          <p:cNvPr id="2" name="Title 1"/>
+          <p:cNvPr id="8" name="Rectangle 7"/>
+          <p:cNvSpPr/>
+          <p:nvPr/>
+        </p:nvSpPr>
+        <p:spPr>
+          <a:xfrm flipV="1">
+            <a:off x="608206" y="4610099"/>
+            <a:ext cx="11240893" cy="485776"/>
+          </a:xfrm>
+          <a:prstGeom prst="rect">
+            <a:avLst/>
+          </a:prstGeom>
+          <a:solidFill>
+            <a:srgbClr val="FFE699">
+              <a:alpha val="50196"/>
+            </a:srgbClr>
+          </a:solidFill>
+          <a:ln>
+            <a:noFill/>
+          </a:ln>
+        </p:spPr>
+        <p:style>
+          <a:lnRef idx="2">
+            <a:schemeClr val="accent1">
+              <a:shade val="50000"/>
+            </a:schemeClr>
+          </a:lnRef>
+          <a:fillRef idx="1">
+            <a:schemeClr val="accent1"/>
+          </a:fillRef>
+          <a:effectRef idx="0">
+            <a:schemeClr val="accent1"/>
+          </a:effectRef>
+          <a:fontRef idx="minor">
+            <a:schemeClr val="lt1"/>
+          </a:fontRef>
+        </p:style>
+        <p:txBody>
+          <a:bodyPr rtlCol="0" anchor="ctr"/>
+          <a:lstStyle/>
+          <a:p>
+            <a:pPr algn="ctr"/>
+            <a:endParaRPr lang="en-US"/>
+          </a:p>
+        </p:txBody>
+      </p:sp>
+      <p:sp>
+        <p:nvSpPr>
+          <p:cNvPr id="6" name="Title 5"/>
           <p:cNvSpPr>
             <a:spLocks noGrp="1"/>
           </p:cNvSpPr>
@@ -10533,72 +10803,329 @@
           </p:nvPr>
         </p:nvSpPr>
         <p:spPr/>
+        <p:txBody>
+          <a:bodyPr/>
+          <a:lstStyle/>
+          <a:p>
+            <a:r>
+              <a:rPr lang="en-US" dirty="0" smtClean="0"/>
+              <a:t>Control file setup for stock-recruit function</a:t>
+            </a:r>
+            <a:endParaRPr lang="en-US" dirty="0"/>
+          </a:p>
+        </p:txBody>
+      </p:sp>
+      <p:sp>
+        <p:nvSpPr>
+          <p:cNvPr id="7" name="Content Placeholder 6"/>
+          <p:cNvSpPr>
+            <a:spLocks noGrp="1"/>
+          </p:cNvSpPr>
+          <p:nvPr>
+            <p:ph idx="1"/>
+          </p:nvPr>
+        </p:nvSpPr>
+        <p:spPr>
+          <a:xfrm>
+            <a:off x="632716" y="1069975"/>
+            <a:ext cx="11819562" cy="5483225"/>
+          </a:xfrm>
+        </p:spPr>
         <p:txBody>
           <a:bodyPr>
             <a:normAutofit/>
           </a:bodyPr>
           <a:lstStyle/>
           <a:p>
-            <a:r>
-              <a:rPr lang="en-US" dirty="0" smtClean="0"/>
-              <a:t>A few ideas </a:t>
-            </a:r>
-            <a:r>
-              <a:rPr lang="en-US" dirty="0" smtClean="0"/>
-              <a:t>for the future:</a:t>
-            </a:r>
-            <a:endParaRPr lang="en-US" dirty="0"/>
-          </a:p>
-        </p:txBody>
-      </p:sp>
-      <p:sp>
-        <p:nvSpPr>
-          <p:cNvPr id="5" name="Content Placeholder 4"/>
-          <p:cNvSpPr>
-            <a:spLocks noGrp="1"/>
-          </p:cNvSpPr>
-          <p:nvPr>
-            <p:ph idx="1"/>
-          </p:nvPr>
-        </p:nvSpPr>
-        <p:spPr/>
-        <p:txBody>
-          <a:bodyPr>
-            <a:normAutofit/>
-          </a:bodyPr>
-          <a:lstStyle/>
-          <a:p>
-            <a:r>
-              <a:rPr lang="en-US" sz="4000" dirty="0"/>
-              <a:t>Density-dependent recruitment variability</a:t>
-            </a:r>
-          </a:p>
-          <a:p>
-            <a:r>
-              <a:rPr lang="en-US" sz="4000" dirty="0" smtClean="0"/>
-              <a:t>Area-specific </a:t>
-            </a:r>
-            <a:r>
-              <a:rPr lang="en-US" sz="4000" dirty="0" smtClean="0"/>
-              <a:t>spawning biomass</a:t>
-            </a:r>
-          </a:p>
-          <a:p>
-            <a:r>
-              <a:rPr lang="en-US" sz="4000" dirty="0" smtClean="0"/>
-              <a:t>Semi-parametric </a:t>
-            </a:r>
-            <a:r>
-              <a:rPr lang="en-US" sz="4000" dirty="0" smtClean="0"/>
-              <a:t>stock-recruit curve</a:t>
-            </a:r>
-            <a:endParaRPr lang="en-US" sz="4000" dirty="0"/>
-          </a:p>
-        </p:txBody>
-      </p:sp>
-      <p:sp>
-        <p:nvSpPr>
-          <p:cNvPr id="4" name="Slide Number Placeholder 3"/>
+            <a:pPr marL="0" indent="0">
+              <a:buNone/>
+            </a:pPr>
+            <a:r>
+              <a:rPr lang="pt-BR" sz="2000" b="1" dirty="0">
+                <a:solidFill>
+                  <a:srgbClr val="C00000"/>
+                </a:solidFill>
+                <a:latin typeface="Courier New" panose="02070309020205020404" pitchFamily="49" charset="0"/>
+                <a:cs typeface="Courier New" panose="02070309020205020404" pitchFamily="49" charset="0"/>
+              </a:rPr>
+              <a:t>#_</a:t>
+            </a:r>
+            <a:r>
+              <a:rPr lang="pt-BR" sz="2000" b="1" dirty="0" smtClean="0">
+                <a:solidFill>
+                  <a:srgbClr val="C00000"/>
+                </a:solidFill>
+                <a:latin typeface="Courier New" panose="02070309020205020404" pitchFamily="49" charset="0"/>
+                <a:cs typeface="Courier New" panose="02070309020205020404" pitchFamily="49" charset="0"/>
+              </a:rPr>
+              <a:t>Spawner-Recruitment</a:t>
+            </a:r>
+          </a:p>
+          <a:p>
+            <a:pPr marL="0" indent="0">
+              <a:buNone/>
+            </a:pPr>
+            <a:r>
+              <a:rPr lang="pt-BR" sz="2000" b="1" dirty="0" smtClean="0">
+                <a:latin typeface="Courier New" panose="02070309020205020404" pitchFamily="49" charset="0"/>
+                <a:cs typeface="Courier New" panose="02070309020205020404" pitchFamily="49" charset="0"/>
+              </a:rPr>
+              <a:t>3 </a:t>
+            </a:r>
+            <a:r>
+              <a:rPr lang="pt-BR" sz="2000" b="1" dirty="0" smtClean="0">
+                <a:solidFill>
+                  <a:srgbClr val="C00000"/>
+                </a:solidFill>
+                <a:latin typeface="Courier New" panose="02070309020205020404" pitchFamily="49" charset="0"/>
+                <a:cs typeface="Courier New" panose="02070309020205020404" pitchFamily="49" charset="0"/>
+              </a:rPr>
+              <a:t>#_SR_function: 2=Ricker; 3=std_B-H; 4=SCAA; 5=Hockey; </a:t>
+            </a:r>
+          </a:p>
+          <a:p>
+            <a:pPr marL="0" indent="0">
+              <a:buNone/>
+            </a:pPr>
+            <a:r>
+              <a:rPr lang="pt-BR" sz="2000" b="1" dirty="0">
+                <a:solidFill>
+                  <a:srgbClr val="C00000"/>
+                </a:solidFill>
+                <a:latin typeface="Courier New" panose="02070309020205020404" pitchFamily="49" charset="0"/>
+                <a:cs typeface="Courier New" panose="02070309020205020404" pitchFamily="49" charset="0"/>
+              </a:rPr>
+              <a:t> </a:t>
+            </a:r>
+            <a:r>
+              <a:rPr lang="pt-BR" sz="2000" b="1" dirty="0" smtClean="0">
+                <a:solidFill>
+                  <a:srgbClr val="C00000"/>
+                </a:solidFill>
+                <a:latin typeface="Courier New" panose="02070309020205020404" pitchFamily="49" charset="0"/>
+                <a:cs typeface="Courier New" panose="02070309020205020404" pitchFamily="49" charset="0"/>
+              </a:rPr>
+              <a:t> # 6=B-H_flattop; 7=survival_3Parm; 8=Shepard_3Parm</a:t>
+            </a:r>
+          </a:p>
+          <a:p>
+            <a:pPr marL="0" indent="0">
+              <a:buNone/>
+            </a:pPr>
+            <a:r>
+              <a:rPr lang="pt-BR" sz="2000" b="1" dirty="0" smtClean="0">
+                <a:latin typeface="Courier New" panose="02070309020205020404" pitchFamily="49" charset="0"/>
+                <a:cs typeface="Courier New" panose="02070309020205020404" pitchFamily="49" charset="0"/>
+              </a:rPr>
+              <a:t>0 </a:t>
+            </a:r>
+            <a:r>
+              <a:rPr lang="pt-BR" sz="2000" b="1" dirty="0">
+                <a:solidFill>
+                  <a:srgbClr val="C00000"/>
+                </a:solidFill>
+                <a:latin typeface="Courier New" panose="02070309020205020404" pitchFamily="49" charset="0"/>
+                <a:cs typeface="Courier New" panose="02070309020205020404" pitchFamily="49" charset="0"/>
+              </a:rPr>
+              <a:t># 0/1 to use steepness in initial equ recruitment calculation</a:t>
+            </a:r>
+          </a:p>
+          <a:p>
+            <a:pPr marL="0" indent="0">
+              <a:buNone/>
+            </a:pPr>
+            <a:r>
+              <a:rPr lang="pt-BR" sz="2000" b="1" dirty="0">
+                <a:latin typeface="Courier New" panose="02070309020205020404" pitchFamily="49" charset="0"/>
+                <a:cs typeface="Courier New" panose="02070309020205020404" pitchFamily="49" charset="0"/>
+              </a:rPr>
+              <a:t>0 </a:t>
+            </a:r>
+            <a:r>
+              <a:rPr lang="pt-BR" sz="2000" b="1" dirty="0">
+                <a:solidFill>
+                  <a:srgbClr val="C00000"/>
+                </a:solidFill>
+                <a:latin typeface="Courier New" panose="02070309020205020404" pitchFamily="49" charset="0"/>
+                <a:cs typeface="Courier New" panose="02070309020205020404" pitchFamily="49" charset="0"/>
+              </a:rPr>
+              <a:t>#  future feature: </a:t>
+            </a:r>
+            <a:r>
+              <a:rPr lang="pt-BR" sz="2000" b="1" dirty="0" smtClean="0">
+                <a:solidFill>
+                  <a:srgbClr val="C00000"/>
+                </a:solidFill>
+                <a:latin typeface="Courier New" panose="02070309020205020404" pitchFamily="49" charset="0"/>
+                <a:cs typeface="Courier New" panose="02070309020205020404" pitchFamily="49" charset="0"/>
+              </a:rPr>
+              <a:t>0/1 </a:t>
+            </a:r>
+            <a:r>
+              <a:rPr lang="pt-BR" sz="2000" b="1" dirty="0">
+                <a:solidFill>
+                  <a:srgbClr val="C00000"/>
+                </a:solidFill>
+                <a:latin typeface="Courier New" panose="02070309020205020404" pitchFamily="49" charset="0"/>
+                <a:cs typeface="Courier New" panose="02070309020205020404" pitchFamily="49" charset="0"/>
+              </a:rPr>
+              <a:t>to make realized sigmaR a function of SR curvature </a:t>
+            </a:r>
+            <a:endParaRPr lang="pt-BR" sz="2000" b="1" dirty="0" smtClean="0">
+              <a:solidFill>
+                <a:srgbClr val="C00000"/>
+              </a:solidFill>
+              <a:latin typeface="Courier New" panose="02070309020205020404" pitchFamily="49" charset="0"/>
+              <a:cs typeface="Courier New" panose="02070309020205020404" pitchFamily="49" charset="0"/>
+            </a:endParaRPr>
+          </a:p>
+          <a:p>
+            <a:pPr marL="0" indent="0">
+              <a:buNone/>
+            </a:pPr>
+            <a:r>
+              <a:rPr lang="pt-BR" sz="2000" b="1" dirty="0" smtClean="0">
+                <a:solidFill>
+                  <a:srgbClr val="C00000"/>
+                </a:solidFill>
+                <a:latin typeface="Courier New" panose="02070309020205020404" pitchFamily="49" charset="0"/>
+                <a:cs typeface="Courier New" panose="02070309020205020404" pitchFamily="49" charset="0"/>
+              </a:rPr>
+              <a:t>#_</a:t>
+            </a:r>
+            <a:r>
+              <a:rPr lang="pt-BR" sz="2000" b="1" dirty="0" smtClean="0">
+                <a:solidFill>
+                  <a:srgbClr val="C00000"/>
+                </a:solidFill>
+                <a:latin typeface="Courier New" panose="02070309020205020404" pitchFamily="49" charset="0"/>
+                <a:cs typeface="Courier New" panose="02070309020205020404" pitchFamily="49" charset="0"/>
+              </a:rPr>
+              <a:t>LO  HI   INIT  PRIOR  PR_SD   PR_type PHASE   ... # parm_name</a:t>
+            </a:r>
+          </a:p>
+          <a:p>
+            <a:pPr marL="0" indent="0">
+              <a:buNone/>
+            </a:pPr>
+            <a:r>
+              <a:rPr lang="pt-BR" sz="2000" b="1" dirty="0" smtClean="0">
+                <a:latin typeface="Courier New" panose="02070309020205020404" pitchFamily="49" charset="0"/>
+                <a:cs typeface="Courier New" panose="02070309020205020404" pitchFamily="49" charset="0"/>
+              </a:rPr>
+              <a:t>5     20   10.6  10     5       0       1       ... </a:t>
+            </a:r>
+            <a:r>
+              <a:rPr lang="pt-BR" sz="2000" b="1" dirty="0" smtClean="0">
+                <a:solidFill>
+                  <a:srgbClr val="C00000"/>
+                </a:solidFill>
+                <a:latin typeface="Courier New" panose="02070309020205020404" pitchFamily="49" charset="0"/>
+                <a:cs typeface="Courier New" panose="02070309020205020404" pitchFamily="49" charset="0"/>
+              </a:rPr>
+              <a:t># SR_LN(R0)</a:t>
+            </a:r>
+          </a:p>
+          <a:p>
+            <a:pPr marL="0" indent="0">
+              <a:buNone/>
+            </a:pPr>
+            <a:r>
+              <a:rPr lang="pt-BR" sz="2000" b="1" dirty="0" smtClean="0">
+                <a:latin typeface="Courier New" panose="02070309020205020404" pitchFamily="49" charset="0"/>
+                <a:cs typeface="Courier New" panose="02070309020205020404" pitchFamily="49" charset="0"/>
+              </a:rPr>
+              <a:t>0.2   1    0.6   0.718  0.158   0       3       ... </a:t>
+            </a:r>
+            <a:r>
+              <a:rPr lang="pt-BR" sz="2000" b="1" dirty="0" smtClean="0">
+                <a:solidFill>
+                  <a:srgbClr val="C00000"/>
+                </a:solidFill>
+                <a:latin typeface="Courier New" panose="02070309020205020404" pitchFamily="49" charset="0"/>
+                <a:cs typeface="Courier New" panose="02070309020205020404" pitchFamily="49" charset="0"/>
+              </a:rPr>
+              <a:t># SR_BH_steep</a:t>
+            </a:r>
+          </a:p>
+          <a:p>
+            <a:pPr marL="0" indent="0">
+              <a:buNone/>
+            </a:pPr>
+            <a:r>
+              <a:rPr lang="pt-BR" sz="2000" b="1" dirty="0" smtClean="0">
+                <a:latin typeface="Courier New" panose="02070309020205020404" pitchFamily="49" charset="0"/>
+                <a:cs typeface="Courier New" panose="02070309020205020404" pitchFamily="49" charset="0"/>
+              </a:rPr>
+              <a:t>0.5   1.2  0.5   0.67   99      0       -6      ... </a:t>
+            </a:r>
+            <a:r>
+              <a:rPr lang="pt-BR" sz="2000" b="1" dirty="0" smtClean="0">
+                <a:solidFill>
+                  <a:srgbClr val="C00000"/>
+                </a:solidFill>
+                <a:latin typeface="Courier New" panose="02070309020205020404" pitchFamily="49" charset="0"/>
+                <a:cs typeface="Courier New" panose="02070309020205020404" pitchFamily="49" charset="0"/>
+              </a:rPr>
+              <a:t># SR_sigmaR</a:t>
+            </a:r>
+          </a:p>
+          <a:p>
+            <a:pPr marL="0" indent="0">
+              <a:buNone/>
+            </a:pPr>
+            <a:r>
+              <a:rPr lang="pt-BR" sz="2000" b="1" dirty="0" smtClean="0">
+                <a:latin typeface="Courier New" panose="02070309020205020404" pitchFamily="49" charset="0"/>
+                <a:cs typeface="Courier New" panose="02070309020205020404" pitchFamily="49" charset="0"/>
+              </a:rPr>
+              <a:t>-5    5    0     0      99      0       -50     ... </a:t>
+            </a:r>
+            <a:r>
+              <a:rPr lang="pt-BR" sz="2000" b="1" dirty="0" smtClean="0">
+                <a:solidFill>
+                  <a:srgbClr val="C00000"/>
+                </a:solidFill>
+                <a:latin typeface="Courier New" panose="02070309020205020404" pitchFamily="49" charset="0"/>
+                <a:cs typeface="Courier New" panose="02070309020205020404" pitchFamily="49" charset="0"/>
+              </a:rPr>
+              <a:t># SR_regime</a:t>
+            </a:r>
+          </a:p>
+          <a:p>
+            <a:pPr marL="0" indent="0">
+              <a:buNone/>
+            </a:pPr>
+            <a:r>
+              <a:rPr lang="pt-BR" sz="2000" b="1" dirty="0" smtClean="0">
+                <a:latin typeface="Courier New" panose="02070309020205020404" pitchFamily="49" charset="0"/>
+                <a:cs typeface="Courier New" panose="02070309020205020404" pitchFamily="49" charset="0"/>
+              </a:rPr>
+              <a:t>0     2    0     1      99      0       -50     ... </a:t>
+            </a:r>
+            <a:r>
+              <a:rPr lang="pt-BR" sz="2000" b="1" dirty="0" smtClean="0">
+                <a:solidFill>
+                  <a:srgbClr val="C00000"/>
+                </a:solidFill>
+                <a:latin typeface="Courier New" panose="02070309020205020404" pitchFamily="49" charset="0"/>
+                <a:cs typeface="Courier New" panose="02070309020205020404" pitchFamily="49" charset="0"/>
+              </a:rPr>
+              <a:t># SR_autocorr</a:t>
+            </a:r>
+            <a:endParaRPr lang="en-US" sz="2000" b="1" dirty="0">
+              <a:solidFill>
+                <a:srgbClr val="C00000"/>
+              </a:solidFill>
+              <a:latin typeface="Courier New" panose="02070309020205020404" pitchFamily="49" charset="0"/>
+              <a:cs typeface="Courier New" panose="02070309020205020404" pitchFamily="49" charset="0"/>
+            </a:endParaRPr>
+          </a:p>
+        </p:txBody>
+      </p:sp>
+      <p:sp>
+        <p:nvSpPr>
+          <p:cNvPr id="5" name="Slide Number Placeholder 4"/>
           <p:cNvSpPr>
             <a:spLocks noGrp="1"/>
           </p:cNvSpPr>
@@ -10622,13 +11149,20 @@
     </p:spTree>
     <p:extLst>
       <p:ext uri="{BB962C8B-B14F-4D97-AF65-F5344CB8AC3E}">
-        <p14:creationId xmlns:p14="http://schemas.microsoft.com/office/powerpoint/2010/main" val="1578983765"/>
+        <p14:creationId xmlns:p14="http://schemas.microsoft.com/office/powerpoint/2010/main" val="2869643015"/>
       </p:ext>
     </p:extLst>
   </p:cSld>
   <p:clrMapOvr>
     <a:masterClrMapping/>
   </p:clrMapOvr>
+  <p:timing>
+    <p:tnLst>
+      <p:par>
+        <p:cTn id="1" dur="indefinite" restart="never" nodeType="tmRoot"/>
+      </p:par>
+    </p:tnLst>
+  </p:timing>
 </p:sld>
 </file>
 
@@ -10659,6 +11193,1085 @@
             <p:ph type="title"/>
           </p:nvPr>
         </p:nvSpPr>
+        <p:spPr>
+          <a:xfrm>
+            <a:off x="838200" y="148371"/>
+            <a:ext cx="10515600" cy="931130"/>
+          </a:xfrm>
+        </p:spPr>
+        <p:txBody>
+          <a:bodyPr>
+            <a:normAutofit fontScale="90000"/>
+          </a:bodyPr>
+          <a:lstStyle/>
+          <a:p>
+            <a:r>
+              <a:rPr lang="en-US" dirty="0" smtClean="0"/>
+              <a:t>Recruitment </a:t>
+            </a:r>
+            <a:br>
+              <a:rPr lang="en-US" dirty="0" smtClean="0"/>
+            </a:br>
+            <a:r>
+              <a:rPr lang="en-US" dirty="0" smtClean="0"/>
+              <a:t>autocorrelation</a:t>
+            </a:r>
+            <a:endParaRPr lang="en-US" dirty="0"/>
+          </a:p>
+        </p:txBody>
+      </p:sp>
+      <p:sp>
+        <p:nvSpPr>
+          <p:cNvPr id="6" name="Content Placeholder 5"/>
+          <p:cNvSpPr>
+            <a:spLocks noGrp="1"/>
+          </p:cNvSpPr>
+          <p:nvPr>
+            <p:ph idx="1"/>
+          </p:nvPr>
+        </p:nvSpPr>
+        <p:spPr>
+          <a:xfrm>
+            <a:off x="838200" y="5801860"/>
+            <a:ext cx="10877550" cy="751339"/>
+          </a:xfrm>
+        </p:spPr>
+        <p:txBody>
+          <a:bodyPr>
+            <a:normAutofit fontScale="92500" lnSpcReduction="20000"/>
+          </a:bodyPr>
+          <a:lstStyle/>
+          <a:p>
+            <a:pPr marL="0" indent="0">
+              <a:buNone/>
+            </a:pPr>
+            <a:r>
+              <a:rPr lang="en-US" sz="2000" dirty="0"/>
+              <a:t>Johnson, K.F., </a:t>
+            </a:r>
+            <a:r>
+              <a:rPr lang="en-US" sz="2000" dirty="0" err="1"/>
+              <a:t>Councill</a:t>
+            </a:r>
+            <a:r>
+              <a:rPr lang="en-US" sz="2000" dirty="0"/>
+              <a:t>, E., Thorson, J.T., Brooks, E., </a:t>
+            </a:r>
+            <a:r>
+              <a:rPr lang="en-US" sz="2000" dirty="0" err="1"/>
+              <a:t>Methot</a:t>
+            </a:r>
+            <a:r>
+              <a:rPr lang="en-US" sz="2000" dirty="0"/>
+              <a:t>, R.D., Punt, A.E., 2016. Can autocorrelated recruitment be estimated using integrated </a:t>
+            </a:r>
+            <a:r>
+              <a:rPr lang="en-US" sz="2000" dirty="0" smtClean="0"/>
+              <a:t>assessment models </a:t>
+            </a:r>
+            <a:r>
+              <a:rPr lang="en-US" sz="2000" dirty="0"/>
+              <a:t>and how does it affect population forecasts? Fish. Res. 183, 222–232.</a:t>
+            </a:r>
+          </a:p>
+        </p:txBody>
+      </p:sp>
+      <p:sp>
+        <p:nvSpPr>
+          <p:cNvPr id="4" name="Slide Number Placeholder 3"/>
+          <p:cNvSpPr>
+            <a:spLocks noGrp="1"/>
+          </p:cNvSpPr>
+          <p:nvPr>
+            <p:ph type="sldNum" sz="quarter" idx="12"/>
+          </p:nvPr>
+        </p:nvSpPr>
+        <p:spPr/>
+        <p:txBody>
+          <a:bodyPr/>
+          <a:lstStyle/>
+          <a:p>
+            <a:fld id="{8CA0417E-8047-41CE-9E93-4FCB55A08913}" type="slidenum">
+              <a:rPr lang="en-US" smtClean="0"/>
+              <a:t>31</a:t>
+            </a:fld>
+            <a:endParaRPr lang="en-US"/>
+          </a:p>
+        </p:txBody>
+      </p:sp>
+      <p:pic>
+        <p:nvPicPr>
+          <p:cNvPr id="5" name="Picture 4"/>
+          <p:cNvPicPr>
+            <a:picLocks noChangeAspect="1"/>
+          </p:cNvPicPr>
+          <p:nvPr/>
+        </p:nvPicPr>
+        <p:blipFill>
+          <a:blip r:embed="rId2"/>
+          <a:stretch>
+            <a:fillRect/>
+          </a:stretch>
+        </p:blipFill>
+        <p:spPr>
+          <a:xfrm>
+            <a:off x="4124324" y="0"/>
+            <a:ext cx="7885153" cy="5801860"/>
+          </a:xfrm>
+          <a:prstGeom prst="rect">
+            <a:avLst/>
+          </a:prstGeom>
+        </p:spPr>
+      </p:pic>
+    </p:spTree>
+    <p:extLst>
+      <p:ext uri="{BB962C8B-B14F-4D97-AF65-F5344CB8AC3E}">
+        <p14:creationId xmlns:p14="http://schemas.microsoft.com/office/powerpoint/2010/main" val="217607094"/>
+      </p:ext>
+    </p:extLst>
+  </p:cSld>
+  <p:clrMapOvr>
+    <a:masterClrMapping/>
+  </p:clrMapOvr>
+  <p:timing>
+    <p:tnLst>
+      <p:par>
+        <p:cTn id="1" dur="indefinite" restart="never" nodeType="tmRoot"/>
+      </p:par>
+    </p:tnLst>
+  </p:timing>
+</p:sld>
+</file>
+
+<file path=ppt/slides/slide32.xml><?xml version="1.0" encoding="utf-8"?>
+<p:sld xmlns:a="http://schemas.openxmlformats.org/drawingml/2006/main" xmlns:r="http://schemas.openxmlformats.org/officeDocument/2006/relationships" xmlns:p="http://schemas.openxmlformats.org/presentationml/2006/main">
+  <p:cSld>
+    <p:spTree>
+      <p:nvGrpSpPr>
+        <p:cNvPr id="1" name=""/>
+        <p:cNvGrpSpPr/>
+        <p:nvPr/>
+      </p:nvGrpSpPr>
+      <p:grpSpPr>
+        <a:xfrm>
+          <a:off x="0" y="0"/>
+          <a:ext cx="0" cy="0"/>
+          <a:chOff x="0" y="0"/>
+          <a:chExt cx="0" cy="0"/>
+        </a:xfrm>
+      </p:grpSpPr>
+      <p:sp>
+        <p:nvSpPr>
+          <p:cNvPr id="2" name="Title 1"/>
+          <p:cNvSpPr>
+            <a:spLocks noGrp="1"/>
+          </p:cNvSpPr>
+          <p:nvPr>
+            <p:ph type="title"/>
+          </p:nvPr>
+        </p:nvSpPr>
+        <p:spPr>
+          <a:xfrm>
+            <a:off x="838200" y="-13554"/>
+            <a:ext cx="10515600" cy="1177688"/>
+          </a:xfrm>
+        </p:spPr>
+        <p:txBody>
+          <a:bodyPr>
+            <a:normAutofit/>
+          </a:bodyPr>
+          <a:lstStyle/>
+          <a:p>
+            <a:r>
+              <a:rPr lang="en-US" dirty="0" smtClean="0"/>
+              <a:t>Recruitment </a:t>
+            </a:r>
+            <a:r>
+              <a:rPr lang="en-US" dirty="0" smtClean="0"/>
+              <a:t>in MCMC </a:t>
+            </a:r>
+            <a:r>
+              <a:rPr lang="en-US" dirty="0" smtClean="0"/>
+              <a:t>vs. MLE </a:t>
+            </a:r>
+            <a:r>
+              <a:rPr lang="en-US" dirty="0" smtClean="0"/>
+              <a:t>estimates</a:t>
+            </a:r>
+            <a:endParaRPr lang="en-US" dirty="0"/>
+          </a:p>
+        </p:txBody>
+      </p:sp>
+      <p:sp>
+        <p:nvSpPr>
+          <p:cNvPr id="5" name="Content Placeholder 4"/>
+          <p:cNvSpPr>
+            <a:spLocks noGrp="1"/>
+          </p:cNvSpPr>
+          <p:nvPr>
+            <p:ph idx="1"/>
+          </p:nvPr>
+        </p:nvSpPr>
+        <p:spPr>
+          <a:xfrm>
+            <a:off x="838200" y="1101725"/>
+            <a:ext cx="6083300" cy="4775200"/>
+          </a:xfrm>
+        </p:spPr>
+        <p:txBody>
+          <a:bodyPr>
+            <a:normAutofit/>
+          </a:bodyPr>
+          <a:lstStyle/>
+          <a:p>
+            <a:r>
+              <a:rPr lang="en-US" dirty="0" smtClean="0"/>
+              <a:t>Bayesian estimation using MCMC simplifies some elements of recruitment estimation</a:t>
+            </a:r>
+          </a:p>
+          <a:p>
+            <a:r>
+              <a:rPr lang="en-US" dirty="0" smtClean="0"/>
+              <a:t>No bias adjustment necessary: SS automatically overrides settings</a:t>
+            </a:r>
+          </a:p>
+          <a:p>
+            <a:r>
+              <a:rPr lang="en-US" dirty="0" smtClean="0"/>
+              <a:t>Distributions are typically skewed: more information about big recruitments than small ones</a:t>
+            </a:r>
+          </a:p>
+        </p:txBody>
+      </p:sp>
+      <p:sp>
+        <p:nvSpPr>
+          <p:cNvPr id="4" name="Slide Number Placeholder 3"/>
+          <p:cNvSpPr>
+            <a:spLocks noGrp="1"/>
+          </p:cNvSpPr>
+          <p:nvPr>
+            <p:ph type="sldNum" sz="quarter" idx="12"/>
+          </p:nvPr>
+        </p:nvSpPr>
+        <p:spPr/>
+        <p:txBody>
+          <a:bodyPr/>
+          <a:lstStyle/>
+          <a:p>
+            <a:fld id="{8CA0417E-8047-41CE-9E93-4FCB55A08913}" type="slidenum">
+              <a:rPr lang="en-US" smtClean="0"/>
+              <a:t>32</a:t>
+            </a:fld>
+            <a:endParaRPr lang="en-US"/>
+          </a:p>
+        </p:txBody>
+      </p:sp>
+      <p:pic>
+        <p:nvPicPr>
+          <p:cNvPr id="6" name="Picture 5"/>
+          <p:cNvPicPr>
+            <a:picLocks noChangeAspect="1"/>
+          </p:cNvPicPr>
+          <p:nvPr/>
+        </p:nvPicPr>
+        <p:blipFill rotWithShape="1">
+          <a:blip r:embed="rId2"/>
+          <a:srcRect l="18411" t="15922" r="18195"/>
+          <a:stretch/>
+        </p:blipFill>
+        <p:spPr>
+          <a:xfrm>
+            <a:off x="7035799" y="1164134"/>
+            <a:ext cx="5016501" cy="5562102"/>
+          </a:xfrm>
+          <a:prstGeom prst="rect">
+            <a:avLst/>
+          </a:prstGeom>
+        </p:spPr>
+      </p:pic>
+      <p:sp>
+        <p:nvSpPr>
+          <p:cNvPr id="7" name="TextBox 6"/>
+          <p:cNvSpPr txBox="1"/>
+          <p:nvPr/>
+        </p:nvSpPr>
+        <p:spPr>
+          <a:xfrm>
+            <a:off x="165100" y="5390971"/>
+            <a:ext cx="7239000" cy="1384995"/>
+          </a:xfrm>
+          <a:prstGeom prst="rect">
+            <a:avLst/>
+          </a:prstGeom>
+          <a:noFill/>
+        </p:spPr>
+        <p:txBody>
+          <a:bodyPr wrap="square" rtlCol="0">
+            <a:spAutoFit/>
+          </a:bodyPr>
+          <a:lstStyle/>
+          <a:p>
+            <a:r>
+              <a:rPr lang="en-US" sz="1400" dirty="0" err="1" smtClean="0"/>
+              <a:t>Methot</a:t>
+            </a:r>
+            <a:r>
+              <a:rPr lang="en-US" sz="1400" dirty="0" smtClean="0"/>
+              <a:t>, R.D. and Taylor, I.G., 2011. Adjusting for Bias due to Variability of Estimated Recruitments in Fishery Assessment Models. Can. J. Fish. </a:t>
+            </a:r>
+            <a:r>
+              <a:rPr lang="en-US" sz="1400" dirty="0" err="1" smtClean="0"/>
+              <a:t>Aquat</a:t>
+            </a:r>
+            <a:r>
+              <a:rPr lang="en-US" sz="1400" dirty="0" smtClean="0"/>
+              <a:t>. Sci.  68, 1744–1760.</a:t>
+            </a:r>
+          </a:p>
+          <a:p>
+            <a:endParaRPr lang="en-US" sz="1400" dirty="0" smtClean="0"/>
+          </a:p>
+          <a:p>
+            <a:r>
+              <a:rPr lang="en-US" sz="1400" dirty="0" smtClean="0"/>
+              <a:t>Stewart, I.J., A. Hicks, I.G. Taylor, J.T. Thorson, C. Wetzel, and S. </a:t>
+            </a:r>
+            <a:r>
+              <a:rPr lang="en-US" sz="1400" dirty="0" err="1" smtClean="0"/>
+              <a:t>Kupschus</a:t>
+            </a:r>
+            <a:r>
+              <a:rPr lang="en-US" sz="1400" dirty="0" smtClean="0"/>
+              <a:t>. 2013. A comparison of stock assessment uncertainty estimates using maximum likelihood and Bayesian methods implemented with the same model framework. Fish. Res. 142, pp 37–46.</a:t>
+            </a:r>
+          </a:p>
+        </p:txBody>
+      </p:sp>
+    </p:spTree>
+    <p:extLst>
+      <p:ext uri="{BB962C8B-B14F-4D97-AF65-F5344CB8AC3E}">
+        <p14:creationId xmlns:p14="http://schemas.microsoft.com/office/powerpoint/2010/main" val="2770067894"/>
+      </p:ext>
+    </p:extLst>
+  </p:cSld>
+  <p:clrMapOvr>
+    <a:masterClrMapping/>
+  </p:clrMapOvr>
+</p:sld>
+</file>
+
+<file path=ppt/slides/slide33.xml><?xml version="1.0" encoding="utf-8"?>
+<p:sld xmlns:a="http://schemas.openxmlformats.org/drawingml/2006/main" xmlns:r="http://schemas.openxmlformats.org/officeDocument/2006/relationships" xmlns:p="http://schemas.openxmlformats.org/presentationml/2006/main">
+  <p:cSld>
+    <p:spTree>
+      <p:nvGrpSpPr>
+        <p:cNvPr id="1" name=""/>
+        <p:cNvGrpSpPr/>
+        <p:nvPr/>
+      </p:nvGrpSpPr>
+      <p:grpSpPr>
+        <a:xfrm>
+          <a:off x="0" y="0"/>
+          <a:ext cx="0" cy="0"/>
+          <a:chOff x="0" y="0"/>
+          <a:chExt cx="0" cy="0"/>
+        </a:xfrm>
+      </p:grpSpPr>
+      <p:sp>
+        <p:nvSpPr>
+          <p:cNvPr id="2" name="Title 1"/>
+          <p:cNvSpPr>
+            <a:spLocks noGrp="1"/>
+          </p:cNvSpPr>
+          <p:nvPr>
+            <p:ph type="title"/>
+          </p:nvPr>
+        </p:nvSpPr>
+        <p:spPr/>
+        <p:txBody>
+          <a:bodyPr>
+            <a:normAutofit/>
+          </a:bodyPr>
+          <a:lstStyle/>
+          <a:p>
+            <a:r>
+              <a:rPr lang="en-US" dirty="0" smtClean="0"/>
+              <a:t>Simulating with random recruitment</a:t>
+            </a:r>
+            <a:endParaRPr lang="en-US" dirty="0"/>
+          </a:p>
+        </p:txBody>
+      </p:sp>
+      <p:sp>
+        <p:nvSpPr>
+          <p:cNvPr id="5" name="Content Placeholder 4"/>
+          <p:cNvSpPr>
+            <a:spLocks noGrp="1"/>
+          </p:cNvSpPr>
+          <p:nvPr>
+            <p:ph idx="1"/>
+          </p:nvPr>
+        </p:nvSpPr>
+        <p:spPr/>
+        <p:txBody>
+          <a:bodyPr>
+            <a:normAutofit fontScale="85000" lnSpcReduction="20000"/>
+          </a:bodyPr>
+          <a:lstStyle/>
+          <a:p>
+            <a:r>
+              <a:rPr lang="en-US" dirty="0" smtClean="0"/>
+              <a:t>SS has built-in parametric bootstrap capability for random data generation, but most analyses benefit from random recruitment</a:t>
+            </a:r>
+          </a:p>
+          <a:p>
+            <a:r>
+              <a:rPr lang="en-US" dirty="0" smtClean="0"/>
+              <a:t>Option 1: modify the </a:t>
+            </a:r>
+            <a:r>
+              <a:rPr lang="en-US" dirty="0" err="1" smtClean="0"/>
+              <a:t>ss.par</a:t>
+            </a:r>
+            <a:r>
+              <a:rPr lang="en-US" dirty="0" smtClean="0"/>
+              <a:t> file</a:t>
+            </a:r>
+          </a:p>
+          <a:p>
+            <a:r>
+              <a:rPr lang="en-US" dirty="0" smtClean="0"/>
+              <a:t>Option 2: input in control file</a:t>
+            </a:r>
+          </a:p>
+          <a:p>
+            <a:pPr marL="457200" lvl="1" indent="0">
+              <a:buNone/>
+            </a:pPr>
+            <a:r>
+              <a:rPr lang="en-US" dirty="0" smtClean="0">
+                <a:latin typeface="Courier New" panose="02070309020205020404" pitchFamily="49" charset="0"/>
+                <a:cs typeface="Courier New" panose="02070309020205020404" pitchFamily="49" charset="0"/>
+              </a:rPr>
+              <a:t>122 </a:t>
+            </a:r>
+            <a:r>
+              <a:rPr lang="en-US" dirty="0" smtClean="0">
+                <a:solidFill>
+                  <a:srgbClr val="C00000"/>
+                </a:solidFill>
+                <a:latin typeface="Courier New" panose="02070309020205020404" pitchFamily="49" charset="0"/>
+                <a:cs typeface="Courier New" panose="02070309020205020404" pitchFamily="49" charset="0"/>
+              </a:rPr>
+              <a:t>#_</a:t>
+            </a:r>
+            <a:r>
+              <a:rPr lang="en-US" dirty="0" err="1" smtClean="0">
+                <a:solidFill>
+                  <a:srgbClr val="C00000"/>
+                </a:solidFill>
+                <a:latin typeface="Courier New" panose="02070309020205020404" pitchFamily="49" charset="0"/>
+                <a:cs typeface="Courier New" panose="02070309020205020404" pitchFamily="49" charset="0"/>
+              </a:rPr>
+              <a:t>read_recdevs</a:t>
+            </a:r>
+            <a:endParaRPr lang="en-US" dirty="0" smtClean="0">
+              <a:solidFill>
+                <a:srgbClr val="C00000"/>
+              </a:solidFill>
+              <a:latin typeface="Courier New" panose="02070309020205020404" pitchFamily="49" charset="0"/>
+              <a:cs typeface="Courier New" panose="02070309020205020404" pitchFamily="49" charset="0"/>
+            </a:endParaRPr>
+          </a:p>
+          <a:p>
+            <a:pPr marL="457200" lvl="1" indent="0">
+              <a:buNone/>
+            </a:pPr>
+            <a:r>
+              <a:rPr lang="en-US" dirty="0" smtClean="0">
+                <a:solidFill>
+                  <a:srgbClr val="C00000"/>
+                </a:solidFill>
+                <a:latin typeface="Courier New" panose="02070309020205020404" pitchFamily="49" charset="0"/>
+                <a:cs typeface="Courier New" panose="02070309020205020404" pitchFamily="49" charset="0"/>
+              </a:rPr>
+              <a:t>#_end of advanced SR options</a:t>
+            </a:r>
+          </a:p>
+          <a:p>
+            <a:pPr marL="457200" lvl="1" indent="0">
+              <a:buNone/>
+            </a:pPr>
+            <a:r>
+              <a:rPr lang="en-US" dirty="0" smtClean="0">
+                <a:solidFill>
+                  <a:srgbClr val="C00000"/>
+                </a:solidFill>
+                <a:latin typeface="Courier New" panose="02070309020205020404" pitchFamily="49" charset="0"/>
+                <a:cs typeface="Courier New" panose="02070309020205020404" pitchFamily="49" charset="0"/>
+              </a:rPr>
+              <a:t># read specified </a:t>
+            </a:r>
+            <a:r>
+              <a:rPr lang="en-US" dirty="0" err="1" smtClean="0">
+                <a:solidFill>
+                  <a:srgbClr val="C00000"/>
+                </a:solidFill>
+                <a:latin typeface="Courier New" panose="02070309020205020404" pitchFamily="49" charset="0"/>
+                <a:cs typeface="Courier New" panose="02070309020205020404" pitchFamily="49" charset="0"/>
+              </a:rPr>
+              <a:t>recr</a:t>
+            </a:r>
+            <a:r>
+              <a:rPr lang="en-US" dirty="0" smtClean="0">
+                <a:solidFill>
+                  <a:srgbClr val="C00000"/>
+                </a:solidFill>
+                <a:latin typeface="Courier New" panose="02070309020205020404" pitchFamily="49" charset="0"/>
+                <a:cs typeface="Courier New" panose="02070309020205020404" pitchFamily="49" charset="0"/>
+              </a:rPr>
+              <a:t> </a:t>
+            </a:r>
+            <a:r>
+              <a:rPr lang="en-US" dirty="0" err="1" smtClean="0">
+                <a:solidFill>
+                  <a:srgbClr val="C00000"/>
+                </a:solidFill>
+                <a:latin typeface="Courier New" panose="02070309020205020404" pitchFamily="49" charset="0"/>
+                <a:cs typeface="Courier New" panose="02070309020205020404" pitchFamily="49" charset="0"/>
+              </a:rPr>
+              <a:t>devs</a:t>
+            </a:r>
+            <a:endParaRPr lang="en-US" dirty="0" smtClean="0">
+              <a:solidFill>
+                <a:srgbClr val="C00000"/>
+              </a:solidFill>
+              <a:latin typeface="Courier New" panose="02070309020205020404" pitchFamily="49" charset="0"/>
+              <a:cs typeface="Courier New" panose="02070309020205020404" pitchFamily="49" charset="0"/>
+            </a:endParaRPr>
+          </a:p>
+          <a:p>
+            <a:pPr marL="457200" lvl="1" indent="0">
+              <a:buNone/>
+            </a:pPr>
+            <a:r>
+              <a:rPr lang="en-US" dirty="0" smtClean="0">
+                <a:solidFill>
+                  <a:srgbClr val="C00000"/>
+                </a:solidFill>
+                <a:latin typeface="Courier New" panose="02070309020205020404" pitchFamily="49" charset="0"/>
+                <a:cs typeface="Courier New" panose="02070309020205020404" pitchFamily="49" charset="0"/>
+              </a:rPr>
+              <a:t>#_</a:t>
+            </a:r>
+            <a:r>
+              <a:rPr lang="en-US" dirty="0" err="1" smtClean="0">
+                <a:solidFill>
+                  <a:srgbClr val="C00000"/>
+                </a:solidFill>
+                <a:latin typeface="Courier New" panose="02070309020205020404" pitchFamily="49" charset="0"/>
+                <a:cs typeface="Courier New" panose="02070309020205020404" pitchFamily="49" charset="0"/>
+              </a:rPr>
+              <a:t>Yr</a:t>
+            </a:r>
+            <a:r>
+              <a:rPr lang="en-US" dirty="0" smtClean="0">
+                <a:solidFill>
+                  <a:srgbClr val="C00000"/>
+                </a:solidFill>
+                <a:latin typeface="Courier New" panose="02070309020205020404" pitchFamily="49" charset="0"/>
+                <a:cs typeface="Courier New" panose="02070309020205020404" pitchFamily="49" charset="0"/>
+              </a:rPr>
+              <a:t> </a:t>
+            </a:r>
+            <a:r>
+              <a:rPr lang="en-US" dirty="0" err="1" smtClean="0">
+                <a:solidFill>
+                  <a:srgbClr val="C00000"/>
+                </a:solidFill>
+                <a:latin typeface="Courier New" panose="02070309020205020404" pitchFamily="49" charset="0"/>
+                <a:cs typeface="Courier New" panose="02070309020205020404" pitchFamily="49" charset="0"/>
+              </a:rPr>
+              <a:t>Input_value</a:t>
+            </a:r>
+            <a:endParaRPr lang="en-US" dirty="0" smtClean="0">
+              <a:solidFill>
+                <a:srgbClr val="C00000"/>
+              </a:solidFill>
+              <a:latin typeface="Courier New" panose="02070309020205020404" pitchFamily="49" charset="0"/>
+              <a:cs typeface="Courier New" panose="02070309020205020404" pitchFamily="49" charset="0"/>
+            </a:endParaRPr>
+          </a:p>
+          <a:p>
+            <a:pPr marL="457200" lvl="1" indent="0">
+              <a:buNone/>
+            </a:pPr>
+            <a:r>
+              <a:rPr lang="en-US" dirty="0" smtClean="0">
+                <a:latin typeface="Courier New" panose="02070309020205020404" pitchFamily="49" charset="0"/>
+                <a:cs typeface="Courier New" panose="02070309020205020404" pitchFamily="49" charset="0"/>
+              </a:rPr>
+              <a:t>1895 -0.06873 </a:t>
+            </a:r>
+          </a:p>
+          <a:p>
+            <a:pPr marL="457200" lvl="1" indent="0">
+              <a:buNone/>
+            </a:pPr>
+            <a:r>
+              <a:rPr lang="en-US" dirty="0" smtClean="0">
+                <a:latin typeface="Courier New" panose="02070309020205020404" pitchFamily="49" charset="0"/>
+                <a:cs typeface="Courier New" panose="02070309020205020404" pitchFamily="49" charset="0"/>
+              </a:rPr>
+              <a:t>1896 -0.97538 </a:t>
+            </a:r>
+          </a:p>
+          <a:p>
+            <a:pPr marL="457200" lvl="1" indent="0">
+              <a:buNone/>
+            </a:pPr>
+            <a:r>
+              <a:rPr lang="en-US" dirty="0" smtClean="0">
+                <a:latin typeface="Courier New" panose="02070309020205020404" pitchFamily="49" charset="0"/>
+                <a:cs typeface="Courier New" panose="02070309020205020404" pitchFamily="49" charset="0"/>
+              </a:rPr>
+              <a:t>1897  0.11130</a:t>
+            </a:r>
+          </a:p>
+          <a:p>
+            <a:pPr marL="457200" lvl="1" indent="0">
+              <a:buNone/>
+            </a:pPr>
+            <a:r>
+              <a:rPr lang="en-US" dirty="0" smtClean="0">
+                <a:latin typeface="Courier New" panose="02070309020205020404" pitchFamily="49" charset="0"/>
+                <a:cs typeface="Courier New" panose="02070309020205020404" pitchFamily="49" charset="0"/>
+              </a:rPr>
+              <a:t>...</a:t>
+            </a:r>
+            <a:br>
+              <a:rPr lang="en-US" dirty="0" smtClean="0">
+                <a:latin typeface="Courier New" panose="02070309020205020404" pitchFamily="49" charset="0"/>
+                <a:cs typeface="Courier New" panose="02070309020205020404" pitchFamily="49" charset="0"/>
+              </a:rPr>
+            </a:br>
+            <a:endParaRPr lang="en-US" dirty="0" smtClean="0">
+              <a:latin typeface="Courier New" panose="02070309020205020404" pitchFamily="49" charset="0"/>
+              <a:cs typeface="Courier New" panose="02070309020205020404" pitchFamily="49" charset="0"/>
+            </a:endParaRPr>
+          </a:p>
+          <a:p>
+            <a:pPr marL="457200" lvl="1" indent="0">
+              <a:buNone/>
+            </a:pPr>
+            <a:r>
+              <a:rPr lang="en-US" sz="2800" dirty="0" smtClean="0">
+                <a:cs typeface="Courier New" panose="02070309020205020404" pitchFamily="49" charset="0"/>
+              </a:rPr>
+              <a:t>Control file input can be facilitated by r4ss function:</a:t>
+            </a:r>
+            <a:br>
+              <a:rPr lang="en-US" sz="2800" dirty="0" smtClean="0">
+                <a:cs typeface="Courier New" panose="02070309020205020404" pitchFamily="49" charset="0"/>
+              </a:rPr>
+            </a:br>
+            <a:r>
+              <a:rPr lang="en-US" dirty="0" smtClean="0">
+                <a:latin typeface="Courier New" panose="02070309020205020404" pitchFamily="49" charset="0"/>
+                <a:cs typeface="Courier New" panose="02070309020205020404" pitchFamily="49" charset="0"/>
+              </a:rPr>
+              <a:t>&gt; </a:t>
+            </a:r>
+            <a:r>
+              <a:rPr lang="en-US" dirty="0" err="1" smtClean="0">
+                <a:latin typeface="Courier New" panose="02070309020205020404" pitchFamily="49" charset="0"/>
+                <a:cs typeface="Courier New" panose="02070309020205020404" pitchFamily="49" charset="0"/>
+              </a:rPr>
+              <a:t>SS_recdevs</a:t>
+            </a:r>
+            <a:r>
+              <a:rPr lang="en-US" dirty="0" smtClean="0">
+                <a:latin typeface="Courier New" panose="02070309020205020404" pitchFamily="49" charset="0"/>
+                <a:cs typeface="Courier New" panose="02070309020205020404" pitchFamily="49" charset="0"/>
+              </a:rPr>
+              <a:t>(</a:t>
+            </a:r>
+            <a:r>
+              <a:rPr lang="en-US" dirty="0" err="1" smtClean="0">
+                <a:latin typeface="Courier New" panose="02070309020205020404" pitchFamily="49" charset="0"/>
+                <a:cs typeface="Courier New" panose="02070309020205020404" pitchFamily="49" charset="0"/>
+              </a:rPr>
+              <a:t>fyr</a:t>
+            </a:r>
+            <a:r>
+              <a:rPr lang="en-US" dirty="0" smtClean="0">
+                <a:latin typeface="Courier New" panose="02070309020205020404" pitchFamily="49" charset="0"/>
+                <a:cs typeface="Courier New" panose="02070309020205020404" pitchFamily="49" charset="0"/>
+              </a:rPr>
+              <a:t>=1895, </a:t>
+            </a:r>
+            <a:r>
+              <a:rPr lang="en-US" dirty="0" err="1" smtClean="0">
+                <a:latin typeface="Courier New" panose="02070309020205020404" pitchFamily="49" charset="0"/>
+                <a:cs typeface="Courier New" panose="02070309020205020404" pitchFamily="49" charset="0"/>
+              </a:rPr>
+              <a:t>lyr</a:t>
+            </a:r>
+            <a:r>
+              <a:rPr lang="en-US" dirty="0" smtClean="0">
+                <a:latin typeface="Courier New" panose="02070309020205020404" pitchFamily="49" charset="0"/>
+                <a:cs typeface="Courier New" panose="02070309020205020404" pitchFamily="49" charset="0"/>
+              </a:rPr>
+              <a:t>=2016, </a:t>
+            </a:r>
+            <a:r>
+              <a:rPr lang="en-US" dirty="0" err="1" smtClean="0">
+                <a:latin typeface="Courier New" panose="02070309020205020404" pitchFamily="49" charset="0"/>
+                <a:cs typeface="Courier New" panose="02070309020205020404" pitchFamily="49" charset="0"/>
+              </a:rPr>
+              <a:t>dir</a:t>
+            </a:r>
+            <a:r>
+              <a:rPr lang="en-US" dirty="0" smtClean="0">
+                <a:latin typeface="Courier New" panose="02070309020205020404" pitchFamily="49" charset="0"/>
+                <a:cs typeface="Courier New" panose="02070309020205020404" pitchFamily="49" charset="0"/>
+              </a:rPr>
+              <a:t>=</a:t>
+            </a:r>
+            <a:r>
+              <a:rPr lang="en-US" dirty="0" err="1" smtClean="0">
+                <a:latin typeface="Courier New" panose="02070309020205020404" pitchFamily="49" charset="0"/>
+                <a:cs typeface="Courier New" panose="02070309020205020404" pitchFamily="49" charset="0"/>
+              </a:rPr>
+              <a:t>mydir</a:t>
+            </a:r>
+            <a:r>
+              <a:rPr lang="en-US" dirty="0" smtClean="0">
+                <a:latin typeface="Courier New" panose="02070309020205020404" pitchFamily="49" charset="0"/>
+                <a:cs typeface="Courier New" panose="02070309020205020404" pitchFamily="49" charset="0"/>
+              </a:rPr>
+              <a:t>)</a:t>
+            </a:r>
+          </a:p>
+          <a:p>
+            <a:pPr marL="457200" lvl="1" indent="0">
+              <a:buNone/>
+            </a:pPr>
+            <a:r>
+              <a:rPr lang="en-US" dirty="0" smtClean="0">
+                <a:latin typeface="Courier New" panose="02070309020205020404" pitchFamily="49" charset="0"/>
+                <a:cs typeface="Courier New" panose="02070309020205020404" pitchFamily="49" charset="0"/>
+              </a:rPr>
+              <a:t>[1] making </a:t>
+            </a:r>
+            <a:r>
+              <a:rPr lang="en-US" dirty="0" err="1" smtClean="0">
+                <a:latin typeface="Courier New" panose="02070309020205020404" pitchFamily="49" charset="0"/>
+                <a:cs typeface="Courier New" panose="02070309020205020404" pitchFamily="49" charset="0"/>
+              </a:rPr>
+              <a:t>recdev</a:t>
+            </a:r>
+            <a:r>
+              <a:rPr lang="en-US" dirty="0" smtClean="0">
+                <a:latin typeface="Courier New" panose="02070309020205020404" pitchFamily="49" charset="0"/>
+                <a:cs typeface="Courier New" panose="02070309020205020404" pitchFamily="49" charset="0"/>
+              </a:rPr>
+              <a:t> phase to negative: -2</a:t>
+            </a:r>
+          </a:p>
+          <a:p>
+            <a:pPr marL="457200" lvl="1" indent="0">
+              <a:buNone/>
+            </a:pPr>
+            <a:r>
+              <a:rPr lang="en-US" dirty="0" smtClean="0">
+                <a:latin typeface="Courier New" panose="02070309020205020404" pitchFamily="49" charset="0"/>
+                <a:cs typeface="Courier New" panose="02070309020205020404" pitchFamily="49" charset="0"/>
+              </a:rPr>
+              <a:t>[1] rescaling </a:t>
+            </a:r>
+            <a:r>
+              <a:rPr lang="en-US" dirty="0" err="1" smtClean="0">
+                <a:latin typeface="Courier New" panose="02070309020205020404" pitchFamily="49" charset="0"/>
+                <a:cs typeface="Courier New" panose="02070309020205020404" pitchFamily="49" charset="0"/>
+              </a:rPr>
+              <a:t>recdevs</a:t>
+            </a:r>
+            <a:r>
+              <a:rPr lang="en-US" dirty="0" smtClean="0">
+                <a:latin typeface="Courier New" panose="02070309020205020404" pitchFamily="49" charset="0"/>
+                <a:cs typeface="Courier New" panose="02070309020205020404" pitchFamily="49" charset="0"/>
+              </a:rPr>
+              <a:t> vector so </a:t>
+            </a:r>
+            <a:r>
+              <a:rPr lang="en-US" dirty="0" err="1" smtClean="0">
+                <a:latin typeface="Courier New" panose="02070309020205020404" pitchFamily="49" charset="0"/>
+                <a:cs typeface="Courier New" panose="02070309020205020404" pitchFamily="49" charset="0"/>
+              </a:rPr>
+              <a:t>yrs</a:t>
+            </a:r>
+            <a:r>
+              <a:rPr lang="en-US" dirty="0" smtClean="0">
+                <a:latin typeface="Courier New" panose="02070309020205020404" pitchFamily="49" charset="0"/>
+                <a:cs typeface="Courier New" panose="02070309020205020404" pitchFamily="49" charset="0"/>
+              </a:rPr>
+              <a:t> 1895:2016</a:t>
+            </a:r>
+          </a:p>
+          <a:p>
+            <a:pPr marL="457200" lvl="1" indent="0">
+              <a:buNone/>
+            </a:pPr>
+            <a:r>
+              <a:rPr lang="en-US" dirty="0" smtClean="0">
+                <a:latin typeface="Courier New" panose="02070309020205020404" pitchFamily="49" charset="0"/>
+                <a:cs typeface="Courier New" panose="02070309020205020404" pitchFamily="49" charset="0"/>
+              </a:rPr>
+              <a:t>[1] have mean 0 and std. dev. = </a:t>
+            </a:r>
+            <a:r>
+              <a:rPr lang="en-US" dirty="0" err="1" smtClean="0">
+                <a:latin typeface="Courier New" panose="02070309020205020404" pitchFamily="49" charset="0"/>
+                <a:cs typeface="Courier New" panose="02070309020205020404" pitchFamily="49" charset="0"/>
+              </a:rPr>
+              <a:t>sigmaR</a:t>
+            </a:r>
+            <a:r>
+              <a:rPr lang="en-US" dirty="0" smtClean="0">
+                <a:latin typeface="Courier New" panose="02070309020205020404" pitchFamily="49" charset="0"/>
+                <a:cs typeface="Courier New" panose="02070309020205020404" pitchFamily="49" charset="0"/>
+              </a:rPr>
+              <a:t> = 0.5</a:t>
+            </a:r>
+          </a:p>
+          <a:p>
+            <a:pPr marL="457200" lvl="1" indent="0">
+              <a:buNone/>
+            </a:pPr>
+            <a:r>
+              <a:rPr lang="en-US" dirty="0" smtClean="0">
+                <a:latin typeface="Courier New" panose="02070309020205020404" pitchFamily="49" charset="0"/>
+                <a:cs typeface="Courier New" panose="02070309020205020404" pitchFamily="49" charset="0"/>
+              </a:rPr>
+              <a:t>[1] wrote new file: </a:t>
+            </a:r>
+            <a:r>
+              <a:rPr lang="en-US" dirty="0" err="1" smtClean="0">
+                <a:latin typeface="Courier New" panose="02070309020205020404" pitchFamily="49" charset="0"/>
+                <a:cs typeface="Courier New" panose="02070309020205020404" pitchFamily="49" charset="0"/>
+              </a:rPr>
+              <a:t>control_modified.ss</a:t>
+            </a:r>
+            <a:endParaRPr lang="en-US" dirty="0">
+              <a:latin typeface="Courier New" panose="02070309020205020404" pitchFamily="49" charset="0"/>
+              <a:cs typeface="Courier New" panose="02070309020205020404" pitchFamily="49" charset="0"/>
+            </a:endParaRPr>
+          </a:p>
+        </p:txBody>
+      </p:sp>
+      <p:sp>
+        <p:nvSpPr>
+          <p:cNvPr id="4" name="Slide Number Placeholder 3"/>
+          <p:cNvSpPr>
+            <a:spLocks noGrp="1"/>
+          </p:cNvSpPr>
+          <p:nvPr>
+            <p:ph type="sldNum" sz="quarter" idx="12"/>
+          </p:nvPr>
+        </p:nvSpPr>
+        <p:spPr/>
+        <p:txBody>
+          <a:bodyPr/>
+          <a:lstStyle/>
+          <a:p>
+            <a:fld id="{8CA0417E-8047-41CE-9E93-4FCB55A08913}" type="slidenum">
+              <a:rPr lang="en-US" smtClean="0"/>
+              <a:t>33</a:t>
+            </a:fld>
+            <a:endParaRPr lang="en-US"/>
+          </a:p>
+        </p:txBody>
+      </p:sp>
+    </p:spTree>
+    <p:extLst>
+      <p:ext uri="{BB962C8B-B14F-4D97-AF65-F5344CB8AC3E}">
+        <p14:creationId xmlns:p14="http://schemas.microsoft.com/office/powerpoint/2010/main" val="3439057631"/>
+      </p:ext>
+    </p:extLst>
+  </p:cSld>
+  <p:clrMapOvr>
+    <a:masterClrMapping/>
+  </p:clrMapOvr>
+  <p:timing>
+    <p:tnLst>
+      <p:par>
+        <p:cTn id="1" dur="indefinite" restart="never" nodeType="tmRoot"/>
+      </p:par>
+    </p:tnLst>
+  </p:timing>
+</p:sld>
+</file>
+
+<file path=ppt/slides/slide34.xml><?xml version="1.0" encoding="utf-8"?>
+<p:sld xmlns:a="http://schemas.openxmlformats.org/drawingml/2006/main" xmlns:r="http://schemas.openxmlformats.org/officeDocument/2006/relationships" xmlns:p="http://schemas.openxmlformats.org/presentationml/2006/main">
+  <p:cSld>
+    <p:spTree>
+      <p:nvGrpSpPr>
+        <p:cNvPr id="1" name=""/>
+        <p:cNvGrpSpPr/>
+        <p:nvPr/>
+      </p:nvGrpSpPr>
+      <p:grpSpPr>
+        <a:xfrm>
+          <a:off x="0" y="0"/>
+          <a:ext cx="0" cy="0"/>
+          <a:chOff x="0" y="0"/>
+          <a:chExt cx="0" cy="0"/>
+        </a:xfrm>
+      </p:grpSpPr>
+      <p:sp>
+        <p:nvSpPr>
+          <p:cNvPr id="2" name="Title 1"/>
+          <p:cNvSpPr>
+            <a:spLocks noGrp="1"/>
+          </p:cNvSpPr>
+          <p:nvPr>
+            <p:ph type="title"/>
+          </p:nvPr>
+        </p:nvSpPr>
+        <p:spPr>
+          <a:xfrm>
+            <a:off x="838200" y="91221"/>
+            <a:ext cx="10515600" cy="931130"/>
+          </a:xfrm>
+        </p:spPr>
+        <p:txBody>
+          <a:bodyPr>
+            <a:normAutofit/>
+          </a:bodyPr>
+          <a:lstStyle/>
+          <a:p>
+            <a:r>
+              <a:rPr lang="en-US" dirty="0" smtClean="0"/>
+              <a:t>A few ideas </a:t>
+            </a:r>
+            <a:r>
+              <a:rPr lang="en-US" dirty="0" smtClean="0"/>
+              <a:t>for the future:</a:t>
+            </a:r>
+            <a:endParaRPr lang="en-US" dirty="0"/>
+          </a:p>
+        </p:txBody>
+      </p:sp>
+      <p:sp>
+        <p:nvSpPr>
+          <p:cNvPr id="5" name="Content Placeholder 4"/>
+          <p:cNvSpPr>
+            <a:spLocks noGrp="1"/>
+          </p:cNvSpPr>
+          <p:nvPr>
+            <p:ph idx="1"/>
+          </p:nvPr>
+        </p:nvSpPr>
+        <p:spPr/>
+        <p:txBody>
+          <a:bodyPr>
+            <a:normAutofit/>
+          </a:bodyPr>
+          <a:lstStyle/>
+          <a:p>
+            <a:r>
+              <a:rPr lang="en-US" sz="4000" dirty="0"/>
+              <a:t>Density-dependent recruitment variability</a:t>
+            </a:r>
+          </a:p>
+          <a:p>
+            <a:r>
+              <a:rPr lang="en-US" sz="4000" dirty="0" smtClean="0"/>
+              <a:t>Area-specific </a:t>
+            </a:r>
+            <a:r>
+              <a:rPr lang="en-US" sz="4000" dirty="0" smtClean="0"/>
+              <a:t>spawning biomass</a:t>
+            </a:r>
+          </a:p>
+          <a:p>
+            <a:r>
+              <a:rPr lang="en-US" sz="4000" dirty="0" smtClean="0"/>
+              <a:t>Semi-parametric </a:t>
+            </a:r>
+            <a:r>
+              <a:rPr lang="en-US" sz="4000" dirty="0" smtClean="0"/>
+              <a:t>stock-recruit curve</a:t>
+            </a:r>
+            <a:endParaRPr lang="en-US" sz="4000" dirty="0"/>
+          </a:p>
+        </p:txBody>
+      </p:sp>
+      <p:sp>
+        <p:nvSpPr>
+          <p:cNvPr id="4" name="Slide Number Placeholder 3"/>
+          <p:cNvSpPr>
+            <a:spLocks noGrp="1"/>
+          </p:cNvSpPr>
+          <p:nvPr>
+            <p:ph type="sldNum" sz="quarter" idx="12"/>
+          </p:nvPr>
+        </p:nvSpPr>
+        <p:spPr/>
+        <p:txBody>
+          <a:bodyPr/>
+          <a:lstStyle/>
+          <a:p>
+            <a:fld id="{8CA0417E-8047-41CE-9E93-4FCB55A08913}" type="slidenum">
+              <a:rPr lang="en-US" smtClean="0"/>
+              <a:t>34</a:t>
+            </a:fld>
+            <a:endParaRPr lang="en-US"/>
+          </a:p>
+        </p:txBody>
+      </p:sp>
+    </p:spTree>
+    <p:extLst>
+      <p:ext uri="{BB962C8B-B14F-4D97-AF65-F5344CB8AC3E}">
+        <p14:creationId xmlns:p14="http://schemas.microsoft.com/office/powerpoint/2010/main" val="1578983765"/>
+      </p:ext>
+    </p:extLst>
+  </p:cSld>
+  <p:clrMapOvr>
+    <a:masterClrMapping/>
+  </p:clrMapOvr>
+</p:sld>
+</file>
+
+<file path=ppt/slides/slide35.xml><?xml version="1.0" encoding="utf-8"?>
+<p:sld xmlns:a="http://schemas.openxmlformats.org/drawingml/2006/main" xmlns:r="http://schemas.openxmlformats.org/officeDocument/2006/relationships" xmlns:p="http://schemas.openxmlformats.org/presentationml/2006/main">
+  <p:cSld>
+    <p:spTree>
+      <p:nvGrpSpPr>
+        <p:cNvPr id="1" name=""/>
+        <p:cNvGrpSpPr/>
+        <p:nvPr/>
+      </p:nvGrpSpPr>
+      <p:grpSpPr>
+        <a:xfrm>
+          <a:off x="0" y="0"/>
+          <a:ext cx="0" cy="0"/>
+          <a:chOff x="0" y="0"/>
+          <a:chExt cx="0" cy="0"/>
+        </a:xfrm>
+      </p:grpSpPr>
+      <p:sp>
+        <p:nvSpPr>
+          <p:cNvPr id="2" name="Title 1"/>
+          <p:cNvSpPr>
+            <a:spLocks noGrp="1"/>
+          </p:cNvSpPr>
+          <p:nvPr>
+            <p:ph type="title"/>
+          </p:nvPr>
+        </p:nvSpPr>
         <p:spPr/>
         <p:txBody>
           <a:bodyPr/>
@@ -10774,7 +12387,7 @@
           <a:p>
             <a:fld id="{8CA0417E-8047-41CE-9E93-4FCB55A08913}" type="slidenum">
               <a:rPr lang="en-US" smtClean="0"/>
-              <a:t>31</a:t>
+              <a:t>35</a:t>
             </a:fld>
             <a:endParaRPr lang="en-US" dirty="0"/>
           </a:p>
@@ -10852,6 +12465,101 @@
       </p:pic>
       <p:sp>
         <p:nvSpPr>
+          <p:cNvPr id="15" name="Rectangle 14"/>
+          <p:cNvSpPr/>
+          <p:nvPr/>
+        </p:nvSpPr>
+        <p:spPr>
+          <a:xfrm>
+            <a:off x="1607127" y="2413140"/>
+            <a:ext cx="8861368" cy="4070556"/>
+          </a:xfrm>
+          <a:prstGeom prst="rect">
+            <a:avLst/>
+          </a:prstGeom>
+          <a:solidFill>
+            <a:srgbClr val="FFFFFF">
+              <a:alpha val="94902"/>
+            </a:srgbClr>
+          </a:solidFill>
+          <a:ln>
+            <a:noFill/>
+          </a:ln>
+          <a:effectLst/>
+        </p:spPr>
+        <p:style>
+          <a:lnRef idx="1">
+            <a:schemeClr val="accent1"/>
+          </a:lnRef>
+          <a:fillRef idx="3">
+            <a:schemeClr val="accent1"/>
+          </a:fillRef>
+          <a:effectRef idx="2">
+            <a:schemeClr val="accent1"/>
+          </a:effectRef>
+          <a:fontRef idx="minor">
+            <a:schemeClr val="lt1"/>
+          </a:fontRef>
+        </p:style>
+        <p:txBody>
+          <a:bodyPr rtlCol="0" anchor="ctr"/>
+          <a:lstStyle/>
+          <a:p>
+            <a:pPr algn="ctr"/>
+            <a:endParaRPr lang="en-US"/>
+          </a:p>
+        </p:txBody>
+      </p:sp>
+      <p:sp>
+        <p:nvSpPr>
+          <p:cNvPr id="3" name="Content Placeholder 2"/>
+          <p:cNvSpPr>
+            <a:spLocks noGrp="1"/>
+          </p:cNvSpPr>
+          <p:nvPr>
+            <p:ph sz="half" idx="1"/>
+          </p:nvPr>
+        </p:nvSpPr>
+        <p:spPr>
+          <a:xfrm>
+            <a:off x="838199" y="3898899"/>
+            <a:ext cx="9630295" cy="2679699"/>
+          </a:xfrm>
+        </p:spPr>
+        <p:txBody>
+          <a:bodyPr>
+            <a:normAutofit/>
+          </a:bodyPr>
+          <a:lstStyle/>
+          <a:p>
+            <a:pPr marL="0" indent="0">
+              <a:buNone/>
+            </a:pPr>
+            <a:r>
+              <a:rPr lang="en-US" sz="5400" b="1" dirty="0" smtClean="0">
+                <a:latin typeface="+mj-lt"/>
+              </a:rPr>
+              <a:t>Modeling recruitment over the </a:t>
+            </a:r>
+            <a:br>
+              <a:rPr lang="en-US" sz="5400" b="1" dirty="0" smtClean="0">
+                <a:latin typeface="+mj-lt"/>
+              </a:rPr>
+            </a:br>
+            <a:r>
+              <a:rPr lang="en-US" sz="5400" b="1" dirty="0" smtClean="0">
+                <a:latin typeface="+mj-lt"/>
+              </a:rPr>
+              <a:t>full history of commercial fishing</a:t>
+            </a:r>
+            <a:endParaRPr lang="en-US" sz="5400" b="1" dirty="0">
+              <a:latin typeface="+mj-lt"/>
+            </a:endParaRPr>
+          </a:p>
+        </p:txBody>
+      </p:sp>
+      <p:sp>
+        <p:nvSpPr>
           <p:cNvPr id="5" name="Slide Number Placeholder 4"/>
           <p:cNvSpPr>
             <a:spLocks noGrp="1"/>
@@ -10873,10 +12581,334 @@
           </a:p>
         </p:txBody>
       </p:sp>
+      <p:cxnSp>
+        <p:nvCxnSpPr>
+          <p:cNvPr id="7" name="Straight Arrow Connector 6"/>
+          <p:cNvCxnSpPr>
+            <a:stCxn id="8" idx="0"/>
+          </p:cNvCxnSpPr>
+          <p:nvPr/>
+        </p:nvCxnSpPr>
+        <p:spPr>
+          <a:xfrm flipV="1">
+            <a:off x="7035339" y="1903385"/>
+            <a:ext cx="735676" cy="917076"/>
+          </a:xfrm>
+          <a:prstGeom prst="straightConnector1">
+            <a:avLst/>
+          </a:prstGeom>
+          <a:ln>
+            <a:solidFill>
+              <a:srgbClr val="00B050"/>
+            </a:solidFill>
+            <a:tailEnd type="arrow"/>
+          </a:ln>
+          <a:effectLst/>
+        </p:spPr>
+        <p:style>
+          <a:lnRef idx="2">
+            <a:schemeClr val="accent1"/>
+          </a:lnRef>
+          <a:fillRef idx="0">
+            <a:schemeClr val="accent1"/>
+          </a:fillRef>
+          <a:effectRef idx="1">
+            <a:schemeClr val="accent1"/>
+          </a:effectRef>
+          <a:fontRef idx="minor">
+            <a:schemeClr val="tx1"/>
+          </a:fontRef>
+        </p:style>
+      </p:cxnSp>
+      <p:sp>
+        <p:nvSpPr>
+          <p:cNvPr id="8" name="TextBox 7"/>
+          <p:cNvSpPr txBox="1"/>
+          <p:nvPr/>
+        </p:nvSpPr>
+        <p:spPr>
+          <a:xfrm>
+            <a:off x="6636329" y="2820462"/>
+            <a:ext cx="798021" cy="461665"/>
+          </a:xfrm>
+          <a:prstGeom prst="rect">
+            <a:avLst/>
+          </a:prstGeom>
+          <a:noFill/>
+        </p:spPr>
+        <p:txBody>
+          <a:bodyPr wrap="square" rtlCol="0">
+            <a:spAutoFit/>
+          </a:bodyPr>
+          <a:lstStyle/>
+          <a:p>
+            <a:pPr algn="ctr"/>
+            <a:r>
+              <a:rPr lang="en-US" sz="1200" dirty="0">
+                <a:solidFill>
+                  <a:srgbClr val="00B050"/>
+                </a:solidFill>
+                <a:latin typeface="Arial" panose="020B0604020202020204" pitchFamily="34" charset="0"/>
+                <a:cs typeface="Arial" panose="020B0604020202020204" pitchFamily="34" charset="0"/>
+              </a:rPr>
+              <a:t>Catch </a:t>
+            </a:r>
+            <a:br>
+              <a:rPr lang="en-US" sz="1200" dirty="0">
+                <a:solidFill>
+                  <a:srgbClr val="00B050"/>
+                </a:solidFill>
+                <a:latin typeface="Arial" panose="020B0604020202020204" pitchFamily="34" charset="0"/>
+                <a:cs typeface="Arial" panose="020B0604020202020204" pitchFamily="34" charset="0"/>
+              </a:rPr>
+            </a:br>
+            <a:r>
+              <a:rPr lang="en-US" sz="1200" dirty="0">
+                <a:solidFill>
+                  <a:srgbClr val="00B050"/>
+                </a:solidFill>
+                <a:latin typeface="Arial" panose="020B0604020202020204" pitchFamily="34" charset="0"/>
+                <a:cs typeface="Arial" panose="020B0604020202020204" pitchFamily="34" charset="0"/>
+              </a:rPr>
+              <a:t>(scaled)</a:t>
+            </a:r>
+          </a:p>
+        </p:txBody>
+      </p:sp>
+      <p:cxnSp>
+        <p:nvCxnSpPr>
+          <p:cNvPr id="9" name="Straight Arrow Connector 8"/>
+          <p:cNvCxnSpPr>
+            <a:stCxn id="10" idx="0"/>
+          </p:cNvCxnSpPr>
+          <p:nvPr/>
+        </p:nvCxnSpPr>
+        <p:spPr>
+          <a:xfrm flipH="1" flipV="1">
+            <a:off x="8215745" y="2004979"/>
+            <a:ext cx="72044" cy="917076"/>
+          </a:xfrm>
+          <a:prstGeom prst="straightConnector1">
+            <a:avLst/>
+          </a:prstGeom>
+          <a:ln>
+            <a:solidFill>
+              <a:srgbClr val="00B050"/>
+            </a:solidFill>
+            <a:tailEnd type="arrow"/>
+          </a:ln>
+          <a:effectLst/>
+        </p:spPr>
+        <p:style>
+          <a:lnRef idx="2">
+            <a:schemeClr val="accent1"/>
+          </a:lnRef>
+          <a:fillRef idx="0">
+            <a:schemeClr val="accent1"/>
+          </a:fillRef>
+          <a:effectRef idx="1">
+            <a:schemeClr val="accent1"/>
+          </a:effectRef>
+          <a:fontRef idx="minor">
+            <a:schemeClr val="tx1"/>
+          </a:fontRef>
+        </p:style>
+      </p:cxnSp>
+      <p:sp>
+        <p:nvSpPr>
+          <p:cNvPr id="10" name="TextBox 9"/>
+          <p:cNvSpPr txBox="1"/>
+          <p:nvPr/>
+        </p:nvSpPr>
+        <p:spPr>
+          <a:xfrm>
+            <a:off x="7586749" y="2922056"/>
+            <a:ext cx="1402080" cy="461665"/>
+          </a:xfrm>
+          <a:prstGeom prst="rect">
+            <a:avLst/>
+          </a:prstGeom>
+          <a:noFill/>
+        </p:spPr>
+        <p:txBody>
+          <a:bodyPr wrap="square" rtlCol="0">
+            <a:spAutoFit/>
+          </a:bodyPr>
+          <a:lstStyle/>
+          <a:p>
+            <a:pPr algn="ctr"/>
+            <a:r>
+              <a:rPr lang="en-US" sz="1200" dirty="0">
+                <a:solidFill>
+                  <a:srgbClr val="00B050"/>
+                </a:solidFill>
+                <a:latin typeface="Arial" panose="020B0604020202020204" pitchFamily="34" charset="0"/>
+                <a:cs typeface="Arial" panose="020B0604020202020204" pitchFamily="34" charset="0"/>
+              </a:rPr>
+              <a:t>Years with length or age data</a:t>
+            </a:r>
+          </a:p>
+        </p:txBody>
+      </p:sp>
+      <p:cxnSp>
+        <p:nvCxnSpPr>
+          <p:cNvPr id="11" name="Straight Arrow Connector 10"/>
+          <p:cNvCxnSpPr>
+            <a:stCxn id="12" idx="0"/>
+          </p:cNvCxnSpPr>
+          <p:nvPr/>
+        </p:nvCxnSpPr>
+        <p:spPr>
+          <a:xfrm flipH="1" flipV="1">
+            <a:off x="9196647" y="2361924"/>
+            <a:ext cx="315884" cy="790964"/>
+          </a:xfrm>
+          <a:prstGeom prst="straightConnector1">
+            <a:avLst/>
+          </a:prstGeom>
+          <a:ln>
+            <a:solidFill>
+              <a:srgbClr val="00B050"/>
+            </a:solidFill>
+            <a:tailEnd type="arrow"/>
+          </a:ln>
+          <a:effectLst/>
+        </p:spPr>
+        <p:style>
+          <a:lnRef idx="2">
+            <a:schemeClr val="accent1"/>
+          </a:lnRef>
+          <a:fillRef idx="0">
+            <a:schemeClr val="accent1"/>
+          </a:fillRef>
+          <a:effectRef idx="1">
+            <a:schemeClr val="accent1"/>
+          </a:effectRef>
+          <a:fontRef idx="minor">
+            <a:schemeClr val="tx1"/>
+          </a:fontRef>
+        </p:style>
+      </p:cxnSp>
+      <p:sp>
+        <p:nvSpPr>
+          <p:cNvPr id="12" name="TextBox 11"/>
+          <p:cNvSpPr txBox="1"/>
+          <p:nvPr/>
+        </p:nvSpPr>
+        <p:spPr>
+          <a:xfrm>
+            <a:off x="8988829" y="3152888"/>
+            <a:ext cx="1047404" cy="461665"/>
+          </a:xfrm>
+          <a:prstGeom prst="rect">
+            <a:avLst/>
+          </a:prstGeom>
+          <a:noFill/>
+        </p:spPr>
+        <p:txBody>
+          <a:bodyPr wrap="square" rtlCol="0">
+            <a:spAutoFit/>
+          </a:bodyPr>
+          <a:lstStyle/>
+          <a:p>
+            <a:pPr algn="ctr"/>
+            <a:r>
+              <a:rPr lang="en-US" sz="1200" dirty="0">
+                <a:solidFill>
+                  <a:srgbClr val="00B050"/>
+                </a:solidFill>
+                <a:latin typeface="Arial" panose="020B0604020202020204" pitchFamily="34" charset="0"/>
+                <a:cs typeface="Arial" panose="020B0604020202020204" pitchFamily="34" charset="0"/>
+              </a:rPr>
+              <a:t>Recruitment deviations</a:t>
+            </a:r>
+          </a:p>
+        </p:txBody>
+      </p:sp>
+      <p:sp>
+        <p:nvSpPr>
+          <p:cNvPr id="13" name="TextBox 12"/>
+          <p:cNvSpPr txBox="1"/>
+          <p:nvPr/>
+        </p:nvSpPr>
+        <p:spPr>
+          <a:xfrm>
+            <a:off x="2166160" y="2900907"/>
+            <a:ext cx="2240281" cy="461665"/>
+          </a:xfrm>
+          <a:prstGeom prst="rect">
+            <a:avLst/>
+          </a:prstGeom>
+          <a:noFill/>
+        </p:spPr>
+        <p:txBody>
+          <a:bodyPr wrap="square" rtlCol="0">
+            <a:spAutoFit/>
+          </a:bodyPr>
+          <a:lstStyle/>
+          <a:p>
+            <a:pPr algn="ctr"/>
+            <a:r>
+              <a:rPr lang="en-US" sz="1200" dirty="0">
+                <a:solidFill>
+                  <a:srgbClr val="00B050"/>
+                </a:solidFill>
+                <a:latin typeface="Arial" panose="020B0604020202020204" pitchFamily="34" charset="0"/>
+                <a:cs typeface="Arial" panose="020B0604020202020204" pitchFamily="34" charset="0"/>
+              </a:rPr>
+              <a:t>Summary of estimated parameters</a:t>
+            </a:r>
+          </a:p>
+        </p:txBody>
+      </p:sp>
+      <p:sp>
+        <p:nvSpPr>
+          <p:cNvPr id="14" name="Left Brace 13"/>
+          <p:cNvSpPr/>
+          <p:nvPr/>
+        </p:nvSpPr>
+        <p:spPr>
+          <a:xfrm rot="16200000">
+            <a:off x="3114168" y="1221986"/>
+            <a:ext cx="344267" cy="2876205"/>
+          </a:xfrm>
+          <a:prstGeom prst="leftBrace">
+            <a:avLst/>
+          </a:prstGeom>
+          <a:ln>
+            <a:solidFill>
+              <a:srgbClr val="00B050"/>
+            </a:solidFill>
+          </a:ln>
+          <a:effectLst/>
+        </p:spPr>
+        <p:style>
+          <a:lnRef idx="2">
+            <a:schemeClr val="accent1"/>
+          </a:lnRef>
+          <a:fillRef idx="0">
+            <a:schemeClr val="accent1"/>
+          </a:fillRef>
+          <a:effectRef idx="1">
+            <a:schemeClr val="accent1"/>
+          </a:effectRef>
+          <a:fontRef idx="minor">
+            <a:schemeClr val="tx1"/>
+          </a:fontRef>
+        </p:style>
+        <p:txBody>
+          <a:bodyPr rtlCol="0" anchor="ctr"/>
+          <a:lstStyle/>
+          <a:p>
+            <a:pPr algn="ctr"/>
+            <a:endParaRPr lang="en-US"/>
+          </a:p>
+        </p:txBody>
+      </p:sp>
     </p:spTree>
     <p:extLst>
       <p:ext uri="{BB962C8B-B14F-4D97-AF65-F5344CB8AC3E}">
-        <p14:creationId xmlns:p14="http://schemas.microsoft.com/office/powerpoint/2010/main" val="3776634457"/>
+        <p14:creationId xmlns:p14="http://schemas.microsoft.com/office/powerpoint/2010/main" val="133251620"/>
       </p:ext>
     </p:extLst>
   </p:cSld>
@@ -10903,6 +12935,46 @@
           <a:chExt cx="0" cy="0"/>
         </a:xfrm>
       </p:grpSpPr>
+      <p:pic>
+        <p:nvPicPr>
+          <p:cNvPr id="6" name="Picture 3"/>
+          <p:cNvPicPr>
+            <a:picLocks noChangeAspect="1" noChangeArrowheads="1"/>
+          </p:cNvPicPr>
+          <p:nvPr/>
+        </p:nvPicPr>
+        <p:blipFill>
+          <a:blip r:embed="rId2" cstate="print">
+            <a:extLst>
+              <a:ext uri="{28A0092B-C50C-407E-A947-70E740481C1C}">
+                <a14:useLocalDpi xmlns:a14="http://schemas.microsoft.com/office/drawing/2010/main" val="0"/>
+              </a:ext>
+            </a:extLst>
+          </a:blip>
+          <a:stretch>
+            <a:fillRect/>
+          </a:stretch>
+        </p:blipFill>
+        <p:spPr bwMode="auto">
+          <a:xfrm>
+            <a:off x="1524001" y="156427"/>
+            <a:ext cx="9143998" cy="6454586"/>
+          </a:xfrm>
+          <a:prstGeom prst="rect">
+            <a:avLst/>
+          </a:prstGeom>
+          <a:noFill/>
+          <a:extLst>
+            <a:ext uri="{909E8E84-426E-40DD-AFC4-6F175D3DCCD1}">
+              <a14:hiddenFill xmlns:a14="http://schemas.microsoft.com/office/drawing/2010/main">
+                <a:solidFill>
+                  <a:srgbClr val="FFFFFF"/>
+                </a:solidFill>
+              </a14:hiddenFill>
+            </a:ext>
+          </a:extLst>
+        </p:spPr>
+      </p:pic>
       <p:sp>
         <p:nvSpPr>
           <p:cNvPr id="5" name="Slide Number Placeholder 4"/>
@@ -10921,6 +12993,59 @@
             <a:fld id="{8CA0417E-8047-41CE-9E93-4FCB55A08913}" type="slidenum">
               <a:rPr lang="en-US" smtClean="0"/>
               <a:t>5</a:t>
+            </a:fld>
+            <a:endParaRPr lang="en-US"/>
+          </a:p>
+        </p:txBody>
+      </p:sp>
+    </p:spTree>
+    <p:extLst>
+      <p:ext uri="{BB962C8B-B14F-4D97-AF65-F5344CB8AC3E}">
+        <p14:creationId xmlns:p14="http://schemas.microsoft.com/office/powerpoint/2010/main" val="3776634457"/>
+      </p:ext>
+    </p:extLst>
+  </p:cSld>
+  <p:clrMapOvr>
+    <a:masterClrMapping/>
+  </p:clrMapOvr>
+</p:sld>
+</file>
+
+<file path=ppt/slides/slide6.xml><?xml version="1.0" encoding="utf-8"?>
+<p:sld xmlns:a="http://schemas.openxmlformats.org/drawingml/2006/main" xmlns:r="http://schemas.openxmlformats.org/officeDocument/2006/relationships" xmlns:p="http://schemas.openxmlformats.org/presentationml/2006/main">
+  <p:cSld>
+    <p:spTree>
+      <p:nvGrpSpPr>
+        <p:cNvPr id="1" name=""/>
+        <p:cNvGrpSpPr/>
+        <p:nvPr/>
+      </p:nvGrpSpPr>
+      <p:grpSpPr>
+        <a:xfrm>
+          <a:off x="0" y="0"/>
+          <a:ext cx="0" cy="0"/>
+          <a:chOff x="0" y="0"/>
+          <a:chExt cx="0" cy="0"/>
+        </a:xfrm>
+      </p:grpSpPr>
+      <p:sp>
+        <p:nvSpPr>
+          <p:cNvPr id="5" name="Slide Number Placeholder 4"/>
+          <p:cNvSpPr>
+            <a:spLocks noGrp="1"/>
+          </p:cNvSpPr>
+          <p:nvPr>
+            <p:ph type="sldNum" sz="quarter" idx="12"/>
+          </p:nvPr>
+        </p:nvSpPr>
+        <p:spPr/>
+        <p:txBody>
+          <a:bodyPr/>
+          <a:lstStyle/>
+          <a:p>
+            <a:fld id="{8CA0417E-8047-41CE-9E93-4FCB55A08913}" type="slidenum">
+              <a:rPr lang="en-US" smtClean="0"/>
+              <a:t>6</a:t>
             </a:fld>
             <a:endParaRPr lang="en-US"/>
           </a:p>
@@ -10970,128 +13095,6 @@
     <p:extLst>
       <p:ext uri="{BB962C8B-B14F-4D97-AF65-F5344CB8AC3E}">
         <p14:creationId xmlns:p14="http://schemas.microsoft.com/office/powerpoint/2010/main" val="1545952921"/>
-      </p:ext>
-    </p:extLst>
-  </p:cSld>
-  <p:clrMapOvr>
-    <a:masterClrMapping/>
-  </p:clrMapOvr>
-  <p:timing>
-    <p:tnLst>
-      <p:par>
-        <p:cTn id="1" dur="indefinite" restart="never" nodeType="tmRoot"/>
-      </p:par>
-    </p:tnLst>
-  </p:timing>
-</p:sld>
-</file>
-
-<file path=ppt/slides/slide6.xml><?xml version="1.0" encoding="utf-8"?>
-<p:sld xmlns:a="http://schemas.openxmlformats.org/drawingml/2006/main" xmlns:r="http://schemas.openxmlformats.org/officeDocument/2006/relationships" xmlns:p="http://schemas.openxmlformats.org/presentationml/2006/main">
-  <p:cSld>
-    <p:spTree>
-      <p:nvGrpSpPr>
-        <p:cNvPr id="1" name=""/>
-        <p:cNvGrpSpPr/>
-        <p:nvPr/>
-      </p:nvGrpSpPr>
-      <p:grpSpPr>
-        <a:xfrm>
-          <a:off x="0" y="0"/>
-          <a:ext cx="0" cy="0"/>
-          <a:chOff x="0" y="0"/>
-          <a:chExt cx="0" cy="0"/>
-        </a:xfrm>
-      </p:grpSpPr>
-      <p:sp>
-        <p:nvSpPr>
-          <p:cNvPr id="2" name="Title 1"/>
-          <p:cNvSpPr>
-            <a:spLocks noGrp="1"/>
-          </p:cNvSpPr>
-          <p:nvPr>
-            <p:ph type="title"/>
-          </p:nvPr>
-        </p:nvSpPr>
-        <p:spPr/>
-        <p:txBody>
-          <a:bodyPr>
-            <a:normAutofit fontScale="90000"/>
-          </a:bodyPr>
-          <a:lstStyle/>
-          <a:p>
-            <a:r>
-              <a:rPr lang="en-US" dirty="0" smtClean="0"/>
-              <a:t>Motivation for use of stock-recruit relationships</a:t>
-            </a:r>
-            <a:endParaRPr lang="en-US" dirty="0"/>
-          </a:p>
-        </p:txBody>
-      </p:sp>
-      <p:sp>
-        <p:nvSpPr>
-          <p:cNvPr id="3" name="Content Placeholder 2"/>
-          <p:cNvSpPr>
-            <a:spLocks noGrp="1"/>
-          </p:cNvSpPr>
-          <p:nvPr>
-            <p:ph idx="1"/>
-          </p:nvPr>
-        </p:nvSpPr>
-        <p:spPr/>
-        <p:txBody>
-          <a:bodyPr>
-            <a:normAutofit/>
-          </a:bodyPr>
-          <a:lstStyle/>
-          <a:p>
-            <a:r>
-              <a:rPr lang="en-US" sz="3600" dirty="0" smtClean="0"/>
-              <a:t>Provides underlying structure allowing recruitment estimation outside range of composition data</a:t>
-            </a:r>
-          </a:p>
-          <a:p>
-            <a:r>
-              <a:rPr lang="en-US" sz="3600" dirty="0" smtClean="0"/>
-              <a:t>Many alternative approaches are available</a:t>
-            </a:r>
-          </a:p>
-          <a:p>
-            <a:r>
-              <a:rPr lang="en-US" sz="3600" dirty="0" smtClean="0"/>
-              <a:t>Stock Synthesis includes enough options to allow comparison among approaches</a:t>
-            </a:r>
-            <a:endParaRPr lang="en-US" sz="3600" dirty="0"/>
-          </a:p>
-        </p:txBody>
-      </p:sp>
-      <p:sp>
-        <p:nvSpPr>
-          <p:cNvPr id="4" name="Slide Number Placeholder 3"/>
-          <p:cNvSpPr>
-            <a:spLocks noGrp="1"/>
-          </p:cNvSpPr>
-          <p:nvPr>
-            <p:ph type="sldNum" sz="quarter" idx="12"/>
-          </p:nvPr>
-        </p:nvSpPr>
-        <p:spPr/>
-        <p:txBody>
-          <a:bodyPr/>
-          <a:lstStyle/>
-          <a:p>
-            <a:fld id="{8CA0417E-8047-41CE-9E93-4FCB55A08913}" type="slidenum">
-              <a:rPr lang="en-US" smtClean="0"/>
-              <a:t>6</a:t>
-            </a:fld>
-            <a:endParaRPr lang="en-US" dirty="0"/>
-          </a:p>
-        </p:txBody>
-      </p:sp>
-    </p:spTree>
-    <p:extLst>
-      <p:ext uri="{BB962C8B-B14F-4D97-AF65-F5344CB8AC3E}">
-        <p14:creationId xmlns:p14="http://schemas.microsoft.com/office/powerpoint/2010/main" val="1886586548"/>
       </p:ext>
     </p:extLst>
   </p:cSld>
@@ -11137,40 +13140,53 @@
         </p:nvSpPr>
         <p:spPr/>
         <p:txBody>
-          <a:bodyPr/>
+          <a:bodyPr>
+            <a:normAutofit fontScale="90000"/>
+          </a:bodyPr>
           <a:lstStyle/>
           <a:p>
             <a:r>
               <a:rPr lang="en-US" dirty="0" smtClean="0"/>
-              <a:t>Stock Recruit </a:t>
-            </a:r>
-            <a:r>
-              <a:rPr lang="en-US" dirty="0" smtClean="0"/>
-              <a:t>Relationships</a:t>
-            </a:r>
-            <a:br>
-              <a:rPr lang="en-US" dirty="0" smtClean="0"/>
-            </a:br>
+              <a:t>Motivation for use of stock-recruit relationships</a:t>
+            </a:r>
             <a:endParaRPr lang="en-US" dirty="0"/>
           </a:p>
         </p:txBody>
       </p:sp>
       <p:sp>
         <p:nvSpPr>
-          <p:cNvPr id="3" name="Text Placeholder 2"/>
-          <p:cNvSpPr>
-            <a:spLocks noGrp="1"/>
-          </p:cNvSpPr>
-          <p:nvPr>
-            <p:ph type="body" idx="1"/>
+          <p:cNvPr id="3" name="Content Placeholder 2"/>
+          <p:cNvSpPr>
+            <a:spLocks noGrp="1"/>
+          </p:cNvSpPr>
+          <p:nvPr>
+            <p:ph idx="1"/>
           </p:nvPr>
         </p:nvSpPr>
         <p:spPr/>
         <p:txBody>
-          <a:bodyPr/>
-          <a:lstStyle/>
-          <a:p>
-            <a:endParaRPr lang="en-US"/>
+          <a:bodyPr>
+            <a:normAutofit/>
+          </a:bodyPr>
+          <a:lstStyle/>
+          <a:p>
+            <a:r>
+              <a:rPr lang="en-US" sz="3600" dirty="0" smtClean="0"/>
+              <a:t>Provides underlying structure allowing recruitment estimation outside range of composition data</a:t>
+            </a:r>
+          </a:p>
+          <a:p>
+            <a:r>
+              <a:rPr lang="en-US" sz="3600" dirty="0" smtClean="0"/>
+              <a:t>Many alternative approaches are available</a:t>
+            </a:r>
+          </a:p>
+          <a:p>
+            <a:r>
+              <a:rPr lang="en-US" sz="3600" dirty="0" smtClean="0"/>
+              <a:t>Stock Synthesis includes enough options to allow comparison among approaches</a:t>
+            </a:r>
+            <a:endParaRPr lang="en-US" sz="3600" dirty="0"/>
           </a:p>
         </p:txBody>
       </p:sp>
@@ -11193,14 +13209,14 @@
               <a:rPr lang="en-US" smtClean="0"/>
               <a:t>7</a:t>
             </a:fld>
-            <a:endParaRPr lang="en-US"/>
+            <a:endParaRPr lang="en-US" dirty="0"/>
           </a:p>
         </p:txBody>
       </p:sp>
     </p:spTree>
     <p:extLst>
       <p:ext uri="{BB962C8B-B14F-4D97-AF65-F5344CB8AC3E}">
-        <p14:creationId xmlns:p14="http://schemas.microsoft.com/office/powerpoint/2010/main" val="2366929157"/>
+        <p14:creationId xmlns:p14="http://schemas.microsoft.com/office/powerpoint/2010/main" val="1886586548"/>
       </p:ext>
     </p:extLst>
   </p:cSld>
@@ -11236,7 +13252,7 @@
       </p:grpSpPr>
       <p:sp>
         <p:nvSpPr>
-          <p:cNvPr id="6" name="Title 5"/>
+          <p:cNvPr id="2" name="Title 1"/>
           <p:cNvSpPr>
             <a:spLocks noGrp="1"/>
           </p:cNvSpPr>
@@ -11251,323 +13267,41 @@
           <a:p>
             <a:r>
               <a:rPr lang="en-US" dirty="0" smtClean="0"/>
-              <a:t>Control file setup for stock-recruit function</a:t>
-            </a:r>
+              <a:t>Stock Recruit </a:t>
+            </a:r>
+            <a:r>
+              <a:rPr lang="en-US" dirty="0" smtClean="0"/>
+              <a:t>Relationships</a:t>
+            </a:r>
+            <a:br>
+              <a:rPr lang="en-US" dirty="0" smtClean="0"/>
+            </a:br>
             <a:endParaRPr lang="en-US" dirty="0"/>
           </a:p>
         </p:txBody>
       </p:sp>
       <p:sp>
         <p:nvSpPr>
-          <p:cNvPr id="7" name="Content Placeholder 6"/>
-          <p:cNvSpPr>
-            <a:spLocks noGrp="1"/>
-          </p:cNvSpPr>
-          <p:nvPr>
-            <p:ph idx="1"/>
-          </p:nvPr>
-        </p:nvSpPr>
-        <p:spPr>
-          <a:xfrm>
-            <a:off x="632716" y="1069975"/>
-            <a:ext cx="11819562" cy="5483225"/>
-          </a:xfrm>
-        </p:spPr>
-        <p:txBody>
-          <a:bodyPr>
-            <a:normAutofit/>
-          </a:bodyPr>
-          <a:lstStyle/>
-          <a:p>
-            <a:pPr marL="0" indent="0">
-              <a:buNone/>
-            </a:pPr>
-            <a:r>
-              <a:rPr lang="pt-BR" sz="2000" b="1" dirty="0">
-                <a:solidFill>
-                  <a:srgbClr val="C00000"/>
-                </a:solidFill>
-                <a:latin typeface="Courier New" panose="02070309020205020404" pitchFamily="49" charset="0"/>
-                <a:cs typeface="Courier New" panose="02070309020205020404" pitchFamily="49" charset="0"/>
-              </a:rPr>
-              <a:t>#_</a:t>
-            </a:r>
-            <a:r>
-              <a:rPr lang="pt-BR" sz="2000" b="1" dirty="0" smtClean="0">
-                <a:solidFill>
-                  <a:srgbClr val="C00000"/>
-                </a:solidFill>
-                <a:latin typeface="Courier New" panose="02070309020205020404" pitchFamily="49" charset="0"/>
-                <a:cs typeface="Courier New" panose="02070309020205020404" pitchFamily="49" charset="0"/>
-              </a:rPr>
-              <a:t>Spawner-Recruitment</a:t>
-            </a:r>
-          </a:p>
-          <a:p>
-            <a:pPr marL="0" indent="0">
-              <a:buNone/>
-            </a:pPr>
-            <a:r>
-              <a:rPr lang="pt-BR" sz="2000" b="1" dirty="0" smtClean="0">
-                <a:latin typeface="Courier New" panose="02070309020205020404" pitchFamily="49" charset="0"/>
-                <a:cs typeface="Courier New" panose="02070309020205020404" pitchFamily="49" charset="0"/>
-              </a:rPr>
-              <a:t>3 </a:t>
-            </a:r>
-            <a:r>
-              <a:rPr lang="pt-BR" sz="2000" b="1" dirty="0" smtClean="0">
-                <a:solidFill>
-                  <a:srgbClr val="C00000"/>
-                </a:solidFill>
-                <a:latin typeface="Courier New" panose="02070309020205020404" pitchFamily="49" charset="0"/>
-                <a:cs typeface="Courier New" panose="02070309020205020404" pitchFamily="49" charset="0"/>
-              </a:rPr>
-              <a:t>#_SR_function: 2=Ricker; 3=std_B-H; 4=SCAA; 5=Hockey; </a:t>
-            </a:r>
-          </a:p>
-          <a:p>
-            <a:pPr marL="0" indent="0">
-              <a:buNone/>
-            </a:pPr>
-            <a:r>
-              <a:rPr lang="pt-BR" sz="2000" b="1" dirty="0">
-                <a:solidFill>
-                  <a:srgbClr val="C00000"/>
-                </a:solidFill>
-                <a:latin typeface="Courier New" panose="02070309020205020404" pitchFamily="49" charset="0"/>
-                <a:cs typeface="Courier New" panose="02070309020205020404" pitchFamily="49" charset="0"/>
-              </a:rPr>
-              <a:t> </a:t>
-            </a:r>
-            <a:r>
-              <a:rPr lang="pt-BR" sz="2000" b="1" dirty="0" smtClean="0">
-                <a:solidFill>
-                  <a:srgbClr val="C00000"/>
-                </a:solidFill>
-                <a:latin typeface="Courier New" panose="02070309020205020404" pitchFamily="49" charset="0"/>
-                <a:cs typeface="Courier New" panose="02070309020205020404" pitchFamily="49" charset="0"/>
-              </a:rPr>
-              <a:t> # 6=B-H_flattop; 7=survival_3Parm; 8=Shepard_3Parm</a:t>
-            </a:r>
-          </a:p>
-          <a:p>
-            <a:pPr marL="0" indent="0">
-              <a:buNone/>
-            </a:pPr>
-            <a:r>
-              <a:rPr lang="pt-BR" sz="2000" b="1" dirty="0" smtClean="0">
-                <a:latin typeface="Courier New" panose="02070309020205020404" pitchFamily="49" charset="0"/>
-                <a:cs typeface="Courier New" panose="02070309020205020404" pitchFamily="49" charset="0"/>
-              </a:rPr>
-              <a:t>0 </a:t>
-            </a:r>
-            <a:r>
-              <a:rPr lang="pt-BR" sz="2000" b="1" dirty="0">
-                <a:solidFill>
-                  <a:srgbClr val="C00000"/>
-                </a:solidFill>
-                <a:latin typeface="Courier New" panose="02070309020205020404" pitchFamily="49" charset="0"/>
-                <a:cs typeface="Courier New" panose="02070309020205020404" pitchFamily="49" charset="0"/>
-              </a:rPr>
-              <a:t># 0/1 to use steepness in initial equ recruitment calculation</a:t>
-            </a:r>
-          </a:p>
-          <a:p>
-            <a:pPr marL="0" indent="0">
-              <a:buNone/>
-            </a:pPr>
-            <a:r>
-              <a:rPr lang="pt-BR" sz="2000" b="1" dirty="0">
-                <a:latin typeface="Courier New" panose="02070309020205020404" pitchFamily="49" charset="0"/>
-                <a:cs typeface="Courier New" panose="02070309020205020404" pitchFamily="49" charset="0"/>
-              </a:rPr>
-              <a:t>0 </a:t>
-            </a:r>
-            <a:r>
-              <a:rPr lang="pt-BR" sz="2000" b="1" dirty="0">
-                <a:solidFill>
-                  <a:srgbClr val="C00000"/>
-                </a:solidFill>
-                <a:latin typeface="Courier New" panose="02070309020205020404" pitchFamily="49" charset="0"/>
-                <a:cs typeface="Courier New" panose="02070309020205020404" pitchFamily="49" charset="0"/>
-              </a:rPr>
-              <a:t>#  future feature: </a:t>
-            </a:r>
-            <a:r>
-              <a:rPr lang="pt-BR" sz="2000" b="1" dirty="0" smtClean="0">
-                <a:solidFill>
-                  <a:srgbClr val="C00000"/>
-                </a:solidFill>
-                <a:latin typeface="Courier New" panose="02070309020205020404" pitchFamily="49" charset="0"/>
-                <a:cs typeface="Courier New" panose="02070309020205020404" pitchFamily="49" charset="0"/>
-              </a:rPr>
-              <a:t>0/1 </a:t>
-            </a:r>
-            <a:r>
-              <a:rPr lang="pt-BR" sz="2000" b="1" dirty="0">
-                <a:solidFill>
-                  <a:srgbClr val="C00000"/>
-                </a:solidFill>
-                <a:latin typeface="Courier New" panose="02070309020205020404" pitchFamily="49" charset="0"/>
-                <a:cs typeface="Courier New" panose="02070309020205020404" pitchFamily="49" charset="0"/>
-              </a:rPr>
-              <a:t>to make realized sigmaR a function of SR curvature </a:t>
-            </a:r>
-            <a:endParaRPr lang="pt-BR" sz="2000" b="1" dirty="0" smtClean="0">
-              <a:solidFill>
-                <a:srgbClr val="C00000"/>
-              </a:solidFill>
-              <a:latin typeface="Courier New" panose="02070309020205020404" pitchFamily="49" charset="0"/>
-              <a:cs typeface="Courier New" panose="02070309020205020404" pitchFamily="49" charset="0"/>
-            </a:endParaRPr>
-          </a:p>
-          <a:p>
-            <a:pPr marL="0" indent="0">
-              <a:buNone/>
-            </a:pPr>
-            <a:r>
-              <a:rPr lang="pt-BR" sz="2000" b="1" dirty="0" smtClean="0">
-                <a:solidFill>
-                  <a:srgbClr val="C00000"/>
-                </a:solidFill>
-                <a:latin typeface="Courier New" panose="02070309020205020404" pitchFamily="49" charset="0"/>
-                <a:cs typeface="Courier New" panose="02070309020205020404" pitchFamily="49" charset="0"/>
-              </a:rPr>
-              <a:t>#_</a:t>
-            </a:r>
-            <a:r>
-              <a:rPr lang="pt-BR" sz="2000" b="1" dirty="0" smtClean="0">
-                <a:solidFill>
-                  <a:srgbClr val="C00000"/>
-                </a:solidFill>
-                <a:latin typeface="Courier New" panose="02070309020205020404" pitchFamily="49" charset="0"/>
-                <a:cs typeface="Courier New" panose="02070309020205020404" pitchFamily="49" charset="0"/>
-              </a:rPr>
-              <a:t>LO  HI   INIT  PRIOR  PR_SD   PR_type PHASE   ... # parm_name</a:t>
-            </a:r>
-          </a:p>
-          <a:p>
-            <a:pPr marL="0" indent="0">
-              <a:buNone/>
-            </a:pPr>
-            <a:r>
-              <a:rPr lang="pt-BR" sz="2000" b="1" dirty="0" smtClean="0">
-                <a:latin typeface="Courier New" panose="02070309020205020404" pitchFamily="49" charset="0"/>
-                <a:cs typeface="Courier New" panose="02070309020205020404" pitchFamily="49" charset="0"/>
-              </a:rPr>
-              <a:t>5     20   10.6  10     5       0       1       ... </a:t>
-            </a:r>
-            <a:r>
-              <a:rPr lang="pt-BR" sz="2000" b="1" dirty="0" smtClean="0">
-                <a:solidFill>
-                  <a:srgbClr val="C00000"/>
-                </a:solidFill>
-                <a:latin typeface="Courier New" panose="02070309020205020404" pitchFamily="49" charset="0"/>
-                <a:cs typeface="Courier New" panose="02070309020205020404" pitchFamily="49" charset="0"/>
-              </a:rPr>
-              <a:t># SR_LN(R0)</a:t>
-            </a:r>
-          </a:p>
-          <a:p>
-            <a:pPr marL="0" indent="0">
-              <a:buNone/>
-            </a:pPr>
-            <a:r>
-              <a:rPr lang="pt-BR" sz="2000" b="1" dirty="0" smtClean="0">
-                <a:latin typeface="Courier New" panose="02070309020205020404" pitchFamily="49" charset="0"/>
-                <a:cs typeface="Courier New" panose="02070309020205020404" pitchFamily="49" charset="0"/>
-              </a:rPr>
-              <a:t>0.2   1    0.6   0.718  0.158   0       3       ... </a:t>
-            </a:r>
-            <a:r>
-              <a:rPr lang="pt-BR" sz="2000" b="1" dirty="0" smtClean="0">
-                <a:solidFill>
-                  <a:srgbClr val="C00000"/>
-                </a:solidFill>
-                <a:latin typeface="Courier New" panose="02070309020205020404" pitchFamily="49" charset="0"/>
-                <a:cs typeface="Courier New" panose="02070309020205020404" pitchFamily="49" charset="0"/>
-              </a:rPr>
-              <a:t># SR_BH_steep</a:t>
-            </a:r>
-          </a:p>
-          <a:p>
-            <a:pPr marL="0" indent="0">
-              <a:buNone/>
-            </a:pPr>
-            <a:r>
-              <a:rPr lang="pt-BR" sz="2000" b="1" dirty="0" smtClean="0">
-                <a:latin typeface="Courier New" panose="02070309020205020404" pitchFamily="49" charset="0"/>
-                <a:cs typeface="Courier New" panose="02070309020205020404" pitchFamily="49" charset="0"/>
-              </a:rPr>
-              <a:t>0.5   1.2  0.5   0.67   99      0       -6      ... </a:t>
-            </a:r>
-            <a:r>
-              <a:rPr lang="pt-BR" sz="2000" b="1" dirty="0" smtClean="0">
-                <a:solidFill>
-                  <a:srgbClr val="C00000"/>
-                </a:solidFill>
-                <a:latin typeface="Courier New" panose="02070309020205020404" pitchFamily="49" charset="0"/>
-                <a:cs typeface="Courier New" panose="02070309020205020404" pitchFamily="49" charset="0"/>
-              </a:rPr>
-              <a:t># SR_sigmaR</a:t>
-            </a:r>
-          </a:p>
-          <a:p>
-            <a:pPr marL="0" indent="0">
-              <a:buNone/>
-            </a:pPr>
-            <a:r>
-              <a:rPr lang="pt-BR" sz="2000" b="1" dirty="0" smtClean="0">
-                <a:latin typeface="Courier New" panose="02070309020205020404" pitchFamily="49" charset="0"/>
-                <a:cs typeface="Courier New" panose="02070309020205020404" pitchFamily="49" charset="0"/>
-              </a:rPr>
-              <a:t>-5    5    0     0      99      0       -50     ... </a:t>
-            </a:r>
-            <a:r>
-              <a:rPr lang="pt-BR" sz="2000" b="1" dirty="0" smtClean="0">
-                <a:solidFill>
-                  <a:srgbClr val="C00000"/>
-                </a:solidFill>
-                <a:latin typeface="Courier New" panose="02070309020205020404" pitchFamily="49" charset="0"/>
-                <a:cs typeface="Courier New" panose="02070309020205020404" pitchFamily="49" charset="0"/>
-              </a:rPr>
-              <a:t># SR_regime</a:t>
-            </a:r>
-          </a:p>
-          <a:p>
-            <a:pPr marL="0" indent="0">
-              <a:buNone/>
-            </a:pPr>
-            <a:r>
-              <a:rPr lang="pt-BR" sz="2000" b="1" dirty="0" smtClean="0">
-                <a:latin typeface="Courier New" panose="02070309020205020404" pitchFamily="49" charset="0"/>
-                <a:cs typeface="Courier New" panose="02070309020205020404" pitchFamily="49" charset="0"/>
-              </a:rPr>
-              <a:t>0     2    0     1      99      0       -50     ... </a:t>
-            </a:r>
-            <a:r>
-              <a:rPr lang="pt-BR" sz="2000" b="1" dirty="0" smtClean="0">
-                <a:solidFill>
-                  <a:srgbClr val="C00000"/>
-                </a:solidFill>
-                <a:latin typeface="Courier New" panose="02070309020205020404" pitchFamily="49" charset="0"/>
-                <a:cs typeface="Courier New" panose="02070309020205020404" pitchFamily="49" charset="0"/>
-              </a:rPr>
-              <a:t># SR_autocorr</a:t>
-            </a:r>
-            <a:endParaRPr lang="en-US" sz="2000" b="1" dirty="0">
-              <a:solidFill>
-                <a:srgbClr val="C00000"/>
-              </a:solidFill>
-              <a:latin typeface="Courier New" panose="02070309020205020404" pitchFamily="49" charset="0"/>
-              <a:cs typeface="Courier New" panose="02070309020205020404" pitchFamily="49" charset="0"/>
-            </a:endParaRPr>
-          </a:p>
-        </p:txBody>
-      </p:sp>
-      <p:sp>
-        <p:nvSpPr>
-          <p:cNvPr id="5" name="Slide Number Placeholder 4"/>
+          <p:cNvPr id="3" name="Text Placeholder 2"/>
+          <p:cNvSpPr>
+            <a:spLocks noGrp="1"/>
+          </p:cNvSpPr>
+          <p:nvPr>
+            <p:ph type="body" idx="1"/>
+          </p:nvPr>
+        </p:nvSpPr>
+        <p:spPr/>
+        <p:txBody>
+          <a:bodyPr/>
+          <a:lstStyle/>
+          <a:p>
+            <a:endParaRPr lang="en-US"/>
+          </a:p>
+        </p:txBody>
+      </p:sp>
+      <p:sp>
+        <p:nvSpPr>
+          <p:cNvPr id="4" name="Slide Number Placeholder 3"/>
           <p:cNvSpPr>
             <a:spLocks noGrp="1"/>
           </p:cNvSpPr>
@@ -11591,7 +13325,7 @@
     </p:spTree>
     <p:extLst>
       <p:ext uri="{BB962C8B-B14F-4D97-AF65-F5344CB8AC3E}">
-        <p14:creationId xmlns:p14="http://schemas.microsoft.com/office/powerpoint/2010/main" val="469503780"/>
+        <p14:creationId xmlns:p14="http://schemas.microsoft.com/office/powerpoint/2010/main" val="2366929157"/>
       </p:ext>
     </p:extLst>
   </p:cSld>
@@ -11627,7 +13361,7 @@
       </p:grpSpPr>
       <p:sp>
         <p:nvSpPr>
-          <p:cNvPr id="2" name="Title 1"/>
+          <p:cNvPr id="6" name="Title 5"/>
           <p:cNvSpPr>
             <a:spLocks noGrp="1"/>
           </p:cNvSpPr>
@@ -11641,12 +13375,8 @@
           <a:lstStyle/>
           <a:p>
             <a:r>
-              <a:rPr lang="en-US" dirty="0" err="1" smtClean="0"/>
-              <a:t>Beverton</a:t>
-            </a:r>
-            <a:r>
               <a:rPr lang="en-US" dirty="0" smtClean="0"/>
-              <a:t>-Holt</a:t>
+              <a:t>Control file setup for stock-recruit function</a:t>
             </a:r>
             <a:endParaRPr lang="en-US" dirty="0"/>
           </a:p>
@@ -11654,7 +13384,315 @@
       </p:sp>
       <p:sp>
         <p:nvSpPr>
-          <p:cNvPr id="4" name="Slide Number Placeholder 3"/>
+          <p:cNvPr id="7" name="Content Placeholder 6"/>
+          <p:cNvSpPr>
+            <a:spLocks noGrp="1"/>
+          </p:cNvSpPr>
+          <p:nvPr>
+            <p:ph idx="1"/>
+          </p:nvPr>
+        </p:nvSpPr>
+        <p:spPr>
+          <a:xfrm>
+            <a:off x="632716" y="1069975"/>
+            <a:ext cx="11819562" cy="5483225"/>
+          </a:xfrm>
+        </p:spPr>
+        <p:txBody>
+          <a:bodyPr>
+            <a:normAutofit/>
+          </a:bodyPr>
+          <a:lstStyle/>
+          <a:p>
+            <a:pPr marL="0" indent="0">
+              <a:buNone/>
+            </a:pPr>
+            <a:r>
+              <a:rPr lang="pt-BR" sz="2000" b="1" dirty="0">
+                <a:solidFill>
+                  <a:srgbClr val="C00000"/>
+                </a:solidFill>
+                <a:latin typeface="Courier New" panose="02070309020205020404" pitchFamily="49" charset="0"/>
+                <a:cs typeface="Courier New" panose="02070309020205020404" pitchFamily="49" charset="0"/>
+              </a:rPr>
+              <a:t>#_</a:t>
+            </a:r>
+            <a:r>
+              <a:rPr lang="pt-BR" sz="2000" b="1" dirty="0" smtClean="0">
+                <a:solidFill>
+                  <a:srgbClr val="C00000"/>
+                </a:solidFill>
+                <a:latin typeface="Courier New" panose="02070309020205020404" pitchFamily="49" charset="0"/>
+                <a:cs typeface="Courier New" panose="02070309020205020404" pitchFamily="49" charset="0"/>
+              </a:rPr>
+              <a:t>Spawner-Recruitment</a:t>
+            </a:r>
+          </a:p>
+          <a:p>
+            <a:pPr marL="0" indent="0">
+              <a:buNone/>
+            </a:pPr>
+            <a:r>
+              <a:rPr lang="pt-BR" sz="2000" b="1" dirty="0" smtClean="0">
+                <a:latin typeface="Courier New" panose="02070309020205020404" pitchFamily="49" charset="0"/>
+                <a:cs typeface="Courier New" panose="02070309020205020404" pitchFamily="49" charset="0"/>
+              </a:rPr>
+              <a:t>3 </a:t>
+            </a:r>
+            <a:r>
+              <a:rPr lang="pt-BR" sz="2000" b="1" dirty="0" smtClean="0">
+                <a:solidFill>
+                  <a:srgbClr val="C00000"/>
+                </a:solidFill>
+                <a:latin typeface="Courier New" panose="02070309020205020404" pitchFamily="49" charset="0"/>
+                <a:cs typeface="Courier New" panose="02070309020205020404" pitchFamily="49" charset="0"/>
+              </a:rPr>
+              <a:t>#_SR_function: 2=Ricker; 3=std_B-H; 4=SCAA; 5=Hockey; </a:t>
+            </a:r>
+          </a:p>
+          <a:p>
+            <a:pPr marL="0" indent="0">
+              <a:buNone/>
+            </a:pPr>
+            <a:r>
+              <a:rPr lang="pt-BR" sz="2000" b="1" dirty="0">
+                <a:solidFill>
+                  <a:srgbClr val="C00000"/>
+                </a:solidFill>
+                <a:latin typeface="Courier New" panose="02070309020205020404" pitchFamily="49" charset="0"/>
+                <a:cs typeface="Courier New" panose="02070309020205020404" pitchFamily="49" charset="0"/>
+              </a:rPr>
+              <a:t> </a:t>
+            </a:r>
+            <a:r>
+              <a:rPr lang="pt-BR" sz="2000" b="1" dirty="0" smtClean="0">
+                <a:solidFill>
+                  <a:srgbClr val="C00000"/>
+                </a:solidFill>
+                <a:latin typeface="Courier New" panose="02070309020205020404" pitchFamily="49" charset="0"/>
+                <a:cs typeface="Courier New" panose="02070309020205020404" pitchFamily="49" charset="0"/>
+              </a:rPr>
+              <a:t> # 6=B-H_flattop; 7=survival_3Parm; 8=Shepard_3Parm</a:t>
+            </a:r>
+          </a:p>
+          <a:p>
+            <a:pPr marL="0" indent="0">
+              <a:buNone/>
+            </a:pPr>
+            <a:r>
+              <a:rPr lang="pt-BR" sz="2000" b="1" dirty="0" smtClean="0">
+                <a:latin typeface="Courier New" panose="02070309020205020404" pitchFamily="49" charset="0"/>
+                <a:cs typeface="Courier New" panose="02070309020205020404" pitchFamily="49" charset="0"/>
+              </a:rPr>
+              <a:t>0 </a:t>
+            </a:r>
+            <a:r>
+              <a:rPr lang="pt-BR" sz="2000" b="1" dirty="0">
+                <a:solidFill>
+                  <a:srgbClr val="C00000"/>
+                </a:solidFill>
+                <a:latin typeface="Courier New" panose="02070309020205020404" pitchFamily="49" charset="0"/>
+                <a:cs typeface="Courier New" panose="02070309020205020404" pitchFamily="49" charset="0"/>
+              </a:rPr>
+              <a:t># 0/1 to use steepness in initial equ recruitment calculation</a:t>
+            </a:r>
+          </a:p>
+          <a:p>
+            <a:pPr marL="0" indent="0">
+              <a:buNone/>
+            </a:pPr>
+            <a:r>
+              <a:rPr lang="pt-BR" sz="2000" b="1" dirty="0">
+                <a:latin typeface="Courier New" panose="02070309020205020404" pitchFamily="49" charset="0"/>
+                <a:cs typeface="Courier New" panose="02070309020205020404" pitchFamily="49" charset="0"/>
+              </a:rPr>
+              <a:t>0 </a:t>
+            </a:r>
+            <a:r>
+              <a:rPr lang="pt-BR" sz="2000" b="1" dirty="0">
+                <a:solidFill>
+                  <a:srgbClr val="C00000"/>
+                </a:solidFill>
+                <a:latin typeface="Courier New" panose="02070309020205020404" pitchFamily="49" charset="0"/>
+                <a:cs typeface="Courier New" panose="02070309020205020404" pitchFamily="49" charset="0"/>
+              </a:rPr>
+              <a:t>#  future feature: </a:t>
+            </a:r>
+            <a:r>
+              <a:rPr lang="pt-BR" sz="2000" b="1" dirty="0" smtClean="0">
+                <a:solidFill>
+                  <a:srgbClr val="C00000"/>
+                </a:solidFill>
+                <a:latin typeface="Courier New" panose="02070309020205020404" pitchFamily="49" charset="0"/>
+                <a:cs typeface="Courier New" panose="02070309020205020404" pitchFamily="49" charset="0"/>
+              </a:rPr>
+              <a:t>0/1 </a:t>
+            </a:r>
+            <a:r>
+              <a:rPr lang="pt-BR" sz="2000" b="1" dirty="0">
+                <a:solidFill>
+                  <a:srgbClr val="C00000"/>
+                </a:solidFill>
+                <a:latin typeface="Courier New" panose="02070309020205020404" pitchFamily="49" charset="0"/>
+                <a:cs typeface="Courier New" panose="02070309020205020404" pitchFamily="49" charset="0"/>
+              </a:rPr>
+              <a:t>to make realized sigmaR a function of SR curvature </a:t>
+            </a:r>
+            <a:endParaRPr lang="pt-BR" sz="2000" b="1" dirty="0" smtClean="0">
+              <a:solidFill>
+                <a:srgbClr val="C00000"/>
+              </a:solidFill>
+              <a:latin typeface="Courier New" panose="02070309020205020404" pitchFamily="49" charset="0"/>
+              <a:cs typeface="Courier New" panose="02070309020205020404" pitchFamily="49" charset="0"/>
+            </a:endParaRPr>
+          </a:p>
+          <a:p>
+            <a:pPr marL="0" indent="0">
+              <a:buNone/>
+            </a:pPr>
+            <a:r>
+              <a:rPr lang="pt-BR" sz="2000" b="1" dirty="0" smtClean="0">
+                <a:solidFill>
+                  <a:srgbClr val="C00000"/>
+                </a:solidFill>
+                <a:latin typeface="Courier New" panose="02070309020205020404" pitchFamily="49" charset="0"/>
+                <a:cs typeface="Courier New" panose="02070309020205020404" pitchFamily="49" charset="0"/>
+              </a:rPr>
+              <a:t>#_</a:t>
+            </a:r>
+            <a:r>
+              <a:rPr lang="pt-BR" sz="2000" b="1" dirty="0" smtClean="0">
+                <a:solidFill>
+                  <a:srgbClr val="C00000"/>
+                </a:solidFill>
+                <a:latin typeface="Courier New" panose="02070309020205020404" pitchFamily="49" charset="0"/>
+                <a:cs typeface="Courier New" panose="02070309020205020404" pitchFamily="49" charset="0"/>
+              </a:rPr>
+              <a:t>LO  HI   INIT  PRIOR  PR_SD   PR_type PHASE   ... # parm_name</a:t>
+            </a:r>
+          </a:p>
+          <a:p>
+            <a:pPr marL="0" indent="0">
+              <a:buNone/>
+            </a:pPr>
+            <a:r>
+              <a:rPr lang="pt-BR" sz="2000" b="1" dirty="0" smtClean="0">
+                <a:latin typeface="Courier New" panose="02070309020205020404" pitchFamily="49" charset="0"/>
+                <a:cs typeface="Courier New" panose="02070309020205020404" pitchFamily="49" charset="0"/>
+              </a:rPr>
+              <a:t>5     20   10.6  10     5       0       1       ... </a:t>
+            </a:r>
+            <a:r>
+              <a:rPr lang="pt-BR" sz="2000" b="1" dirty="0" smtClean="0">
+                <a:solidFill>
+                  <a:srgbClr val="C00000"/>
+                </a:solidFill>
+                <a:latin typeface="Courier New" panose="02070309020205020404" pitchFamily="49" charset="0"/>
+                <a:cs typeface="Courier New" panose="02070309020205020404" pitchFamily="49" charset="0"/>
+              </a:rPr>
+              <a:t># SR_LN(R0)</a:t>
+            </a:r>
+          </a:p>
+          <a:p>
+            <a:pPr marL="0" indent="0">
+              <a:buNone/>
+            </a:pPr>
+            <a:r>
+              <a:rPr lang="pt-BR" sz="2000" b="1" dirty="0" smtClean="0">
+                <a:latin typeface="Courier New" panose="02070309020205020404" pitchFamily="49" charset="0"/>
+                <a:cs typeface="Courier New" panose="02070309020205020404" pitchFamily="49" charset="0"/>
+              </a:rPr>
+              <a:t>0.2   1    0.6   0.718  0.158   0       3       ... </a:t>
+            </a:r>
+            <a:r>
+              <a:rPr lang="pt-BR" sz="2000" b="1" dirty="0" smtClean="0">
+                <a:solidFill>
+                  <a:srgbClr val="C00000"/>
+                </a:solidFill>
+                <a:latin typeface="Courier New" panose="02070309020205020404" pitchFamily="49" charset="0"/>
+                <a:cs typeface="Courier New" panose="02070309020205020404" pitchFamily="49" charset="0"/>
+              </a:rPr>
+              <a:t># SR_BH_steep</a:t>
+            </a:r>
+          </a:p>
+          <a:p>
+            <a:pPr marL="0" indent="0">
+              <a:buNone/>
+            </a:pPr>
+            <a:r>
+              <a:rPr lang="pt-BR" sz="2000" b="1" dirty="0" smtClean="0">
+                <a:latin typeface="Courier New" panose="02070309020205020404" pitchFamily="49" charset="0"/>
+                <a:cs typeface="Courier New" panose="02070309020205020404" pitchFamily="49" charset="0"/>
+              </a:rPr>
+              <a:t>0.5   1.2  0.5   0.67   99      0       -6      ... </a:t>
+            </a:r>
+            <a:r>
+              <a:rPr lang="pt-BR" sz="2000" b="1" dirty="0" smtClean="0">
+                <a:solidFill>
+                  <a:srgbClr val="C00000"/>
+                </a:solidFill>
+                <a:latin typeface="Courier New" panose="02070309020205020404" pitchFamily="49" charset="0"/>
+                <a:cs typeface="Courier New" panose="02070309020205020404" pitchFamily="49" charset="0"/>
+              </a:rPr>
+              <a:t># SR_sigmaR</a:t>
+            </a:r>
+          </a:p>
+          <a:p>
+            <a:pPr marL="0" indent="0">
+              <a:buNone/>
+            </a:pPr>
+            <a:r>
+              <a:rPr lang="pt-BR" sz="2000" b="1" dirty="0" smtClean="0">
+                <a:latin typeface="Courier New" panose="02070309020205020404" pitchFamily="49" charset="0"/>
+                <a:cs typeface="Courier New" panose="02070309020205020404" pitchFamily="49" charset="0"/>
+              </a:rPr>
+              <a:t>-5    5    0     0      99      0       -50     ... </a:t>
+            </a:r>
+            <a:r>
+              <a:rPr lang="pt-BR" sz="2000" b="1" dirty="0" smtClean="0">
+                <a:solidFill>
+                  <a:srgbClr val="C00000"/>
+                </a:solidFill>
+                <a:latin typeface="Courier New" panose="02070309020205020404" pitchFamily="49" charset="0"/>
+                <a:cs typeface="Courier New" panose="02070309020205020404" pitchFamily="49" charset="0"/>
+              </a:rPr>
+              <a:t># SR_regime</a:t>
+            </a:r>
+          </a:p>
+          <a:p>
+            <a:pPr marL="0" indent="0">
+              <a:buNone/>
+            </a:pPr>
+            <a:r>
+              <a:rPr lang="pt-BR" sz="2000" b="1" dirty="0" smtClean="0">
+                <a:latin typeface="Courier New" panose="02070309020205020404" pitchFamily="49" charset="0"/>
+                <a:cs typeface="Courier New" panose="02070309020205020404" pitchFamily="49" charset="0"/>
+              </a:rPr>
+              <a:t>0     2    0     1      99      0       -50     ... </a:t>
+            </a:r>
+            <a:r>
+              <a:rPr lang="pt-BR" sz="2000" b="1" dirty="0" smtClean="0">
+                <a:solidFill>
+                  <a:srgbClr val="C00000"/>
+                </a:solidFill>
+                <a:latin typeface="Courier New" panose="02070309020205020404" pitchFamily="49" charset="0"/>
+                <a:cs typeface="Courier New" panose="02070309020205020404" pitchFamily="49" charset="0"/>
+              </a:rPr>
+              <a:t># SR_autocorr</a:t>
+            </a:r>
+            <a:endParaRPr lang="en-US" sz="2000" b="1" dirty="0">
+              <a:solidFill>
+                <a:srgbClr val="C00000"/>
+              </a:solidFill>
+              <a:latin typeface="Courier New" panose="02070309020205020404" pitchFamily="49" charset="0"/>
+              <a:cs typeface="Courier New" panose="02070309020205020404" pitchFamily="49" charset="0"/>
+            </a:endParaRPr>
+          </a:p>
+        </p:txBody>
+      </p:sp>
+      <p:sp>
+        <p:nvSpPr>
+          <p:cNvPr id="5" name="Slide Number Placeholder 4"/>
           <p:cNvSpPr>
             <a:spLocks noGrp="1"/>
           </p:cNvSpPr>
@@ -11671,213 +13709,14 @@
               <a:rPr lang="en-US" smtClean="0"/>
               <a:t>9</a:t>
             </a:fld>
-            <a:endParaRPr lang="en-US" dirty="0"/>
-          </a:p>
-        </p:txBody>
-      </p:sp>
-      <p:pic>
-        <p:nvPicPr>
-          <p:cNvPr id="9" name="Picture 8"/>
-          <p:cNvPicPr>
-            <a:picLocks noChangeAspect="1"/>
-          </p:cNvPicPr>
-          <p:nvPr/>
-        </p:nvPicPr>
-        <p:blipFill>
-          <a:blip r:embed="rId2"/>
-          <a:stretch>
-            <a:fillRect/>
-          </a:stretch>
-        </p:blipFill>
-        <p:spPr>
-          <a:xfrm>
-            <a:off x="838200" y="869694"/>
-            <a:ext cx="10998200" cy="1114682"/>
-          </a:xfrm>
-          <a:prstGeom prst="rect">
-            <a:avLst/>
-          </a:prstGeom>
-        </p:spPr>
-      </p:pic>
-      <p:sp>
-        <p:nvSpPr>
-          <p:cNvPr id="11" name="Content Placeholder 10"/>
-          <p:cNvSpPr>
-            <a:spLocks noGrp="1"/>
-          </p:cNvSpPr>
-          <p:nvPr>
-            <p:ph sz="half" idx="1"/>
-          </p:nvPr>
-        </p:nvSpPr>
-        <p:spPr>
-          <a:xfrm>
-            <a:off x="838200" y="2209800"/>
-            <a:ext cx="4940300" cy="4368798"/>
-          </a:xfrm>
-        </p:spPr>
-        <p:txBody>
-          <a:bodyPr/>
-          <a:lstStyle/>
-          <a:p>
-            <a:r>
-              <a:rPr lang="en-US" dirty="0" err="1" smtClean="0"/>
-              <a:t>Beverton</a:t>
-            </a:r>
-            <a:r>
-              <a:rPr lang="en-US" dirty="0" smtClean="0"/>
-              <a:t>-Holt is most common choice by far</a:t>
-            </a:r>
-          </a:p>
-          <a:p>
-            <a:r>
-              <a:rPr lang="en-US" i="1" dirty="0" smtClean="0"/>
-              <a:t>R</a:t>
-            </a:r>
-            <a:r>
-              <a:rPr lang="en-US" baseline="-25000" dirty="0" smtClean="0"/>
-              <a:t>0</a:t>
-            </a:r>
-            <a:r>
-              <a:rPr lang="en-US" dirty="0" smtClean="0"/>
-              <a:t> is key scale parameter for most models,</a:t>
-            </a:r>
-          </a:p>
-          <a:p>
-            <a:r>
-              <a:rPr lang="en-US" i="1" dirty="0" smtClean="0"/>
-              <a:t>h</a:t>
-            </a:r>
-            <a:r>
-              <a:rPr lang="en-US" dirty="0" smtClean="0"/>
-              <a:t> difficult to estimate, often doesn’t have strong impact on fit to data, but plays big role in reference points and forecasts</a:t>
-            </a:r>
-            <a:endParaRPr lang="en-US" dirty="0"/>
-          </a:p>
-        </p:txBody>
-      </p:sp>
-      <p:pic>
-        <p:nvPicPr>
-          <p:cNvPr id="12" name="Content Placeholder 7"/>
-          <p:cNvPicPr>
-            <a:picLocks noGrp="1" noChangeAspect="1"/>
-          </p:cNvPicPr>
-          <p:nvPr>
-            <p:ph sz="half" idx="2"/>
-          </p:nvPr>
-        </p:nvPicPr>
-        <p:blipFill>
-          <a:blip r:embed="rId3">
-            <a:extLst>
-              <a:ext uri="{28A0092B-C50C-407E-A947-70E740481C1C}">
-                <a14:useLocalDpi xmlns:a14="http://schemas.microsoft.com/office/drawing/2010/main" val="0"/>
-              </a:ext>
-            </a:extLst>
-          </a:blip>
-          <a:stretch>
-            <a:fillRect/>
-          </a:stretch>
-        </p:blipFill>
-        <p:spPr>
-          <a:xfrm>
-            <a:off x="6299200" y="1739900"/>
-            <a:ext cx="4838700" cy="4838700"/>
-          </a:xfrm>
-        </p:spPr>
-      </p:pic>
-      <p:cxnSp>
-        <p:nvCxnSpPr>
-          <p:cNvPr id="7" name="Straight Arrow Connector 6"/>
-          <p:cNvCxnSpPr/>
-          <p:nvPr/>
-        </p:nvCxnSpPr>
-        <p:spPr>
-          <a:xfrm>
-            <a:off x="11559654" y="709684"/>
-            <a:ext cx="0" cy="504967"/>
-          </a:xfrm>
-          <a:prstGeom prst="straightConnector1">
-            <a:avLst/>
-          </a:prstGeom>
-          <a:ln w="38100">
-            <a:solidFill>
-              <a:srgbClr val="C00000"/>
-            </a:solidFill>
-            <a:tailEnd type="triangle"/>
-          </a:ln>
-        </p:spPr>
-        <p:style>
-          <a:lnRef idx="1">
-            <a:schemeClr val="accent1"/>
-          </a:lnRef>
-          <a:fillRef idx="0">
-            <a:schemeClr val="accent1"/>
-          </a:fillRef>
-          <a:effectRef idx="0">
-            <a:schemeClr val="accent1"/>
-          </a:effectRef>
-          <a:fontRef idx="minor">
-            <a:schemeClr val="tx1"/>
-          </a:fontRef>
-        </p:style>
-      </p:cxnSp>
-      <p:sp>
-        <p:nvSpPr>
-          <p:cNvPr id="10" name="TextBox 9"/>
-          <p:cNvSpPr txBox="1"/>
-          <p:nvPr/>
-        </p:nvSpPr>
-        <p:spPr>
-          <a:xfrm>
-            <a:off x="8847540" y="-10397"/>
-            <a:ext cx="4258101" cy="646331"/>
-          </a:xfrm>
-          <a:prstGeom prst="rect">
-            <a:avLst/>
-          </a:prstGeom>
-          <a:noFill/>
-        </p:spPr>
-        <p:txBody>
-          <a:bodyPr wrap="square" rtlCol="0">
-            <a:spAutoFit/>
-          </a:bodyPr>
-          <a:lstStyle/>
-          <a:p>
-            <a:pPr algn="ctr"/>
-            <a:r>
-              <a:rPr lang="en-US" dirty="0" smtClean="0">
-                <a:solidFill>
-                  <a:srgbClr val="C00000"/>
-                </a:solidFill>
-              </a:rPr>
-              <a:t>Equations from </a:t>
-            </a:r>
-            <a:br>
-              <a:rPr lang="en-US" dirty="0" smtClean="0">
-                <a:solidFill>
-                  <a:srgbClr val="C00000"/>
-                </a:solidFill>
-              </a:rPr>
-            </a:br>
-            <a:r>
-              <a:rPr lang="en-US" dirty="0" smtClean="0">
-                <a:solidFill>
-                  <a:srgbClr val="C00000"/>
-                </a:solidFill>
-              </a:rPr>
-              <a:t>SS User Manual (3.30.08)</a:t>
-            </a:r>
-            <a:endParaRPr lang="en-US" dirty="0">
-              <a:solidFill>
-                <a:srgbClr val="C00000"/>
-              </a:solidFill>
-            </a:endParaRPr>
+            <a:endParaRPr lang="en-US"/>
           </a:p>
         </p:txBody>
       </p:sp>
     </p:spTree>
     <p:extLst>
       <p:ext uri="{BB962C8B-B14F-4D97-AF65-F5344CB8AC3E}">
-        <p14:creationId xmlns:p14="http://schemas.microsoft.com/office/powerpoint/2010/main" val="1569043924"/>
+        <p14:creationId xmlns:p14="http://schemas.microsoft.com/office/powerpoint/2010/main" val="469503780"/>
       </p:ext>
     </p:extLst>
   </p:cSld>

--- a/Modeling Recruitment in Stock Synthesis.pptx
+++ b/Modeling Recruitment in Stock Synthesis.pptx
@@ -7814,7 +7814,7 @@
         <p:spPr/>
         <p:txBody>
           <a:bodyPr>
-            <a:normAutofit fontScale="92500" lnSpcReduction="20000"/>
+            <a:normAutofit fontScale="85000" lnSpcReduction="20000"/>
           </a:bodyPr>
           <a:lstStyle/>
           <a:p>
@@ -7948,6 +7948,33 @@
               <a:rPr lang="en-US" dirty="0" smtClean="0"/>
               <a:t>A few ideas for the future</a:t>
             </a:r>
+          </a:p>
+          <a:p>
+            <a:r>
+              <a:rPr lang="en-US" dirty="0" smtClean="0"/>
+              <a:t>Some files </a:t>
+            </a:r>
+            <a:r>
+              <a:rPr lang="en-US" dirty="0"/>
+              <a:t>on </a:t>
+            </a:r>
+            <a:r>
+              <a:rPr lang="en-US" dirty="0" smtClean="0"/>
+              <a:t>GitHub </a:t>
+            </a:r>
+            <a:r>
+              <a:rPr lang="en-US" dirty="0" smtClean="0">
+                <a:hlinkClick r:id="rId2"/>
+              </a:rPr>
+              <a:t>https</a:t>
+            </a:r>
+            <a:r>
+              <a:rPr lang="en-US" dirty="0">
+                <a:hlinkClick r:id="rId2"/>
+              </a:rPr>
+              <a:t>://github.com/taylori/SSrecruitment</a:t>
+            </a:r>
+            <a:endParaRPr lang="en-US" dirty="0" smtClean="0"/>
           </a:p>
           <a:p>
             <a:pPr lvl="1"/>

--- a/Modeling Recruitment in Stock Synthesis.pptx
+++ b/Modeling Recruitment in Stock Synthesis.pptx
@@ -12325,9 +12325,31 @@
         <p:spPr/>
         <p:txBody>
           <a:bodyPr>
-            <a:normAutofit fontScale="92500"/>
+            <a:normAutofit fontScale="92500" lnSpcReduction="20000"/>
           </a:bodyPr>
           <a:lstStyle/>
+          <a:p>
+            <a:r>
+              <a:rPr lang="en-US" dirty="0"/>
+              <a:t>Johnson, K.F., </a:t>
+            </a:r>
+            <a:r>
+              <a:rPr lang="en-US" dirty="0" err="1"/>
+              <a:t>Councill</a:t>
+            </a:r>
+            <a:r>
+              <a:rPr lang="en-US" dirty="0"/>
+              <a:t>, E., Thorson, J.T., Brooks, E., </a:t>
+            </a:r>
+            <a:r>
+              <a:rPr lang="en-US" dirty="0" err="1"/>
+              <a:t>Methot</a:t>
+            </a:r>
+            <a:r>
+              <a:rPr lang="en-US" dirty="0"/>
+              <a:t>, R.D., Punt, A.E., 2016. Can autocorrelated recruitment be estimated using integrated assessment models and how does it affect population forecasts? Fish. Res. 183, 222–232.</a:t>
+            </a:r>
+          </a:p>
           <a:p>
             <a:r>
               <a:rPr lang="en-US" dirty="0" err="1" smtClean="0"/>
